--- a/src/d191016/joeunae/Linux & window.pptx
+++ b/src/d191016/joeunae/Linux & window.pptx
@@ -1,43 +1,40 @@
 
 <file path=ppt/presentation.xml><?xml version="1.0" encoding="utf-8"?>
-<p:presentation xmlns:a="http://schemas.openxmlformats.org/drawingml/2006/main" xmlns:r="http://schemas.openxmlformats.org/officeDocument/2006/relationships" xmlns:mc="http://schemas.openxmlformats.org/markup-compatibility/2006" xmlns:mv="urn:schemas-microsoft-com:mac:vml" xmlns:p="http://schemas.openxmlformats.org/presentationml/2006/main" xmlns:c="http://schemas.openxmlformats.org/drawingml/2006/chart" xmlns:dgm="http://schemas.openxmlformats.org/drawingml/2006/diagram" xmlns:o="urn:schemas-microsoft-com:office:office" xmlns:v="urn:schemas-microsoft-com:vml" xmlns:pvml="urn:schemas-microsoft-com:office:powerpoint" xmlns:com="http://schemas.openxmlformats.org/drawingml/2006/compatibility" xmlns:p14="http://schemas.microsoft.com/office/powerpoint/2010/main" xmlns:p15="http://schemas.microsoft.com/office/powerpoint/2012/main" autoCompressPictures="0" embedTrueTypeFonts="1" strictFirstAndLastChars="0" saveSubsetFonts="1">
+<p:presentation xmlns:a="http://schemas.openxmlformats.org/drawingml/2006/main" xmlns:r="http://schemas.openxmlformats.org/officeDocument/2006/relationships" xmlns:p="http://schemas.openxmlformats.org/presentationml/2006/main" strictFirstAndLastChars="0" embedTrueTypeFonts="1" saveSubsetFonts="1" autoCompressPictures="0">
   <p:sldMasterIdLst>
-    <p:sldMasterId id="2147483659" r:id="rId5"/>
+    <p:sldMasterId id="2147483659" r:id="rId1"/>
   </p:sldMasterIdLst>
   <p:notesMasterIdLst>
-    <p:notesMasterId r:id="rId6"/>
+    <p:notesMasterId r:id="rId13"/>
   </p:notesMasterIdLst>
   <p:sldIdLst>
-    <p:sldId id="256" r:id="rId7"/>
-    <p:sldId id="257" r:id="rId8"/>
-    <p:sldId id="258" r:id="rId9"/>
-    <p:sldId id="259" r:id="rId10"/>
-    <p:sldId id="260" r:id="rId11"/>
-    <p:sldId id="261" r:id="rId12"/>
-    <p:sldId id="262" r:id="rId13"/>
-    <p:sldId id="263" r:id="rId14"/>
-    <p:sldId id="264" r:id="rId15"/>
-    <p:sldId id="265" r:id="rId16"/>
-    <p:sldId id="266" r:id="rId17"/>
+    <p:sldId id="256" r:id="rId2"/>
+    <p:sldId id="257" r:id="rId3"/>
+    <p:sldId id="258" r:id="rId4"/>
+    <p:sldId id="259" r:id="rId5"/>
+    <p:sldId id="260" r:id="rId6"/>
+    <p:sldId id="261" r:id="rId7"/>
+    <p:sldId id="262" r:id="rId8"/>
+    <p:sldId id="263" r:id="rId9"/>
+    <p:sldId id="264" r:id="rId10"/>
+    <p:sldId id="265" r:id="rId11"/>
+    <p:sldId id="266" r:id="rId12"/>
   </p:sldIdLst>
-  <p:sldSz cy="5143500" cx="9144000"/>
+  <p:sldSz cx="9144000" cy="5143500" type="screen16x9"/>
   <p:notesSz cx="6858000" cy="9144000"/>
   <p:embeddedFontLst>
     <p:embeddedFont>
-      <p:font typeface="PT Sans Narrow"/>
-      <p:regular r:id="rId18"/>
-      <p:bold r:id="rId19"/>
+      <p:font typeface="Open Sans" pitchFamily="34" charset="0"/>
+      <p:regular r:id="rId14"/>
     </p:embeddedFont>
     <p:embeddedFont>
-      <p:font typeface="Open Sans"/>
-      <p:regular r:id="rId20"/>
-      <p:bold r:id="rId21"/>
-      <p:italic r:id="rId22"/>
-      <p:boldItalic r:id="rId23"/>
+      <p:font typeface="맑은 고딕" pitchFamily="50" charset="-127"/>
+      <p:regular r:id="rId15"/>
+      <p:bold r:id="rId16"/>
     </p:embeddedFont>
   </p:embeddedFontLst>
   <p:defaultTextStyle>
-    <a:defPPr lvl="0" marR="0" rtl="0" algn="l">
+    <a:defPPr marR="0" lvl="0" algn="l" rtl="0">
       <a:lnSpc>
         <a:spcPct val="100000"/>
       </a:lnSpc>
@@ -48,7 +45,7 @@
         <a:spcPts val="0"/>
       </a:spcAft>
     </a:defPPr>
-    <a:lvl1pPr lvl="0" marR="0" rtl="0" algn="l">
+    <a:lvl1pPr marR="0" lvl="0" algn="l" rtl="0">
       <a:lnSpc>
         <a:spcPct val="100000"/>
       </a:lnSpc>
@@ -62,7 +59,7 @@
         <a:srgbClr val="000000"/>
       </a:buClr>
       <a:buFont typeface="Arial"/>
-      <a:defRPr b="0" i="0" sz="1400" u="none" cap="none" strike="noStrike">
+      <a:defRPr sz="1400" b="0" i="0" u="none" strike="noStrike" cap="none">
         <a:solidFill>
           <a:srgbClr val="000000"/>
         </a:solidFill>
@@ -72,7 +69,7 @@
         <a:sym typeface="Arial"/>
       </a:defRPr>
     </a:lvl1pPr>
-    <a:lvl2pPr lvl="1" marR="0" rtl="0" algn="l">
+    <a:lvl2pPr marR="0" lvl="1" algn="l" rtl="0">
       <a:lnSpc>
         <a:spcPct val="100000"/>
       </a:lnSpc>
@@ -86,7 +83,7 @@
         <a:srgbClr val="000000"/>
       </a:buClr>
       <a:buFont typeface="Arial"/>
-      <a:defRPr b="0" i="0" sz="1400" u="none" cap="none" strike="noStrike">
+      <a:defRPr sz="1400" b="0" i="0" u="none" strike="noStrike" cap="none">
         <a:solidFill>
           <a:srgbClr val="000000"/>
         </a:solidFill>
@@ -96,7 +93,7 @@
         <a:sym typeface="Arial"/>
       </a:defRPr>
     </a:lvl2pPr>
-    <a:lvl3pPr lvl="2" marR="0" rtl="0" algn="l">
+    <a:lvl3pPr marR="0" lvl="2" algn="l" rtl="0">
       <a:lnSpc>
         <a:spcPct val="100000"/>
       </a:lnSpc>
@@ -110,7 +107,7 @@
         <a:srgbClr val="000000"/>
       </a:buClr>
       <a:buFont typeface="Arial"/>
-      <a:defRPr b="0" i="0" sz="1400" u="none" cap="none" strike="noStrike">
+      <a:defRPr sz="1400" b="0" i="0" u="none" strike="noStrike" cap="none">
         <a:solidFill>
           <a:srgbClr val="000000"/>
         </a:solidFill>
@@ -120,7 +117,7 @@
         <a:sym typeface="Arial"/>
       </a:defRPr>
     </a:lvl3pPr>
-    <a:lvl4pPr lvl="3" marR="0" rtl="0" algn="l">
+    <a:lvl4pPr marR="0" lvl="3" algn="l" rtl="0">
       <a:lnSpc>
         <a:spcPct val="100000"/>
       </a:lnSpc>
@@ -134,7 +131,7 @@
         <a:srgbClr val="000000"/>
       </a:buClr>
       <a:buFont typeface="Arial"/>
-      <a:defRPr b="0" i="0" sz="1400" u="none" cap="none" strike="noStrike">
+      <a:defRPr sz="1400" b="0" i="0" u="none" strike="noStrike" cap="none">
         <a:solidFill>
           <a:srgbClr val="000000"/>
         </a:solidFill>
@@ -144,7 +141,7 @@
         <a:sym typeface="Arial"/>
       </a:defRPr>
     </a:lvl4pPr>
-    <a:lvl5pPr lvl="4" marR="0" rtl="0" algn="l">
+    <a:lvl5pPr marR="0" lvl="4" algn="l" rtl="0">
       <a:lnSpc>
         <a:spcPct val="100000"/>
       </a:lnSpc>
@@ -158,7 +155,7 @@
         <a:srgbClr val="000000"/>
       </a:buClr>
       <a:buFont typeface="Arial"/>
-      <a:defRPr b="0" i="0" sz="1400" u="none" cap="none" strike="noStrike">
+      <a:defRPr sz="1400" b="0" i="0" u="none" strike="noStrike" cap="none">
         <a:solidFill>
           <a:srgbClr val="000000"/>
         </a:solidFill>
@@ -168,7 +165,7 @@
         <a:sym typeface="Arial"/>
       </a:defRPr>
     </a:lvl5pPr>
-    <a:lvl6pPr lvl="5" marR="0" rtl="0" algn="l">
+    <a:lvl6pPr marR="0" lvl="5" algn="l" rtl="0">
       <a:lnSpc>
         <a:spcPct val="100000"/>
       </a:lnSpc>
@@ -182,7 +179,7 @@
         <a:srgbClr val="000000"/>
       </a:buClr>
       <a:buFont typeface="Arial"/>
-      <a:defRPr b="0" i="0" sz="1400" u="none" cap="none" strike="noStrike">
+      <a:defRPr sz="1400" b="0" i="0" u="none" strike="noStrike" cap="none">
         <a:solidFill>
           <a:srgbClr val="000000"/>
         </a:solidFill>
@@ -192,7 +189,7 @@
         <a:sym typeface="Arial"/>
       </a:defRPr>
     </a:lvl6pPr>
-    <a:lvl7pPr lvl="6" marR="0" rtl="0" algn="l">
+    <a:lvl7pPr marR="0" lvl="6" algn="l" rtl="0">
       <a:lnSpc>
         <a:spcPct val="100000"/>
       </a:lnSpc>
@@ -206,7 +203,7 @@
         <a:srgbClr val="000000"/>
       </a:buClr>
       <a:buFont typeface="Arial"/>
-      <a:defRPr b="0" i="0" sz="1400" u="none" cap="none" strike="noStrike">
+      <a:defRPr sz="1400" b="0" i="0" u="none" strike="noStrike" cap="none">
         <a:solidFill>
           <a:srgbClr val="000000"/>
         </a:solidFill>
@@ -216,7 +213,7 @@
         <a:sym typeface="Arial"/>
       </a:defRPr>
     </a:lvl7pPr>
-    <a:lvl8pPr lvl="7" marR="0" rtl="0" algn="l">
+    <a:lvl8pPr marR="0" lvl="7" algn="l" rtl="0">
       <a:lnSpc>
         <a:spcPct val="100000"/>
       </a:lnSpc>
@@ -230,7 +227,7 @@
         <a:srgbClr val="000000"/>
       </a:buClr>
       <a:buFont typeface="Arial"/>
-      <a:defRPr b="0" i="0" sz="1400" u="none" cap="none" strike="noStrike">
+      <a:defRPr sz="1400" b="0" i="0" u="none" strike="noStrike" cap="none">
         <a:solidFill>
           <a:srgbClr val="000000"/>
         </a:solidFill>
@@ -240,7 +237,7 @@
         <a:sym typeface="Arial"/>
       </a:defRPr>
     </a:lvl8pPr>
-    <a:lvl9pPr lvl="8" marR="0" rtl="0" algn="l">
+    <a:lvl9pPr marR="0" lvl="8" algn="l" rtl="0">
       <a:lnSpc>
         <a:spcPct val="100000"/>
       </a:lnSpc>
@@ -254,7 +251,7 @@
         <a:srgbClr val="000000"/>
       </a:buClr>
       <a:buFont typeface="Arial"/>
-      <a:defRPr b="0" i="0" sz="1400" u="none" cap="none" strike="noStrike">
+      <a:defRPr sz="1400" b="0" i="0" u="none" strike="noStrike" cap="none">
         <a:solidFill>
           <a:srgbClr val="000000"/>
         </a:solidFill>
@@ -267,7 +264,7 @@
   </p:defaultTextStyle>
   <p:extLst>
     <p:ext uri="{EFAFB233-063F-42B5-8137-9DF3F51BA10A}">
-      <p15:sldGuideLst>
+      <p15:sldGuideLst xmlns:p15="http://schemas.microsoft.com/office/powerpoint/2012/main" xmlns:p14="http://schemas.microsoft.com/office/powerpoint/2010/main" xmlns:com="http://schemas.openxmlformats.org/drawingml/2006/compatibility" xmlns:pvml="urn:schemas-microsoft-com:office:powerpoint" xmlns:v="urn:schemas-microsoft-com:vml" xmlns:o="urn:schemas-microsoft-com:office:office" xmlns:dgm="http://schemas.openxmlformats.org/drawingml/2006/diagram" xmlns:c="http://schemas.openxmlformats.org/drawingml/2006/chart" xmlns:mv="urn:schemas-microsoft-com:mac:vml" xmlns:mc="http://schemas.openxmlformats.org/markup-compatibility/2006" xmlns="">
         <p15:guide id="1" orient="horz" pos="1620">
           <p15:clr>
             <a:srgbClr val="A4A3A4"/>
@@ -285,11 +282,16 @@
 </file>
 
 <file path=ppt/notesMasters/notesMaster1.xml><?xml version="1.0" encoding="utf-8"?>
-<p:notesMaster xmlns:a="http://schemas.openxmlformats.org/drawingml/2006/main" xmlns:r="http://schemas.openxmlformats.org/officeDocument/2006/relationships" xmlns:mc="http://schemas.openxmlformats.org/markup-compatibility/2006" xmlns:mv="urn:schemas-microsoft-com:mac:vml" xmlns:p="http://schemas.openxmlformats.org/presentationml/2006/main" xmlns:c="http://schemas.openxmlformats.org/drawingml/2006/chart" xmlns:dgm="http://schemas.openxmlformats.org/drawingml/2006/diagram" xmlns:o="urn:schemas-microsoft-com:office:office" xmlns:v="urn:schemas-microsoft-com:vml" xmlns:pvml="urn:schemas-microsoft-com:office:powerpoint" xmlns:com="http://schemas.openxmlformats.org/drawingml/2006/compatibility" xmlns:p14="http://schemas.microsoft.com/office/powerpoint/2010/main" xmlns:p15="http://schemas.microsoft.com/office/powerpoint/2012/main">
+<p:notesMaster xmlns:a="http://schemas.openxmlformats.org/drawingml/2006/main" xmlns:r="http://schemas.openxmlformats.org/officeDocument/2006/relationships" xmlns:p="http://schemas.openxmlformats.org/presentationml/2006/main">
   <p:cSld>
+    <p:bg>
+      <p:bgRef idx="1001">
+        <a:schemeClr val="bg1"/>
+      </p:bgRef>
+    </p:bg>
     <p:spTree>
       <p:nvGrpSpPr>
-        <p:cNvPr id="2" name="Shape 2"/>
+        <p:cNvPr id="1" name="Shape 2"/>
         <p:cNvGrpSpPr/>
         <p:nvPr/>
       </p:nvGrpSpPr>
@@ -304,9 +306,11 @@
       <p:sp>
         <p:nvSpPr>
           <p:cNvPr id="3" name="Google Shape;3;n"/>
-          <p:cNvSpPr/>
+          <p:cNvSpPr>
+            <a:spLocks noGrp="1" noRot="1" noChangeAspect="1"/>
+          </p:cNvSpPr>
           <p:nvPr>
-            <p:ph idx="2" type="sldImg"/>
+            <p:ph type="sldImg" idx="2"/>
           </p:nvPr>
         </p:nvSpPr>
         <p:spPr>
@@ -315,9 +319,13 @@
             <a:ext cx="6096075" cy="3429000"/>
           </a:xfrm>
           <a:custGeom>
-            <a:rect b="b" l="l" r="r" t="t"/>
+            <a:avLst/>
+            <a:gdLst/>
+            <a:ahLst/>
+            <a:cxnLst/>
+            <a:rect l="l" t="t" r="r" b="b"/>
             <a:pathLst>
-              <a:path extrusionOk="0" h="120000" w="120000">
+              <a:path w="120000" h="120000" extrusionOk="0">
                 <a:moveTo>
                   <a:pt x="0" y="0"/>
                 </a:moveTo>
@@ -335,23 +343,25 @@
             </a:pathLst>
           </a:custGeom>
           <a:noFill/>
-          <a:ln cap="flat" cmpd="sng" w="9525">
+          <a:ln w="9525" cap="flat" cmpd="sng">
             <a:solidFill>
               <a:srgbClr val="000000"/>
             </a:solidFill>
             <a:prstDash val="solid"/>
             <a:round/>
-            <a:headEnd len="sm" w="sm" type="none"/>
-            <a:tailEnd len="sm" w="sm" type="none"/>
+            <a:headEnd type="none" w="sm" len="sm"/>
+            <a:tailEnd type="none" w="sm" len="sm"/>
           </a:ln>
         </p:spPr>
       </p:sp>
       <p:sp>
         <p:nvSpPr>
           <p:cNvPr id="4" name="Google Shape;4;n"/>
-          <p:cNvSpPr txBox="1"/>
+          <p:cNvSpPr txBox="1">
+            <a:spLocks noGrp="1"/>
+          </p:cNvSpPr>
           <p:nvPr>
-            <p:ph idx="1" type="body"/>
+            <p:ph type="body" idx="1"/>
           </p:nvPr>
         </p:nvSpPr>
         <p:spPr>
@@ -368,11 +378,11 @@
           </a:ln>
         </p:spPr>
         <p:txBody>
-          <a:bodyPr anchorCtr="0" anchor="t" bIns="91425" lIns="91425" spcFirstLastPara="1" rIns="91425" wrap="square" tIns="91425">
+          <a:bodyPr spcFirstLastPara="1" wrap="square" lIns="91425" tIns="91425" rIns="91425" bIns="91425" anchor="t" anchorCtr="0">
             <a:noAutofit/>
           </a:bodyPr>
           <a:lstStyle>
-            <a:lvl1pPr indent="-298450" lvl="0" marL="457200">
+            <a:lvl1pPr marL="457200" lvl="0" indent="-298450">
               <a:spcBef>
                 <a:spcPts val="0"/>
               </a:spcBef>
@@ -383,7 +393,7 @@
               <a:buChar char="●"/>
               <a:defRPr sz="1100"/>
             </a:lvl1pPr>
-            <a:lvl2pPr indent="-298450" lvl="1" marL="914400">
+            <a:lvl2pPr marL="914400" lvl="1" indent="-298450">
               <a:spcBef>
                 <a:spcPts val="0"/>
               </a:spcBef>
@@ -394,7 +404,7 @@
               <a:buChar char="○"/>
               <a:defRPr sz="1100"/>
             </a:lvl2pPr>
-            <a:lvl3pPr indent="-298450" lvl="2" marL="1371600">
+            <a:lvl3pPr marL="1371600" lvl="2" indent="-298450">
               <a:spcBef>
                 <a:spcPts val="0"/>
               </a:spcBef>
@@ -405,7 +415,7 @@
               <a:buChar char="■"/>
               <a:defRPr sz="1100"/>
             </a:lvl3pPr>
-            <a:lvl4pPr indent="-298450" lvl="3" marL="1828800">
+            <a:lvl4pPr marL="1828800" lvl="3" indent="-298450">
               <a:spcBef>
                 <a:spcPts val="0"/>
               </a:spcBef>
@@ -416,7 +426,7 @@
               <a:buChar char="●"/>
               <a:defRPr sz="1100"/>
             </a:lvl4pPr>
-            <a:lvl5pPr indent="-298450" lvl="4" marL="2286000">
+            <a:lvl5pPr marL="2286000" lvl="4" indent="-298450">
               <a:spcBef>
                 <a:spcPts val="0"/>
               </a:spcBef>
@@ -427,7 +437,7 @@
               <a:buChar char="○"/>
               <a:defRPr sz="1100"/>
             </a:lvl5pPr>
-            <a:lvl6pPr indent="-298450" lvl="5" marL="2743200">
+            <a:lvl6pPr marL="2743200" lvl="5" indent="-298450">
               <a:spcBef>
                 <a:spcPts val="0"/>
               </a:spcBef>
@@ -438,7 +448,7 @@
               <a:buChar char="■"/>
               <a:defRPr sz="1100"/>
             </a:lvl6pPr>
-            <a:lvl7pPr indent="-298450" lvl="6" marL="3200400">
+            <a:lvl7pPr marL="3200400" lvl="6" indent="-298450">
               <a:spcBef>
                 <a:spcPts val="0"/>
               </a:spcBef>
@@ -449,7 +459,7 @@
               <a:buChar char="●"/>
               <a:defRPr sz="1100"/>
             </a:lvl7pPr>
-            <a:lvl8pPr indent="-298450" lvl="7" marL="3657600">
+            <a:lvl8pPr marL="3657600" lvl="7" indent="-298450">
               <a:spcBef>
                 <a:spcPts val="0"/>
               </a:spcBef>
@@ -460,7 +470,7 @@
               <a:buChar char="○"/>
               <a:defRPr sz="1100"/>
             </a:lvl8pPr>
-            <a:lvl9pPr indent="-298450" lvl="8" marL="4114800">
+            <a:lvl9pPr marL="4114800" lvl="8" indent="-298450">
               <a:spcBef>
                 <a:spcPts val="0"/>
               </a:spcBef>
@@ -472,14 +482,16 @@
               <a:defRPr sz="1100"/>
             </a:lvl9pPr>
           </a:lstStyle>
-          <a:p/>
+          <a:p>
+            <a:endParaRPr/>
+          </a:p>
         </p:txBody>
       </p:sp>
     </p:spTree>
   </p:cSld>
-  <p:clrMap accent1="accent1" accent2="accent2" accent3="accent3" accent4="accent4" accent5="accent5" accent6="accent6" bg1="lt1" bg2="dk2" tx1="dk1" tx2="lt2" folHlink="folHlink" hlink="hlink"/>
+  <p:clrMap bg1="lt1" tx1="dk1" bg2="dk2" tx2="lt2" accent1="accent1" accent2="accent2" accent3="accent3" accent4="accent4" accent5="accent5" accent6="accent6" hlink="hlink" folHlink="folHlink"/>
   <p:notesStyle>
-    <a:defPPr lvl="0" marR="0" rtl="0" algn="l">
+    <a:defPPr marR="0" lvl="0" algn="l" rtl="0">
       <a:lnSpc>
         <a:spcPct val="100000"/>
       </a:lnSpc>
@@ -490,7 +502,7 @@
         <a:spcPts val="0"/>
       </a:spcAft>
     </a:defPPr>
-    <a:lvl1pPr lvl="0" marR="0" rtl="0" algn="l">
+    <a:lvl1pPr marR="0" lvl="0" algn="l" rtl="0">
       <a:lnSpc>
         <a:spcPct val="100000"/>
       </a:lnSpc>
@@ -504,7 +516,7 @@
         <a:srgbClr val="000000"/>
       </a:buClr>
       <a:buFont typeface="Arial"/>
-      <a:defRPr b="0" i="0" sz="1400" u="none" cap="none" strike="noStrike">
+      <a:defRPr sz="1400" b="0" i="0" u="none" strike="noStrike" cap="none">
         <a:solidFill>
           <a:srgbClr val="000000"/>
         </a:solidFill>
@@ -514,7 +526,7 @@
         <a:sym typeface="Arial"/>
       </a:defRPr>
     </a:lvl1pPr>
-    <a:lvl2pPr lvl="1" marR="0" rtl="0" algn="l">
+    <a:lvl2pPr marR="0" lvl="1" algn="l" rtl="0">
       <a:lnSpc>
         <a:spcPct val="100000"/>
       </a:lnSpc>
@@ -528,7 +540,7 @@
         <a:srgbClr val="000000"/>
       </a:buClr>
       <a:buFont typeface="Arial"/>
-      <a:defRPr b="0" i="0" sz="1400" u="none" cap="none" strike="noStrike">
+      <a:defRPr sz="1400" b="0" i="0" u="none" strike="noStrike" cap="none">
         <a:solidFill>
           <a:srgbClr val="000000"/>
         </a:solidFill>
@@ -538,7 +550,7 @@
         <a:sym typeface="Arial"/>
       </a:defRPr>
     </a:lvl2pPr>
-    <a:lvl3pPr lvl="2" marR="0" rtl="0" algn="l">
+    <a:lvl3pPr marR="0" lvl="2" algn="l" rtl="0">
       <a:lnSpc>
         <a:spcPct val="100000"/>
       </a:lnSpc>
@@ -552,7 +564,7 @@
         <a:srgbClr val="000000"/>
       </a:buClr>
       <a:buFont typeface="Arial"/>
-      <a:defRPr b="0" i="0" sz="1400" u="none" cap="none" strike="noStrike">
+      <a:defRPr sz="1400" b="0" i="0" u="none" strike="noStrike" cap="none">
         <a:solidFill>
           <a:srgbClr val="000000"/>
         </a:solidFill>
@@ -562,7 +574,7 @@
         <a:sym typeface="Arial"/>
       </a:defRPr>
     </a:lvl3pPr>
-    <a:lvl4pPr lvl="3" marR="0" rtl="0" algn="l">
+    <a:lvl4pPr marR="0" lvl="3" algn="l" rtl="0">
       <a:lnSpc>
         <a:spcPct val="100000"/>
       </a:lnSpc>
@@ -576,7 +588,7 @@
         <a:srgbClr val="000000"/>
       </a:buClr>
       <a:buFont typeface="Arial"/>
-      <a:defRPr b="0" i="0" sz="1400" u="none" cap="none" strike="noStrike">
+      <a:defRPr sz="1400" b="0" i="0" u="none" strike="noStrike" cap="none">
         <a:solidFill>
           <a:srgbClr val="000000"/>
         </a:solidFill>
@@ -586,7 +598,7 @@
         <a:sym typeface="Arial"/>
       </a:defRPr>
     </a:lvl4pPr>
-    <a:lvl5pPr lvl="4" marR="0" rtl="0" algn="l">
+    <a:lvl5pPr marR="0" lvl="4" algn="l" rtl="0">
       <a:lnSpc>
         <a:spcPct val="100000"/>
       </a:lnSpc>
@@ -600,7 +612,7 @@
         <a:srgbClr val="000000"/>
       </a:buClr>
       <a:buFont typeface="Arial"/>
-      <a:defRPr b="0" i="0" sz="1400" u="none" cap="none" strike="noStrike">
+      <a:defRPr sz="1400" b="0" i="0" u="none" strike="noStrike" cap="none">
         <a:solidFill>
           <a:srgbClr val="000000"/>
         </a:solidFill>
@@ -610,7 +622,7 @@
         <a:sym typeface="Arial"/>
       </a:defRPr>
     </a:lvl5pPr>
-    <a:lvl6pPr lvl="5" marR="0" rtl="0" algn="l">
+    <a:lvl6pPr marR="0" lvl="5" algn="l" rtl="0">
       <a:lnSpc>
         <a:spcPct val="100000"/>
       </a:lnSpc>
@@ -624,7 +636,7 @@
         <a:srgbClr val="000000"/>
       </a:buClr>
       <a:buFont typeface="Arial"/>
-      <a:defRPr b="0" i="0" sz="1400" u="none" cap="none" strike="noStrike">
+      <a:defRPr sz="1400" b="0" i="0" u="none" strike="noStrike" cap="none">
         <a:solidFill>
           <a:srgbClr val="000000"/>
         </a:solidFill>
@@ -634,7 +646,7 @@
         <a:sym typeface="Arial"/>
       </a:defRPr>
     </a:lvl6pPr>
-    <a:lvl7pPr lvl="6" marR="0" rtl="0" algn="l">
+    <a:lvl7pPr marR="0" lvl="6" algn="l" rtl="0">
       <a:lnSpc>
         <a:spcPct val="100000"/>
       </a:lnSpc>
@@ -648,7 +660,7 @@
         <a:srgbClr val="000000"/>
       </a:buClr>
       <a:buFont typeface="Arial"/>
-      <a:defRPr b="0" i="0" sz="1400" u="none" cap="none" strike="noStrike">
+      <a:defRPr sz="1400" b="0" i="0" u="none" strike="noStrike" cap="none">
         <a:solidFill>
           <a:srgbClr val="000000"/>
         </a:solidFill>
@@ -658,7 +670,7 @@
         <a:sym typeface="Arial"/>
       </a:defRPr>
     </a:lvl7pPr>
-    <a:lvl8pPr lvl="7" marR="0" rtl="0" algn="l">
+    <a:lvl8pPr marR="0" lvl="7" algn="l" rtl="0">
       <a:lnSpc>
         <a:spcPct val="100000"/>
       </a:lnSpc>
@@ -672,7 +684,7 @@
         <a:srgbClr val="000000"/>
       </a:buClr>
       <a:buFont typeface="Arial"/>
-      <a:defRPr b="0" i="0" sz="1400" u="none" cap="none" strike="noStrike">
+      <a:defRPr sz="1400" b="0" i="0" u="none" strike="noStrike" cap="none">
         <a:solidFill>
           <a:srgbClr val="000000"/>
         </a:solidFill>
@@ -682,7 +694,7 @@
         <a:sym typeface="Arial"/>
       </a:defRPr>
     </a:lvl8pPr>
-    <a:lvl9pPr lvl="8" marR="0" rtl="0" algn="l">
+    <a:lvl9pPr marR="0" lvl="8" algn="l" rtl="0">
       <a:lnSpc>
         <a:spcPct val="100000"/>
       </a:lnSpc>
@@ -696,7 +708,7 @@
         <a:srgbClr val="000000"/>
       </a:buClr>
       <a:buFont typeface="Arial"/>
-      <a:defRPr b="0" i="0" sz="1400" u="none" cap="none" strike="noStrike">
+      <a:defRPr sz="1400" b="0" i="0" u="none" strike="noStrike" cap="none">
         <a:solidFill>
           <a:srgbClr val="000000"/>
         </a:solidFill>
@@ -711,11 +723,11 @@
 </file>
 
 <file path=ppt/notesSlides/notesSlide1.xml><?xml version="1.0" encoding="utf-8"?>
-<p:notes xmlns:a="http://schemas.openxmlformats.org/drawingml/2006/main" xmlns:r="http://schemas.openxmlformats.org/officeDocument/2006/relationships" xmlns:mc="http://schemas.openxmlformats.org/markup-compatibility/2006" xmlns:mv="urn:schemas-microsoft-com:mac:vml" xmlns:p="http://schemas.openxmlformats.org/presentationml/2006/main" xmlns:c="http://schemas.openxmlformats.org/drawingml/2006/chart" xmlns:dgm="http://schemas.openxmlformats.org/drawingml/2006/diagram" xmlns:o="urn:schemas-microsoft-com:office:office" xmlns:v="urn:schemas-microsoft-com:vml" xmlns:pvml="urn:schemas-microsoft-com:office:powerpoint" xmlns:com="http://schemas.openxmlformats.org/drawingml/2006/compatibility" xmlns:p14="http://schemas.microsoft.com/office/powerpoint/2010/main" xmlns:p15="http://schemas.microsoft.com/office/powerpoint/2012/main" showMasterPhAnim="0" showMasterSp="0">
+<p:notes xmlns:a="http://schemas.openxmlformats.org/drawingml/2006/main" xmlns:r="http://schemas.openxmlformats.org/officeDocument/2006/relationships" xmlns:p="http://schemas.openxmlformats.org/presentationml/2006/main" showMasterSp="0" showMasterPhAnim="0">
   <p:cSld>
     <p:spTree>
       <p:nvGrpSpPr>
-        <p:cNvPr id="62" name="Shape 62"/>
+        <p:cNvPr id="1" name="Shape 62"/>
         <p:cNvGrpSpPr/>
         <p:nvPr/>
       </p:nvGrpSpPr>
@@ -730,9 +742,11 @@
       <p:sp>
         <p:nvSpPr>
           <p:cNvPr id="63" name="Google Shape;63;g650579d8e1_0_0:notes"/>
-          <p:cNvSpPr/>
+          <p:cNvSpPr>
+            <a:spLocks noGrp="1" noRot="1" noChangeAspect="1"/>
+          </p:cNvSpPr>
           <p:nvPr>
-            <p:ph idx="2" type="sldImg"/>
+            <p:ph type="sldImg" idx="2"/>
           </p:nvPr>
         </p:nvSpPr>
         <p:spPr>
@@ -741,9 +755,13 @@
             <a:ext cx="6096000" cy="3429000"/>
           </a:xfrm>
           <a:custGeom>
-            <a:rect b="b" l="l" r="r" t="t"/>
+            <a:avLst/>
+            <a:gdLst/>
+            <a:ahLst/>
+            <a:cxnLst/>
+            <a:rect l="l" t="t" r="r" b="b"/>
             <a:pathLst>
-              <a:path extrusionOk="0" h="120000" w="120000">
+              <a:path w="120000" h="120000" extrusionOk="0">
                 <a:moveTo>
                   <a:pt x="0" y="0"/>
                 </a:moveTo>
@@ -765,9 +783,11 @@
       <p:sp>
         <p:nvSpPr>
           <p:cNvPr id="64" name="Google Shape;64;g650579d8e1_0_0:notes"/>
-          <p:cNvSpPr txBox="1"/>
+          <p:cNvSpPr txBox="1">
+            <a:spLocks noGrp="1"/>
+          </p:cNvSpPr>
           <p:nvPr>
-            <p:ph idx="1" type="body"/>
+            <p:ph type="body" idx="1"/>
           </p:nvPr>
         </p:nvSpPr>
         <p:spPr>
@@ -780,12 +800,12 @@
           </a:prstGeom>
         </p:spPr>
         <p:txBody>
-          <a:bodyPr anchorCtr="0" anchor="t" bIns="91425" lIns="91425" spcFirstLastPara="1" rIns="91425" wrap="square" tIns="91425">
+          <a:bodyPr spcFirstLastPara="1" wrap="square" lIns="91425" tIns="91425" rIns="91425" bIns="91425" anchor="t" anchorCtr="0">
             <a:noAutofit/>
           </a:bodyPr>
           <a:lstStyle/>
           <a:p>
-            <a:pPr indent="0" lvl="0" marL="0" rtl="0" algn="l">
+            <a:pPr marL="0" lvl="0" indent="0" algn="l" rtl="0">
               <a:spcBef>
                 <a:spcPts val="0"/>
               </a:spcBef>
@@ -799,7 +819,7 @@
                 <a:solidFill>
                   <a:schemeClr val="hlink"/>
                 </a:solidFill>
-                <a:hlinkClick r:id="rId2"/>
+                <a:hlinkClick r:id="rId3"/>
               </a:rPr>
               <a:t>https://smsinfo.tistory.com/512</a:t>
             </a:r>
@@ -816,11 +836,11 @@
 </file>
 
 <file path=ppt/notesSlides/notesSlide10.xml><?xml version="1.0" encoding="utf-8"?>
-<p:notes xmlns:a="http://schemas.openxmlformats.org/drawingml/2006/main" xmlns:r="http://schemas.openxmlformats.org/officeDocument/2006/relationships" xmlns:mc="http://schemas.openxmlformats.org/markup-compatibility/2006" xmlns:mv="urn:schemas-microsoft-com:mac:vml" xmlns:p="http://schemas.openxmlformats.org/presentationml/2006/main" xmlns:c="http://schemas.openxmlformats.org/drawingml/2006/chart" xmlns:dgm="http://schemas.openxmlformats.org/drawingml/2006/diagram" xmlns:o="urn:schemas-microsoft-com:office:office" xmlns:v="urn:schemas-microsoft-com:vml" xmlns:pvml="urn:schemas-microsoft-com:office:powerpoint" xmlns:com="http://schemas.openxmlformats.org/drawingml/2006/compatibility" xmlns:p14="http://schemas.microsoft.com/office/powerpoint/2010/main" xmlns:p15="http://schemas.microsoft.com/office/powerpoint/2012/main" showMasterPhAnim="0" showMasterSp="0">
+<p:notes xmlns:a="http://schemas.openxmlformats.org/drawingml/2006/main" xmlns:r="http://schemas.openxmlformats.org/officeDocument/2006/relationships" xmlns:p="http://schemas.openxmlformats.org/presentationml/2006/main" showMasterSp="0" showMasterPhAnim="0">
   <p:cSld>
     <p:spTree>
       <p:nvGrpSpPr>
-        <p:cNvPr id="131" name="Shape 131"/>
+        <p:cNvPr id="1" name="Shape 131"/>
         <p:cNvGrpSpPr/>
         <p:nvPr/>
       </p:nvGrpSpPr>
@@ -835,20 +855,26 @@
       <p:sp>
         <p:nvSpPr>
           <p:cNvPr id="132" name="Google Shape;132;g6506f6e39f_0_37:notes"/>
-          <p:cNvSpPr/>
+          <p:cNvSpPr>
+            <a:spLocks noGrp="1" noRot="1" noChangeAspect="1"/>
+          </p:cNvSpPr>
           <p:nvPr>
-            <p:ph idx="2" type="sldImg"/>
+            <p:ph type="sldImg" idx="2"/>
           </p:nvPr>
         </p:nvSpPr>
         <p:spPr>
           <a:xfrm>
-            <a:off x="381300" y="685800"/>
+            <a:off x="381000" y="685800"/>
             <a:ext cx="6096000" cy="3429000"/>
           </a:xfrm>
           <a:custGeom>
-            <a:rect b="b" l="l" r="r" t="t"/>
+            <a:avLst/>
+            <a:gdLst/>
+            <a:ahLst/>
+            <a:cxnLst/>
+            <a:rect l="l" t="t" r="r" b="b"/>
             <a:pathLst>
-              <a:path extrusionOk="0" h="120000" w="120000">
+              <a:path w="120000" h="120000" extrusionOk="0">
                 <a:moveTo>
                   <a:pt x="0" y="0"/>
                 </a:moveTo>
@@ -870,9 +896,11 @@
       <p:sp>
         <p:nvSpPr>
           <p:cNvPr id="133" name="Google Shape;133;g6506f6e39f_0_37:notes"/>
-          <p:cNvSpPr txBox="1"/>
+          <p:cNvSpPr txBox="1">
+            <a:spLocks noGrp="1"/>
+          </p:cNvSpPr>
           <p:nvPr>
-            <p:ph idx="1" type="body"/>
+            <p:ph type="body" idx="1"/>
           </p:nvPr>
         </p:nvSpPr>
         <p:spPr>
@@ -885,12 +913,12 @@
           </a:prstGeom>
         </p:spPr>
         <p:txBody>
-          <a:bodyPr anchorCtr="0" anchor="t" bIns="91425" lIns="91425" spcFirstLastPara="1" rIns="91425" wrap="square" tIns="91425">
+          <a:bodyPr spcFirstLastPara="1" wrap="square" lIns="91425" tIns="91425" rIns="91425" bIns="91425" anchor="t" anchorCtr="0">
             <a:noAutofit/>
           </a:bodyPr>
           <a:lstStyle/>
           <a:p>
-            <a:pPr indent="0" lvl="0" marL="0" rtl="0" algn="l">
+            <a:pPr marL="0" lvl="0" indent="0" algn="l" rtl="0">
               <a:spcBef>
                 <a:spcPts val="0"/>
               </a:spcBef>
@@ -899,9 +927,6 @@
               </a:spcAft>
               <a:buNone/>
             </a:pPr>
-            <a:r>
-              <a:t/>
-            </a:r>
             <a:endParaRPr/>
           </a:p>
         </p:txBody>
@@ -915,11 +940,11 @@
 </file>
 
 <file path=ppt/notesSlides/notesSlide11.xml><?xml version="1.0" encoding="utf-8"?>
-<p:notes xmlns:a="http://schemas.openxmlformats.org/drawingml/2006/main" xmlns:r="http://schemas.openxmlformats.org/officeDocument/2006/relationships" xmlns:mc="http://schemas.openxmlformats.org/markup-compatibility/2006" xmlns:mv="urn:schemas-microsoft-com:mac:vml" xmlns:p="http://schemas.openxmlformats.org/presentationml/2006/main" xmlns:c="http://schemas.openxmlformats.org/drawingml/2006/chart" xmlns:dgm="http://schemas.openxmlformats.org/drawingml/2006/diagram" xmlns:o="urn:schemas-microsoft-com:office:office" xmlns:v="urn:schemas-microsoft-com:vml" xmlns:pvml="urn:schemas-microsoft-com:office:powerpoint" xmlns:com="http://schemas.openxmlformats.org/drawingml/2006/compatibility" xmlns:p14="http://schemas.microsoft.com/office/powerpoint/2010/main" xmlns:p15="http://schemas.microsoft.com/office/powerpoint/2012/main" showMasterPhAnim="0" showMasterSp="0">
+<p:notes xmlns:a="http://schemas.openxmlformats.org/drawingml/2006/main" xmlns:r="http://schemas.openxmlformats.org/officeDocument/2006/relationships" xmlns:p="http://schemas.openxmlformats.org/presentationml/2006/main" showMasterSp="0" showMasterPhAnim="0">
   <p:cSld>
     <p:spTree>
       <p:nvGrpSpPr>
-        <p:cNvPr id="137" name="Shape 137"/>
+        <p:cNvPr id="1" name="Shape 137"/>
         <p:cNvGrpSpPr/>
         <p:nvPr/>
       </p:nvGrpSpPr>
@@ -934,20 +959,26 @@
       <p:sp>
         <p:nvSpPr>
           <p:cNvPr id="138" name="Google Shape;138;g64f446c218_0_47:notes"/>
-          <p:cNvSpPr/>
+          <p:cNvSpPr>
+            <a:spLocks noGrp="1" noRot="1" noChangeAspect="1"/>
+          </p:cNvSpPr>
           <p:nvPr>
-            <p:ph idx="2" type="sldImg"/>
+            <p:ph type="sldImg" idx="2"/>
           </p:nvPr>
         </p:nvSpPr>
         <p:spPr>
           <a:xfrm>
-            <a:off x="381300" y="685800"/>
+            <a:off x="381000" y="685800"/>
             <a:ext cx="6096000" cy="3429000"/>
           </a:xfrm>
           <a:custGeom>
-            <a:rect b="b" l="l" r="r" t="t"/>
+            <a:avLst/>
+            <a:gdLst/>
+            <a:ahLst/>
+            <a:cxnLst/>
+            <a:rect l="l" t="t" r="r" b="b"/>
             <a:pathLst>
-              <a:path extrusionOk="0" h="120000" w="120000">
+              <a:path w="120000" h="120000" extrusionOk="0">
                 <a:moveTo>
                   <a:pt x="0" y="0"/>
                 </a:moveTo>
@@ -969,9 +1000,11 @@
       <p:sp>
         <p:nvSpPr>
           <p:cNvPr id="139" name="Google Shape;139;g64f446c218_0_47:notes"/>
-          <p:cNvSpPr txBox="1"/>
+          <p:cNvSpPr txBox="1">
+            <a:spLocks noGrp="1"/>
+          </p:cNvSpPr>
           <p:nvPr>
-            <p:ph idx="1" type="body"/>
+            <p:ph type="body" idx="1"/>
           </p:nvPr>
         </p:nvSpPr>
         <p:spPr>
@@ -984,12 +1017,12 @@
           </a:prstGeom>
         </p:spPr>
         <p:txBody>
-          <a:bodyPr anchorCtr="0" anchor="t" bIns="91425" lIns="91425" spcFirstLastPara="1" rIns="91425" wrap="square" tIns="91425">
+          <a:bodyPr spcFirstLastPara="1" wrap="square" lIns="91425" tIns="91425" rIns="91425" bIns="91425" anchor="t" anchorCtr="0">
             <a:noAutofit/>
           </a:bodyPr>
           <a:lstStyle/>
           <a:p>
-            <a:pPr indent="0" lvl="0" marL="0" rtl="0" algn="l">
+            <a:pPr marL="0" lvl="0" indent="0" algn="l" rtl="0">
               <a:spcBef>
                 <a:spcPts val="0"/>
               </a:spcBef>
@@ -1003,7 +1036,7 @@
                 <a:solidFill>
                   <a:schemeClr val="hlink"/>
                 </a:solidFill>
-                <a:hlinkClick r:id="rId2"/>
+                <a:hlinkClick r:id="rId3"/>
               </a:rPr>
               <a:t>https://blog.cafe24.com/1167</a:t>
             </a:r>
@@ -1020,11 +1053,11 @@
 </file>
 
 <file path=ppt/notesSlides/notesSlide2.xml><?xml version="1.0" encoding="utf-8"?>
-<p:notes xmlns:a="http://schemas.openxmlformats.org/drawingml/2006/main" xmlns:r="http://schemas.openxmlformats.org/officeDocument/2006/relationships" xmlns:mc="http://schemas.openxmlformats.org/markup-compatibility/2006" xmlns:mv="urn:schemas-microsoft-com:mac:vml" xmlns:p="http://schemas.openxmlformats.org/presentationml/2006/main" xmlns:c="http://schemas.openxmlformats.org/drawingml/2006/chart" xmlns:dgm="http://schemas.openxmlformats.org/drawingml/2006/diagram" xmlns:o="urn:schemas-microsoft-com:office:office" xmlns:v="urn:schemas-microsoft-com:vml" xmlns:pvml="urn:schemas-microsoft-com:office:powerpoint" xmlns:com="http://schemas.openxmlformats.org/drawingml/2006/compatibility" xmlns:p14="http://schemas.microsoft.com/office/powerpoint/2010/main" xmlns:p15="http://schemas.microsoft.com/office/powerpoint/2012/main" showMasterPhAnim="0" showMasterSp="0">
+<p:notes xmlns:a="http://schemas.openxmlformats.org/drawingml/2006/main" xmlns:r="http://schemas.openxmlformats.org/officeDocument/2006/relationships" xmlns:p="http://schemas.openxmlformats.org/presentationml/2006/main" showMasterSp="0" showMasterPhAnim="0">
   <p:cSld>
     <p:spTree>
       <p:nvGrpSpPr>
-        <p:cNvPr id="68" name="Shape 68"/>
+        <p:cNvPr id="1" name="Shape 68"/>
         <p:cNvGrpSpPr/>
         <p:nvPr/>
       </p:nvGrpSpPr>
@@ -1039,20 +1072,26 @@
       <p:sp>
         <p:nvSpPr>
           <p:cNvPr id="69" name="Google Shape;69;g650579d8e1_0_897:notes"/>
-          <p:cNvSpPr/>
+          <p:cNvSpPr>
+            <a:spLocks noGrp="1" noRot="1" noChangeAspect="1"/>
+          </p:cNvSpPr>
           <p:nvPr>
-            <p:ph idx="2" type="sldImg"/>
+            <p:ph type="sldImg" idx="2"/>
           </p:nvPr>
         </p:nvSpPr>
         <p:spPr>
           <a:xfrm>
-            <a:off x="381300" y="685800"/>
+            <a:off x="381000" y="685800"/>
             <a:ext cx="6096000" cy="3429000"/>
           </a:xfrm>
           <a:custGeom>
-            <a:rect b="b" l="l" r="r" t="t"/>
+            <a:avLst/>
+            <a:gdLst/>
+            <a:ahLst/>
+            <a:cxnLst/>
+            <a:rect l="l" t="t" r="r" b="b"/>
             <a:pathLst>
-              <a:path extrusionOk="0" h="120000" w="120000">
+              <a:path w="120000" h="120000" extrusionOk="0">
                 <a:moveTo>
                   <a:pt x="0" y="0"/>
                 </a:moveTo>
@@ -1074,9 +1113,11 @@
       <p:sp>
         <p:nvSpPr>
           <p:cNvPr id="70" name="Google Shape;70;g650579d8e1_0_897:notes"/>
-          <p:cNvSpPr txBox="1"/>
+          <p:cNvSpPr txBox="1">
+            <a:spLocks noGrp="1"/>
+          </p:cNvSpPr>
           <p:nvPr>
-            <p:ph idx="1" type="body"/>
+            <p:ph type="body" idx="1"/>
           </p:nvPr>
         </p:nvSpPr>
         <p:spPr>
@@ -1089,12 +1130,12 @@
           </a:prstGeom>
         </p:spPr>
         <p:txBody>
-          <a:bodyPr anchorCtr="0" anchor="t" bIns="91425" lIns="91425" spcFirstLastPara="1" rIns="91425" wrap="square" tIns="91425">
+          <a:bodyPr spcFirstLastPara="1" wrap="square" lIns="91425" tIns="91425" rIns="91425" bIns="91425" anchor="t" anchorCtr="0">
             <a:noAutofit/>
           </a:bodyPr>
           <a:lstStyle/>
           <a:p>
-            <a:pPr indent="0" lvl="0" marL="0" rtl="0" algn="l">
+            <a:pPr marL="0" lvl="0" indent="0" algn="l" rtl="0">
               <a:lnSpc>
                 <a:spcPct val="160000"/>
               </a:lnSpc>
@@ -1129,7 +1170,7 @@
             </a:endParaRPr>
           </a:p>
           <a:p>
-            <a:pPr indent="0" lvl="0" marL="0" rtl="0" algn="l">
+            <a:pPr marL="0" lvl="0" indent="0" algn="l" rtl="0">
               <a:spcBef>
                 <a:spcPts val="1800"/>
               </a:spcBef>
@@ -1138,9 +1179,6 @@
               </a:spcAft>
               <a:buNone/>
             </a:pPr>
-            <a:r>
-              <a:t/>
-            </a:r>
             <a:endParaRPr/>
           </a:p>
         </p:txBody>
@@ -1154,11 +1192,11 @@
 </file>
 
 <file path=ppt/notesSlides/notesSlide3.xml><?xml version="1.0" encoding="utf-8"?>
-<p:notes xmlns:a="http://schemas.openxmlformats.org/drawingml/2006/main" xmlns:r="http://schemas.openxmlformats.org/officeDocument/2006/relationships" xmlns:mc="http://schemas.openxmlformats.org/markup-compatibility/2006" xmlns:mv="urn:schemas-microsoft-com:mac:vml" xmlns:p="http://schemas.openxmlformats.org/presentationml/2006/main" xmlns:c="http://schemas.openxmlformats.org/drawingml/2006/chart" xmlns:dgm="http://schemas.openxmlformats.org/drawingml/2006/diagram" xmlns:o="urn:schemas-microsoft-com:office:office" xmlns:v="urn:schemas-microsoft-com:vml" xmlns:pvml="urn:schemas-microsoft-com:office:powerpoint" xmlns:com="http://schemas.openxmlformats.org/drawingml/2006/compatibility" xmlns:p14="http://schemas.microsoft.com/office/powerpoint/2010/main" xmlns:p15="http://schemas.microsoft.com/office/powerpoint/2012/main" showMasterPhAnim="0" showMasterSp="0">
+<p:notes xmlns:a="http://schemas.openxmlformats.org/drawingml/2006/main" xmlns:r="http://schemas.openxmlformats.org/officeDocument/2006/relationships" xmlns:p="http://schemas.openxmlformats.org/presentationml/2006/main" showMasterSp="0" showMasterPhAnim="0">
   <p:cSld>
     <p:spTree>
       <p:nvGrpSpPr>
-        <p:cNvPr id="77" name="Shape 77"/>
+        <p:cNvPr id="1" name="Shape 77"/>
         <p:cNvGrpSpPr/>
         <p:nvPr/>
       </p:nvGrpSpPr>
@@ -1173,20 +1211,26 @@
       <p:sp>
         <p:nvSpPr>
           <p:cNvPr id="78" name="Google Shape;78;g650579d8e1_0_931:notes"/>
-          <p:cNvSpPr/>
+          <p:cNvSpPr>
+            <a:spLocks noGrp="1" noRot="1" noChangeAspect="1"/>
+          </p:cNvSpPr>
           <p:nvPr>
-            <p:ph idx="2" type="sldImg"/>
+            <p:ph type="sldImg" idx="2"/>
           </p:nvPr>
         </p:nvSpPr>
         <p:spPr>
           <a:xfrm>
-            <a:off x="381300" y="685800"/>
+            <a:off x="381000" y="685800"/>
             <a:ext cx="6096000" cy="3429000"/>
           </a:xfrm>
           <a:custGeom>
-            <a:rect b="b" l="l" r="r" t="t"/>
+            <a:avLst/>
+            <a:gdLst/>
+            <a:ahLst/>
+            <a:cxnLst/>
+            <a:rect l="l" t="t" r="r" b="b"/>
             <a:pathLst>
-              <a:path extrusionOk="0" h="120000" w="120000">
+              <a:path w="120000" h="120000" extrusionOk="0">
                 <a:moveTo>
                   <a:pt x="0" y="0"/>
                 </a:moveTo>
@@ -1208,9 +1252,11 @@
       <p:sp>
         <p:nvSpPr>
           <p:cNvPr id="79" name="Google Shape;79;g650579d8e1_0_931:notes"/>
-          <p:cNvSpPr txBox="1"/>
+          <p:cNvSpPr txBox="1">
+            <a:spLocks noGrp="1"/>
+          </p:cNvSpPr>
           <p:nvPr>
-            <p:ph idx="1" type="body"/>
+            <p:ph type="body" idx="1"/>
           </p:nvPr>
         </p:nvSpPr>
         <p:spPr>
@@ -1223,12 +1269,12 @@
           </a:prstGeom>
         </p:spPr>
         <p:txBody>
-          <a:bodyPr anchorCtr="0" anchor="t" bIns="91425" lIns="91425" spcFirstLastPara="1" rIns="91425" wrap="square" tIns="91425">
+          <a:bodyPr spcFirstLastPara="1" wrap="square" lIns="91425" tIns="91425" rIns="91425" bIns="91425" anchor="t" anchorCtr="0">
             <a:noAutofit/>
           </a:bodyPr>
           <a:lstStyle/>
           <a:p>
-            <a:pPr indent="0" lvl="0" marL="0" rtl="0" algn="l">
+            <a:pPr marL="0" lvl="0" indent="0" algn="l" rtl="0">
               <a:lnSpc>
                 <a:spcPct val="115000"/>
               </a:lnSpc>
@@ -1247,7 +1293,7 @@
             <a:endParaRPr sz="1400"/>
           </a:p>
           <a:p>
-            <a:pPr indent="0" lvl="0" marL="0" rtl="0" algn="l">
+            <a:pPr marL="0" lvl="0" indent="0" algn="l" rtl="0">
               <a:lnSpc>
                 <a:spcPct val="115000"/>
               </a:lnSpc>
@@ -1280,7 +1326,7 @@
             </a:endParaRPr>
           </a:p>
           <a:p>
-            <a:pPr indent="0" lvl="0" marL="0" rtl="0" algn="l">
+            <a:pPr marL="0" lvl="0" indent="0" algn="l" rtl="0">
               <a:lnSpc>
                 <a:spcPct val="115000"/>
               </a:lnSpc>
@@ -1292,9 +1338,6 @@
               </a:spcAft>
               <a:buNone/>
             </a:pPr>
-            <a:r>
-              <a:t/>
-            </a:r>
             <a:endParaRPr sz="1200">
               <a:solidFill>
                 <a:srgbClr val="666666"/>
@@ -1305,7 +1348,7 @@
             </a:endParaRPr>
           </a:p>
           <a:p>
-            <a:pPr indent="0" lvl="0" marL="0" rtl="0" algn="l">
+            <a:pPr marL="0" lvl="0" indent="0" algn="l" rtl="0">
               <a:lnSpc>
                 <a:spcPct val="115000"/>
               </a:lnSpc>
@@ -1338,7 +1381,7 @@
             </a:endParaRPr>
           </a:p>
           <a:p>
-            <a:pPr indent="0" lvl="0" marL="0" rtl="0" algn="l">
+            <a:pPr marL="0" lvl="0" indent="0" algn="l" rtl="0">
               <a:lnSpc>
                 <a:spcPct val="115000"/>
               </a:lnSpc>
@@ -1350,13 +1393,10 @@
               </a:spcAft>
               <a:buNone/>
             </a:pPr>
-            <a:r>
-              <a:t/>
-            </a:r>
             <a:endParaRPr sz="1400"/>
           </a:p>
           <a:p>
-            <a:pPr indent="0" lvl="0" marL="0" rtl="0" algn="l">
+            <a:pPr marL="0" lvl="0" indent="0" algn="l" rtl="0">
               <a:lnSpc>
                 <a:spcPct val="115000"/>
               </a:lnSpc>
@@ -1368,13 +1408,10 @@
               </a:spcAft>
               <a:buNone/>
             </a:pPr>
-            <a:r>
-              <a:t/>
-            </a:r>
             <a:endParaRPr sz="1400"/>
           </a:p>
           <a:p>
-            <a:pPr indent="0" lvl="0" marL="0" rtl="0" algn="l">
+            <a:pPr marL="0" lvl="0" indent="0" algn="l" rtl="0">
               <a:lnSpc>
                 <a:spcPct val="115000"/>
               </a:lnSpc>
@@ -1386,13 +1423,10 @@
               </a:spcAft>
               <a:buNone/>
             </a:pPr>
-            <a:r>
-              <a:t/>
-            </a:r>
             <a:endParaRPr sz="1400"/>
           </a:p>
           <a:p>
-            <a:pPr indent="0" lvl="0" marL="0" rtl="0" algn="l">
+            <a:pPr marL="0" lvl="0" indent="0" algn="l" rtl="0">
               <a:spcBef>
                 <a:spcPts val="1600"/>
               </a:spcBef>
@@ -1401,9 +1435,6 @@
               </a:spcAft>
               <a:buNone/>
             </a:pPr>
-            <a:r>
-              <a:t/>
-            </a:r>
             <a:endParaRPr/>
           </a:p>
         </p:txBody>
@@ -1417,11 +1448,11 @@
 </file>
 
 <file path=ppt/notesSlides/notesSlide4.xml><?xml version="1.0" encoding="utf-8"?>
-<p:notes xmlns:a="http://schemas.openxmlformats.org/drawingml/2006/main" xmlns:r="http://schemas.openxmlformats.org/officeDocument/2006/relationships" xmlns:mc="http://schemas.openxmlformats.org/markup-compatibility/2006" xmlns:mv="urn:schemas-microsoft-com:mac:vml" xmlns:p="http://schemas.openxmlformats.org/presentationml/2006/main" xmlns:c="http://schemas.openxmlformats.org/drawingml/2006/chart" xmlns:dgm="http://schemas.openxmlformats.org/drawingml/2006/diagram" xmlns:o="urn:schemas-microsoft-com:office:office" xmlns:v="urn:schemas-microsoft-com:vml" xmlns:pvml="urn:schemas-microsoft-com:office:powerpoint" xmlns:com="http://schemas.openxmlformats.org/drawingml/2006/compatibility" xmlns:p14="http://schemas.microsoft.com/office/powerpoint/2010/main" xmlns:p15="http://schemas.microsoft.com/office/powerpoint/2012/main" showMasterPhAnim="0" showMasterSp="0">
+<p:notes xmlns:a="http://schemas.openxmlformats.org/drawingml/2006/main" xmlns:r="http://schemas.openxmlformats.org/officeDocument/2006/relationships" xmlns:p="http://schemas.openxmlformats.org/presentationml/2006/main" showMasterSp="0" showMasterPhAnim="0">
   <p:cSld>
     <p:spTree>
       <p:nvGrpSpPr>
-        <p:cNvPr id="87" name="Shape 87"/>
+        <p:cNvPr id="1" name="Shape 87"/>
         <p:cNvGrpSpPr/>
         <p:nvPr/>
       </p:nvGrpSpPr>
@@ -1436,20 +1467,26 @@
       <p:sp>
         <p:nvSpPr>
           <p:cNvPr id="88" name="Google Shape;88;g650579d8e1_0_954:notes"/>
-          <p:cNvSpPr/>
+          <p:cNvSpPr>
+            <a:spLocks noGrp="1" noRot="1" noChangeAspect="1"/>
+          </p:cNvSpPr>
           <p:nvPr>
-            <p:ph idx="2" type="sldImg"/>
+            <p:ph type="sldImg" idx="2"/>
           </p:nvPr>
         </p:nvSpPr>
         <p:spPr>
           <a:xfrm>
-            <a:off x="381300" y="685800"/>
+            <a:off x="381000" y="685800"/>
             <a:ext cx="6096000" cy="3429000"/>
           </a:xfrm>
           <a:custGeom>
-            <a:rect b="b" l="l" r="r" t="t"/>
+            <a:avLst/>
+            <a:gdLst/>
+            <a:ahLst/>
+            <a:cxnLst/>
+            <a:rect l="l" t="t" r="r" b="b"/>
             <a:pathLst>
-              <a:path extrusionOk="0" h="120000" w="120000">
+              <a:path w="120000" h="120000" extrusionOk="0">
                 <a:moveTo>
                   <a:pt x="0" y="0"/>
                 </a:moveTo>
@@ -1471,9 +1508,11 @@
       <p:sp>
         <p:nvSpPr>
           <p:cNvPr id="89" name="Google Shape;89;g650579d8e1_0_954:notes"/>
-          <p:cNvSpPr txBox="1"/>
+          <p:cNvSpPr txBox="1">
+            <a:spLocks noGrp="1"/>
+          </p:cNvSpPr>
           <p:nvPr>
-            <p:ph idx="1" type="body"/>
+            <p:ph type="body" idx="1"/>
           </p:nvPr>
         </p:nvSpPr>
         <p:spPr>
@@ -1486,12 +1525,12 @@
           </a:prstGeom>
         </p:spPr>
         <p:txBody>
-          <a:bodyPr anchorCtr="0" anchor="t" bIns="91425" lIns="91425" spcFirstLastPara="1" rIns="91425" wrap="square" tIns="91425">
+          <a:bodyPr spcFirstLastPara="1" wrap="square" lIns="91425" tIns="91425" rIns="91425" bIns="91425" anchor="t" anchorCtr="0">
             <a:noAutofit/>
           </a:bodyPr>
           <a:lstStyle/>
           <a:p>
-            <a:pPr indent="0" lvl="0" marL="0" rtl="0" algn="l">
+            <a:pPr marL="0" lvl="0" indent="0" algn="l" rtl="0">
               <a:spcBef>
                 <a:spcPts val="0"/>
               </a:spcBef>
@@ -1500,9 +1539,6 @@
               </a:spcAft>
               <a:buNone/>
             </a:pPr>
-            <a:r>
-              <a:t/>
-            </a:r>
             <a:endParaRPr/>
           </a:p>
         </p:txBody>
@@ -1516,11 +1552,11 @@
 </file>
 
 <file path=ppt/notesSlides/notesSlide5.xml><?xml version="1.0" encoding="utf-8"?>
-<p:notes xmlns:a="http://schemas.openxmlformats.org/drawingml/2006/main" xmlns:r="http://schemas.openxmlformats.org/officeDocument/2006/relationships" xmlns:mc="http://schemas.openxmlformats.org/markup-compatibility/2006" xmlns:mv="urn:schemas-microsoft-com:mac:vml" xmlns:p="http://schemas.openxmlformats.org/presentationml/2006/main" xmlns:c="http://schemas.openxmlformats.org/drawingml/2006/chart" xmlns:dgm="http://schemas.openxmlformats.org/drawingml/2006/diagram" xmlns:o="urn:schemas-microsoft-com:office:office" xmlns:v="urn:schemas-microsoft-com:vml" xmlns:pvml="urn:schemas-microsoft-com:office:powerpoint" xmlns:com="http://schemas.openxmlformats.org/drawingml/2006/compatibility" xmlns:p14="http://schemas.microsoft.com/office/powerpoint/2010/main" xmlns:p15="http://schemas.microsoft.com/office/powerpoint/2012/main" showMasterPhAnim="0" showMasterSp="0">
+<p:notes xmlns:a="http://schemas.openxmlformats.org/drawingml/2006/main" xmlns:r="http://schemas.openxmlformats.org/officeDocument/2006/relationships" xmlns:p="http://schemas.openxmlformats.org/presentationml/2006/main" showMasterSp="0" showMasterPhAnim="0">
   <p:cSld>
     <p:spTree>
       <p:nvGrpSpPr>
-        <p:cNvPr id="93" name="Shape 93"/>
+        <p:cNvPr id="1" name="Shape 93"/>
         <p:cNvGrpSpPr/>
         <p:nvPr/>
       </p:nvGrpSpPr>
@@ -1535,20 +1571,26 @@
       <p:sp>
         <p:nvSpPr>
           <p:cNvPr id="94" name="Google Shape;94;g6506f6e39f_0_7:notes"/>
-          <p:cNvSpPr/>
+          <p:cNvSpPr>
+            <a:spLocks noGrp="1" noRot="1" noChangeAspect="1"/>
+          </p:cNvSpPr>
           <p:nvPr>
-            <p:ph idx="2" type="sldImg"/>
+            <p:ph type="sldImg" idx="2"/>
           </p:nvPr>
         </p:nvSpPr>
         <p:spPr>
           <a:xfrm>
-            <a:off x="381300" y="685800"/>
+            <a:off x="381000" y="685800"/>
             <a:ext cx="6096000" cy="3429000"/>
           </a:xfrm>
           <a:custGeom>
-            <a:rect b="b" l="l" r="r" t="t"/>
+            <a:avLst/>
+            <a:gdLst/>
+            <a:ahLst/>
+            <a:cxnLst/>
+            <a:rect l="l" t="t" r="r" b="b"/>
             <a:pathLst>
-              <a:path extrusionOk="0" h="120000" w="120000">
+              <a:path w="120000" h="120000" extrusionOk="0">
                 <a:moveTo>
                   <a:pt x="0" y="0"/>
                 </a:moveTo>
@@ -1570,9 +1612,11 @@
       <p:sp>
         <p:nvSpPr>
           <p:cNvPr id="95" name="Google Shape;95;g6506f6e39f_0_7:notes"/>
-          <p:cNvSpPr txBox="1"/>
+          <p:cNvSpPr txBox="1">
+            <a:spLocks noGrp="1"/>
+          </p:cNvSpPr>
           <p:nvPr>
-            <p:ph idx="1" type="body"/>
+            <p:ph type="body" idx="1"/>
           </p:nvPr>
         </p:nvSpPr>
         <p:spPr>
@@ -1585,12 +1629,12 @@
           </a:prstGeom>
         </p:spPr>
         <p:txBody>
-          <a:bodyPr anchorCtr="0" anchor="t" bIns="91425" lIns="91425" spcFirstLastPara="1" rIns="91425" wrap="square" tIns="91425">
+          <a:bodyPr spcFirstLastPara="1" wrap="square" lIns="91425" tIns="91425" rIns="91425" bIns="91425" anchor="t" anchorCtr="0">
             <a:noAutofit/>
           </a:bodyPr>
           <a:lstStyle/>
           <a:p>
-            <a:pPr indent="0" lvl="0" marL="0" rtl="0" algn="l">
+            <a:pPr marL="0" lvl="0" indent="0" algn="l" rtl="0">
               <a:lnSpc>
                 <a:spcPct val="115000"/>
               </a:lnSpc>
@@ -1624,7 +1668,7 @@
             </a:endParaRPr>
           </a:p>
           <a:p>
-            <a:pPr indent="0" lvl="0" marL="0" rtl="0" algn="l">
+            <a:pPr marL="0" lvl="0" indent="0" algn="l" rtl="0">
               <a:spcBef>
                 <a:spcPts val="0"/>
               </a:spcBef>
@@ -1633,9 +1677,6 @@
               </a:spcAft>
               <a:buNone/>
             </a:pPr>
-            <a:r>
-              <a:t/>
-            </a:r>
             <a:endParaRPr/>
           </a:p>
         </p:txBody>
@@ -1649,11 +1690,11 @@
 </file>
 
 <file path=ppt/notesSlides/notesSlide6.xml><?xml version="1.0" encoding="utf-8"?>
-<p:notes xmlns:a="http://schemas.openxmlformats.org/drawingml/2006/main" xmlns:r="http://schemas.openxmlformats.org/officeDocument/2006/relationships" xmlns:mc="http://schemas.openxmlformats.org/markup-compatibility/2006" xmlns:mv="urn:schemas-microsoft-com:mac:vml" xmlns:p="http://schemas.openxmlformats.org/presentationml/2006/main" xmlns:c="http://schemas.openxmlformats.org/drawingml/2006/chart" xmlns:dgm="http://schemas.openxmlformats.org/drawingml/2006/diagram" xmlns:o="urn:schemas-microsoft-com:office:office" xmlns:v="urn:schemas-microsoft-com:vml" xmlns:pvml="urn:schemas-microsoft-com:office:powerpoint" xmlns:com="http://schemas.openxmlformats.org/drawingml/2006/compatibility" xmlns:p14="http://schemas.microsoft.com/office/powerpoint/2010/main" xmlns:p15="http://schemas.microsoft.com/office/powerpoint/2012/main" showMasterPhAnim="0" showMasterSp="0">
+<p:notes xmlns:a="http://schemas.openxmlformats.org/drawingml/2006/main" xmlns:r="http://schemas.openxmlformats.org/officeDocument/2006/relationships" xmlns:p="http://schemas.openxmlformats.org/presentationml/2006/main" showMasterSp="0" showMasterPhAnim="0">
   <p:cSld>
     <p:spTree>
       <p:nvGrpSpPr>
-        <p:cNvPr id="99" name="Shape 99"/>
+        <p:cNvPr id="1" name="Shape 99"/>
         <p:cNvGrpSpPr/>
         <p:nvPr/>
       </p:nvGrpSpPr>
@@ -1668,20 +1709,26 @@
       <p:sp>
         <p:nvSpPr>
           <p:cNvPr id="100" name="Google Shape;100;g650579d8e1_0_902:notes"/>
-          <p:cNvSpPr/>
+          <p:cNvSpPr>
+            <a:spLocks noGrp="1" noRot="1" noChangeAspect="1"/>
+          </p:cNvSpPr>
           <p:nvPr>
-            <p:ph idx="2" type="sldImg"/>
+            <p:ph type="sldImg" idx="2"/>
           </p:nvPr>
         </p:nvSpPr>
         <p:spPr>
           <a:xfrm>
-            <a:off x="381300" y="685800"/>
+            <a:off x="381000" y="685800"/>
             <a:ext cx="6096000" cy="3429000"/>
           </a:xfrm>
           <a:custGeom>
-            <a:rect b="b" l="l" r="r" t="t"/>
+            <a:avLst/>
+            <a:gdLst/>
+            <a:ahLst/>
+            <a:cxnLst/>
+            <a:rect l="l" t="t" r="r" b="b"/>
             <a:pathLst>
-              <a:path extrusionOk="0" h="120000" w="120000">
+              <a:path w="120000" h="120000" extrusionOk="0">
                 <a:moveTo>
                   <a:pt x="0" y="0"/>
                 </a:moveTo>
@@ -1703,9 +1750,11 @@
       <p:sp>
         <p:nvSpPr>
           <p:cNvPr id="101" name="Google Shape;101;g650579d8e1_0_902:notes"/>
-          <p:cNvSpPr txBox="1"/>
+          <p:cNvSpPr txBox="1">
+            <a:spLocks noGrp="1"/>
+          </p:cNvSpPr>
           <p:nvPr>
-            <p:ph idx="1" type="body"/>
+            <p:ph type="body" idx="1"/>
           </p:nvPr>
         </p:nvSpPr>
         <p:spPr>
@@ -1718,12 +1767,12 @@
           </a:prstGeom>
         </p:spPr>
         <p:txBody>
-          <a:bodyPr anchorCtr="0" anchor="t" bIns="91425" lIns="91425" spcFirstLastPara="1" rIns="91425" wrap="square" tIns="91425">
+          <a:bodyPr spcFirstLastPara="1" wrap="square" lIns="91425" tIns="91425" rIns="91425" bIns="91425" anchor="t" anchorCtr="0">
             <a:noAutofit/>
           </a:bodyPr>
           <a:lstStyle/>
           <a:p>
-            <a:pPr indent="0" lvl="0" marL="0" rtl="0" algn="l">
+            <a:pPr marL="0" lvl="0" indent="0" algn="l" rtl="0">
               <a:spcBef>
                 <a:spcPts val="0"/>
               </a:spcBef>
@@ -1737,14 +1786,14 @@
                 <a:solidFill>
                   <a:schemeClr val="hlink"/>
                 </a:solidFill>
-                <a:hlinkClick r:id="rId2"/>
+                <a:hlinkClick r:id="rId3"/>
               </a:rPr>
               <a:t>https://www.bodnara.co.kr/bbs/article.html?num=124253</a:t>
             </a:r>
             <a:endParaRPr/>
           </a:p>
           <a:p>
-            <a:pPr indent="0" lvl="0" marL="0" rtl="0" algn="l">
+            <a:pPr marL="0" lvl="0" indent="0" algn="l" rtl="0">
               <a:spcBef>
                 <a:spcPts val="0"/>
               </a:spcBef>
@@ -1758,14 +1807,14 @@
                 <a:solidFill>
                   <a:schemeClr val="hlink"/>
                 </a:solidFill>
-                <a:hlinkClick r:id="rId3"/>
+                <a:hlinkClick r:id="rId4"/>
               </a:rPr>
               <a:t>http://www.ciokorea.com/news/37033</a:t>
             </a:r>
             <a:endParaRPr/>
           </a:p>
           <a:p>
-            <a:pPr indent="0" lvl="0" marL="0" rtl="0" algn="l">
+            <a:pPr marL="0" lvl="0" indent="0" algn="l" rtl="0">
               <a:spcBef>
                 <a:spcPts val="0"/>
               </a:spcBef>
@@ -1779,7 +1828,7 @@
                 <a:solidFill>
                   <a:schemeClr val="hlink"/>
                 </a:solidFill>
-                <a:hlinkClick r:id="rId4"/>
+                <a:hlinkClick r:id="rId5"/>
               </a:rPr>
               <a:t>https://smsinfo.tistory.com/526</a:t>
             </a:r>
@@ -1796,11 +1845,11 @@
 </file>
 
 <file path=ppt/notesSlides/notesSlide7.xml><?xml version="1.0" encoding="utf-8"?>
-<p:notes xmlns:a="http://schemas.openxmlformats.org/drawingml/2006/main" xmlns:r="http://schemas.openxmlformats.org/officeDocument/2006/relationships" xmlns:mc="http://schemas.openxmlformats.org/markup-compatibility/2006" xmlns:mv="urn:schemas-microsoft-com:mac:vml" xmlns:p="http://schemas.openxmlformats.org/presentationml/2006/main" xmlns:c="http://schemas.openxmlformats.org/drawingml/2006/chart" xmlns:dgm="http://schemas.openxmlformats.org/drawingml/2006/diagram" xmlns:o="urn:schemas-microsoft-com:office:office" xmlns:v="urn:schemas-microsoft-com:vml" xmlns:pvml="urn:schemas-microsoft-com:office:powerpoint" xmlns:com="http://schemas.openxmlformats.org/drawingml/2006/compatibility" xmlns:p14="http://schemas.microsoft.com/office/powerpoint/2010/main" xmlns:p15="http://schemas.microsoft.com/office/powerpoint/2012/main" showMasterPhAnim="0" showMasterSp="0">
+<p:notes xmlns:a="http://schemas.openxmlformats.org/drawingml/2006/main" xmlns:r="http://schemas.openxmlformats.org/officeDocument/2006/relationships" xmlns:p="http://schemas.openxmlformats.org/presentationml/2006/main" showMasterSp="0" showMasterPhAnim="0">
   <p:cSld>
     <p:spTree>
       <p:nvGrpSpPr>
-        <p:cNvPr id="106" name="Shape 106"/>
+        <p:cNvPr id="1" name="Shape 106"/>
         <p:cNvGrpSpPr/>
         <p:nvPr/>
       </p:nvGrpSpPr>
@@ -1815,20 +1864,26 @@
       <p:sp>
         <p:nvSpPr>
           <p:cNvPr id="107" name="Google Shape;107;g6506f6e39f_0_19:notes"/>
-          <p:cNvSpPr/>
+          <p:cNvSpPr>
+            <a:spLocks noGrp="1" noRot="1" noChangeAspect="1"/>
+          </p:cNvSpPr>
           <p:nvPr>
-            <p:ph idx="2" type="sldImg"/>
+            <p:ph type="sldImg" idx="2"/>
           </p:nvPr>
         </p:nvSpPr>
         <p:spPr>
           <a:xfrm>
-            <a:off x="381300" y="685800"/>
+            <a:off x="381000" y="685800"/>
             <a:ext cx="6096000" cy="3429000"/>
           </a:xfrm>
           <a:custGeom>
-            <a:rect b="b" l="l" r="r" t="t"/>
+            <a:avLst/>
+            <a:gdLst/>
+            <a:ahLst/>
+            <a:cxnLst/>
+            <a:rect l="l" t="t" r="r" b="b"/>
             <a:pathLst>
-              <a:path extrusionOk="0" h="120000" w="120000">
+              <a:path w="120000" h="120000" extrusionOk="0">
                 <a:moveTo>
                   <a:pt x="0" y="0"/>
                 </a:moveTo>
@@ -1850,9 +1905,11 @@
       <p:sp>
         <p:nvSpPr>
           <p:cNvPr id="108" name="Google Shape;108;g6506f6e39f_0_19:notes"/>
-          <p:cNvSpPr txBox="1"/>
+          <p:cNvSpPr txBox="1">
+            <a:spLocks noGrp="1"/>
+          </p:cNvSpPr>
           <p:nvPr>
-            <p:ph idx="1" type="body"/>
+            <p:ph type="body" idx="1"/>
           </p:nvPr>
         </p:nvSpPr>
         <p:spPr>
@@ -1865,12 +1922,12 @@
           </a:prstGeom>
         </p:spPr>
         <p:txBody>
-          <a:bodyPr anchorCtr="0" anchor="t" bIns="91425" lIns="91425" spcFirstLastPara="1" rIns="91425" wrap="square" tIns="91425">
+          <a:bodyPr spcFirstLastPara="1" wrap="square" lIns="91425" tIns="91425" rIns="91425" bIns="91425" anchor="t" anchorCtr="0">
             <a:noAutofit/>
           </a:bodyPr>
           <a:lstStyle/>
           <a:p>
-            <a:pPr indent="0" lvl="0" marL="0" rtl="0" algn="just">
+            <a:pPr marL="0" lvl="0" indent="0" algn="just" rtl="0">
               <a:lnSpc>
                 <a:spcPct val="115000"/>
               </a:lnSpc>
@@ -1903,7 +1960,7 @@
             </a:endParaRPr>
           </a:p>
           <a:p>
-            <a:pPr indent="0" lvl="0" marL="0" rtl="0" algn="just">
+            <a:pPr marL="0" lvl="0" indent="0" algn="just" rtl="0">
               <a:lnSpc>
                 <a:spcPct val="115000"/>
               </a:lnSpc>
@@ -1936,7 +1993,7 @@
             </a:endParaRPr>
           </a:p>
           <a:p>
-            <a:pPr indent="0" lvl="0" marL="0" rtl="0" algn="just">
+            <a:pPr marL="0" lvl="0" indent="0" algn="just" rtl="0">
               <a:lnSpc>
                 <a:spcPct val="115000"/>
               </a:lnSpc>
@@ -1969,7 +2026,7 @@
             </a:endParaRPr>
           </a:p>
           <a:p>
-            <a:pPr indent="0" lvl="0" marL="0" rtl="0" algn="l">
+            <a:pPr marL="0" lvl="0" indent="0" algn="l" rtl="0">
               <a:lnSpc>
                 <a:spcPct val="115000"/>
               </a:lnSpc>
@@ -2002,7 +2059,7 @@
             </a:endParaRPr>
           </a:p>
           <a:p>
-            <a:pPr indent="0" lvl="0" marL="0" rtl="0" algn="just">
+            <a:pPr marL="0" lvl="0" indent="0" algn="just" rtl="0">
               <a:lnSpc>
                 <a:spcPct val="115000"/>
               </a:lnSpc>
@@ -2014,8 +2071,60 @@
               </a:spcAft>
               <a:buNone/>
             </a:pPr>
+            <a:endParaRPr sz="1150">
+              <a:solidFill>
+                <a:srgbClr val="555555"/>
+              </a:solidFill>
+              <a:highlight>
+                <a:srgbClr val="EFEFEF"/>
+              </a:highlight>
+            </a:endParaRPr>
+          </a:p>
+          <a:p>
+            <a:pPr marL="0" lvl="0" indent="0" algn="just" rtl="0">
+              <a:lnSpc>
+                <a:spcPct val="115000"/>
+              </a:lnSpc>
+              <a:spcBef>
+                <a:spcPts val="0"/>
+              </a:spcBef>
+              <a:spcAft>
+                <a:spcPts val="0"/>
+              </a:spcAft>
+              <a:buNone/>
+            </a:pPr>
+            <a:endParaRPr sz="1150">
+              <a:solidFill>
+                <a:srgbClr val="555555"/>
+              </a:solidFill>
+              <a:highlight>
+                <a:srgbClr val="EFEFEF"/>
+              </a:highlight>
+            </a:endParaRPr>
+          </a:p>
+          <a:p>
+            <a:pPr marL="0" lvl="0" indent="0" algn="just" rtl="0">
+              <a:lnSpc>
+                <a:spcPct val="115000"/>
+              </a:lnSpc>
+              <a:spcBef>
+                <a:spcPts val="0"/>
+              </a:spcBef>
+              <a:spcAft>
+                <a:spcPts val="0"/>
+              </a:spcAft>
+              <a:buNone/>
+            </a:pPr>
             <a:r>
-              <a:t/>
+              <a:rPr lang="ko" sz="1150">
+                <a:solidFill>
+                  <a:srgbClr val="555555"/>
+                </a:solidFill>
+                <a:highlight>
+                  <a:srgbClr val="EFEFEF"/>
+                </a:highlight>
+              </a:rPr>
+              <a:t>윈도우 95는 마이크로소프트에게 상업적 성공을 안겨다 준 제품, 예전 명령어 기반 DOS와는 비교할 수 없는 편리함으로 인해 선풍적인 인기를 끌었다.</a:t>
             </a:r>
             <a:endParaRPr sz="1150">
               <a:solidFill>
@@ -2027,76 +2136,7 @@
             </a:endParaRPr>
           </a:p>
           <a:p>
-            <a:pPr indent="0" lvl="0" marL="0" rtl="0" algn="just">
-              <a:lnSpc>
-                <a:spcPct val="115000"/>
-              </a:lnSpc>
-              <a:spcBef>
-                <a:spcPts val="0"/>
-              </a:spcBef>
-              <a:spcAft>
-                <a:spcPts val="0"/>
-              </a:spcAft>
-              <a:buNone/>
-            </a:pPr>
-            <a:r>
-              <a:t/>
-            </a:r>
-            <a:endParaRPr sz="1150">
-              <a:solidFill>
-                <a:srgbClr val="555555"/>
-              </a:solidFill>
-              <a:highlight>
-                <a:srgbClr val="EFEFEF"/>
-              </a:highlight>
-            </a:endParaRPr>
-          </a:p>
-          <a:p>
-            <a:pPr indent="0" lvl="0" marL="0" rtl="0" algn="just">
-              <a:lnSpc>
-                <a:spcPct val="115000"/>
-              </a:lnSpc>
-              <a:spcBef>
-                <a:spcPts val="0"/>
-              </a:spcBef>
-              <a:spcAft>
-                <a:spcPts val="0"/>
-              </a:spcAft>
-              <a:buNone/>
-            </a:pPr>
-            <a:r>
-              <a:rPr lang="ko" sz="1150">
-                <a:solidFill>
-                  <a:srgbClr val="555555"/>
-                </a:solidFill>
-                <a:highlight>
-                  <a:srgbClr val="EFEFEF"/>
-                </a:highlight>
-              </a:rPr>
-              <a:t>윈도우 95는 마이크로소프트에게 상업적 성공을 안겨다 준 제품, </a:t>
-            </a:r>
-            <a:r>
-              <a:rPr lang="ko" sz="1150">
-                <a:solidFill>
-                  <a:srgbClr val="555555"/>
-                </a:solidFill>
-                <a:highlight>
-                  <a:srgbClr val="EFEFEF"/>
-                </a:highlight>
-              </a:rPr>
-              <a:t>예전 명령어 기반 DOS와는 비교할 수 없는 편리함으로 인해 선풍적인 인기를 끌었다.</a:t>
-            </a:r>
-            <a:endParaRPr sz="1150">
-              <a:solidFill>
-                <a:srgbClr val="555555"/>
-              </a:solidFill>
-              <a:highlight>
-                <a:srgbClr val="EFEFEF"/>
-              </a:highlight>
-            </a:endParaRPr>
-          </a:p>
-          <a:p>
-            <a:pPr indent="0" lvl="0" marL="0" rtl="0" algn="just">
+            <a:pPr marL="0" lvl="0" indent="0" algn="just" rtl="0">
               <a:lnSpc>
                 <a:spcPct val="115000"/>
               </a:lnSpc>
@@ -2129,7 +2169,7 @@
             </a:endParaRPr>
           </a:p>
           <a:p>
-            <a:pPr indent="0" lvl="0" marL="0" rtl="0" algn="l">
+            <a:pPr marL="0" lvl="0" indent="0" algn="l" rtl="0">
               <a:lnSpc>
                 <a:spcPct val="115000"/>
               </a:lnSpc>
@@ -2141,13 +2181,10 @@
               </a:spcAft>
               <a:buNone/>
             </a:pPr>
-            <a:r>
-              <a:t/>
-            </a:r>
             <a:endParaRPr/>
           </a:p>
           <a:p>
-            <a:pPr indent="0" lvl="0" marL="0" rtl="0" algn="l">
+            <a:pPr marL="0" lvl="0" indent="0" algn="l" rtl="0">
               <a:spcBef>
                 <a:spcPts val="0"/>
               </a:spcBef>
@@ -2156,9 +2193,6 @@
               </a:spcAft>
               <a:buNone/>
             </a:pPr>
-            <a:r>
-              <a:t/>
-            </a:r>
             <a:endParaRPr/>
           </a:p>
         </p:txBody>
@@ -2172,11 +2206,11 @@
 </file>
 
 <file path=ppt/notesSlides/notesSlide8.xml><?xml version="1.0" encoding="utf-8"?>
-<p:notes xmlns:a="http://schemas.openxmlformats.org/drawingml/2006/main" xmlns:r="http://schemas.openxmlformats.org/officeDocument/2006/relationships" xmlns:mc="http://schemas.openxmlformats.org/markup-compatibility/2006" xmlns:mv="urn:schemas-microsoft-com:mac:vml" xmlns:p="http://schemas.openxmlformats.org/presentationml/2006/main" xmlns:c="http://schemas.openxmlformats.org/drawingml/2006/chart" xmlns:dgm="http://schemas.openxmlformats.org/drawingml/2006/diagram" xmlns:o="urn:schemas-microsoft-com:office:office" xmlns:v="urn:schemas-microsoft-com:vml" xmlns:pvml="urn:schemas-microsoft-com:office:powerpoint" xmlns:com="http://schemas.openxmlformats.org/drawingml/2006/compatibility" xmlns:p14="http://schemas.microsoft.com/office/powerpoint/2010/main" xmlns:p15="http://schemas.microsoft.com/office/powerpoint/2012/main" showMasterPhAnim="0" showMasterSp="0">
+<p:notes xmlns:a="http://schemas.openxmlformats.org/drawingml/2006/main" xmlns:r="http://schemas.openxmlformats.org/officeDocument/2006/relationships" xmlns:p="http://schemas.openxmlformats.org/presentationml/2006/main" showMasterSp="0" showMasterPhAnim="0">
   <p:cSld>
     <p:spTree>
       <p:nvGrpSpPr>
-        <p:cNvPr id="115" name="Shape 115"/>
+        <p:cNvPr id="1" name="Shape 115"/>
         <p:cNvGrpSpPr/>
         <p:nvPr/>
       </p:nvGrpSpPr>
@@ -2191,20 +2225,26 @@
       <p:sp>
         <p:nvSpPr>
           <p:cNvPr id="116" name="Google Shape;116;g6506f6e39f_0_24:notes"/>
-          <p:cNvSpPr/>
+          <p:cNvSpPr>
+            <a:spLocks noGrp="1" noRot="1" noChangeAspect="1"/>
+          </p:cNvSpPr>
           <p:nvPr>
-            <p:ph idx="2" type="sldImg"/>
+            <p:ph type="sldImg" idx="2"/>
           </p:nvPr>
         </p:nvSpPr>
         <p:spPr>
           <a:xfrm>
-            <a:off x="381300" y="685800"/>
+            <a:off x="381000" y="685800"/>
             <a:ext cx="6096000" cy="3429000"/>
           </a:xfrm>
           <a:custGeom>
-            <a:rect b="b" l="l" r="r" t="t"/>
+            <a:avLst/>
+            <a:gdLst/>
+            <a:ahLst/>
+            <a:cxnLst/>
+            <a:rect l="l" t="t" r="r" b="b"/>
             <a:pathLst>
-              <a:path extrusionOk="0" h="120000" w="120000">
+              <a:path w="120000" h="120000" extrusionOk="0">
                 <a:moveTo>
                   <a:pt x="0" y="0"/>
                 </a:moveTo>
@@ -2226,9 +2266,11 @@
       <p:sp>
         <p:nvSpPr>
           <p:cNvPr id="117" name="Google Shape;117;g6506f6e39f_0_24:notes"/>
-          <p:cNvSpPr txBox="1"/>
+          <p:cNvSpPr txBox="1">
+            <a:spLocks noGrp="1"/>
+          </p:cNvSpPr>
           <p:nvPr>
-            <p:ph idx="1" type="body"/>
+            <p:ph type="body" idx="1"/>
           </p:nvPr>
         </p:nvSpPr>
         <p:spPr>
@@ -2241,12 +2283,12 @@
           </a:prstGeom>
         </p:spPr>
         <p:txBody>
-          <a:bodyPr anchorCtr="0" anchor="t" bIns="91425" lIns="91425" spcFirstLastPara="1" rIns="91425" wrap="square" tIns="91425">
+          <a:bodyPr spcFirstLastPara="1" wrap="square" lIns="91425" tIns="91425" rIns="91425" bIns="91425" anchor="t" anchorCtr="0">
             <a:noAutofit/>
           </a:bodyPr>
           <a:lstStyle/>
           <a:p>
-            <a:pPr indent="0" lvl="0" marL="0" rtl="0" algn="l">
+            <a:pPr marL="0" lvl="0" indent="0" algn="l" rtl="0">
               <a:spcBef>
                 <a:spcPts val="0"/>
               </a:spcBef>
@@ -2262,7 +2304,7 @@
             <a:endParaRPr/>
           </a:p>
           <a:p>
-            <a:pPr indent="0" lvl="0" marL="0" rtl="0" algn="l">
+            <a:pPr marL="0" lvl="0" indent="0" algn="l" rtl="0">
               <a:spcBef>
                 <a:spcPts val="0"/>
               </a:spcBef>
@@ -2278,7 +2320,7 @@
             <a:endParaRPr/>
           </a:p>
           <a:p>
-            <a:pPr indent="0" lvl="0" marL="0" rtl="0" algn="l">
+            <a:pPr marL="0" lvl="0" indent="0" algn="l" rtl="0">
               <a:spcBef>
                 <a:spcPts val="0"/>
               </a:spcBef>
@@ -2292,7 +2334,7 @@
                 <a:solidFill>
                   <a:schemeClr val="hlink"/>
                 </a:solidFill>
-                <a:hlinkClick r:id="rId2"/>
+                <a:hlinkClick r:id="rId3"/>
               </a:rPr>
               <a:t>http://www.ciokorea.com/news/37033</a:t>
             </a:r>
@@ -2309,11 +2351,11 @@
 </file>
 
 <file path=ppt/notesSlides/notesSlide9.xml><?xml version="1.0" encoding="utf-8"?>
-<p:notes xmlns:a="http://schemas.openxmlformats.org/drawingml/2006/main" xmlns:r="http://schemas.openxmlformats.org/officeDocument/2006/relationships" xmlns:mc="http://schemas.openxmlformats.org/markup-compatibility/2006" xmlns:mv="urn:schemas-microsoft-com:mac:vml" xmlns:p="http://schemas.openxmlformats.org/presentationml/2006/main" xmlns:c="http://schemas.openxmlformats.org/drawingml/2006/chart" xmlns:dgm="http://schemas.openxmlformats.org/drawingml/2006/diagram" xmlns:o="urn:schemas-microsoft-com:office:office" xmlns:v="urn:schemas-microsoft-com:vml" xmlns:pvml="urn:schemas-microsoft-com:office:powerpoint" xmlns:com="http://schemas.openxmlformats.org/drawingml/2006/compatibility" xmlns:p14="http://schemas.microsoft.com/office/powerpoint/2010/main" xmlns:p15="http://schemas.microsoft.com/office/powerpoint/2012/main" showMasterPhAnim="0" showMasterSp="0">
+<p:notes xmlns:a="http://schemas.openxmlformats.org/drawingml/2006/main" xmlns:r="http://schemas.openxmlformats.org/officeDocument/2006/relationships" xmlns:p="http://schemas.openxmlformats.org/presentationml/2006/main" showMasterSp="0" showMasterPhAnim="0">
   <p:cSld>
     <p:spTree>
       <p:nvGrpSpPr>
-        <p:cNvPr id="124" name="Shape 124"/>
+        <p:cNvPr id="1" name="Shape 124"/>
         <p:cNvGrpSpPr/>
         <p:nvPr/>
       </p:nvGrpSpPr>
@@ -2328,20 +2370,26 @@
       <p:sp>
         <p:nvSpPr>
           <p:cNvPr id="125" name="Google Shape;125;g650579d8e1_0_887:notes"/>
-          <p:cNvSpPr/>
+          <p:cNvSpPr>
+            <a:spLocks noGrp="1" noRot="1" noChangeAspect="1"/>
+          </p:cNvSpPr>
           <p:nvPr>
-            <p:ph idx="2" type="sldImg"/>
+            <p:ph type="sldImg" idx="2"/>
           </p:nvPr>
         </p:nvSpPr>
         <p:spPr>
           <a:xfrm>
-            <a:off x="381300" y="685800"/>
+            <a:off x="381000" y="685800"/>
             <a:ext cx="6096000" cy="3429000"/>
           </a:xfrm>
           <a:custGeom>
-            <a:rect b="b" l="l" r="r" t="t"/>
+            <a:avLst/>
+            <a:gdLst/>
+            <a:ahLst/>
+            <a:cxnLst/>
+            <a:rect l="l" t="t" r="r" b="b"/>
             <a:pathLst>
-              <a:path extrusionOk="0" h="120000" w="120000">
+              <a:path w="120000" h="120000" extrusionOk="0">
                 <a:moveTo>
                   <a:pt x="0" y="0"/>
                 </a:moveTo>
@@ -2363,9 +2411,11 @@
       <p:sp>
         <p:nvSpPr>
           <p:cNvPr id="126" name="Google Shape;126;g650579d8e1_0_887:notes"/>
-          <p:cNvSpPr txBox="1"/>
+          <p:cNvSpPr txBox="1">
+            <a:spLocks noGrp="1"/>
+          </p:cNvSpPr>
           <p:nvPr>
-            <p:ph idx="1" type="body"/>
+            <p:ph type="body" idx="1"/>
           </p:nvPr>
         </p:nvSpPr>
         <p:spPr>
@@ -2378,12 +2428,12 @@
           </a:prstGeom>
         </p:spPr>
         <p:txBody>
-          <a:bodyPr anchorCtr="0" anchor="t" bIns="91425" lIns="91425" spcFirstLastPara="1" rIns="91425" wrap="square" tIns="91425">
+          <a:bodyPr spcFirstLastPara="1" wrap="square" lIns="91425" tIns="91425" rIns="91425" bIns="91425" anchor="t" anchorCtr="0">
             <a:noAutofit/>
           </a:bodyPr>
           <a:lstStyle/>
           <a:p>
-            <a:pPr indent="0" lvl="0" marL="0" rtl="0" algn="l">
+            <a:pPr marL="0" lvl="0" indent="0" algn="l" rtl="0">
               <a:spcBef>
                 <a:spcPts val="0"/>
               </a:spcBef>
@@ -2392,9 +2442,6 @@
               </a:spcAft>
               <a:buNone/>
             </a:pPr>
-            <a:r>
-              <a:t/>
-            </a:r>
             <a:endParaRPr/>
           </a:p>
         </p:txBody>
@@ -2408,11 +2455,11 @@
 </file>
 
 <file path=ppt/slideLayouts/slideLayout1.xml><?xml version="1.0" encoding="utf-8"?>
-<p:sldLayout xmlns:a="http://schemas.openxmlformats.org/drawingml/2006/main" xmlns:r="http://schemas.openxmlformats.org/officeDocument/2006/relationships" xmlns:mc="http://schemas.openxmlformats.org/markup-compatibility/2006" xmlns:mv="urn:schemas-microsoft-com:mac:vml" xmlns:p="http://schemas.openxmlformats.org/presentationml/2006/main" xmlns:c="http://schemas.openxmlformats.org/drawingml/2006/chart" xmlns:dgm="http://schemas.openxmlformats.org/drawingml/2006/diagram" xmlns:o="urn:schemas-microsoft-com:office:office" xmlns:v="urn:schemas-microsoft-com:vml" xmlns:pvml="urn:schemas-microsoft-com:office:powerpoint" xmlns:com="http://schemas.openxmlformats.org/drawingml/2006/compatibility" xmlns:p14="http://schemas.microsoft.com/office/powerpoint/2010/main" xmlns:p15="http://schemas.microsoft.com/office/powerpoint/2012/main" matchingName="Title slide" type="title">
+<p:sldLayout xmlns:a="http://schemas.openxmlformats.org/drawingml/2006/main" xmlns:r="http://schemas.openxmlformats.org/officeDocument/2006/relationships" xmlns:p="http://schemas.openxmlformats.org/presentationml/2006/main" matchingName="Title slide" type="title">
   <p:cSld name="TITLE">
     <p:spTree>
       <p:nvGrpSpPr>
-        <p:cNvPr id="9" name="Shape 9"/>
+        <p:cNvPr id="1" name="Shape 9"/>
         <p:cNvGrpSpPr/>
         <p:nvPr/>
       </p:nvGrpSpPr>
@@ -2439,14 +2486,14 @@
             <a:avLst/>
           </a:prstGeom>
           <a:noFill/>
-          <a:ln cap="flat" cmpd="sng" w="76200">
+          <a:ln w="76200" cap="flat" cmpd="sng">
             <a:solidFill>
               <a:schemeClr val="lt2"/>
             </a:solidFill>
             <a:prstDash val="solid"/>
             <a:round/>
-            <a:headEnd len="sm" w="sm" type="none"/>
-            <a:tailEnd len="sm" w="sm" type="none"/>
+            <a:headEnd type="none" w="sm" len="sm"/>
+            <a:tailEnd type="none" w="sm" len="sm"/>
           </a:ln>
         </p:spPr>
       </p:cxnSp>
@@ -2465,14 +2512,14 @@
             <a:avLst/>
           </a:prstGeom>
           <a:noFill/>
-          <a:ln cap="flat" cmpd="sng" w="76200">
+          <a:ln w="76200" cap="flat" cmpd="sng">
             <a:solidFill>
               <a:schemeClr val="lt2"/>
             </a:solidFill>
             <a:prstDash val="solid"/>
             <a:round/>
-            <a:headEnd len="sm" w="sm" type="none"/>
-            <a:tailEnd len="sm" w="sm" type="none"/>
+            <a:headEnd type="none" w="sm" len="sm"/>
+            <a:tailEnd type="none" w="sm" len="sm"/>
           </a:ln>
         </p:spPr>
       </p:cxnSp>
@@ -2505,14 +2552,14 @@
               <a:avLst/>
             </a:prstGeom>
             <a:noFill/>
-            <a:ln cap="flat" cmpd="sng" w="76200">
+            <a:ln w="76200" cap="flat" cmpd="sng">
               <a:solidFill>
                 <a:schemeClr val="accent3"/>
               </a:solidFill>
               <a:prstDash val="solid"/>
               <a:round/>
-              <a:headEnd len="sm" w="sm" type="none"/>
-              <a:tailEnd len="sm" w="sm" type="none"/>
+              <a:headEnd type="none" w="sm" len="sm"/>
+              <a:tailEnd type="none" w="sm" len="sm"/>
             </a:ln>
           </p:spPr>
         </p:cxnSp>
@@ -2531,14 +2578,14 @@
               <a:avLst/>
             </a:prstGeom>
             <a:noFill/>
-            <a:ln cap="flat" cmpd="sng" w="9525">
+            <a:ln w="9525" cap="flat" cmpd="sng">
               <a:solidFill>
                 <a:schemeClr val="accent3"/>
               </a:solidFill>
               <a:prstDash val="solid"/>
               <a:round/>
-              <a:headEnd len="sm" w="sm" type="none"/>
-              <a:tailEnd len="sm" w="sm" type="none"/>
+              <a:headEnd type="none" w="sm" len="sm"/>
+              <a:tailEnd type="none" w="sm" len="sm"/>
             </a:ln>
           </p:spPr>
         </p:cxnSp>
@@ -2572,14 +2619,14 @@
               <a:avLst/>
             </a:prstGeom>
             <a:noFill/>
-            <a:ln cap="flat" cmpd="sng" w="76200">
+            <a:ln w="76200" cap="flat" cmpd="sng">
               <a:solidFill>
                 <a:schemeClr val="accent3"/>
               </a:solidFill>
               <a:prstDash val="solid"/>
               <a:round/>
-              <a:headEnd len="sm" w="sm" type="none"/>
-              <a:tailEnd len="sm" w="sm" type="none"/>
+              <a:headEnd type="none" w="sm" len="sm"/>
+              <a:tailEnd type="none" w="sm" len="sm"/>
             </a:ln>
           </p:spPr>
         </p:cxnSp>
@@ -2598,14 +2645,14 @@
               <a:avLst/>
             </a:prstGeom>
             <a:noFill/>
-            <a:ln cap="flat" cmpd="sng" w="9525">
+            <a:ln w="9525" cap="flat" cmpd="sng">
               <a:solidFill>
                 <a:schemeClr val="accent3"/>
               </a:solidFill>
               <a:prstDash val="solid"/>
               <a:round/>
-              <a:headEnd len="sm" w="sm" type="none"/>
-              <a:tailEnd len="sm" w="sm" type="none"/>
+              <a:headEnd type="none" w="sm" len="sm"/>
+              <a:tailEnd type="none" w="sm" len="sm"/>
             </a:ln>
           </p:spPr>
         </p:cxnSp>
@@ -2613,7 +2660,9 @@
       <p:sp>
         <p:nvSpPr>
           <p:cNvPr id="18" name="Google Shape;18;p2"/>
-          <p:cNvSpPr txBox="1"/>
+          <p:cNvSpPr txBox="1">
+            <a:spLocks noGrp="1"/>
+          </p:cNvSpPr>
           <p:nvPr>
             <p:ph type="ctrTitle"/>
           </p:nvPr>
@@ -2628,7 +2677,7 @@
           </a:prstGeom>
         </p:spPr>
         <p:txBody>
-          <a:bodyPr anchorCtr="0" anchor="b" bIns="91425" lIns="91425" spcFirstLastPara="1" rIns="91425" wrap="square" tIns="91425">
+          <a:bodyPr spcFirstLastPara="1" wrap="square" lIns="91425" tIns="91425" rIns="91425" bIns="91425" anchor="b" anchorCtr="0">
             <a:noAutofit/>
           </a:bodyPr>
           <a:lstStyle>
@@ -2732,15 +2781,19 @@
               <a:defRPr sz="5400"/>
             </a:lvl9pPr>
           </a:lstStyle>
-          <a:p/>
+          <a:p>
+            <a:endParaRPr/>
+          </a:p>
         </p:txBody>
       </p:sp>
       <p:sp>
         <p:nvSpPr>
           <p:cNvPr id="19" name="Google Shape;19;p2"/>
-          <p:cNvSpPr txBox="1"/>
+          <p:cNvSpPr txBox="1">
+            <a:spLocks noGrp="1"/>
+          </p:cNvSpPr>
           <p:nvPr>
-            <p:ph idx="1" type="subTitle"/>
+            <p:ph type="subTitle" idx="1"/>
           </p:nvPr>
         </p:nvSpPr>
         <p:spPr>
@@ -2753,7 +2806,7 @@
           </a:prstGeom>
         </p:spPr>
         <p:txBody>
-          <a:bodyPr anchorCtr="0" anchor="t" bIns="91425" lIns="91425" spcFirstLastPara="1" rIns="91425" wrap="square" tIns="91425">
+          <a:bodyPr spcFirstLastPara="1" wrap="square" lIns="91425" tIns="91425" rIns="91425" bIns="91425" anchor="t" anchorCtr="0">
             <a:noAutofit/>
           </a:bodyPr>
           <a:lstStyle>
@@ -2884,15 +2937,19 @@
               <a:defRPr sz="2400"/>
             </a:lvl9pPr>
           </a:lstStyle>
-          <a:p/>
+          <a:p>
+            <a:endParaRPr/>
+          </a:p>
         </p:txBody>
       </p:sp>
       <p:sp>
         <p:nvSpPr>
           <p:cNvPr id="20" name="Google Shape;20;p2"/>
-          <p:cNvSpPr txBox="1"/>
+          <p:cNvSpPr txBox="1">
+            <a:spLocks noGrp="1"/>
+          </p:cNvSpPr>
           <p:nvPr>
-            <p:ph idx="12" type="sldNum"/>
+            <p:ph type="sldNum" idx="12"/>
           </p:nvPr>
         </p:nvSpPr>
         <p:spPr>
@@ -2905,7 +2962,7 @@
           </a:prstGeom>
         </p:spPr>
         <p:txBody>
-          <a:bodyPr anchorCtr="0" anchor="ctr" bIns="91425" lIns="91425" spcFirstLastPara="1" rIns="91425" wrap="square" tIns="91425">
+          <a:bodyPr spcFirstLastPara="1" wrap="square" lIns="91425" tIns="91425" rIns="91425" bIns="91425" anchor="ctr" anchorCtr="0">
             <a:noAutofit/>
           </a:bodyPr>
           <a:lstStyle>
@@ -2947,7 +3004,7 @@
             </a:lvl9pPr>
           </a:lstStyle>
           <a:p>
-            <a:pPr indent="0" lvl="0" marL="0" rtl="0" algn="r">
+            <a:pPr marL="0" lvl="0" indent="0" algn="r" rtl="0">
               <a:spcBef>
                 <a:spcPts val="0"/>
               </a:spcBef>
@@ -2958,6 +3015,15 @@
             </a:pPr>
             <a:fld id="{00000000-1234-1234-1234-123412341234}" type="slidenum">
               <a:rPr lang="ko"/>
+              <a:pPr marL="0" lvl="0" indent="0" algn="r" rtl="0">
+                <a:spcBef>
+                  <a:spcPts val="0"/>
+                </a:spcBef>
+                <a:spcAft>
+                  <a:spcPts val="0"/>
+                </a:spcAft>
+                <a:buNone/>
+              </a:pPr>
               <a:t>‹#›</a:t>
             </a:fld>
             <a:endParaRPr/>
@@ -2973,11 +3039,11 @@
 </file>
 
 <file path=ppt/slideLayouts/slideLayout10.xml><?xml version="1.0" encoding="utf-8"?>
-<p:sldLayout xmlns:a="http://schemas.openxmlformats.org/drawingml/2006/main" xmlns:r="http://schemas.openxmlformats.org/officeDocument/2006/relationships" xmlns:mc="http://schemas.openxmlformats.org/markup-compatibility/2006" xmlns:mv="urn:schemas-microsoft-com:mac:vml" xmlns:p="http://schemas.openxmlformats.org/presentationml/2006/main" xmlns:c="http://schemas.openxmlformats.org/drawingml/2006/chart" xmlns:dgm="http://schemas.openxmlformats.org/drawingml/2006/diagram" xmlns:o="urn:schemas-microsoft-com:office:office" xmlns:v="urn:schemas-microsoft-com:vml" xmlns:pvml="urn:schemas-microsoft-com:office:powerpoint" xmlns:com="http://schemas.openxmlformats.org/drawingml/2006/compatibility" xmlns:p14="http://schemas.microsoft.com/office/powerpoint/2010/main" xmlns:p15="http://schemas.microsoft.com/office/powerpoint/2012/main" matchingName="Big number">
+<p:sldLayout xmlns:a="http://schemas.openxmlformats.org/drawingml/2006/main" xmlns:r="http://schemas.openxmlformats.org/officeDocument/2006/relationships" xmlns:p="http://schemas.openxmlformats.org/presentationml/2006/main" matchingName="Big number">
   <p:cSld name="BIG_NUMBER">
     <p:spTree>
       <p:nvGrpSpPr>
-        <p:cNvPr id="55" name="Shape 55"/>
+        <p:cNvPr id="1" name="Shape 55"/>
         <p:cNvGrpSpPr/>
         <p:nvPr/>
       </p:nvGrpSpPr>
@@ -3011,12 +3077,12 @@
           </a:ln>
         </p:spPr>
         <p:txBody>
-          <a:bodyPr anchorCtr="0" anchor="ctr" bIns="91425" lIns="91425" spcFirstLastPara="1" rIns="91425" wrap="square" tIns="91425">
+          <a:bodyPr spcFirstLastPara="1" wrap="square" lIns="91425" tIns="91425" rIns="91425" bIns="91425" anchor="ctr" anchorCtr="0">
             <a:noAutofit/>
           </a:bodyPr>
           <a:lstStyle/>
           <a:p>
-            <a:pPr indent="0" lvl="0" marL="0" rtl="0" algn="l">
+            <a:pPr marL="0" lvl="0" indent="0" algn="l" rtl="0">
               <a:spcBef>
                 <a:spcPts val="0"/>
               </a:spcBef>
@@ -3025,9 +3091,6 @@
               </a:spcAft>
               <a:buNone/>
             </a:pPr>
-            <a:r>
-              <a:t/>
-            </a:r>
             <a:endParaRPr/>
           </a:p>
         </p:txBody>
@@ -3035,9 +3098,11 @@
       <p:sp>
         <p:nvSpPr>
           <p:cNvPr id="57" name="Google Shape;57;p11"/>
-          <p:cNvSpPr txBox="1"/>
+          <p:cNvSpPr txBox="1">
+            <a:spLocks noGrp="1"/>
+          </p:cNvSpPr>
           <p:nvPr>
-            <p:ph hasCustomPrompt="1" type="title"/>
+            <p:ph type="title" hasCustomPrompt="1"/>
           </p:nvPr>
         </p:nvSpPr>
         <p:spPr>
@@ -3050,7 +3115,7 @@
           </a:prstGeom>
         </p:spPr>
         <p:txBody>
-          <a:bodyPr anchorCtr="0" anchor="ctr" bIns="91425" lIns="91425" spcFirstLastPara="1" rIns="91425" wrap="square" tIns="91425">
+          <a:bodyPr spcFirstLastPara="1" wrap="square" lIns="91425" tIns="91425" rIns="91425" bIns="91425" anchor="ctr" anchorCtr="0">
             <a:noAutofit/>
           </a:bodyPr>
           <a:lstStyle>
@@ -3227,9 +3292,11 @@
       <p:sp>
         <p:nvSpPr>
           <p:cNvPr id="58" name="Google Shape;58;p11"/>
-          <p:cNvSpPr txBox="1"/>
+          <p:cNvSpPr txBox="1">
+            <a:spLocks noGrp="1"/>
+          </p:cNvSpPr>
           <p:nvPr>
-            <p:ph idx="1" type="body"/>
+            <p:ph type="body" idx="1"/>
           </p:nvPr>
         </p:nvSpPr>
         <p:spPr>
@@ -3242,11 +3309,11 @@
           </a:prstGeom>
         </p:spPr>
         <p:txBody>
-          <a:bodyPr anchorCtr="0" anchor="t" bIns="91425" lIns="91425" spcFirstLastPara="1" rIns="91425" wrap="square" tIns="91425">
+          <a:bodyPr spcFirstLastPara="1" wrap="square" lIns="91425" tIns="91425" rIns="91425" bIns="91425" anchor="t" anchorCtr="0">
             <a:noAutofit/>
           </a:bodyPr>
           <a:lstStyle>
-            <a:lvl1pPr indent="-342900" lvl="0" marL="457200" algn="ctr">
+            <a:lvl1pPr marL="457200" lvl="0" indent="-342900" algn="ctr">
               <a:spcBef>
                 <a:spcPts val="0"/>
               </a:spcBef>
@@ -3257,7 +3324,7 @@
               <a:buChar char="●"/>
               <a:defRPr/>
             </a:lvl1pPr>
-            <a:lvl2pPr indent="-317500" lvl="1" marL="914400" algn="ctr">
+            <a:lvl2pPr marL="914400" lvl="1" indent="-317500" algn="ctr">
               <a:spcBef>
                 <a:spcPts val="1600"/>
               </a:spcBef>
@@ -3268,7 +3335,7 @@
               <a:buChar char="○"/>
               <a:defRPr/>
             </a:lvl2pPr>
-            <a:lvl3pPr indent="-317500" lvl="2" marL="1371600" algn="ctr">
+            <a:lvl3pPr marL="1371600" lvl="2" indent="-317500" algn="ctr">
               <a:spcBef>
                 <a:spcPts val="1600"/>
               </a:spcBef>
@@ -3279,7 +3346,7 @@
               <a:buChar char="■"/>
               <a:defRPr/>
             </a:lvl3pPr>
-            <a:lvl4pPr indent="-317500" lvl="3" marL="1828800" algn="ctr">
+            <a:lvl4pPr marL="1828800" lvl="3" indent="-317500" algn="ctr">
               <a:spcBef>
                 <a:spcPts val="1600"/>
               </a:spcBef>
@@ -3290,7 +3357,7 @@
               <a:buChar char="●"/>
               <a:defRPr/>
             </a:lvl4pPr>
-            <a:lvl5pPr indent="-317500" lvl="4" marL="2286000" algn="ctr">
+            <a:lvl5pPr marL="2286000" lvl="4" indent="-317500" algn="ctr">
               <a:spcBef>
                 <a:spcPts val="1600"/>
               </a:spcBef>
@@ -3301,7 +3368,7 @@
               <a:buChar char="○"/>
               <a:defRPr/>
             </a:lvl5pPr>
-            <a:lvl6pPr indent="-317500" lvl="5" marL="2743200" algn="ctr">
+            <a:lvl6pPr marL="2743200" lvl="5" indent="-317500" algn="ctr">
               <a:spcBef>
                 <a:spcPts val="1600"/>
               </a:spcBef>
@@ -3312,7 +3379,7 @@
               <a:buChar char="■"/>
               <a:defRPr/>
             </a:lvl6pPr>
-            <a:lvl7pPr indent="-317500" lvl="6" marL="3200400" algn="ctr">
+            <a:lvl7pPr marL="3200400" lvl="6" indent="-317500" algn="ctr">
               <a:spcBef>
                 <a:spcPts val="1600"/>
               </a:spcBef>
@@ -3323,7 +3390,7 @@
               <a:buChar char="●"/>
               <a:defRPr/>
             </a:lvl7pPr>
-            <a:lvl8pPr indent="-317500" lvl="7" marL="3657600" algn="ctr">
+            <a:lvl8pPr marL="3657600" lvl="7" indent="-317500" algn="ctr">
               <a:spcBef>
                 <a:spcPts val="1600"/>
               </a:spcBef>
@@ -3334,7 +3401,7 @@
               <a:buChar char="○"/>
               <a:defRPr/>
             </a:lvl8pPr>
-            <a:lvl9pPr indent="-317500" lvl="8" marL="4114800" algn="ctr">
+            <a:lvl9pPr marL="4114800" lvl="8" indent="-317500" algn="ctr">
               <a:spcBef>
                 <a:spcPts val="1600"/>
               </a:spcBef>
@@ -3346,15 +3413,19 @@
               <a:defRPr/>
             </a:lvl9pPr>
           </a:lstStyle>
-          <a:p/>
+          <a:p>
+            <a:endParaRPr/>
+          </a:p>
         </p:txBody>
       </p:sp>
       <p:sp>
         <p:nvSpPr>
           <p:cNvPr id="59" name="Google Shape;59;p11"/>
-          <p:cNvSpPr txBox="1"/>
+          <p:cNvSpPr txBox="1">
+            <a:spLocks noGrp="1"/>
+          </p:cNvSpPr>
           <p:nvPr>
-            <p:ph idx="12" type="sldNum"/>
+            <p:ph type="sldNum" idx="12"/>
           </p:nvPr>
         </p:nvSpPr>
         <p:spPr>
@@ -3367,7 +3438,7 @@
           </a:prstGeom>
         </p:spPr>
         <p:txBody>
-          <a:bodyPr anchorCtr="0" anchor="ctr" bIns="91425" lIns="91425" spcFirstLastPara="1" rIns="91425" wrap="square" tIns="91425">
+          <a:bodyPr spcFirstLastPara="1" wrap="square" lIns="91425" tIns="91425" rIns="91425" bIns="91425" anchor="ctr" anchorCtr="0">
             <a:noAutofit/>
           </a:bodyPr>
           <a:lstStyle>
@@ -3409,7 +3480,7 @@
             </a:lvl9pPr>
           </a:lstStyle>
           <a:p>
-            <a:pPr indent="0" lvl="0" marL="0" rtl="0" algn="r">
+            <a:pPr marL="0" lvl="0" indent="0" algn="r" rtl="0">
               <a:spcBef>
                 <a:spcPts val="0"/>
               </a:spcBef>
@@ -3420,6 +3491,15 @@
             </a:pPr>
             <a:fld id="{00000000-1234-1234-1234-123412341234}" type="slidenum">
               <a:rPr lang="ko"/>
+              <a:pPr marL="0" lvl="0" indent="0" algn="r" rtl="0">
+                <a:spcBef>
+                  <a:spcPts val="0"/>
+                </a:spcBef>
+                <a:spcAft>
+                  <a:spcPts val="0"/>
+                </a:spcAft>
+                <a:buNone/>
+              </a:pPr>
               <a:t>‹#›</a:t>
             </a:fld>
             <a:endParaRPr/>
@@ -3435,11 +3515,11 @@
 </file>
 
 <file path=ppt/slideLayouts/slideLayout11.xml><?xml version="1.0" encoding="utf-8"?>
-<p:sldLayout xmlns:a="http://schemas.openxmlformats.org/drawingml/2006/main" xmlns:r="http://schemas.openxmlformats.org/officeDocument/2006/relationships" xmlns:mc="http://schemas.openxmlformats.org/markup-compatibility/2006" xmlns:mv="urn:schemas-microsoft-com:mac:vml" xmlns:p="http://schemas.openxmlformats.org/presentationml/2006/main" xmlns:c="http://schemas.openxmlformats.org/drawingml/2006/chart" xmlns:dgm="http://schemas.openxmlformats.org/drawingml/2006/diagram" xmlns:o="urn:schemas-microsoft-com:office:office" xmlns:v="urn:schemas-microsoft-com:vml" xmlns:pvml="urn:schemas-microsoft-com:office:powerpoint" xmlns:com="http://schemas.openxmlformats.org/drawingml/2006/compatibility" xmlns:p14="http://schemas.microsoft.com/office/powerpoint/2010/main" xmlns:p15="http://schemas.microsoft.com/office/powerpoint/2012/main" matchingName="Blank" type="blank">
+<p:sldLayout xmlns:a="http://schemas.openxmlformats.org/drawingml/2006/main" xmlns:r="http://schemas.openxmlformats.org/officeDocument/2006/relationships" xmlns:p="http://schemas.openxmlformats.org/presentationml/2006/main" matchingName="Blank" type="blank">
   <p:cSld name="BLANK">
     <p:spTree>
       <p:nvGrpSpPr>
-        <p:cNvPr id="60" name="Shape 60"/>
+        <p:cNvPr id="1" name="Shape 60"/>
         <p:cNvGrpSpPr/>
         <p:nvPr/>
       </p:nvGrpSpPr>
@@ -3454,9 +3534,11 @@
       <p:sp>
         <p:nvSpPr>
           <p:cNvPr id="61" name="Google Shape;61;p12"/>
-          <p:cNvSpPr txBox="1"/>
+          <p:cNvSpPr txBox="1">
+            <a:spLocks noGrp="1"/>
+          </p:cNvSpPr>
           <p:nvPr>
-            <p:ph idx="12" type="sldNum"/>
+            <p:ph type="sldNum" idx="12"/>
           </p:nvPr>
         </p:nvSpPr>
         <p:spPr>
@@ -3469,7 +3551,7 @@
           </a:prstGeom>
         </p:spPr>
         <p:txBody>
-          <a:bodyPr anchorCtr="0" anchor="ctr" bIns="91425" lIns="91425" spcFirstLastPara="1" rIns="91425" wrap="square" tIns="91425">
+          <a:bodyPr spcFirstLastPara="1" wrap="square" lIns="91425" tIns="91425" rIns="91425" bIns="91425" anchor="ctr" anchorCtr="0">
             <a:noAutofit/>
           </a:bodyPr>
           <a:lstStyle>
@@ -3511,7 +3593,7 @@
             </a:lvl9pPr>
           </a:lstStyle>
           <a:p>
-            <a:pPr indent="0" lvl="0" marL="0" rtl="0" algn="r">
+            <a:pPr marL="0" lvl="0" indent="0" algn="r" rtl="0">
               <a:spcBef>
                 <a:spcPts val="0"/>
               </a:spcBef>
@@ -3522,6 +3604,15 @@
             </a:pPr>
             <a:fld id="{00000000-1234-1234-1234-123412341234}" type="slidenum">
               <a:rPr lang="ko"/>
+              <a:pPr marL="0" lvl="0" indent="0" algn="r" rtl="0">
+                <a:spcBef>
+                  <a:spcPts val="0"/>
+                </a:spcBef>
+                <a:spcAft>
+                  <a:spcPts val="0"/>
+                </a:spcAft>
+                <a:buNone/>
+              </a:pPr>
               <a:t>‹#›</a:t>
             </a:fld>
             <a:endParaRPr/>
@@ -3537,11 +3628,11 @@
 </file>
 
 <file path=ppt/slideLayouts/slideLayout2.xml><?xml version="1.0" encoding="utf-8"?>
-<p:sldLayout xmlns:a="http://schemas.openxmlformats.org/drawingml/2006/main" xmlns:r="http://schemas.openxmlformats.org/officeDocument/2006/relationships" xmlns:mc="http://schemas.openxmlformats.org/markup-compatibility/2006" xmlns:mv="urn:schemas-microsoft-com:mac:vml" xmlns:p="http://schemas.openxmlformats.org/presentationml/2006/main" xmlns:c="http://schemas.openxmlformats.org/drawingml/2006/chart" xmlns:dgm="http://schemas.openxmlformats.org/drawingml/2006/diagram" xmlns:o="urn:schemas-microsoft-com:office:office" xmlns:v="urn:schemas-microsoft-com:vml" xmlns:pvml="urn:schemas-microsoft-com:office:powerpoint" xmlns:com="http://schemas.openxmlformats.org/drawingml/2006/compatibility" xmlns:p14="http://schemas.microsoft.com/office/powerpoint/2010/main" xmlns:p15="http://schemas.microsoft.com/office/powerpoint/2012/main" matchingName="Section header" type="secHead">
+<p:sldLayout xmlns:a="http://schemas.openxmlformats.org/drawingml/2006/main" xmlns:r="http://schemas.openxmlformats.org/officeDocument/2006/relationships" xmlns:p="http://schemas.openxmlformats.org/presentationml/2006/main" matchingName="Section header" type="secHead">
   <p:cSld name="SECTION_HEADER">
     <p:spTree>
       <p:nvGrpSpPr>
-        <p:cNvPr id="21" name="Shape 21"/>
+        <p:cNvPr id="1" name="Shape 21"/>
         <p:cNvGrpSpPr/>
         <p:nvPr/>
       </p:nvGrpSpPr>
@@ -3575,12 +3666,12 @@
           </a:ln>
         </p:spPr>
         <p:txBody>
-          <a:bodyPr anchorCtr="0" anchor="ctr" bIns="91425" lIns="91425" spcFirstLastPara="1" rIns="91425" wrap="square" tIns="91425">
+          <a:bodyPr spcFirstLastPara="1" wrap="square" lIns="91425" tIns="91425" rIns="91425" bIns="91425" anchor="ctr" anchorCtr="0">
             <a:noAutofit/>
           </a:bodyPr>
           <a:lstStyle/>
           <a:p>
-            <a:pPr indent="0" lvl="0" marL="0" rtl="0" algn="l">
+            <a:pPr marL="0" lvl="0" indent="0" algn="l" rtl="0">
               <a:spcBef>
                 <a:spcPts val="0"/>
               </a:spcBef>
@@ -3589,9 +3680,6 @@
               </a:spcAft>
               <a:buNone/>
             </a:pPr>
-            <a:r>
-              <a:t/>
-            </a:r>
             <a:endParaRPr/>
           </a:p>
         </p:txBody>
@@ -3599,7 +3687,9 @@
       <p:sp>
         <p:nvSpPr>
           <p:cNvPr id="23" name="Google Shape;23;p3"/>
-          <p:cNvSpPr txBox="1"/>
+          <p:cNvSpPr txBox="1">
+            <a:spLocks noGrp="1"/>
+          </p:cNvSpPr>
           <p:nvPr>
             <p:ph type="title"/>
           </p:nvPr>
@@ -3614,7 +3704,7 @@
           </a:prstGeom>
         </p:spPr>
         <p:txBody>
-          <a:bodyPr anchorCtr="0" anchor="ctr" bIns="91425" lIns="91425" spcFirstLastPara="1" rIns="91425" wrap="square" tIns="91425">
+          <a:bodyPr spcFirstLastPara="1" wrap="square" lIns="91425" tIns="91425" rIns="91425" bIns="91425" anchor="ctr" anchorCtr="0">
             <a:noAutofit/>
           </a:bodyPr>
           <a:lstStyle>
@@ -3718,15 +3808,19 @@
               <a:defRPr/>
             </a:lvl9pPr>
           </a:lstStyle>
-          <a:p/>
+          <a:p>
+            <a:endParaRPr/>
+          </a:p>
         </p:txBody>
       </p:sp>
       <p:sp>
         <p:nvSpPr>
           <p:cNvPr id="24" name="Google Shape;24;p3"/>
-          <p:cNvSpPr txBox="1"/>
+          <p:cNvSpPr txBox="1">
+            <a:spLocks noGrp="1"/>
+          </p:cNvSpPr>
           <p:nvPr>
-            <p:ph idx="12" type="sldNum"/>
+            <p:ph type="sldNum" idx="12"/>
           </p:nvPr>
         </p:nvSpPr>
         <p:spPr>
@@ -3739,7 +3833,7 @@
           </a:prstGeom>
         </p:spPr>
         <p:txBody>
-          <a:bodyPr anchorCtr="0" anchor="ctr" bIns="91425" lIns="91425" spcFirstLastPara="1" rIns="91425" wrap="square" tIns="91425">
+          <a:bodyPr spcFirstLastPara="1" wrap="square" lIns="91425" tIns="91425" rIns="91425" bIns="91425" anchor="ctr" anchorCtr="0">
             <a:noAutofit/>
           </a:bodyPr>
           <a:lstStyle>
@@ -3817,7 +3911,7 @@
             </a:lvl9pPr>
           </a:lstStyle>
           <a:p>
-            <a:pPr indent="0" lvl="0" marL="0" rtl="0" algn="r">
+            <a:pPr marL="0" lvl="0" indent="0" algn="r" rtl="0">
               <a:spcBef>
                 <a:spcPts val="0"/>
               </a:spcBef>
@@ -3828,6 +3922,15 @@
             </a:pPr>
             <a:fld id="{00000000-1234-1234-1234-123412341234}" type="slidenum">
               <a:rPr lang="ko"/>
+              <a:pPr marL="0" lvl="0" indent="0" algn="r" rtl="0">
+                <a:spcBef>
+                  <a:spcPts val="0"/>
+                </a:spcBef>
+                <a:spcAft>
+                  <a:spcPts val="0"/>
+                </a:spcAft>
+                <a:buNone/>
+              </a:pPr>
               <a:t>‹#›</a:t>
             </a:fld>
             <a:endParaRPr/>
@@ -3843,11 +3946,11 @@
 </file>
 
 <file path=ppt/slideLayouts/slideLayout3.xml><?xml version="1.0" encoding="utf-8"?>
-<p:sldLayout xmlns:a="http://schemas.openxmlformats.org/drawingml/2006/main" xmlns:r="http://schemas.openxmlformats.org/officeDocument/2006/relationships" xmlns:mc="http://schemas.openxmlformats.org/markup-compatibility/2006" xmlns:mv="urn:schemas-microsoft-com:mac:vml" xmlns:p="http://schemas.openxmlformats.org/presentationml/2006/main" xmlns:c="http://schemas.openxmlformats.org/drawingml/2006/chart" xmlns:dgm="http://schemas.openxmlformats.org/drawingml/2006/diagram" xmlns:o="urn:schemas-microsoft-com:office:office" xmlns:v="urn:schemas-microsoft-com:vml" xmlns:pvml="urn:schemas-microsoft-com:office:powerpoint" xmlns:com="http://schemas.openxmlformats.org/drawingml/2006/compatibility" xmlns:p14="http://schemas.microsoft.com/office/powerpoint/2010/main" xmlns:p15="http://schemas.microsoft.com/office/powerpoint/2012/main" matchingName="Title and body" type="tx">
+<p:sldLayout xmlns:a="http://schemas.openxmlformats.org/drawingml/2006/main" xmlns:r="http://schemas.openxmlformats.org/officeDocument/2006/relationships" xmlns:p="http://schemas.openxmlformats.org/presentationml/2006/main" matchingName="Title and body" type="tx">
   <p:cSld name="TITLE_AND_BODY">
     <p:spTree>
       <p:nvGrpSpPr>
-        <p:cNvPr id="25" name="Shape 25"/>
+        <p:cNvPr id="1" name="Shape 25"/>
         <p:cNvGrpSpPr/>
         <p:nvPr/>
       </p:nvGrpSpPr>
@@ -3881,12 +3984,12 @@
           </a:ln>
         </p:spPr>
         <p:txBody>
-          <a:bodyPr anchorCtr="0" anchor="ctr" bIns="91425" lIns="91425" spcFirstLastPara="1" rIns="91425" wrap="square" tIns="91425">
+          <a:bodyPr spcFirstLastPara="1" wrap="square" lIns="91425" tIns="91425" rIns="91425" bIns="91425" anchor="ctr" anchorCtr="0">
             <a:noAutofit/>
           </a:bodyPr>
           <a:lstStyle/>
           <a:p>
-            <a:pPr indent="0" lvl="0" marL="0" rtl="0" algn="l">
+            <a:pPr marL="0" lvl="0" indent="0" algn="l" rtl="0">
               <a:spcBef>
                 <a:spcPts val="0"/>
               </a:spcBef>
@@ -3895,9 +3998,6 @@
               </a:spcAft>
               <a:buNone/>
             </a:pPr>
-            <a:r>
-              <a:t/>
-            </a:r>
             <a:endParaRPr/>
           </a:p>
         </p:txBody>
@@ -3905,7 +4005,9 @@
       <p:sp>
         <p:nvSpPr>
           <p:cNvPr id="27" name="Google Shape;27;p4"/>
-          <p:cNvSpPr txBox="1"/>
+          <p:cNvSpPr txBox="1">
+            <a:spLocks noGrp="1"/>
+          </p:cNvSpPr>
           <p:nvPr>
             <p:ph type="title"/>
           </p:nvPr>
@@ -3920,7 +4022,7 @@
           </a:prstGeom>
         </p:spPr>
         <p:txBody>
-          <a:bodyPr anchorCtr="0" anchor="t" bIns="91425" lIns="91425" spcFirstLastPara="1" rIns="91425" wrap="square" tIns="91425">
+          <a:bodyPr spcFirstLastPara="1" wrap="square" lIns="91425" tIns="91425" rIns="91425" bIns="91425" anchor="t" anchorCtr="0">
             <a:noAutofit/>
           </a:bodyPr>
           <a:lstStyle>
@@ -4024,15 +4126,19 @@
               <a:defRPr/>
             </a:lvl9pPr>
           </a:lstStyle>
-          <a:p/>
+          <a:p>
+            <a:endParaRPr/>
+          </a:p>
         </p:txBody>
       </p:sp>
       <p:sp>
         <p:nvSpPr>
           <p:cNvPr id="28" name="Google Shape;28;p4"/>
-          <p:cNvSpPr txBox="1"/>
+          <p:cNvSpPr txBox="1">
+            <a:spLocks noGrp="1"/>
+          </p:cNvSpPr>
           <p:nvPr>
-            <p:ph idx="1" type="body"/>
+            <p:ph type="body" idx="1"/>
           </p:nvPr>
         </p:nvSpPr>
         <p:spPr>
@@ -4045,11 +4151,11 @@
           </a:prstGeom>
         </p:spPr>
         <p:txBody>
-          <a:bodyPr anchorCtr="0" anchor="t" bIns="91425" lIns="91425" spcFirstLastPara="1" rIns="91425" wrap="square" tIns="91425">
+          <a:bodyPr spcFirstLastPara="1" wrap="square" lIns="91425" tIns="91425" rIns="91425" bIns="91425" anchor="t" anchorCtr="0">
             <a:noAutofit/>
           </a:bodyPr>
           <a:lstStyle>
-            <a:lvl1pPr indent="-342900" lvl="0" marL="457200">
+            <a:lvl1pPr marL="457200" lvl="0" indent="-342900">
               <a:spcBef>
                 <a:spcPts val="0"/>
               </a:spcBef>
@@ -4060,7 +4166,7 @@
               <a:buChar char="●"/>
               <a:defRPr/>
             </a:lvl1pPr>
-            <a:lvl2pPr indent="-317500" lvl="1" marL="914400">
+            <a:lvl2pPr marL="914400" lvl="1" indent="-317500">
               <a:spcBef>
                 <a:spcPts val="1600"/>
               </a:spcBef>
@@ -4071,7 +4177,7 @@
               <a:buChar char="○"/>
               <a:defRPr/>
             </a:lvl2pPr>
-            <a:lvl3pPr indent="-317500" lvl="2" marL="1371600">
+            <a:lvl3pPr marL="1371600" lvl="2" indent="-317500">
               <a:spcBef>
                 <a:spcPts val="1600"/>
               </a:spcBef>
@@ -4082,7 +4188,7 @@
               <a:buChar char="■"/>
               <a:defRPr/>
             </a:lvl3pPr>
-            <a:lvl4pPr indent="-317500" lvl="3" marL="1828800">
+            <a:lvl4pPr marL="1828800" lvl="3" indent="-317500">
               <a:spcBef>
                 <a:spcPts val="1600"/>
               </a:spcBef>
@@ -4093,7 +4199,7 @@
               <a:buChar char="●"/>
               <a:defRPr/>
             </a:lvl4pPr>
-            <a:lvl5pPr indent="-317500" lvl="4" marL="2286000">
+            <a:lvl5pPr marL="2286000" lvl="4" indent="-317500">
               <a:spcBef>
                 <a:spcPts val="1600"/>
               </a:spcBef>
@@ -4104,7 +4210,7 @@
               <a:buChar char="○"/>
               <a:defRPr/>
             </a:lvl5pPr>
-            <a:lvl6pPr indent="-317500" lvl="5" marL="2743200">
+            <a:lvl6pPr marL="2743200" lvl="5" indent="-317500">
               <a:spcBef>
                 <a:spcPts val="1600"/>
               </a:spcBef>
@@ -4115,7 +4221,7 @@
               <a:buChar char="■"/>
               <a:defRPr/>
             </a:lvl6pPr>
-            <a:lvl7pPr indent="-317500" lvl="6" marL="3200400">
+            <a:lvl7pPr marL="3200400" lvl="6" indent="-317500">
               <a:spcBef>
                 <a:spcPts val="1600"/>
               </a:spcBef>
@@ -4126,7 +4232,7 @@
               <a:buChar char="●"/>
               <a:defRPr/>
             </a:lvl7pPr>
-            <a:lvl8pPr indent="-317500" lvl="7" marL="3657600">
+            <a:lvl8pPr marL="3657600" lvl="7" indent="-317500">
               <a:spcBef>
                 <a:spcPts val="1600"/>
               </a:spcBef>
@@ -4137,7 +4243,7 @@
               <a:buChar char="○"/>
               <a:defRPr/>
             </a:lvl8pPr>
-            <a:lvl9pPr indent="-317500" lvl="8" marL="4114800">
+            <a:lvl9pPr marL="4114800" lvl="8" indent="-317500">
               <a:spcBef>
                 <a:spcPts val="1600"/>
               </a:spcBef>
@@ -4149,15 +4255,19 @@
               <a:defRPr/>
             </a:lvl9pPr>
           </a:lstStyle>
-          <a:p/>
+          <a:p>
+            <a:endParaRPr/>
+          </a:p>
         </p:txBody>
       </p:sp>
       <p:sp>
         <p:nvSpPr>
           <p:cNvPr id="29" name="Google Shape;29;p4"/>
-          <p:cNvSpPr txBox="1"/>
+          <p:cNvSpPr txBox="1">
+            <a:spLocks noGrp="1"/>
+          </p:cNvSpPr>
           <p:nvPr>
-            <p:ph idx="12" type="sldNum"/>
+            <p:ph type="sldNum" idx="12"/>
           </p:nvPr>
         </p:nvSpPr>
         <p:spPr>
@@ -4170,7 +4280,7 @@
           </a:prstGeom>
         </p:spPr>
         <p:txBody>
-          <a:bodyPr anchorCtr="0" anchor="ctr" bIns="91425" lIns="91425" spcFirstLastPara="1" rIns="91425" wrap="square" tIns="91425">
+          <a:bodyPr spcFirstLastPara="1" wrap="square" lIns="91425" tIns="91425" rIns="91425" bIns="91425" anchor="ctr" anchorCtr="0">
             <a:noAutofit/>
           </a:bodyPr>
           <a:lstStyle>
@@ -4212,7 +4322,7 @@
             </a:lvl9pPr>
           </a:lstStyle>
           <a:p>
-            <a:pPr indent="0" lvl="0" marL="0" rtl="0" algn="r">
+            <a:pPr marL="0" lvl="0" indent="0" algn="r" rtl="0">
               <a:spcBef>
                 <a:spcPts val="0"/>
               </a:spcBef>
@@ -4223,6 +4333,15 @@
             </a:pPr>
             <a:fld id="{00000000-1234-1234-1234-123412341234}" type="slidenum">
               <a:rPr lang="ko"/>
+              <a:pPr marL="0" lvl="0" indent="0" algn="r" rtl="0">
+                <a:spcBef>
+                  <a:spcPts val="0"/>
+                </a:spcBef>
+                <a:spcAft>
+                  <a:spcPts val="0"/>
+                </a:spcAft>
+                <a:buNone/>
+              </a:pPr>
               <a:t>‹#›</a:t>
             </a:fld>
             <a:endParaRPr/>
@@ -4238,11 +4357,11 @@
 </file>
 
 <file path=ppt/slideLayouts/slideLayout4.xml><?xml version="1.0" encoding="utf-8"?>
-<p:sldLayout xmlns:a="http://schemas.openxmlformats.org/drawingml/2006/main" xmlns:r="http://schemas.openxmlformats.org/officeDocument/2006/relationships" xmlns:mc="http://schemas.openxmlformats.org/markup-compatibility/2006" xmlns:mv="urn:schemas-microsoft-com:mac:vml" xmlns:p="http://schemas.openxmlformats.org/presentationml/2006/main" xmlns:c="http://schemas.openxmlformats.org/drawingml/2006/chart" xmlns:dgm="http://schemas.openxmlformats.org/drawingml/2006/diagram" xmlns:o="urn:schemas-microsoft-com:office:office" xmlns:v="urn:schemas-microsoft-com:vml" xmlns:pvml="urn:schemas-microsoft-com:office:powerpoint" xmlns:com="http://schemas.openxmlformats.org/drawingml/2006/compatibility" xmlns:p14="http://schemas.microsoft.com/office/powerpoint/2010/main" xmlns:p15="http://schemas.microsoft.com/office/powerpoint/2012/main" matchingName="Title and two columns" type="twoColTx">
+<p:sldLayout xmlns:a="http://schemas.openxmlformats.org/drawingml/2006/main" xmlns:r="http://schemas.openxmlformats.org/officeDocument/2006/relationships" xmlns:p="http://schemas.openxmlformats.org/presentationml/2006/main" matchingName="Title and two columns" type="twoColTx">
   <p:cSld name="TITLE_AND_TWO_COLUMNS">
     <p:spTree>
       <p:nvGrpSpPr>
-        <p:cNvPr id="30" name="Shape 30"/>
+        <p:cNvPr id="1" name="Shape 30"/>
         <p:cNvGrpSpPr/>
         <p:nvPr/>
       </p:nvGrpSpPr>
@@ -4257,7 +4376,9 @@
       <p:sp>
         <p:nvSpPr>
           <p:cNvPr id="31" name="Google Shape;31;p5"/>
-          <p:cNvSpPr txBox="1"/>
+          <p:cNvSpPr txBox="1">
+            <a:spLocks noGrp="1"/>
+          </p:cNvSpPr>
           <p:nvPr>
             <p:ph type="title"/>
           </p:nvPr>
@@ -4272,7 +4393,7 @@
           </a:prstGeom>
         </p:spPr>
         <p:txBody>
-          <a:bodyPr anchorCtr="0" anchor="t" bIns="91425" lIns="91425" spcFirstLastPara="1" rIns="91425" wrap="square" tIns="91425">
+          <a:bodyPr spcFirstLastPara="1" wrap="square" lIns="91425" tIns="91425" rIns="91425" bIns="91425" anchor="t" anchorCtr="0">
             <a:noAutofit/>
           </a:bodyPr>
           <a:lstStyle>
@@ -4376,15 +4497,19 @@
               <a:defRPr/>
             </a:lvl9pPr>
           </a:lstStyle>
-          <a:p/>
+          <a:p>
+            <a:endParaRPr/>
+          </a:p>
         </p:txBody>
       </p:sp>
       <p:sp>
         <p:nvSpPr>
           <p:cNvPr id="32" name="Google Shape;32;p5"/>
-          <p:cNvSpPr txBox="1"/>
+          <p:cNvSpPr txBox="1">
+            <a:spLocks noGrp="1"/>
+          </p:cNvSpPr>
           <p:nvPr>
-            <p:ph idx="1" type="body"/>
+            <p:ph type="body" idx="1"/>
           </p:nvPr>
         </p:nvSpPr>
         <p:spPr>
@@ -4397,11 +4522,11 @@
           </a:prstGeom>
         </p:spPr>
         <p:txBody>
-          <a:bodyPr anchorCtr="0" anchor="t" bIns="91425" lIns="91425" spcFirstLastPara="1" rIns="91425" wrap="square" tIns="91425">
+          <a:bodyPr spcFirstLastPara="1" wrap="square" lIns="91425" tIns="91425" rIns="91425" bIns="91425" anchor="t" anchorCtr="0">
             <a:noAutofit/>
           </a:bodyPr>
           <a:lstStyle>
-            <a:lvl1pPr indent="-317500" lvl="0" marL="457200">
+            <a:lvl1pPr marL="457200" lvl="0" indent="-317500">
               <a:spcBef>
                 <a:spcPts val="0"/>
               </a:spcBef>
@@ -4412,7 +4537,7 @@
               <a:buChar char="●"/>
               <a:defRPr sz="1400"/>
             </a:lvl1pPr>
-            <a:lvl2pPr indent="-304800" lvl="1" marL="914400">
+            <a:lvl2pPr marL="914400" lvl="1" indent="-304800">
               <a:spcBef>
                 <a:spcPts val="1600"/>
               </a:spcBef>
@@ -4423,7 +4548,7 @@
               <a:buChar char="○"/>
               <a:defRPr sz="1200"/>
             </a:lvl2pPr>
-            <a:lvl3pPr indent="-304800" lvl="2" marL="1371600">
+            <a:lvl3pPr marL="1371600" lvl="2" indent="-304800">
               <a:spcBef>
                 <a:spcPts val="1600"/>
               </a:spcBef>
@@ -4434,7 +4559,7 @@
               <a:buChar char="■"/>
               <a:defRPr sz="1200"/>
             </a:lvl3pPr>
-            <a:lvl4pPr indent="-304800" lvl="3" marL="1828800">
+            <a:lvl4pPr marL="1828800" lvl="3" indent="-304800">
               <a:spcBef>
                 <a:spcPts val="1600"/>
               </a:spcBef>
@@ -4445,7 +4570,7 @@
               <a:buChar char="●"/>
               <a:defRPr sz="1200"/>
             </a:lvl4pPr>
-            <a:lvl5pPr indent="-304800" lvl="4" marL="2286000">
+            <a:lvl5pPr marL="2286000" lvl="4" indent="-304800">
               <a:spcBef>
                 <a:spcPts val="1600"/>
               </a:spcBef>
@@ -4456,7 +4581,7 @@
               <a:buChar char="○"/>
               <a:defRPr sz="1200"/>
             </a:lvl5pPr>
-            <a:lvl6pPr indent="-304800" lvl="5" marL="2743200">
+            <a:lvl6pPr marL="2743200" lvl="5" indent="-304800">
               <a:spcBef>
                 <a:spcPts val="1600"/>
               </a:spcBef>
@@ -4467,7 +4592,7 @@
               <a:buChar char="■"/>
               <a:defRPr sz="1200"/>
             </a:lvl6pPr>
-            <a:lvl7pPr indent="-304800" lvl="6" marL="3200400">
+            <a:lvl7pPr marL="3200400" lvl="6" indent="-304800">
               <a:spcBef>
                 <a:spcPts val="1600"/>
               </a:spcBef>
@@ -4478,7 +4603,7 @@
               <a:buChar char="●"/>
               <a:defRPr sz="1200"/>
             </a:lvl7pPr>
-            <a:lvl8pPr indent="-304800" lvl="7" marL="3657600">
+            <a:lvl8pPr marL="3657600" lvl="7" indent="-304800">
               <a:spcBef>
                 <a:spcPts val="1600"/>
               </a:spcBef>
@@ -4489,7 +4614,7 @@
               <a:buChar char="○"/>
               <a:defRPr sz="1200"/>
             </a:lvl8pPr>
-            <a:lvl9pPr indent="-304800" lvl="8" marL="4114800">
+            <a:lvl9pPr marL="4114800" lvl="8" indent="-304800">
               <a:spcBef>
                 <a:spcPts val="1600"/>
               </a:spcBef>
@@ -4501,15 +4626,19 @@
               <a:defRPr sz="1200"/>
             </a:lvl9pPr>
           </a:lstStyle>
-          <a:p/>
+          <a:p>
+            <a:endParaRPr/>
+          </a:p>
         </p:txBody>
       </p:sp>
       <p:sp>
         <p:nvSpPr>
           <p:cNvPr id="33" name="Google Shape;33;p5"/>
-          <p:cNvSpPr txBox="1"/>
+          <p:cNvSpPr txBox="1">
+            <a:spLocks noGrp="1"/>
+          </p:cNvSpPr>
           <p:nvPr>
-            <p:ph idx="2" type="body"/>
+            <p:ph type="body" idx="2"/>
           </p:nvPr>
         </p:nvSpPr>
         <p:spPr>
@@ -4522,11 +4651,11 @@
           </a:prstGeom>
         </p:spPr>
         <p:txBody>
-          <a:bodyPr anchorCtr="0" anchor="t" bIns="91425" lIns="91425" spcFirstLastPara="1" rIns="91425" wrap="square" tIns="91425">
+          <a:bodyPr spcFirstLastPara="1" wrap="square" lIns="91425" tIns="91425" rIns="91425" bIns="91425" anchor="t" anchorCtr="0">
             <a:noAutofit/>
           </a:bodyPr>
           <a:lstStyle>
-            <a:lvl1pPr indent="-317500" lvl="0" marL="457200">
+            <a:lvl1pPr marL="457200" lvl="0" indent="-317500">
               <a:spcBef>
                 <a:spcPts val="0"/>
               </a:spcBef>
@@ -4537,7 +4666,7 @@
               <a:buChar char="●"/>
               <a:defRPr sz="1400"/>
             </a:lvl1pPr>
-            <a:lvl2pPr indent="-304800" lvl="1" marL="914400">
+            <a:lvl2pPr marL="914400" lvl="1" indent="-304800">
               <a:spcBef>
                 <a:spcPts val="1600"/>
               </a:spcBef>
@@ -4548,7 +4677,7 @@
               <a:buChar char="○"/>
               <a:defRPr sz="1200"/>
             </a:lvl2pPr>
-            <a:lvl3pPr indent="-304800" lvl="2" marL="1371600">
+            <a:lvl3pPr marL="1371600" lvl="2" indent="-304800">
               <a:spcBef>
                 <a:spcPts val="1600"/>
               </a:spcBef>
@@ -4559,7 +4688,7 @@
               <a:buChar char="■"/>
               <a:defRPr sz="1200"/>
             </a:lvl3pPr>
-            <a:lvl4pPr indent="-304800" lvl="3" marL="1828800">
+            <a:lvl4pPr marL="1828800" lvl="3" indent="-304800">
               <a:spcBef>
                 <a:spcPts val="1600"/>
               </a:spcBef>
@@ -4570,7 +4699,7 @@
               <a:buChar char="●"/>
               <a:defRPr sz="1200"/>
             </a:lvl4pPr>
-            <a:lvl5pPr indent="-304800" lvl="4" marL="2286000">
+            <a:lvl5pPr marL="2286000" lvl="4" indent="-304800">
               <a:spcBef>
                 <a:spcPts val="1600"/>
               </a:spcBef>
@@ -4581,7 +4710,7 @@
               <a:buChar char="○"/>
               <a:defRPr sz="1200"/>
             </a:lvl5pPr>
-            <a:lvl6pPr indent="-304800" lvl="5" marL="2743200">
+            <a:lvl6pPr marL="2743200" lvl="5" indent="-304800">
               <a:spcBef>
                 <a:spcPts val="1600"/>
               </a:spcBef>
@@ -4592,7 +4721,7 @@
               <a:buChar char="■"/>
               <a:defRPr sz="1200"/>
             </a:lvl6pPr>
-            <a:lvl7pPr indent="-304800" lvl="6" marL="3200400">
+            <a:lvl7pPr marL="3200400" lvl="6" indent="-304800">
               <a:spcBef>
                 <a:spcPts val="1600"/>
               </a:spcBef>
@@ -4603,7 +4732,7 @@
               <a:buChar char="●"/>
               <a:defRPr sz="1200"/>
             </a:lvl7pPr>
-            <a:lvl8pPr indent="-304800" lvl="7" marL="3657600">
+            <a:lvl8pPr marL="3657600" lvl="7" indent="-304800">
               <a:spcBef>
                 <a:spcPts val="1600"/>
               </a:spcBef>
@@ -4614,7 +4743,7 @@
               <a:buChar char="○"/>
               <a:defRPr sz="1200"/>
             </a:lvl8pPr>
-            <a:lvl9pPr indent="-304800" lvl="8" marL="4114800">
+            <a:lvl9pPr marL="4114800" lvl="8" indent="-304800">
               <a:spcBef>
                 <a:spcPts val="1600"/>
               </a:spcBef>
@@ -4626,15 +4755,19 @@
               <a:defRPr sz="1200"/>
             </a:lvl9pPr>
           </a:lstStyle>
-          <a:p/>
+          <a:p>
+            <a:endParaRPr/>
+          </a:p>
         </p:txBody>
       </p:sp>
       <p:sp>
         <p:nvSpPr>
           <p:cNvPr id="34" name="Google Shape;34;p5"/>
-          <p:cNvSpPr txBox="1"/>
+          <p:cNvSpPr txBox="1">
+            <a:spLocks noGrp="1"/>
+          </p:cNvSpPr>
           <p:nvPr>
-            <p:ph idx="12" type="sldNum"/>
+            <p:ph type="sldNum" idx="12"/>
           </p:nvPr>
         </p:nvSpPr>
         <p:spPr>
@@ -4647,7 +4780,7 @@
           </a:prstGeom>
         </p:spPr>
         <p:txBody>
-          <a:bodyPr anchorCtr="0" anchor="ctr" bIns="91425" lIns="91425" spcFirstLastPara="1" rIns="91425" wrap="square" tIns="91425">
+          <a:bodyPr spcFirstLastPara="1" wrap="square" lIns="91425" tIns="91425" rIns="91425" bIns="91425" anchor="ctr" anchorCtr="0">
             <a:noAutofit/>
           </a:bodyPr>
           <a:lstStyle>
@@ -4689,7 +4822,7 @@
             </a:lvl9pPr>
           </a:lstStyle>
           <a:p>
-            <a:pPr indent="0" lvl="0" marL="0" rtl="0" algn="r">
+            <a:pPr marL="0" lvl="0" indent="0" algn="r" rtl="0">
               <a:spcBef>
                 <a:spcPts val="0"/>
               </a:spcBef>
@@ -4700,6 +4833,15 @@
             </a:pPr>
             <a:fld id="{00000000-1234-1234-1234-123412341234}" type="slidenum">
               <a:rPr lang="ko"/>
+              <a:pPr marL="0" lvl="0" indent="0" algn="r" rtl="0">
+                <a:spcBef>
+                  <a:spcPts val="0"/>
+                </a:spcBef>
+                <a:spcAft>
+                  <a:spcPts val="0"/>
+                </a:spcAft>
+                <a:buNone/>
+              </a:pPr>
               <a:t>‹#›</a:t>
             </a:fld>
             <a:endParaRPr/>
@@ -4715,11 +4857,11 @@
 </file>
 
 <file path=ppt/slideLayouts/slideLayout5.xml><?xml version="1.0" encoding="utf-8"?>
-<p:sldLayout xmlns:a="http://schemas.openxmlformats.org/drawingml/2006/main" xmlns:r="http://schemas.openxmlformats.org/officeDocument/2006/relationships" xmlns:mc="http://schemas.openxmlformats.org/markup-compatibility/2006" xmlns:mv="urn:schemas-microsoft-com:mac:vml" xmlns:p="http://schemas.openxmlformats.org/presentationml/2006/main" xmlns:c="http://schemas.openxmlformats.org/drawingml/2006/chart" xmlns:dgm="http://schemas.openxmlformats.org/drawingml/2006/diagram" xmlns:o="urn:schemas-microsoft-com:office:office" xmlns:v="urn:schemas-microsoft-com:vml" xmlns:pvml="urn:schemas-microsoft-com:office:powerpoint" xmlns:com="http://schemas.openxmlformats.org/drawingml/2006/compatibility" xmlns:p14="http://schemas.microsoft.com/office/powerpoint/2010/main" xmlns:p15="http://schemas.microsoft.com/office/powerpoint/2012/main" matchingName="Title only" type="titleOnly">
+<p:sldLayout xmlns:a="http://schemas.openxmlformats.org/drawingml/2006/main" xmlns:r="http://schemas.openxmlformats.org/officeDocument/2006/relationships" xmlns:p="http://schemas.openxmlformats.org/presentationml/2006/main" matchingName="Title only" type="titleOnly">
   <p:cSld name="TITLE_ONLY">
     <p:spTree>
       <p:nvGrpSpPr>
-        <p:cNvPr id="35" name="Shape 35"/>
+        <p:cNvPr id="1" name="Shape 35"/>
         <p:cNvGrpSpPr/>
         <p:nvPr/>
       </p:nvGrpSpPr>
@@ -4734,7 +4876,9 @@
       <p:sp>
         <p:nvSpPr>
           <p:cNvPr id="36" name="Google Shape;36;p6"/>
-          <p:cNvSpPr txBox="1"/>
+          <p:cNvSpPr txBox="1">
+            <a:spLocks noGrp="1"/>
+          </p:cNvSpPr>
           <p:nvPr>
             <p:ph type="title"/>
           </p:nvPr>
@@ -4749,7 +4893,7 @@
           </a:prstGeom>
         </p:spPr>
         <p:txBody>
-          <a:bodyPr anchorCtr="0" anchor="t" bIns="91425" lIns="91425" spcFirstLastPara="1" rIns="91425" wrap="square" tIns="91425">
+          <a:bodyPr spcFirstLastPara="1" wrap="square" lIns="91425" tIns="91425" rIns="91425" bIns="91425" anchor="t" anchorCtr="0">
             <a:noAutofit/>
           </a:bodyPr>
           <a:lstStyle>
@@ -4853,15 +4997,19 @@
               <a:defRPr/>
             </a:lvl9pPr>
           </a:lstStyle>
-          <a:p/>
+          <a:p>
+            <a:endParaRPr/>
+          </a:p>
         </p:txBody>
       </p:sp>
       <p:sp>
         <p:nvSpPr>
           <p:cNvPr id="37" name="Google Shape;37;p6"/>
-          <p:cNvSpPr txBox="1"/>
+          <p:cNvSpPr txBox="1">
+            <a:spLocks noGrp="1"/>
+          </p:cNvSpPr>
           <p:nvPr>
-            <p:ph idx="12" type="sldNum"/>
+            <p:ph type="sldNum" idx="12"/>
           </p:nvPr>
         </p:nvSpPr>
         <p:spPr>
@@ -4874,7 +5022,7 @@
           </a:prstGeom>
         </p:spPr>
         <p:txBody>
-          <a:bodyPr anchorCtr="0" anchor="ctr" bIns="91425" lIns="91425" spcFirstLastPara="1" rIns="91425" wrap="square" tIns="91425">
+          <a:bodyPr spcFirstLastPara="1" wrap="square" lIns="91425" tIns="91425" rIns="91425" bIns="91425" anchor="ctr" anchorCtr="0">
             <a:noAutofit/>
           </a:bodyPr>
           <a:lstStyle>
@@ -4916,7 +5064,7 @@
             </a:lvl9pPr>
           </a:lstStyle>
           <a:p>
-            <a:pPr indent="0" lvl="0" marL="0" rtl="0" algn="r">
+            <a:pPr marL="0" lvl="0" indent="0" algn="r" rtl="0">
               <a:spcBef>
                 <a:spcPts val="0"/>
               </a:spcBef>
@@ -4927,6 +5075,15 @@
             </a:pPr>
             <a:fld id="{00000000-1234-1234-1234-123412341234}" type="slidenum">
               <a:rPr lang="ko"/>
+              <a:pPr marL="0" lvl="0" indent="0" algn="r" rtl="0">
+                <a:spcBef>
+                  <a:spcPts val="0"/>
+                </a:spcBef>
+                <a:spcAft>
+                  <a:spcPts val="0"/>
+                </a:spcAft>
+                <a:buNone/>
+              </a:pPr>
               <a:t>‹#›</a:t>
             </a:fld>
             <a:endParaRPr/>
@@ -4942,11 +5099,11 @@
 </file>
 
 <file path=ppt/slideLayouts/slideLayout6.xml><?xml version="1.0" encoding="utf-8"?>
-<p:sldLayout xmlns:a="http://schemas.openxmlformats.org/drawingml/2006/main" xmlns:r="http://schemas.openxmlformats.org/officeDocument/2006/relationships" xmlns:mc="http://schemas.openxmlformats.org/markup-compatibility/2006" xmlns:mv="urn:schemas-microsoft-com:mac:vml" xmlns:p="http://schemas.openxmlformats.org/presentationml/2006/main" xmlns:c="http://schemas.openxmlformats.org/drawingml/2006/chart" xmlns:dgm="http://schemas.openxmlformats.org/drawingml/2006/diagram" xmlns:o="urn:schemas-microsoft-com:office:office" xmlns:v="urn:schemas-microsoft-com:vml" xmlns:pvml="urn:schemas-microsoft-com:office:powerpoint" xmlns:com="http://schemas.openxmlformats.org/drawingml/2006/compatibility" xmlns:p14="http://schemas.microsoft.com/office/powerpoint/2010/main" xmlns:p15="http://schemas.microsoft.com/office/powerpoint/2012/main" matchingName="One column text">
+<p:sldLayout xmlns:a="http://schemas.openxmlformats.org/drawingml/2006/main" xmlns:r="http://schemas.openxmlformats.org/officeDocument/2006/relationships" xmlns:p="http://schemas.openxmlformats.org/presentationml/2006/main" matchingName="One column text">
   <p:cSld name="ONE_COLUMN_TEXT">
     <p:spTree>
       <p:nvGrpSpPr>
-        <p:cNvPr id="38" name="Shape 38"/>
+        <p:cNvPr id="1" name="Shape 38"/>
         <p:cNvGrpSpPr/>
         <p:nvPr/>
       </p:nvGrpSpPr>
@@ -4961,7 +5118,9 @@
       <p:sp>
         <p:nvSpPr>
           <p:cNvPr id="39" name="Google Shape;39;p7"/>
-          <p:cNvSpPr txBox="1"/>
+          <p:cNvSpPr txBox="1">
+            <a:spLocks noGrp="1"/>
+          </p:cNvSpPr>
           <p:nvPr>
             <p:ph type="title"/>
           </p:nvPr>
@@ -4976,7 +5135,7 @@
           </a:prstGeom>
         </p:spPr>
         <p:txBody>
-          <a:bodyPr anchorCtr="0" anchor="b" bIns="91425" lIns="91425" spcFirstLastPara="1" rIns="91425" wrap="square" tIns="91425">
+          <a:bodyPr spcFirstLastPara="1" wrap="square" lIns="91425" tIns="91425" rIns="91425" bIns="91425" anchor="b" anchorCtr="0">
             <a:noAutofit/>
           </a:bodyPr>
           <a:lstStyle>
@@ -5080,15 +5239,19 @@
               <a:defRPr sz="2400"/>
             </a:lvl9pPr>
           </a:lstStyle>
-          <a:p/>
+          <a:p>
+            <a:endParaRPr/>
+          </a:p>
         </p:txBody>
       </p:sp>
       <p:sp>
         <p:nvSpPr>
           <p:cNvPr id="40" name="Google Shape;40;p7"/>
-          <p:cNvSpPr txBox="1"/>
+          <p:cNvSpPr txBox="1">
+            <a:spLocks noGrp="1"/>
+          </p:cNvSpPr>
           <p:nvPr>
-            <p:ph idx="1" type="body"/>
+            <p:ph type="body" idx="1"/>
           </p:nvPr>
         </p:nvSpPr>
         <p:spPr>
@@ -5101,11 +5264,11 @@
           </a:prstGeom>
         </p:spPr>
         <p:txBody>
-          <a:bodyPr anchorCtr="0" anchor="t" bIns="91425" lIns="91425" spcFirstLastPara="1" rIns="91425" wrap="square" tIns="91425">
+          <a:bodyPr spcFirstLastPara="1" wrap="square" lIns="91425" tIns="91425" rIns="91425" bIns="91425" anchor="t" anchorCtr="0">
             <a:noAutofit/>
           </a:bodyPr>
           <a:lstStyle>
-            <a:lvl1pPr indent="-304800" lvl="0" marL="457200">
+            <a:lvl1pPr marL="457200" lvl="0" indent="-304800">
               <a:spcBef>
                 <a:spcPts val="0"/>
               </a:spcBef>
@@ -5116,7 +5279,7 @@
               <a:buChar char="●"/>
               <a:defRPr sz="1200"/>
             </a:lvl1pPr>
-            <a:lvl2pPr indent="-304800" lvl="1" marL="914400">
+            <a:lvl2pPr marL="914400" lvl="1" indent="-304800">
               <a:spcBef>
                 <a:spcPts val="1600"/>
               </a:spcBef>
@@ -5127,7 +5290,7 @@
               <a:buChar char="○"/>
               <a:defRPr sz="1200"/>
             </a:lvl2pPr>
-            <a:lvl3pPr indent="-304800" lvl="2" marL="1371600">
+            <a:lvl3pPr marL="1371600" lvl="2" indent="-304800">
               <a:spcBef>
                 <a:spcPts val="1600"/>
               </a:spcBef>
@@ -5138,7 +5301,7 @@
               <a:buChar char="■"/>
               <a:defRPr sz="1200"/>
             </a:lvl3pPr>
-            <a:lvl4pPr indent="-304800" lvl="3" marL="1828800">
+            <a:lvl4pPr marL="1828800" lvl="3" indent="-304800">
               <a:spcBef>
                 <a:spcPts val="1600"/>
               </a:spcBef>
@@ -5149,7 +5312,7 @@
               <a:buChar char="●"/>
               <a:defRPr sz="1200"/>
             </a:lvl4pPr>
-            <a:lvl5pPr indent="-304800" lvl="4" marL="2286000">
+            <a:lvl5pPr marL="2286000" lvl="4" indent="-304800">
               <a:spcBef>
                 <a:spcPts val="1600"/>
               </a:spcBef>
@@ -5160,7 +5323,7 @@
               <a:buChar char="○"/>
               <a:defRPr sz="1200"/>
             </a:lvl5pPr>
-            <a:lvl6pPr indent="-304800" lvl="5" marL="2743200">
+            <a:lvl6pPr marL="2743200" lvl="5" indent="-304800">
               <a:spcBef>
                 <a:spcPts val="1600"/>
               </a:spcBef>
@@ -5171,7 +5334,7 @@
               <a:buChar char="■"/>
               <a:defRPr sz="1200"/>
             </a:lvl6pPr>
-            <a:lvl7pPr indent="-304800" lvl="6" marL="3200400">
+            <a:lvl7pPr marL="3200400" lvl="6" indent="-304800">
               <a:spcBef>
                 <a:spcPts val="1600"/>
               </a:spcBef>
@@ -5182,7 +5345,7 @@
               <a:buChar char="●"/>
               <a:defRPr sz="1200"/>
             </a:lvl7pPr>
-            <a:lvl8pPr indent="-304800" lvl="7" marL="3657600">
+            <a:lvl8pPr marL="3657600" lvl="7" indent="-304800">
               <a:spcBef>
                 <a:spcPts val="1600"/>
               </a:spcBef>
@@ -5193,7 +5356,7 @@
               <a:buChar char="○"/>
               <a:defRPr sz="1200"/>
             </a:lvl8pPr>
-            <a:lvl9pPr indent="-304800" lvl="8" marL="4114800">
+            <a:lvl9pPr marL="4114800" lvl="8" indent="-304800">
               <a:spcBef>
                 <a:spcPts val="1600"/>
               </a:spcBef>
@@ -5205,15 +5368,19 @@
               <a:defRPr sz="1200"/>
             </a:lvl9pPr>
           </a:lstStyle>
-          <a:p/>
+          <a:p>
+            <a:endParaRPr/>
+          </a:p>
         </p:txBody>
       </p:sp>
       <p:sp>
         <p:nvSpPr>
           <p:cNvPr id="41" name="Google Shape;41;p7"/>
-          <p:cNvSpPr txBox="1"/>
+          <p:cNvSpPr txBox="1">
+            <a:spLocks noGrp="1"/>
+          </p:cNvSpPr>
           <p:nvPr>
-            <p:ph idx="12" type="sldNum"/>
+            <p:ph type="sldNum" idx="12"/>
           </p:nvPr>
         </p:nvSpPr>
         <p:spPr>
@@ -5226,7 +5393,7 @@
           </a:prstGeom>
         </p:spPr>
         <p:txBody>
-          <a:bodyPr anchorCtr="0" anchor="ctr" bIns="91425" lIns="91425" spcFirstLastPara="1" rIns="91425" wrap="square" tIns="91425">
+          <a:bodyPr spcFirstLastPara="1" wrap="square" lIns="91425" tIns="91425" rIns="91425" bIns="91425" anchor="ctr" anchorCtr="0">
             <a:noAutofit/>
           </a:bodyPr>
           <a:lstStyle>
@@ -5268,7 +5435,7 @@
             </a:lvl9pPr>
           </a:lstStyle>
           <a:p>
-            <a:pPr indent="0" lvl="0" marL="0" rtl="0" algn="r">
+            <a:pPr marL="0" lvl="0" indent="0" algn="r" rtl="0">
               <a:spcBef>
                 <a:spcPts val="0"/>
               </a:spcBef>
@@ -5279,6 +5446,15 @@
             </a:pPr>
             <a:fld id="{00000000-1234-1234-1234-123412341234}" type="slidenum">
               <a:rPr lang="ko"/>
+              <a:pPr marL="0" lvl="0" indent="0" algn="r" rtl="0">
+                <a:spcBef>
+                  <a:spcPts val="0"/>
+                </a:spcBef>
+                <a:spcAft>
+                  <a:spcPts val="0"/>
+                </a:spcAft>
+                <a:buNone/>
+              </a:pPr>
               <a:t>‹#›</a:t>
             </a:fld>
             <a:endParaRPr/>
@@ -5294,18 +5470,19 @@
 </file>
 
 <file path=ppt/slideLayouts/slideLayout7.xml><?xml version="1.0" encoding="utf-8"?>
-<p:sldLayout xmlns:a="http://schemas.openxmlformats.org/drawingml/2006/main" xmlns:r="http://schemas.openxmlformats.org/officeDocument/2006/relationships" xmlns:mc="http://schemas.openxmlformats.org/markup-compatibility/2006" xmlns:mv="urn:schemas-microsoft-com:mac:vml" xmlns:p="http://schemas.openxmlformats.org/presentationml/2006/main" xmlns:c="http://schemas.openxmlformats.org/drawingml/2006/chart" xmlns:dgm="http://schemas.openxmlformats.org/drawingml/2006/diagram" xmlns:o="urn:schemas-microsoft-com:office:office" xmlns:v="urn:schemas-microsoft-com:vml" xmlns:pvml="urn:schemas-microsoft-com:office:powerpoint" xmlns:com="http://schemas.openxmlformats.org/drawingml/2006/compatibility" xmlns:p14="http://schemas.microsoft.com/office/powerpoint/2010/main" xmlns:p15="http://schemas.microsoft.com/office/powerpoint/2012/main" matchingName="Main point">
+<p:sldLayout xmlns:a="http://schemas.openxmlformats.org/drawingml/2006/main" xmlns:r="http://schemas.openxmlformats.org/officeDocument/2006/relationships" xmlns:p="http://schemas.openxmlformats.org/presentationml/2006/main" matchingName="Main point">
   <p:cSld name="MAIN_POINT">
     <p:bg>
       <p:bgPr>
         <a:solidFill>
           <a:schemeClr val="accent6"/>
         </a:solidFill>
+        <a:effectLst/>
       </p:bgPr>
     </p:bg>
     <p:spTree>
       <p:nvGrpSpPr>
-        <p:cNvPr id="42" name="Shape 42"/>
+        <p:cNvPr id="1" name="Shape 42"/>
         <p:cNvGrpSpPr/>
         <p:nvPr/>
       </p:nvGrpSpPr>
@@ -5320,7 +5497,9 @@
       <p:sp>
         <p:nvSpPr>
           <p:cNvPr id="43" name="Google Shape;43;p8"/>
-          <p:cNvSpPr txBox="1"/>
+          <p:cNvSpPr txBox="1">
+            <a:spLocks noGrp="1"/>
+          </p:cNvSpPr>
           <p:nvPr>
             <p:ph type="title"/>
           </p:nvPr>
@@ -5335,7 +5514,7 @@
           </a:prstGeom>
         </p:spPr>
         <p:txBody>
-          <a:bodyPr anchorCtr="0" anchor="ctr" bIns="91425" lIns="91425" spcFirstLastPara="1" rIns="91425" wrap="square" tIns="91425">
+          <a:bodyPr spcFirstLastPara="1" wrap="square" lIns="91425" tIns="91425" rIns="91425" bIns="91425" anchor="ctr" anchorCtr="0">
             <a:noAutofit/>
           </a:bodyPr>
           <a:lstStyle>
@@ -5351,7 +5530,7 @@
               </a:buClr>
               <a:buSzPts val="5400"/>
               <a:buNone/>
-              <a:defRPr b="0" sz="5400">
+              <a:defRPr sz="5400" b="0">
                 <a:solidFill>
                   <a:schemeClr val="dk2"/>
                 </a:solidFill>
@@ -5369,7 +5548,7 @@
               </a:buClr>
               <a:buSzPts val="5400"/>
               <a:buNone/>
-              <a:defRPr b="0" sz="5400">
+              <a:defRPr sz="5400" b="0">
                 <a:solidFill>
                   <a:schemeClr val="dk2"/>
                 </a:solidFill>
@@ -5387,7 +5566,7 @@
               </a:buClr>
               <a:buSzPts val="5400"/>
               <a:buNone/>
-              <a:defRPr b="0" sz="5400">
+              <a:defRPr sz="5400" b="0">
                 <a:solidFill>
                   <a:schemeClr val="dk2"/>
                 </a:solidFill>
@@ -5405,7 +5584,7 @@
               </a:buClr>
               <a:buSzPts val="5400"/>
               <a:buNone/>
-              <a:defRPr b="0" sz="5400">
+              <a:defRPr sz="5400" b="0">
                 <a:solidFill>
                   <a:schemeClr val="dk2"/>
                 </a:solidFill>
@@ -5423,7 +5602,7 @@
               </a:buClr>
               <a:buSzPts val="5400"/>
               <a:buNone/>
-              <a:defRPr b="0" sz="5400">
+              <a:defRPr sz="5400" b="0">
                 <a:solidFill>
                   <a:schemeClr val="dk2"/>
                 </a:solidFill>
@@ -5441,7 +5620,7 @@
               </a:buClr>
               <a:buSzPts val="5400"/>
               <a:buNone/>
-              <a:defRPr b="0" sz="5400">
+              <a:defRPr sz="5400" b="0">
                 <a:solidFill>
                   <a:schemeClr val="dk2"/>
                 </a:solidFill>
@@ -5459,7 +5638,7 @@
               </a:buClr>
               <a:buSzPts val="5400"/>
               <a:buNone/>
-              <a:defRPr b="0" sz="5400">
+              <a:defRPr sz="5400" b="0">
                 <a:solidFill>
                   <a:schemeClr val="dk2"/>
                 </a:solidFill>
@@ -5477,7 +5656,7 @@
               </a:buClr>
               <a:buSzPts val="5400"/>
               <a:buNone/>
-              <a:defRPr b="0" sz="5400">
+              <a:defRPr sz="5400" b="0">
                 <a:solidFill>
                   <a:schemeClr val="dk2"/>
                 </a:solidFill>
@@ -5495,22 +5674,26 @@
               </a:buClr>
               <a:buSzPts val="5400"/>
               <a:buNone/>
-              <a:defRPr b="0" sz="5400">
+              <a:defRPr sz="5400" b="0">
                 <a:solidFill>
                   <a:schemeClr val="dk2"/>
                 </a:solidFill>
               </a:defRPr>
             </a:lvl9pPr>
           </a:lstStyle>
-          <a:p/>
+          <a:p>
+            <a:endParaRPr/>
+          </a:p>
         </p:txBody>
       </p:sp>
       <p:sp>
         <p:nvSpPr>
           <p:cNvPr id="44" name="Google Shape;44;p8"/>
-          <p:cNvSpPr txBox="1"/>
+          <p:cNvSpPr txBox="1">
+            <a:spLocks noGrp="1"/>
+          </p:cNvSpPr>
           <p:nvPr>
-            <p:ph idx="12" type="sldNum"/>
+            <p:ph type="sldNum" idx="12"/>
           </p:nvPr>
         </p:nvSpPr>
         <p:spPr>
@@ -5523,7 +5706,7 @@
           </a:prstGeom>
         </p:spPr>
         <p:txBody>
-          <a:bodyPr anchorCtr="0" anchor="ctr" bIns="91425" lIns="91425" spcFirstLastPara="1" rIns="91425" wrap="square" tIns="91425">
+          <a:bodyPr spcFirstLastPara="1" wrap="square" lIns="91425" tIns="91425" rIns="91425" bIns="91425" anchor="ctr" anchorCtr="0">
             <a:noAutofit/>
           </a:bodyPr>
           <a:lstStyle>
@@ -5565,7 +5748,7 @@
             </a:lvl9pPr>
           </a:lstStyle>
           <a:p>
-            <a:pPr indent="0" lvl="0" marL="0" rtl="0" algn="r">
+            <a:pPr marL="0" lvl="0" indent="0" algn="r" rtl="0">
               <a:spcBef>
                 <a:spcPts val="0"/>
               </a:spcBef>
@@ -5576,6 +5759,15 @@
             </a:pPr>
             <a:fld id="{00000000-1234-1234-1234-123412341234}" type="slidenum">
               <a:rPr lang="ko"/>
+              <a:pPr marL="0" lvl="0" indent="0" algn="r" rtl="0">
+                <a:spcBef>
+                  <a:spcPts val="0"/>
+                </a:spcBef>
+                <a:spcAft>
+                  <a:spcPts val="0"/>
+                </a:spcAft>
+                <a:buNone/>
+              </a:pPr>
               <a:t>‹#›</a:t>
             </a:fld>
             <a:endParaRPr/>
@@ -5591,11 +5783,11 @@
 </file>
 
 <file path=ppt/slideLayouts/slideLayout8.xml><?xml version="1.0" encoding="utf-8"?>
-<p:sldLayout xmlns:a="http://schemas.openxmlformats.org/drawingml/2006/main" xmlns:r="http://schemas.openxmlformats.org/officeDocument/2006/relationships" xmlns:mc="http://schemas.openxmlformats.org/markup-compatibility/2006" xmlns:mv="urn:schemas-microsoft-com:mac:vml" xmlns:p="http://schemas.openxmlformats.org/presentationml/2006/main" xmlns:c="http://schemas.openxmlformats.org/drawingml/2006/chart" xmlns:dgm="http://schemas.openxmlformats.org/drawingml/2006/diagram" xmlns:o="urn:schemas-microsoft-com:office:office" xmlns:v="urn:schemas-microsoft-com:vml" xmlns:pvml="urn:schemas-microsoft-com:office:powerpoint" xmlns:com="http://schemas.openxmlformats.org/drawingml/2006/compatibility" xmlns:p14="http://schemas.microsoft.com/office/powerpoint/2010/main" xmlns:p15="http://schemas.microsoft.com/office/powerpoint/2012/main" matchingName="Section title and description">
+<p:sldLayout xmlns:a="http://schemas.openxmlformats.org/drawingml/2006/main" xmlns:r="http://schemas.openxmlformats.org/officeDocument/2006/relationships" xmlns:p="http://schemas.openxmlformats.org/presentationml/2006/main" matchingName="Section title and description">
   <p:cSld name="SECTION_TITLE_AND_DESCRIPTION">
     <p:spTree>
       <p:nvGrpSpPr>
-        <p:cNvPr id="45" name="Shape 45"/>
+        <p:cNvPr id="1" name="Shape 45"/>
         <p:cNvGrpSpPr/>
         <p:nvPr/>
       </p:nvGrpSpPr>
@@ -5629,12 +5821,12 @@
           </a:ln>
         </p:spPr>
         <p:txBody>
-          <a:bodyPr anchorCtr="0" anchor="ctr" bIns="91425" lIns="91425" spcFirstLastPara="1" rIns="91425" wrap="square" tIns="91425">
+          <a:bodyPr spcFirstLastPara="1" wrap="square" lIns="91425" tIns="91425" rIns="91425" bIns="91425" anchor="ctr" anchorCtr="0">
             <a:noAutofit/>
           </a:bodyPr>
           <a:lstStyle/>
           <a:p>
-            <a:pPr indent="0" lvl="0" marL="0" rtl="0" algn="l">
+            <a:pPr marL="0" lvl="0" indent="0" algn="l" rtl="0">
               <a:spcBef>
                 <a:spcPts val="0"/>
               </a:spcBef>
@@ -5643,9 +5835,6 @@
               </a:spcAft>
               <a:buNone/>
             </a:pPr>
-            <a:r>
-              <a:t/>
-            </a:r>
             <a:endParaRPr/>
           </a:p>
         </p:txBody>
@@ -5665,21 +5854,23 @@
             <a:avLst/>
           </a:prstGeom>
           <a:noFill/>
-          <a:ln cap="flat" cmpd="sng" w="19050">
+          <a:ln w="19050" cap="flat" cmpd="sng">
             <a:solidFill>
               <a:schemeClr val="lt1"/>
             </a:solidFill>
             <a:prstDash val="solid"/>
             <a:round/>
-            <a:headEnd len="sm" w="sm" type="none"/>
-            <a:tailEnd len="sm" w="sm" type="none"/>
+            <a:headEnd type="none" w="sm" len="sm"/>
+            <a:tailEnd type="none" w="sm" len="sm"/>
           </a:ln>
         </p:spPr>
       </p:cxnSp>
       <p:sp>
         <p:nvSpPr>
           <p:cNvPr id="48" name="Google Shape;48;p9"/>
-          <p:cNvSpPr txBox="1"/>
+          <p:cNvSpPr txBox="1">
+            <a:spLocks noGrp="1"/>
+          </p:cNvSpPr>
           <p:nvPr>
             <p:ph type="title"/>
           </p:nvPr>
@@ -5694,7 +5885,7 @@
           </a:prstGeom>
         </p:spPr>
         <p:txBody>
-          <a:bodyPr anchorCtr="0" anchor="b" bIns="91425" lIns="91425" spcFirstLastPara="1" rIns="91425" wrap="square" tIns="91425">
+          <a:bodyPr spcFirstLastPara="1" wrap="square" lIns="91425" tIns="91425" rIns="91425" bIns="91425" anchor="b" anchorCtr="0">
             <a:noAutofit/>
           </a:bodyPr>
           <a:lstStyle>
@@ -5798,15 +5989,19 @@
               <a:defRPr sz="4200"/>
             </a:lvl9pPr>
           </a:lstStyle>
-          <a:p/>
+          <a:p>
+            <a:endParaRPr/>
+          </a:p>
         </p:txBody>
       </p:sp>
       <p:sp>
         <p:nvSpPr>
           <p:cNvPr id="49" name="Google Shape;49;p9"/>
-          <p:cNvSpPr txBox="1"/>
+          <p:cNvSpPr txBox="1">
+            <a:spLocks noGrp="1"/>
+          </p:cNvSpPr>
           <p:nvPr>
-            <p:ph idx="1" type="subTitle"/>
+            <p:ph type="subTitle" idx="1"/>
           </p:nvPr>
         </p:nvSpPr>
         <p:spPr>
@@ -5819,7 +6014,7 @@
           </a:prstGeom>
         </p:spPr>
         <p:txBody>
-          <a:bodyPr anchorCtr="0" anchor="t" bIns="91425" lIns="91425" spcFirstLastPara="1" rIns="91425" wrap="square" tIns="91425">
+          <a:bodyPr spcFirstLastPara="1" wrap="square" lIns="91425" tIns="91425" rIns="91425" bIns="91425" anchor="t" anchorCtr="0">
             <a:noAutofit/>
           </a:bodyPr>
           <a:lstStyle>
@@ -5950,15 +6145,19 @@
               <a:defRPr sz="2100"/>
             </a:lvl9pPr>
           </a:lstStyle>
-          <a:p/>
+          <a:p>
+            <a:endParaRPr/>
+          </a:p>
         </p:txBody>
       </p:sp>
       <p:sp>
         <p:nvSpPr>
           <p:cNvPr id="50" name="Google Shape;50;p9"/>
-          <p:cNvSpPr txBox="1"/>
+          <p:cNvSpPr txBox="1">
+            <a:spLocks noGrp="1"/>
+          </p:cNvSpPr>
           <p:nvPr>
-            <p:ph idx="2" type="body"/>
+            <p:ph type="body" idx="2"/>
           </p:nvPr>
         </p:nvSpPr>
         <p:spPr>
@@ -5971,11 +6170,11 @@
           </a:prstGeom>
         </p:spPr>
         <p:txBody>
-          <a:bodyPr anchorCtr="0" anchor="ctr" bIns="91425" lIns="91425" spcFirstLastPara="1" rIns="91425" wrap="square" tIns="91425">
+          <a:bodyPr spcFirstLastPara="1" wrap="square" lIns="91425" tIns="91425" rIns="91425" bIns="91425" anchor="ctr" anchorCtr="0">
             <a:noAutofit/>
           </a:bodyPr>
           <a:lstStyle>
-            <a:lvl1pPr indent="-342900" lvl="0" marL="457200">
+            <a:lvl1pPr marL="457200" lvl="0" indent="-342900">
               <a:spcBef>
                 <a:spcPts val="0"/>
               </a:spcBef>
@@ -5993,7 +6192,7 @@
                 </a:solidFill>
               </a:defRPr>
             </a:lvl1pPr>
-            <a:lvl2pPr indent="-317500" lvl="1" marL="914400">
+            <a:lvl2pPr marL="914400" lvl="1" indent="-317500">
               <a:spcBef>
                 <a:spcPts val="1600"/>
               </a:spcBef>
@@ -6011,7 +6210,7 @@
                 </a:solidFill>
               </a:defRPr>
             </a:lvl2pPr>
-            <a:lvl3pPr indent="-317500" lvl="2" marL="1371600">
+            <a:lvl3pPr marL="1371600" lvl="2" indent="-317500">
               <a:spcBef>
                 <a:spcPts val="1600"/>
               </a:spcBef>
@@ -6029,7 +6228,7 @@
                 </a:solidFill>
               </a:defRPr>
             </a:lvl3pPr>
-            <a:lvl4pPr indent="-317500" lvl="3" marL="1828800">
+            <a:lvl4pPr marL="1828800" lvl="3" indent="-317500">
               <a:spcBef>
                 <a:spcPts val="1600"/>
               </a:spcBef>
@@ -6047,7 +6246,7 @@
                 </a:solidFill>
               </a:defRPr>
             </a:lvl4pPr>
-            <a:lvl5pPr indent="-317500" lvl="4" marL="2286000">
+            <a:lvl5pPr marL="2286000" lvl="4" indent="-317500">
               <a:spcBef>
                 <a:spcPts val="1600"/>
               </a:spcBef>
@@ -6065,7 +6264,7 @@
                 </a:solidFill>
               </a:defRPr>
             </a:lvl5pPr>
-            <a:lvl6pPr indent="-317500" lvl="5" marL="2743200">
+            <a:lvl6pPr marL="2743200" lvl="5" indent="-317500">
               <a:spcBef>
                 <a:spcPts val="1600"/>
               </a:spcBef>
@@ -6083,7 +6282,7 @@
                 </a:solidFill>
               </a:defRPr>
             </a:lvl6pPr>
-            <a:lvl7pPr indent="-317500" lvl="6" marL="3200400">
+            <a:lvl7pPr marL="3200400" lvl="6" indent="-317500">
               <a:spcBef>
                 <a:spcPts val="1600"/>
               </a:spcBef>
@@ -6101,7 +6300,7 @@
                 </a:solidFill>
               </a:defRPr>
             </a:lvl7pPr>
-            <a:lvl8pPr indent="-317500" lvl="7" marL="3657600">
+            <a:lvl8pPr marL="3657600" lvl="7" indent="-317500">
               <a:spcBef>
                 <a:spcPts val="1600"/>
               </a:spcBef>
@@ -6119,7 +6318,7 @@
                 </a:solidFill>
               </a:defRPr>
             </a:lvl8pPr>
-            <a:lvl9pPr indent="-317500" lvl="8" marL="4114800">
+            <a:lvl9pPr marL="4114800" lvl="8" indent="-317500">
               <a:spcBef>
                 <a:spcPts val="1600"/>
               </a:spcBef>
@@ -6138,15 +6337,19 @@
               </a:defRPr>
             </a:lvl9pPr>
           </a:lstStyle>
-          <a:p/>
+          <a:p>
+            <a:endParaRPr/>
+          </a:p>
         </p:txBody>
       </p:sp>
       <p:sp>
         <p:nvSpPr>
           <p:cNvPr id="51" name="Google Shape;51;p9"/>
-          <p:cNvSpPr txBox="1"/>
+          <p:cNvSpPr txBox="1">
+            <a:spLocks noGrp="1"/>
+          </p:cNvSpPr>
           <p:nvPr>
-            <p:ph idx="12" type="sldNum"/>
+            <p:ph type="sldNum" idx="12"/>
           </p:nvPr>
         </p:nvSpPr>
         <p:spPr>
@@ -6159,7 +6362,7 @@
           </a:prstGeom>
         </p:spPr>
         <p:txBody>
-          <a:bodyPr anchorCtr="0" anchor="ctr" bIns="91425" lIns="91425" spcFirstLastPara="1" rIns="91425" wrap="square" tIns="91425">
+          <a:bodyPr spcFirstLastPara="1" wrap="square" lIns="91425" tIns="91425" rIns="91425" bIns="91425" anchor="ctr" anchorCtr="0">
             <a:noAutofit/>
           </a:bodyPr>
           <a:lstStyle>
@@ -6237,7 +6440,7 @@
             </a:lvl9pPr>
           </a:lstStyle>
           <a:p>
-            <a:pPr indent="0" lvl="0" marL="0" rtl="0" algn="r">
+            <a:pPr marL="0" lvl="0" indent="0" algn="r" rtl="0">
               <a:spcBef>
                 <a:spcPts val="0"/>
               </a:spcBef>
@@ -6248,6 +6451,15 @@
             </a:pPr>
             <a:fld id="{00000000-1234-1234-1234-123412341234}" type="slidenum">
               <a:rPr lang="ko"/>
+              <a:pPr marL="0" lvl="0" indent="0" algn="r" rtl="0">
+                <a:spcBef>
+                  <a:spcPts val="0"/>
+                </a:spcBef>
+                <a:spcAft>
+                  <a:spcPts val="0"/>
+                </a:spcAft>
+                <a:buNone/>
+              </a:pPr>
               <a:t>‹#›</a:t>
             </a:fld>
             <a:endParaRPr/>
@@ -6263,11 +6475,11 @@
 </file>
 
 <file path=ppt/slideLayouts/slideLayout9.xml><?xml version="1.0" encoding="utf-8"?>
-<p:sldLayout xmlns:a="http://schemas.openxmlformats.org/drawingml/2006/main" xmlns:r="http://schemas.openxmlformats.org/officeDocument/2006/relationships" xmlns:mc="http://schemas.openxmlformats.org/markup-compatibility/2006" xmlns:mv="urn:schemas-microsoft-com:mac:vml" xmlns:p="http://schemas.openxmlformats.org/presentationml/2006/main" xmlns:c="http://schemas.openxmlformats.org/drawingml/2006/chart" xmlns:dgm="http://schemas.openxmlformats.org/drawingml/2006/diagram" xmlns:o="urn:schemas-microsoft-com:office:office" xmlns:v="urn:schemas-microsoft-com:vml" xmlns:pvml="urn:schemas-microsoft-com:office:powerpoint" xmlns:com="http://schemas.openxmlformats.org/drawingml/2006/compatibility" xmlns:p14="http://schemas.microsoft.com/office/powerpoint/2010/main" xmlns:p15="http://schemas.microsoft.com/office/powerpoint/2012/main" matchingName="Caption">
+<p:sldLayout xmlns:a="http://schemas.openxmlformats.org/drawingml/2006/main" xmlns:r="http://schemas.openxmlformats.org/officeDocument/2006/relationships" xmlns:p="http://schemas.openxmlformats.org/presentationml/2006/main" matchingName="Caption">
   <p:cSld name="CAPTION_ONLY">
     <p:spTree>
       <p:nvGrpSpPr>
-        <p:cNvPr id="52" name="Shape 52"/>
+        <p:cNvPr id="1" name="Shape 52"/>
         <p:cNvGrpSpPr/>
         <p:nvPr/>
       </p:nvGrpSpPr>
@@ -6282,9 +6494,11 @@
       <p:sp>
         <p:nvSpPr>
           <p:cNvPr id="53" name="Google Shape;53;p10"/>
-          <p:cNvSpPr txBox="1"/>
+          <p:cNvSpPr txBox="1">
+            <a:spLocks noGrp="1"/>
+          </p:cNvSpPr>
           <p:nvPr>
-            <p:ph idx="1" type="body"/>
+            <p:ph type="body" idx="1"/>
           </p:nvPr>
         </p:nvSpPr>
         <p:spPr>
@@ -6297,11 +6511,11 @@
           </a:prstGeom>
         </p:spPr>
         <p:txBody>
-          <a:bodyPr anchorCtr="0" anchor="ctr" bIns="91425" lIns="91425" spcFirstLastPara="1" rIns="91425" wrap="square" tIns="91425">
+          <a:bodyPr spcFirstLastPara="1" wrap="square" lIns="91425" tIns="91425" rIns="91425" bIns="91425" anchor="ctr" anchorCtr="0">
             <a:noAutofit/>
           </a:bodyPr>
           <a:lstStyle>
-            <a:lvl1pPr indent="-228600" lvl="0" marL="457200">
+            <a:lvl1pPr marL="457200" lvl="0" indent="-228600">
               <a:lnSpc>
                 <a:spcPct val="100000"/>
               </a:lnSpc>
@@ -6322,15 +6536,19 @@
               </a:defRPr>
             </a:lvl1pPr>
           </a:lstStyle>
-          <a:p/>
+          <a:p>
+            <a:endParaRPr/>
+          </a:p>
         </p:txBody>
       </p:sp>
       <p:sp>
         <p:nvSpPr>
           <p:cNvPr id="54" name="Google Shape;54;p10"/>
-          <p:cNvSpPr txBox="1"/>
+          <p:cNvSpPr txBox="1">
+            <a:spLocks noGrp="1"/>
+          </p:cNvSpPr>
           <p:nvPr>
-            <p:ph idx="12" type="sldNum"/>
+            <p:ph type="sldNum" idx="12"/>
           </p:nvPr>
         </p:nvSpPr>
         <p:spPr>
@@ -6343,7 +6561,7 @@
           </a:prstGeom>
         </p:spPr>
         <p:txBody>
-          <a:bodyPr anchorCtr="0" anchor="ctr" bIns="91425" lIns="91425" spcFirstLastPara="1" rIns="91425" wrap="square" tIns="91425">
+          <a:bodyPr spcFirstLastPara="1" wrap="square" lIns="91425" tIns="91425" rIns="91425" bIns="91425" anchor="ctr" anchorCtr="0">
             <a:noAutofit/>
           </a:bodyPr>
           <a:lstStyle>
@@ -6385,7 +6603,7 @@
             </a:lvl9pPr>
           </a:lstStyle>
           <a:p>
-            <a:pPr indent="0" lvl="0" marL="0" rtl="0" algn="r">
+            <a:pPr marL="0" lvl="0" indent="0" algn="r" rtl="0">
               <a:spcBef>
                 <a:spcPts val="0"/>
               </a:spcBef>
@@ -6396,6 +6614,15 @@
             </a:pPr>
             <a:fld id="{00000000-1234-1234-1234-123412341234}" type="slidenum">
               <a:rPr lang="ko"/>
+              <a:pPr marL="0" lvl="0" indent="0" algn="r" rtl="0">
+                <a:spcBef>
+                  <a:spcPts val="0"/>
+                </a:spcBef>
+                <a:spcAft>
+                  <a:spcPts val="0"/>
+                </a:spcAft>
+                <a:buNone/>
+              </a:pPr>
               <a:t>‹#›</a:t>
             </a:fld>
             <a:endParaRPr/>
@@ -6411,18 +6638,19 @@
 </file>
 
 <file path=ppt/slideMasters/slideMaster1.xml><?xml version="1.0" encoding="utf-8"?>
-<p:sldMaster xmlns:a="http://schemas.openxmlformats.org/drawingml/2006/main" xmlns:r="http://schemas.openxmlformats.org/officeDocument/2006/relationships" xmlns:mc="http://schemas.openxmlformats.org/markup-compatibility/2006" xmlns:mv="urn:schemas-microsoft-com:mac:vml" xmlns:p="http://schemas.openxmlformats.org/presentationml/2006/main" xmlns:c="http://schemas.openxmlformats.org/drawingml/2006/chart" xmlns:dgm="http://schemas.openxmlformats.org/drawingml/2006/diagram" xmlns:o="urn:schemas-microsoft-com:office:office" xmlns:v="urn:schemas-microsoft-com:vml" xmlns:pvml="urn:schemas-microsoft-com:office:powerpoint" xmlns:com="http://schemas.openxmlformats.org/drawingml/2006/compatibility" xmlns:p14="http://schemas.microsoft.com/office/powerpoint/2010/main" xmlns:p15="http://schemas.microsoft.com/office/powerpoint/2012/main">
+<p:sldMaster xmlns:a="http://schemas.openxmlformats.org/drawingml/2006/main" xmlns:r="http://schemas.openxmlformats.org/officeDocument/2006/relationships" xmlns:p="http://schemas.openxmlformats.org/presentationml/2006/main">
   <p:cSld name="tropic">
     <p:bg>
       <p:bgPr>
         <a:solidFill>
           <a:schemeClr val="lt1"/>
         </a:solidFill>
+        <a:effectLst/>
       </p:bgPr>
     </p:bg>
     <p:spTree>
       <p:nvGrpSpPr>
-        <p:cNvPr id="5" name="Shape 5"/>
+        <p:cNvPr id="1" name="Shape 5"/>
         <p:cNvGrpSpPr/>
         <p:nvPr/>
       </p:nvGrpSpPr>
@@ -6437,7 +6665,9 @@
       <p:sp>
         <p:nvSpPr>
           <p:cNvPr id="6" name="Google Shape;6;p1"/>
-          <p:cNvSpPr txBox="1"/>
+          <p:cNvSpPr txBox="1">
+            <a:spLocks noGrp="1"/>
+          </p:cNvSpPr>
           <p:nvPr>
             <p:ph type="title"/>
           </p:nvPr>
@@ -6456,7 +6686,7 @@
           </a:ln>
         </p:spPr>
         <p:txBody>
-          <a:bodyPr anchorCtr="0" anchor="t" bIns="91425" lIns="91425" spcFirstLastPara="1" rIns="91425" wrap="square" tIns="91425">
+          <a:bodyPr spcFirstLastPara="1" wrap="square" lIns="91425" tIns="91425" rIns="91425" bIns="91425" anchor="t" anchorCtr="0">
             <a:noAutofit/>
           </a:bodyPr>
           <a:lstStyle>
@@ -6473,7 +6703,7 @@
               <a:buSzPts val="3600"/>
               <a:buFont typeface="PT Sans Narrow"/>
               <a:buNone/>
-              <a:defRPr b="1" sz="3600">
+              <a:defRPr sz="3600" b="1">
                 <a:solidFill>
                   <a:schemeClr val="accent1"/>
                 </a:solidFill>
@@ -6496,7 +6726,7 @@
               <a:buSzPts val="3600"/>
               <a:buFont typeface="PT Sans Narrow"/>
               <a:buNone/>
-              <a:defRPr b="1" sz="3600">
+              <a:defRPr sz="3600" b="1">
                 <a:solidFill>
                   <a:schemeClr val="accent1"/>
                 </a:solidFill>
@@ -6519,7 +6749,7 @@
               <a:buSzPts val="3600"/>
               <a:buFont typeface="PT Sans Narrow"/>
               <a:buNone/>
-              <a:defRPr b="1" sz="3600">
+              <a:defRPr sz="3600" b="1">
                 <a:solidFill>
                   <a:schemeClr val="accent1"/>
                 </a:solidFill>
@@ -6542,7 +6772,7 @@
               <a:buSzPts val="3600"/>
               <a:buFont typeface="PT Sans Narrow"/>
               <a:buNone/>
-              <a:defRPr b="1" sz="3600">
+              <a:defRPr sz="3600" b="1">
                 <a:solidFill>
                   <a:schemeClr val="accent1"/>
                 </a:solidFill>
@@ -6565,7 +6795,7 @@
               <a:buSzPts val="3600"/>
               <a:buFont typeface="PT Sans Narrow"/>
               <a:buNone/>
-              <a:defRPr b="1" sz="3600">
+              <a:defRPr sz="3600" b="1">
                 <a:solidFill>
                   <a:schemeClr val="accent1"/>
                 </a:solidFill>
@@ -6588,7 +6818,7 @@
               <a:buSzPts val="3600"/>
               <a:buFont typeface="PT Sans Narrow"/>
               <a:buNone/>
-              <a:defRPr b="1" sz="3600">
+              <a:defRPr sz="3600" b="1">
                 <a:solidFill>
                   <a:schemeClr val="accent1"/>
                 </a:solidFill>
@@ -6611,7 +6841,7 @@
               <a:buSzPts val="3600"/>
               <a:buFont typeface="PT Sans Narrow"/>
               <a:buNone/>
-              <a:defRPr b="1" sz="3600">
+              <a:defRPr sz="3600" b="1">
                 <a:solidFill>
                   <a:schemeClr val="accent1"/>
                 </a:solidFill>
@@ -6634,7 +6864,7 @@
               <a:buSzPts val="3600"/>
               <a:buFont typeface="PT Sans Narrow"/>
               <a:buNone/>
-              <a:defRPr b="1" sz="3600">
+              <a:defRPr sz="3600" b="1">
                 <a:solidFill>
                   <a:schemeClr val="accent1"/>
                 </a:solidFill>
@@ -6657,7 +6887,7 @@
               <a:buSzPts val="3600"/>
               <a:buFont typeface="PT Sans Narrow"/>
               <a:buNone/>
-              <a:defRPr b="1" sz="3600">
+              <a:defRPr sz="3600" b="1">
                 <a:solidFill>
                   <a:schemeClr val="accent1"/>
                 </a:solidFill>
@@ -6668,15 +6898,19 @@
               </a:defRPr>
             </a:lvl9pPr>
           </a:lstStyle>
-          <a:p/>
+          <a:p>
+            <a:endParaRPr/>
+          </a:p>
         </p:txBody>
       </p:sp>
       <p:sp>
         <p:nvSpPr>
           <p:cNvPr id="7" name="Google Shape;7;p1"/>
-          <p:cNvSpPr txBox="1"/>
+          <p:cNvSpPr txBox="1">
+            <a:spLocks noGrp="1"/>
+          </p:cNvSpPr>
           <p:nvPr>
-            <p:ph idx="1" type="body"/>
+            <p:ph type="body" idx="1"/>
           </p:nvPr>
         </p:nvSpPr>
         <p:spPr>
@@ -6693,11 +6927,11 @@
           </a:ln>
         </p:spPr>
         <p:txBody>
-          <a:bodyPr anchorCtr="0" anchor="t" bIns="91425" lIns="91425" spcFirstLastPara="1" rIns="91425" wrap="square" tIns="91425">
+          <a:bodyPr spcFirstLastPara="1" wrap="square" lIns="91425" tIns="91425" rIns="91425" bIns="91425" anchor="t" anchorCtr="0">
             <a:noAutofit/>
           </a:bodyPr>
           <a:lstStyle>
-            <a:lvl1pPr indent="-342900" lvl="0" marL="457200">
+            <a:lvl1pPr marL="457200" lvl="0" indent="-342900">
               <a:lnSpc>
                 <a:spcPct val="115000"/>
               </a:lnSpc>
@@ -6723,7 +6957,7 @@
                 <a:sym typeface="Open Sans"/>
               </a:defRPr>
             </a:lvl1pPr>
-            <a:lvl2pPr indent="-317500" lvl="1" marL="914400">
+            <a:lvl2pPr marL="914400" lvl="1" indent="-317500">
               <a:lnSpc>
                 <a:spcPct val="115000"/>
               </a:lnSpc>
@@ -6749,7 +6983,7 @@
                 <a:sym typeface="Open Sans"/>
               </a:defRPr>
             </a:lvl2pPr>
-            <a:lvl3pPr indent="-317500" lvl="2" marL="1371600">
+            <a:lvl3pPr marL="1371600" lvl="2" indent="-317500">
               <a:lnSpc>
                 <a:spcPct val="115000"/>
               </a:lnSpc>
@@ -6775,7 +7009,7 @@
                 <a:sym typeface="Open Sans"/>
               </a:defRPr>
             </a:lvl3pPr>
-            <a:lvl4pPr indent="-317500" lvl="3" marL="1828800">
+            <a:lvl4pPr marL="1828800" lvl="3" indent="-317500">
               <a:lnSpc>
                 <a:spcPct val="115000"/>
               </a:lnSpc>
@@ -6801,7 +7035,7 @@
                 <a:sym typeface="Open Sans"/>
               </a:defRPr>
             </a:lvl4pPr>
-            <a:lvl5pPr indent="-317500" lvl="4" marL="2286000">
+            <a:lvl5pPr marL="2286000" lvl="4" indent="-317500">
               <a:lnSpc>
                 <a:spcPct val="115000"/>
               </a:lnSpc>
@@ -6827,7 +7061,7 @@
                 <a:sym typeface="Open Sans"/>
               </a:defRPr>
             </a:lvl5pPr>
-            <a:lvl6pPr indent="-317500" lvl="5" marL="2743200">
+            <a:lvl6pPr marL="2743200" lvl="5" indent="-317500">
               <a:lnSpc>
                 <a:spcPct val="115000"/>
               </a:lnSpc>
@@ -6853,7 +7087,7 @@
                 <a:sym typeface="Open Sans"/>
               </a:defRPr>
             </a:lvl6pPr>
-            <a:lvl7pPr indent="-317500" lvl="6" marL="3200400">
+            <a:lvl7pPr marL="3200400" lvl="6" indent="-317500">
               <a:lnSpc>
                 <a:spcPct val="115000"/>
               </a:lnSpc>
@@ -6879,7 +7113,7 @@
                 <a:sym typeface="Open Sans"/>
               </a:defRPr>
             </a:lvl7pPr>
-            <a:lvl8pPr indent="-317500" lvl="7" marL="3657600">
+            <a:lvl8pPr marL="3657600" lvl="7" indent="-317500">
               <a:lnSpc>
                 <a:spcPct val="115000"/>
               </a:lnSpc>
@@ -6905,7 +7139,7 @@
                 <a:sym typeface="Open Sans"/>
               </a:defRPr>
             </a:lvl8pPr>
-            <a:lvl9pPr indent="-317500" lvl="8" marL="4114800">
+            <a:lvl9pPr marL="4114800" lvl="8" indent="-317500">
               <a:lnSpc>
                 <a:spcPct val="115000"/>
               </a:lnSpc>
@@ -6932,15 +7166,19 @@
               </a:defRPr>
             </a:lvl9pPr>
           </a:lstStyle>
-          <a:p/>
+          <a:p>
+            <a:endParaRPr/>
+          </a:p>
         </p:txBody>
       </p:sp>
       <p:sp>
         <p:nvSpPr>
           <p:cNvPr id="8" name="Google Shape;8;p1"/>
-          <p:cNvSpPr txBox="1"/>
+          <p:cNvSpPr txBox="1">
+            <a:spLocks noGrp="1"/>
+          </p:cNvSpPr>
           <p:nvPr>
-            <p:ph idx="12" type="sldNum"/>
+            <p:ph type="sldNum" idx="12"/>
           </p:nvPr>
         </p:nvSpPr>
         <p:spPr>
@@ -6957,7 +7195,7 @@
           </a:ln>
         </p:spPr>
         <p:txBody>
-          <a:bodyPr anchorCtr="0" anchor="ctr" bIns="91425" lIns="91425" spcFirstLastPara="1" rIns="91425" wrap="square" tIns="91425">
+          <a:bodyPr spcFirstLastPara="1" wrap="square" lIns="91425" tIns="91425" rIns="91425" bIns="91425" anchor="ctr" anchorCtr="0">
             <a:noAutofit/>
           </a:bodyPr>
           <a:lstStyle>
@@ -7071,7 +7309,7 @@
             </a:lvl9pPr>
           </a:lstStyle>
           <a:p>
-            <a:pPr indent="0" lvl="0" marL="0" rtl="0" algn="r">
+            <a:pPr marL="0" lvl="0" indent="0" algn="r" rtl="0">
               <a:spcBef>
                 <a:spcPts val="0"/>
               </a:spcBef>
@@ -7082,6 +7320,15 @@
             </a:pPr>
             <a:fld id="{00000000-1234-1234-1234-123412341234}" type="slidenum">
               <a:rPr lang="ko"/>
+              <a:pPr marL="0" lvl="0" indent="0" algn="r" rtl="0">
+                <a:spcBef>
+                  <a:spcPts val="0"/>
+                </a:spcBef>
+                <a:spcAft>
+                  <a:spcPts val="0"/>
+                </a:spcAft>
+                <a:buNone/>
+              </a:pPr>
               <a:t>‹#›</a:t>
             </a:fld>
             <a:endParaRPr/>
@@ -7090,7 +7337,7 @@
       </p:sp>
     </p:spTree>
   </p:cSld>
-  <p:clrMap accent1="accent1" accent2="accent2" accent3="accent3" accent4="accent4" accent5="accent5" accent6="accent6" bg1="lt1" bg2="dk2" tx1="dk1" tx2="lt2" folHlink="folHlink" hlink="hlink"/>
+  <p:clrMap bg1="lt1" tx1="dk1" bg2="dk2" tx2="lt2" accent1="accent1" accent2="accent2" accent3="accent3" accent4="accent4" accent5="accent5" accent6="accent6" hlink="hlink" folHlink="folHlink"/>
   <p:sldLayoutIdLst>
     <p:sldLayoutId id="2147483648" r:id="rId1"/>
     <p:sldLayoutId id="2147483649" r:id="rId2"/>
@@ -7104,10 +7351,10 @@
     <p:sldLayoutId id="2147483657" r:id="rId10"/>
     <p:sldLayoutId id="2147483658" r:id="rId11"/>
   </p:sldLayoutIdLst>
-  <p:hf dt="0" ftr="0" hdr="0" sldNum="0"/>
+  <p:hf sldNum="0" hdr="0" ftr="0" dt="0"/>
   <p:txStyles>
     <p:titleStyle>
-      <a:defPPr lvl="0" marR="0" rtl="0" algn="l">
+      <a:defPPr marR="0" lvl="0" algn="l" rtl="0">
         <a:lnSpc>
           <a:spcPct val="100000"/>
         </a:lnSpc>
@@ -7118,7 +7365,7 @@
           <a:spcPts val="0"/>
         </a:spcAft>
       </a:defPPr>
-      <a:lvl1pPr lvl="0" marR="0" rtl="0" algn="l">
+      <a:lvl1pPr marR="0" lvl="0" algn="l" rtl="0">
         <a:lnSpc>
           <a:spcPct val="100000"/>
         </a:lnSpc>
@@ -7132,7 +7379,7 @@
           <a:srgbClr val="000000"/>
         </a:buClr>
         <a:buFont typeface="Arial"/>
-        <a:defRPr b="0" i="0" sz="1400" u="none" cap="none" strike="noStrike">
+        <a:defRPr sz="1400" b="0" i="0" u="none" strike="noStrike" cap="none">
           <a:solidFill>
             <a:srgbClr val="000000"/>
           </a:solidFill>
@@ -7142,7 +7389,7 @@
           <a:sym typeface="Arial"/>
         </a:defRPr>
       </a:lvl1pPr>
-      <a:lvl2pPr lvl="1" marR="0" rtl="0" algn="l">
+      <a:lvl2pPr marR="0" lvl="1" algn="l" rtl="0">
         <a:lnSpc>
           <a:spcPct val="100000"/>
         </a:lnSpc>
@@ -7156,7 +7403,7 @@
           <a:srgbClr val="000000"/>
         </a:buClr>
         <a:buFont typeface="Arial"/>
-        <a:defRPr b="0" i="0" sz="1400" u="none" cap="none" strike="noStrike">
+        <a:defRPr sz="1400" b="0" i="0" u="none" strike="noStrike" cap="none">
           <a:solidFill>
             <a:srgbClr val="000000"/>
           </a:solidFill>
@@ -7166,7 +7413,7 @@
           <a:sym typeface="Arial"/>
         </a:defRPr>
       </a:lvl2pPr>
-      <a:lvl3pPr lvl="2" marR="0" rtl="0" algn="l">
+      <a:lvl3pPr marR="0" lvl="2" algn="l" rtl="0">
         <a:lnSpc>
           <a:spcPct val="100000"/>
         </a:lnSpc>
@@ -7180,7 +7427,7 @@
           <a:srgbClr val="000000"/>
         </a:buClr>
         <a:buFont typeface="Arial"/>
-        <a:defRPr b="0" i="0" sz="1400" u="none" cap="none" strike="noStrike">
+        <a:defRPr sz="1400" b="0" i="0" u="none" strike="noStrike" cap="none">
           <a:solidFill>
             <a:srgbClr val="000000"/>
           </a:solidFill>
@@ -7190,7 +7437,7 @@
           <a:sym typeface="Arial"/>
         </a:defRPr>
       </a:lvl3pPr>
-      <a:lvl4pPr lvl="3" marR="0" rtl="0" algn="l">
+      <a:lvl4pPr marR="0" lvl="3" algn="l" rtl="0">
         <a:lnSpc>
           <a:spcPct val="100000"/>
         </a:lnSpc>
@@ -7204,7 +7451,7 @@
           <a:srgbClr val="000000"/>
         </a:buClr>
         <a:buFont typeface="Arial"/>
-        <a:defRPr b="0" i="0" sz="1400" u="none" cap="none" strike="noStrike">
+        <a:defRPr sz="1400" b="0" i="0" u="none" strike="noStrike" cap="none">
           <a:solidFill>
             <a:srgbClr val="000000"/>
           </a:solidFill>
@@ -7214,7 +7461,7 @@
           <a:sym typeface="Arial"/>
         </a:defRPr>
       </a:lvl4pPr>
-      <a:lvl5pPr lvl="4" marR="0" rtl="0" algn="l">
+      <a:lvl5pPr marR="0" lvl="4" algn="l" rtl="0">
         <a:lnSpc>
           <a:spcPct val="100000"/>
         </a:lnSpc>
@@ -7228,7 +7475,7 @@
           <a:srgbClr val="000000"/>
         </a:buClr>
         <a:buFont typeface="Arial"/>
-        <a:defRPr b="0" i="0" sz="1400" u="none" cap="none" strike="noStrike">
+        <a:defRPr sz="1400" b="0" i="0" u="none" strike="noStrike" cap="none">
           <a:solidFill>
             <a:srgbClr val="000000"/>
           </a:solidFill>
@@ -7238,7 +7485,7 @@
           <a:sym typeface="Arial"/>
         </a:defRPr>
       </a:lvl5pPr>
-      <a:lvl6pPr lvl="5" marR="0" rtl="0" algn="l">
+      <a:lvl6pPr marR="0" lvl="5" algn="l" rtl="0">
         <a:lnSpc>
           <a:spcPct val="100000"/>
         </a:lnSpc>
@@ -7252,7 +7499,7 @@
           <a:srgbClr val="000000"/>
         </a:buClr>
         <a:buFont typeface="Arial"/>
-        <a:defRPr b="0" i="0" sz="1400" u="none" cap="none" strike="noStrike">
+        <a:defRPr sz="1400" b="0" i="0" u="none" strike="noStrike" cap="none">
           <a:solidFill>
             <a:srgbClr val="000000"/>
           </a:solidFill>
@@ -7262,7 +7509,7 @@
           <a:sym typeface="Arial"/>
         </a:defRPr>
       </a:lvl6pPr>
-      <a:lvl7pPr lvl="6" marR="0" rtl="0" algn="l">
+      <a:lvl7pPr marR="0" lvl="6" algn="l" rtl="0">
         <a:lnSpc>
           <a:spcPct val="100000"/>
         </a:lnSpc>
@@ -7276,7 +7523,7 @@
           <a:srgbClr val="000000"/>
         </a:buClr>
         <a:buFont typeface="Arial"/>
-        <a:defRPr b="0" i="0" sz="1400" u="none" cap="none" strike="noStrike">
+        <a:defRPr sz="1400" b="0" i="0" u="none" strike="noStrike" cap="none">
           <a:solidFill>
             <a:srgbClr val="000000"/>
           </a:solidFill>
@@ -7286,7 +7533,7 @@
           <a:sym typeface="Arial"/>
         </a:defRPr>
       </a:lvl7pPr>
-      <a:lvl8pPr lvl="7" marR="0" rtl="0" algn="l">
+      <a:lvl8pPr marR="0" lvl="7" algn="l" rtl="0">
         <a:lnSpc>
           <a:spcPct val="100000"/>
         </a:lnSpc>
@@ -7300,7 +7547,7 @@
           <a:srgbClr val="000000"/>
         </a:buClr>
         <a:buFont typeface="Arial"/>
-        <a:defRPr b="0" i="0" sz="1400" u="none" cap="none" strike="noStrike">
+        <a:defRPr sz="1400" b="0" i="0" u="none" strike="noStrike" cap="none">
           <a:solidFill>
             <a:srgbClr val="000000"/>
           </a:solidFill>
@@ -7310,7 +7557,7 @@
           <a:sym typeface="Arial"/>
         </a:defRPr>
       </a:lvl8pPr>
-      <a:lvl9pPr lvl="8" marR="0" rtl="0" algn="l">
+      <a:lvl9pPr marR="0" lvl="8" algn="l" rtl="0">
         <a:lnSpc>
           <a:spcPct val="100000"/>
         </a:lnSpc>
@@ -7324,7 +7571,7 @@
           <a:srgbClr val="000000"/>
         </a:buClr>
         <a:buFont typeface="Arial"/>
-        <a:defRPr b="0" i="0" sz="1400" u="none" cap="none" strike="noStrike">
+        <a:defRPr sz="1400" b="0" i="0" u="none" strike="noStrike" cap="none">
           <a:solidFill>
             <a:srgbClr val="000000"/>
           </a:solidFill>
@@ -7336,7 +7583,7 @@
       </a:lvl9pPr>
     </p:titleStyle>
     <p:bodyStyle>
-      <a:defPPr lvl="0" marR="0" rtl="0" algn="l">
+      <a:defPPr marR="0" lvl="0" algn="l" rtl="0">
         <a:lnSpc>
           <a:spcPct val="100000"/>
         </a:lnSpc>
@@ -7347,7 +7594,7 @@
           <a:spcPts val="0"/>
         </a:spcAft>
       </a:defPPr>
-      <a:lvl1pPr lvl="0" marR="0" rtl="0" algn="l">
+      <a:lvl1pPr marR="0" lvl="0" algn="l" rtl="0">
         <a:lnSpc>
           <a:spcPct val="100000"/>
         </a:lnSpc>
@@ -7361,7 +7608,7 @@
           <a:srgbClr val="000000"/>
         </a:buClr>
         <a:buFont typeface="Arial"/>
-        <a:defRPr b="0" i="0" sz="1400" u="none" cap="none" strike="noStrike">
+        <a:defRPr sz="1400" b="0" i="0" u="none" strike="noStrike" cap="none">
           <a:solidFill>
             <a:srgbClr val="000000"/>
           </a:solidFill>
@@ -7371,7 +7618,7 @@
           <a:sym typeface="Arial"/>
         </a:defRPr>
       </a:lvl1pPr>
-      <a:lvl2pPr lvl="1" marR="0" rtl="0" algn="l">
+      <a:lvl2pPr marR="0" lvl="1" algn="l" rtl="0">
         <a:lnSpc>
           <a:spcPct val="100000"/>
         </a:lnSpc>
@@ -7385,7 +7632,7 @@
           <a:srgbClr val="000000"/>
         </a:buClr>
         <a:buFont typeface="Arial"/>
-        <a:defRPr b="0" i="0" sz="1400" u="none" cap="none" strike="noStrike">
+        <a:defRPr sz="1400" b="0" i="0" u="none" strike="noStrike" cap="none">
           <a:solidFill>
             <a:srgbClr val="000000"/>
           </a:solidFill>
@@ -7395,7 +7642,7 @@
           <a:sym typeface="Arial"/>
         </a:defRPr>
       </a:lvl2pPr>
-      <a:lvl3pPr lvl="2" marR="0" rtl="0" algn="l">
+      <a:lvl3pPr marR="0" lvl="2" algn="l" rtl="0">
         <a:lnSpc>
           <a:spcPct val="100000"/>
         </a:lnSpc>
@@ -7409,7 +7656,7 @@
           <a:srgbClr val="000000"/>
         </a:buClr>
         <a:buFont typeface="Arial"/>
-        <a:defRPr b="0" i="0" sz="1400" u="none" cap="none" strike="noStrike">
+        <a:defRPr sz="1400" b="0" i="0" u="none" strike="noStrike" cap="none">
           <a:solidFill>
             <a:srgbClr val="000000"/>
           </a:solidFill>
@@ -7419,7 +7666,7 @@
           <a:sym typeface="Arial"/>
         </a:defRPr>
       </a:lvl3pPr>
-      <a:lvl4pPr lvl="3" marR="0" rtl="0" algn="l">
+      <a:lvl4pPr marR="0" lvl="3" algn="l" rtl="0">
         <a:lnSpc>
           <a:spcPct val="100000"/>
         </a:lnSpc>
@@ -7433,7 +7680,7 @@
           <a:srgbClr val="000000"/>
         </a:buClr>
         <a:buFont typeface="Arial"/>
-        <a:defRPr b="0" i="0" sz="1400" u="none" cap="none" strike="noStrike">
+        <a:defRPr sz="1400" b="0" i="0" u="none" strike="noStrike" cap="none">
           <a:solidFill>
             <a:srgbClr val="000000"/>
           </a:solidFill>
@@ -7443,7 +7690,7 @@
           <a:sym typeface="Arial"/>
         </a:defRPr>
       </a:lvl4pPr>
-      <a:lvl5pPr lvl="4" marR="0" rtl="0" algn="l">
+      <a:lvl5pPr marR="0" lvl="4" algn="l" rtl="0">
         <a:lnSpc>
           <a:spcPct val="100000"/>
         </a:lnSpc>
@@ -7457,7 +7704,7 @@
           <a:srgbClr val="000000"/>
         </a:buClr>
         <a:buFont typeface="Arial"/>
-        <a:defRPr b="0" i="0" sz="1400" u="none" cap="none" strike="noStrike">
+        <a:defRPr sz="1400" b="0" i="0" u="none" strike="noStrike" cap="none">
           <a:solidFill>
             <a:srgbClr val="000000"/>
           </a:solidFill>
@@ -7467,7 +7714,7 @@
           <a:sym typeface="Arial"/>
         </a:defRPr>
       </a:lvl5pPr>
-      <a:lvl6pPr lvl="5" marR="0" rtl="0" algn="l">
+      <a:lvl6pPr marR="0" lvl="5" algn="l" rtl="0">
         <a:lnSpc>
           <a:spcPct val="100000"/>
         </a:lnSpc>
@@ -7481,7 +7728,7 @@
           <a:srgbClr val="000000"/>
         </a:buClr>
         <a:buFont typeface="Arial"/>
-        <a:defRPr b="0" i="0" sz="1400" u="none" cap="none" strike="noStrike">
+        <a:defRPr sz="1400" b="0" i="0" u="none" strike="noStrike" cap="none">
           <a:solidFill>
             <a:srgbClr val="000000"/>
           </a:solidFill>
@@ -7491,7 +7738,7 @@
           <a:sym typeface="Arial"/>
         </a:defRPr>
       </a:lvl6pPr>
-      <a:lvl7pPr lvl="6" marR="0" rtl="0" algn="l">
+      <a:lvl7pPr marR="0" lvl="6" algn="l" rtl="0">
         <a:lnSpc>
           <a:spcPct val="100000"/>
         </a:lnSpc>
@@ -7505,7 +7752,7 @@
           <a:srgbClr val="000000"/>
         </a:buClr>
         <a:buFont typeface="Arial"/>
-        <a:defRPr b="0" i="0" sz="1400" u="none" cap="none" strike="noStrike">
+        <a:defRPr sz="1400" b="0" i="0" u="none" strike="noStrike" cap="none">
           <a:solidFill>
             <a:srgbClr val="000000"/>
           </a:solidFill>
@@ -7515,7 +7762,7 @@
           <a:sym typeface="Arial"/>
         </a:defRPr>
       </a:lvl7pPr>
-      <a:lvl8pPr lvl="7" marR="0" rtl="0" algn="l">
+      <a:lvl8pPr marR="0" lvl="7" algn="l" rtl="0">
         <a:lnSpc>
           <a:spcPct val="100000"/>
         </a:lnSpc>
@@ -7529,7 +7776,7 @@
           <a:srgbClr val="000000"/>
         </a:buClr>
         <a:buFont typeface="Arial"/>
-        <a:defRPr b="0" i="0" sz="1400" u="none" cap="none" strike="noStrike">
+        <a:defRPr sz="1400" b="0" i="0" u="none" strike="noStrike" cap="none">
           <a:solidFill>
             <a:srgbClr val="000000"/>
           </a:solidFill>
@@ -7539,7 +7786,7 @@
           <a:sym typeface="Arial"/>
         </a:defRPr>
       </a:lvl8pPr>
-      <a:lvl9pPr lvl="8" marR="0" rtl="0" algn="l">
+      <a:lvl9pPr marR="0" lvl="8" algn="l" rtl="0">
         <a:lnSpc>
           <a:spcPct val="100000"/>
         </a:lnSpc>
@@ -7553,7 +7800,7 @@
           <a:srgbClr val="000000"/>
         </a:buClr>
         <a:buFont typeface="Arial"/>
-        <a:defRPr b="0" i="0" sz="1400" u="none" cap="none" strike="noStrike">
+        <a:defRPr sz="1400" b="0" i="0" u="none" strike="noStrike" cap="none">
           <a:solidFill>
             <a:srgbClr val="000000"/>
           </a:solidFill>
@@ -7565,7 +7812,7 @@
       </a:lvl9pPr>
     </p:bodyStyle>
     <p:otherStyle>
-      <a:defPPr lvl="0" marR="0" rtl="0" algn="l">
+      <a:defPPr marR="0" lvl="0" algn="l" rtl="0">
         <a:lnSpc>
           <a:spcPct val="100000"/>
         </a:lnSpc>
@@ -7576,7 +7823,7 @@
           <a:spcPts val="0"/>
         </a:spcAft>
       </a:defPPr>
-      <a:lvl1pPr lvl="0" marR="0" rtl="0" algn="l">
+      <a:lvl1pPr marR="0" lvl="0" algn="l" rtl="0">
         <a:lnSpc>
           <a:spcPct val="100000"/>
         </a:lnSpc>
@@ -7590,7 +7837,7 @@
           <a:srgbClr val="000000"/>
         </a:buClr>
         <a:buFont typeface="Arial"/>
-        <a:defRPr b="0" i="0" sz="1400" u="none" cap="none" strike="noStrike">
+        <a:defRPr sz="1400" b="0" i="0" u="none" strike="noStrike" cap="none">
           <a:solidFill>
             <a:srgbClr val="000000"/>
           </a:solidFill>
@@ -7600,7 +7847,7 @@
           <a:sym typeface="Arial"/>
         </a:defRPr>
       </a:lvl1pPr>
-      <a:lvl2pPr lvl="1" marR="0" rtl="0" algn="l">
+      <a:lvl2pPr marR="0" lvl="1" algn="l" rtl="0">
         <a:lnSpc>
           <a:spcPct val="100000"/>
         </a:lnSpc>
@@ -7614,7 +7861,7 @@
           <a:srgbClr val="000000"/>
         </a:buClr>
         <a:buFont typeface="Arial"/>
-        <a:defRPr b="0" i="0" sz="1400" u="none" cap="none" strike="noStrike">
+        <a:defRPr sz="1400" b="0" i="0" u="none" strike="noStrike" cap="none">
           <a:solidFill>
             <a:srgbClr val="000000"/>
           </a:solidFill>
@@ -7624,7 +7871,7 @@
           <a:sym typeface="Arial"/>
         </a:defRPr>
       </a:lvl2pPr>
-      <a:lvl3pPr lvl="2" marR="0" rtl="0" algn="l">
+      <a:lvl3pPr marR="0" lvl="2" algn="l" rtl="0">
         <a:lnSpc>
           <a:spcPct val="100000"/>
         </a:lnSpc>
@@ -7638,7 +7885,7 @@
           <a:srgbClr val="000000"/>
         </a:buClr>
         <a:buFont typeface="Arial"/>
-        <a:defRPr b="0" i="0" sz="1400" u="none" cap="none" strike="noStrike">
+        <a:defRPr sz="1400" b="0" i="0" u="none" strike="noStrike" cap="none">
           <a:solidFill>
             <a:srgbClr val="000000"/>
           </a:solidFill>
@@ -7648,7 +7895,7 @@
           <a:sym typeface="Arial"/>
         </a:defRPr>
       </a:lvl3pPr>
-      <a:lvl4pPr lvl="3" marR="0" rtl="0" algn="l">
+      <a:lvl4pPr marR="0" lvl="3" algn="l" rtl="0">
         <a:lnSpc>
           <a:spcPct val="100000"/>
         </a:lnSpc>
@@ -7662,7 +7909,7 @@
           <a:srgbClr val="000000"/>
         </a:buClr>
         <a:buFont typeface="Arial"/>
-        <a:defRPr b="0" i="0" sz="1400" u="none" cap="none" strike="noStrike">
+        <a:defRPr sz="1400" b="0" i="0" u="none" strike="noStrike" cap="none">
           <a:solidFill>
             <a:srgbClr val="000000"/>
           </a:solidFill>
@@ -7672,7 +7919,7 @@
           <a:sym typeface="Arial"/>
         </a:defRPr>
       </a:lvl4pPr>
-      <a:lvl5pPr lvl="4" marR="0" rtl="0" algn="l">
+      <a:lvl5pPr marR="0" lvl="4" algn="l" rtl="0">
         <a:lnSpc>
           <a:spcPct val="100000"/>
         </a:lnSpc>
@@ -7686,7 +7933,7 @@
           <a:srgbClr val="000000"/>
         </a:buClr>
         <a:buFont typeface="Arial"/>
-        <a:defRPr b="0" i="0" sz="1400" u="none" cap="none" strike="noStrike">
+        <a:defRPr sz="1400" b="0" i="0" u="none" strike="noStrike" cap="none">
           <a:solidFill>
             <a:srgbClr val="000000"/>
           </a:solidFill>
@@ -7696,7 +7943,7 @@
           <a:sym typeface="Arial"/>
         </a:defRPr>
       </a:lvl5pPr>
-      <a:lvl6pPr lvl="5" marR="0" rtl="0" algn="l">
+      <a:lvl6pPr marR="0" lvl="5" algn="l" rtl="0">
         <a:lnSpc>
           <a:spcPct val="100000"/>
         </a:lnSpc>
@@ -7710,7 +7957,7 @@
           <a:srgbClr val="000000"/>
         </a:buClr>
         <a:buFont typeface="Arial"/>
-        <a:defRPr b="0" i="0" sz="1400" u="none" cap="none" strike="noStrike">
+        <a:defRPr sz="1400" b="0" i="0" u="none" strike="noStrike" cap="none">
           <a:solidFill>
             <a:srgbClr val="000000"/>
           </a:solidFill>
@@ -7720,7 +7967,7 @@
           <a:sym typeface="Arial"/>
         </a:defRPr>
       </a:lvl6pPr>
-      <a:lvl7pPr lvl="6" marR="0" rtl="0" algn="l">
+      <a:lvl7pPr marR="0" lvl="6" algn="l" rtl="0">
         <a:lnSpc>
           <a:spcPct val="100000"/>
         </a:lnSpc>
@@ -7734,7 +7981,7 @@
           <a:srgbClr val="000000"/>
         </a:buClr>
         <a:buFont typeface="Arial"/>
-        <a:defRPr b="0" i="0" sz="1400" u="none" cap="none" strike="noStrike">
+        <a:defRPr sz="1400" b="0" i="0" u="none" strike="noStrike" cap="none">
           <a:solidFill>
             <a:srgbClr val="000000"/>
           </a:solidFill>
@@ -7744,7 +7991,7 @@
           <a:sym typeface="Arial"/>
         </a:defRPr>
       </a:lvl7pPr>
-      <a:lvl8pPr lvl="7" marR="0" rtl="0" algn="l">
+      <a:lvl8pPr marR="0" lvl="7" algn="l" rtl="0">
         <a:lnSpc>
           <a:spcPct val="100000"/>
         </a:lnSpc>
@@ -7758,7 +8005,7 @@
           <a:srgbClr val="000000"/>
         </a:buClr>
         <a:buFont typeface="Arial"/>
-        <a:defRPr b="0" i="0" sz="1400" u="none" cap="none" strike="noStrike">
+        <a:defRPr sz="1400" b="0" i="0" u="none" strike="noStrike" cap="none">
           <a:solidFill>
             <a:srgbClr val="000000"/>
           </a:solidFill>
@@ -7768,7 +8015,7 @@
           <a:sym typeface="Arial"/>
         </a:defRPr>
       </a:lvl8pPr>
-      <a:lvl9pPr lvl="8" marR="0" rtl="0" algn="l">
+      <a:lvl9pPr marR="0" lvl="8" algn="l" rtl="0">
         <a:lnSpc>
           <a:spcPct val="100000"/>
         </a:lnSpc>
@@ -7782,7 +8029,7 @@
           <a:srgbClr val="000000"/>
         </a:buClr>
         <a:buFont typeface="Arial"/>
-        <a:defRPr b="0" i="0" sz="1400" u="none" cap="none" strike="noStrike">
+        <a:defRPr sz="1400" b="0" i="0" u="none" strike="noStrike" cap="none">
           <a:solidFill>
             <a:srgbClr val="000000"/>
           </a:solidFill>
@@ -7798,11 +8045,11 @@
 </file>
 
 <file path=ppt/slides/slide1.xml><?xml version="1.0" encoding="utf-8"?>
-<p:sld xmlns:a="http://schemas.openxmlformats.org/drawingml/2006/main" xmlns:r="http://schemas.openxmlformats.org/officeDocument/2006/relationships" xmlns:mc="http://schemas.openxmlformats.org/markup-compatibility/2006" xmlns:mv="urn:schemas-microsoft-com:mac:vml" xmlns:p="http://schemas.openxmlformats.org/presentationml/2006/main" xmlns:c="http://schemas.openxmlformats.org/drawingml/2006/chart" xmlns:dgm="http://schemas.openxmlformats.org/drawingml/2006/diagram" xmlns:o="urn:schemas-microsoft-com:office:office" xmlns:v="urn:schemas-microsoft-com:vml" xmlns:pvml="urn:schemas-microsoft-com:office:powerpoint" xmlns:com="http://schemas.openxmlformats.org/drawingml/2006/compatibility" xmlns:p14="http://schemas.microsoft.com/office/powerpoint/2010/main" xmlns:p15="http://schemas.microsoft.com/office/powerpoint/2012/main">
+<p:sld xmlns:a="http://schemas.openxmlformats.org/drawingml/2006/main" xmlns:r="http://schemas.openxmlformats.org/officeDocument/2006/relationships" xmlns:p="http://schemas.openxmlformats.org/presentationml/2006/main">
   <p:cSld>
     <p:spTree>
       <p:nvGrpSpPr>
-        <p:cNvPr id="65" name="Shape 65"/>
+        <p:cNvPr id="1" name="Shape 65"/>
         <p:cNvGrpSpPr/>
         <p:nvPr/>
       </p:nvGrpSpPr>
@@ -7817,7 +8064,9 @@
       <p:sp>
         <p:nvSpPr>
           <p:cNvPr id="66" name="Google Shape;66;p13"/>
-          <p:cNvSpPr txBox="1"/>
+          <p:cNvSpPr txBox="1">
+            <a:spLocks noGrp="1"/>
+          </p:cNvSpPr>
           <p:nvPr>
             <p:ph type="ctrTitle"/>
           </p:nvPr>
@@ -7832,12 +8081,12 @@
           </a:prstGeom>
         </p:spPr>
         <p:txBody>
-          <a:bodyPr anchorCtr="0" anchor="b" bIns="91425" lIns="91425" spcFirstLastPara="1" rIns="91425" wrap="square" tIns="91425">
+          <a:bodyPr spcFirstLastPara="1" wrap="square" lIns="91425" tIns="91425" rIns="91425" bIns="91425" anchor="b" anchorCtr="0">
             <a:noAutofit/>
           </a:bodyPr>
           <a:lstStyle/>
           <a:p>
-            <a:pPr indent="0" lvl="0" marL="0" rtl="0" algn="ctr">
+            <a:pPr marL="0" lvl="0" indent="0" algn="ctr" rtl="0">
               <a:spcBef>
                 <a:spcPts val="0"/>
               </a:spcBef>
@@ -7857,9 +8106,11 @@
       <p:sp>
         <p:nvSpPr>
           <p:cNvPr id="67" name="Google Shape;67;p13"/>
-          <p:cNvSpPr txBox="1"/>
+          <p:cNvSpPr txBox="1">
+            <a:spLocks noGrp="1"/>
+          </p:cNvSpPr>
           <p:nvPr>
-            <p:ph idx="1" type="subTitle"/>
+            <p:ph type="subTitle" idx="1"/>
           </p:nvPr>
         </p:nvSpPr>
         <p:spPr>
@@ -7872,12 +8123,12 @@
           </a:prstGeom>
         </p:spPr>
         <p:txBody>
-          <a:bodyPr anchorCtr="0" anchor="t" bIns="91425" lIns="91425" spcFirstLastPara="1" rIns="91425" wrap="square" tIns="91425">
+          <a:bodyPr spcFirstLastPara="1" wrap="square" lIns="91425" tIns="91425" rIns="91425" bIns="91425" anchor="t" anchorCtr="0">
             <a:noAutofit/>
           </a:bodyPr>
           <a:lstStyle/>
           <a:p>
-            <a:pPr indent="0" lvl="0" marL="0" rtl="0" algn="ctr">
+            <a:pPr marL="0" lvl="0" indent="0" algn="ctr" rtl="0">
               <a:spcBef>
                 <a:spcPts val="0"/>
               </a:spcBef>
@@ -7893,7 +8144,7 @@
             <a:endParaRPr sz="2200"/>
           </a:p>
           <a:p>
-            <a:pPr indent="0" lvl="0" marL="0" rtl="0" algn="ctr">
+            <a:pPr marL="0" lvl="0" indent="0" algn="ctr" rtl="0">
               <a:spcBef>
                 <a:spcPts val="0"/>
               </a:spcBef>
@@ -7915,15 +8166,22 @@
   <p:clrMapOvr>
     <a:masterClrMapping/>
   </p:clrMapOvr>
+  <p:timing>
+    <p:tnLst>
+      <p:par>
+        <p:cTn id="1" dur="indefinite" restart="never" nodeType="tmRoot"/>
+      </p:par>
+    </p:tnLst>
+  </p:timing>
 </p:sld>
 </file>
 
 <file path=ppt/slides/slide10.xml><?xml version="1.0" encoding="utf-8"?>
-<p:sld xmlns:a="http://schemas.openxmlformats.org/drawingml/2006/main" xmlns:r="http://schemas.openxmlformats.org/officeDocument/2006/relationships" xmlns:mc="http://schemas.openxmlformats.org/markup-compatibility/2006" xmlns:mv="urn:schemas-microsoft-com:mac:vml" xmlns:p="http://schemas.openxmlformats.org/presentationml/2006/main" xmlns:c="http://schemas.openxmlformats.org/drawingml/2006/chart" xmlns:dgm="http://schemas.openxmlformats.org/drawingml/2006/diagram" xmlns:o="urn:schemas-microsoft-com:office:office" xmlns:v="urn:schemas-microsoft-com:vml" xmlns:pvml="urn:schemas-microsoft-com:office:powerpoint" xmlns:com="http://schemas.openxmlformats.org/drawingml/2006/compatibility" xmlns:p14="http://schemas.microsoft.com/office/powerpoint/2010/main" xmlns:p15="http://schemas.microsoft.com/office/powerpoint/2012/main">
+<p:sld xmlns:a="http://schemas.openxmlformats.org/drawingml/2006/main" xmlns:r="http://schemas.openxmlformats.org/officeDocument/2006/relationships" xmlns:p="http://schemas.openxmlformats.org/presentationml/2006/main">
   <p:cSld>
     <p:spTree>
       <p:nvGrpSpPr>
-        <p:cNvPr id="134" name="Shape 134"/>
+        <p:cNvPr id="1" name="Shape 134"/>
         <p:cNvGrpSpPr/>
         <p:nvPr/>
       </p:nvGrpSpPr>
@@ -7938,7 +8196,9 @@
       <p:sp>
         <p:nvSpPr>
           <p:cNvPr id="135" name="Google Shape;135;p22"/>
-          <p:cNvSpPr txBox="1"/>
+          <p:cNvSpPr txBox="1">
+            <a:spLocks noGrp="1"/>
+          </p:cNvSpPr>
           <p:nvPr>
             <p:ph type="title"/>
           </p:nvPr>
@@ -7953,12 +8213,12 @@
           </a:prstGeom>
         </p:spPr>
         <p:txBody>
-          <a:bodyPr anchorCtr="0" anchor="t" bIns="91425" lIns="91425" spcFirstLastPara="1" rIns="91425" wrap="square" tIns="91425">
+          <a:bodyPr spcFirstLastPara="1" wrap="square" lIns="91425" tIns="91425" rIns="91425" bIns="91425" anchor="t" anchorCtr="0">
             <a:noAutofit/>
           </a:bodyPr>
           <a:lstStyle/>
           <a:p>
-            <a:pPr indent="0" lvl="0" marL="0" rtl="0" algn="l">
+            <a:pPr marL="0" lvl="0" indent="0" algn="l" rtl="0">
               <a:spcBef>
                 <a:spcPts val="0"/>
               </a:spcBef>
@@ -7978,9 +8238,11 @@
       <p:sp>
         <p:nvSpPr>
           <p:cNvPr id="136" name="Google Shape;136;p22"/>
-          <p:cNvSpPr txBox="1"/>
+          <p:cNvSpPr txBox="1">
+            <a:spLocks noGrp="1"/>
+          </p:cNvSpPr>
           <p:nvPr>
-            <p:ph idx="1" type="body"/>
+            <p:ph type="body" idx="1"/>
           </p:nvPr>
         </p:nvSpPr>
         <p:spPr>
@@ -7993,12 +8255,12 @@
           </a:prstGeom>
         </p:spPr>
         <p:txBody>
-          <a:bodyPr anchorCtr="0" anchor="t" bIns="91425" lIns="91425" spcFirstLastPara="1" rIns="91425" wrap="square" tIns="91425">
+          <a:bodyPr spcFirstLastPara="1" wrap="square" lIns="91425" tIns="91425" rIns="91425" bIns="91425" anchor="t" anchorCtr="0">
             <a:noAutofit/>
           </a:bodyPr>
           <a:lstStyle/>
           <a:p>
-            <a:pPr indent="0" lvl="0" marL="0" rtl="0" algn="l">
+            <a:pPr marL="0" lvl="0" indent="0" algn="l" rtl="0">
               <a:spcBef>
                 <a:spcPts val="0"/>
               </a:spcBef>
@@ -8008,38 +8270,31 @@
               <a:buNone/>
             </a:pPr>
             <a:r>
-              <a:rPr b="1" lang="ko" sz="1700">
+              <a:rPr lang="ko" sz="1700" b="1" dirty="0">
                 <a:solidFill>
                   <a:srgbClr val="666666"/>
                 </a:solidFill>
                 <a:highlight>
                   <a:schemeClr val="dk1"/>
                 </a:highlight>
+                <a:latin typeface="맑은 고딕" pitchFamily="50" charset="-127"/>
+                <a:ea typeface="맑은 고딕" pitchFamily="50" charset="-127"/>
               </a:rPr>
-              <a:t>단</a:t>
+              <a:t>단점</a:t>
             </a:r>
-            <a:r>
-              <a:rPr b="1" lang="ko" sz="1700">
-                <a:solidFill>
-                  <a:srgbClr val="666666"/>
-                </a:solidFill>
-                <a:highlight>
-                  <a:schemeClr val="dk1"/>
-                </a:highlight>
-              </a:rPr>
-              <a:t>점</a:t>
-            </a:r>
-            <a:endParaRPr b="1" sz="1700">
+            <a:endParaRPr sz="1700" b="1" dirty="0">
               <a:solidFill>
                 <a:srgbClr val="666666"/>
               </a:solidFill>
               <a:highlight>
                 <a:schemeClr val="dk1"/>
               </a:highlight>
+              <a:latin typeface="맑은 고딕" pitchFamily="50" charset="-127"/>
+              <a:ea typeface="맑은 고딕" pitchFamily="50" charset="-127"/>
             </a:endParaRPr>
           </a:p>
           <a:p>
-            <a:pPr indent="0" lvl="0" marL="457200" rtl="0" algn="l">
+            <a:pPr marL="457200" lvl="0" indent="0" algn="l" rtl="0">
               <a:lnSpc>
                 <a:spcPct val="200000"/>
               </a:lnSpc>
@@ -8052,27 +8307,31 @@
               <a:buNone/>
             </a:pPr>
             <a:r>
-              <a:rPr lang="ko" sz="1700">
+              <a:rPr lang="ko" sz="1700" b="1" dirty="0">
                 <a:solidFill>
                   <a:srgbClr val="666666"/>
                 </a:solidFill>
                 <a:highlight>
                   <a:srgbClr val="FFFFFF"/>
                 </a:highlight>
+                <a:latin typeface="맑은 고딕" pitchFamily="50" charset="-127"/>
+                <a:ea typeface="맑은 고딕" pitchFamily="50" charset="-127"/>
               </a:rPr>
               <a:t>가격이 비쌈</a:t>
             </a:r>
-            <a:endParaRPr sz="1700">
+            <a:endParaRPr sz="1700" b="1" dirty="0">
               <a:solidFill>
                 <a:srgbClr val="666666"/>
               </a:solidFill>
               <a:highlight>
                 <a:srgbClr val="FFFFFF"/>
               </a:highlight>
+              <a:latin typeface="맑은 고딕" pitchFamily="50" charset="-127"/>
+              <a:ea typeface="맑은 고딕" pitchFamily="50" charset="-127"/>
             </a:endParaRPr>
           </a:p>
           <a:p>
-            <a:pPr indent="0" lvl="0" marL="457200" rtl="0" algn="l">
+            <a:pPr marL="457200" lvl="0" indent="0" algn="l" rtl="0">
               <a:lnSpc>
                 <a:spcPct val="200000"/>
               </a:lnSpc>
@@ -8085,27 +8344,31 @@
               <a:buNone/>
             </a:pPr>
             <a:r>
-              <a:rPr lang="ko" sz="1700">
+              <a:rPr lang="ko" sz="1700" b="1" dirty="0">
                 <a:solidFill>
                   <a:srgbClr val="666666"/>
                 </a:solidFill>
                 <a:highlight>
                   <a:srgbClr val="FFFFFF"/>
                 </a:highlight>
+                <a:latin typeface="맑은 고딕" pitchFamily="50" charset="-127"/>
+                <a:ea typeface="맑은 고딕" pitchFamily="50" charset="-127"/>
               </a:rPr>
               <a:t>기본 애플리케이션을 이용할 경우 추가 비용 발생</a:t>
             </a:r>
-            <a:endParaRPr sz="1700">
+            <a:endParaRPr sz="1700" b="1" dirty="0">
               <a:solidFill>
                 <a:srgbClr val="666666"/>
               </a:solidFill>
               <a:highlight>
                 <a:srgbClr val="FFFFFF"/>
               </a:highlight>
+              <a:latin typeface="맑은 고딕" pitchFamily="50" charset="-127"/>
+              <a:ea typeface="맑은 고딕" pitchFamily="50" charset="-127"/>
             </a:endParaRPr>
           </a:p>
           <a:p>
-            <a:pPr indent="0" lvl="0" marL="457200" rtl="0" algn="l">
+            <a:pPr marL="457200" lvl="0" indent="0" algn="l" rtl="0">
               <a:lnSpc>
                 <a:spcPct val="200000"/>
               </a:lnSpc>
@@ -8118,27 +8381,31 @@
               <a:buNone/>
             </a:pPr>
             <a:r>
-              <a:rPr lang="ko" sz="1700">
+              <a:rPr lang="ko" sz="1700" b="1" dirty="0">
                 <a:solidFill>
                   <a:srgbClr val="666666"/>
                 </a:solidFill>
                 <a:highlight>
                   <a:srgbClr val="FFFFFF"/>
                 </a:highlight>
+                <a:latin typeface="맑은 고딕" pitchFamily="50" charset="-127"/>
+                <a:ea typeface="맑은 고딕" pitchFamily="50" charset="-127"/>
               </a:rPr>
               <a:t>리눅스에 비해 버그나 보안 취약점 발견 시 대처가 느림</a:t>
             </a:r>
-            <a:endParaRPr sz="1700">
+            <a:endParaRPr sz="1700" b="1" dirty="0">
               <a:solidFill>
                 <a:srgbClr val="666666"/>
               </a:solidFill>
               <a:highlight>
                 <a:srgbClr val="FFFFFF"/>
               </a:highlight>
+              <a:latin typeface="맑은 고딕" pitchFamily="50" charset="-127"/>
+              <a:ea typeface="맑은 고딕" pitchFamily="50" charset="-127"/>
             </a:endParaRPr>
           </a:p>
           <a:p>
-            <a:pPr indent="0" lvl="0" marL="457200" rtl="0" algn="l">
+            <a:pPr marL="457200" lvl="0" indent="0" algn="l" rtl="0">
               <a:lnSpc>
                 <a:spcPct val="200000"/>
               </a:lnSpc>
@@ -8151,27 +8418,31 @@
               <a:buNone/>
             </a:pPr>
             <a:r>
-              <a:rPr lang="ko" sz="1700">
+              <a:rPr lang="ko" sz="1700" b="1" dirty="0">
                 <a:solidFill>
                   <a:srgbClr val="666666"/>
                 </a:solidFill>
                 <a:highlight>
                   <a:srgbClr val="FFFFFF"/>
                 </a:highlight>
+                <a:latin typeface="맑은 고딕" pitchFamily="50" charset="-127"/>
+                <a:ea typeface="맑은 고딕" pitchFamily="50" charset="-127"/>
               </a:rPr>
               <a:t>응용프로그램 수정 혹은 개선 불가능</a:t>
             </a:r>
-            <a:endParaRPr sz="1700">
+            <a:endParaRPr sz="1700" b="1" dirty="0">
               <a:solidFill>
                 <a:srgbClr val="666666"/>
               </a:solidFill>
               <a:highlight>
                 <a:srgbClr val="FFFFFF"/>
               </a:highlight>
+              <a:latin typeface="맑은 고딕" pitchFamily="50" charset="-127"/>
+              <a:ea typeface="맑은 고딕" pitchFamily="50" charset="-127"/>
             </a:endParaRPr>
           </a:p>
           <a:p>
-            <a:pPr indent="0" lvl="0" marL="457200" rtl="0" algn="l">
+            <a:pPr marL="457200" lvl="0" indent="0" algn="l" rtl="0">
               <a:spcBef>
                 <a:spcPts val="0"/>
               </a:spcBef>
@@ -8180,18 +8451,15 @@
               </a:spcAft>
               <a:buNone/>
             </a:pPr>
-            <a:r>
-              <a:t/>
-            </a:r>
-            <a:endParaRPr b="1" sz="1500">
+            <a:endParaRPr sz="1500" b="1" dirty="0">
               <a:solidFill>
                 <a:srgbClr val="666666"/>
               </a:solidFill>
               <a:highlight>
                 <a:srgbClr val="FFFFFF"/>
               </a:highlight>
-              <a:latin typeface="Arial"/>
-              <a:ea typeface="Arial"/>
+              <a:latin typeface="맑은 고딕" pitchFamily="50" charset="-127"/>
+              <a:ea typeface="맑은 고딕" pitchFamily="50" charset="-127"/>
               <a:cs typeface="Arial"/>
               <a:sym typeface="Arial"/>
             </a:endParaRPr>
@@ -8207,11 +8475,11 @@
 </file>
 
 <file path=ppt/slides/slide11.xml><?xml version="1.0" encoding="utf-8"?>
-<p:sld xmlns:a="http://schemas.openxmlformats.org/drawingml/2006/main" xmlns:r="http://schemas.openxmlformats.org/officeDocument/2006/relationships" xmlns:mc="http://schemas.openxmlformats.org/markup-compatibility/2006" xmlns:mv="urn:schemas-microsoft-com:mac:vml" xmlns:p="http://schemas.openxmlformats.org/presentationml/2006/main" xmlns:c="http://schemas.openxmlformats.org/drawingml/2006/chart" xmlns:dgm="http://schemas.openxmlformats.org/drawingml/2006/diagram" xmlns:o="urn:schemas-microsoft-com:office:office" xmlns:v="urn:schemas-microsoft-com:vml" xmlns:pvml="urn:schemas-microsoft-com:office:powerpoint" xmlns:com="http://schemas.openxmlformats.org/drawingml/2006/compatibility" xmlns:p14="http://schemas.microsoft.com/office/powerpoint/2010/main" xmlns:p15="http://schemas.microsoft.com/office/powerpoint/2012/main">
+<p:sld xmlns:a="http://schemas.openxmlformats.org/drawingml/2006/main" xmlns:r="http://schemas.openxmlformats.org/officeDocument/2006/relationships" xmlns:p="http://schemas.openxmlformats.org/presentationml/2006/main">
   <p:cSld>
     <p:spTree>
       <p:nvGrpSpPr>
-        <p:cNvPr id="140" name="Shape 140"/>
+        <p:cNvPr id="1" name="Shape 140"/>
         <p:cNvGrpSpPr/>
         <p:nvPr/>
       </p:nvGrpSpPr>
@@ -8226,7 +8494,9 @@
       <p:sp>
         <p:nvSpPr>
           <p:cNvPr id="141" name="Google Shape;141;p23"/>
-          <p:cNvSpPr txBox="1"/>
+          <p:cNvSpPr txBox="1">
+            <a:spLocks noGrp="1"/>
+          </p:cNvSpPr>
           <p:nvPr>
             <p:ph type="title"/>
           </p:nvPr>
@@ -8241,12 +8511,12 @@
           </a:prstGeom>
         </p:spPr>
         <p:txBody>
-          <a:bodyPr anchorCtr="0" anchor="t" bIns="91425" lIns="91425" spcFirstLastPara="1" rIns="91425" wrap="square" tIns="91425">
+          <a:bodyPr spcFirstLastPara="1" wrap="square" lIns="91425" tIns="91425" rIns="91425" bIns="91425" anchor="t" anchorCtr="0">
             <a:noAutofit/>
           </a:bodyPr>
           <a:lstStyle/>
           <a:p>
-            <a:pPr indent="0" lvl="0" marL="0" rtl="0" algn="l">
+            <a:pPr marL="0" lvl="0" indent="0" algn="l" rtl="0">
               <a:spcBef>
                 <a:spcPts val="0"/>
               </a:spcBef>
@@ -8271,7 +8541,7 @@
         </p:nvGraphicFramePr>
         <p:xfrm>
           <a:off x="854525" y="1327500"/>
-          <a:ext cx="3000000" cy="3000000"/>
+          <a:ext cx="7239000" cy="3230700"/>
         </p:xfrm>
         <a:graphic>
           <a:graphicData uri="http://schemas.openxmlformats.org/drawingml/2006/table">
@@ -8291,7 +8561,7 @@
                     <a:bodyPr/>
                     <a:lstStyle/>
                     <a:p>
-                      <a:pPr indent="0" lvl="0" marL="0" rtl="0" algn="ctr">
+                      <a:pPr marL="0" lvl="0" indent="0" algn="ctr" rtl="0">
                         <a:spcBef>
                           <a:spcPts val="0"/>
                         </a:spcBef>
@@ -8301,13 +8571,19 @@
                         <a:buNone/>
                       </a:pPr>
                       <a:r>
-                        <a:rPr lang="ko"/>
+                        <a:rPr lang="ko" dirty="0">
+                          <a:latin typeface="맑은 고딕" pitchFamily="50" charset="-127"/>
+                          <a:ea typeface="맑은 고딕" pitchFamily="50" charset="-127"/>
+                        </a:rPr>
                         <a:t>Linux</a:t>
                       </a:r>
-                      <a:endParaRPr/>
+                      <a:endParaRPr dirty="0">
+                        <a:latin typeface="맑은 고딕" pitchFamily="50" charset="-127"/>
+                        <a:ea typeface="맑은 고딕" pitchFamily="50" charset="-127"/>
+                      </a:endParaRPr>
                     </a:p>
                   </a:txBody>
-                  <a:tcPr marT="91425" marB="91425" marR="91425" marL="91425">
+                  <a:tcPr marL="91425" marR="91425" marT="91425" marB="91425">
                     <a:solidFill>
                       <a:schemeClr val="dk1"/>
                     </a:solidFill>
@@ -8318,7 +8594,7 @@
                     <a:bodyPr/>
                     <a:lstStyle/>
                     <a:p>
-                      <a:pPr indent="0" lvl="0" marL="0" rtl="0" algn="ctr">
+                      <a:pPr marL="0" lvl="0" indent="0" algn="ctr" rtl="0">
                         <a:spcBef>
                           <a:spcPts val="0"/>
                         </a:spcBef>
@@ -8328,13 +8604,19 @@
                         <a:buNone/>
                       </a:pPr>
                       <a:r>
-                        <a:rPr lang="ko"/>
+                        <a:rPr lang="ko">
+                          <a:latin typeface="맑은 고딕" pitchFamily="50" charset="-127"/>
+                          <a:ea typeface="맑은 고딕" pitchFamily="50" charset="-127"/>
+                        </a:rPr>
                         <a:t>구분</a:t>
                       </a:r>
-                      <a:endParaRPr/>
+                      <a:endParaRPr>
+                        <a:latin typeface="맑은 고딕" pitchFamily="50" charset="-127"/>
+                        <a:ea typeface="맑은 고딕" pitchFamily="50" charset="-127"/>
+                      </a:endParaRPr>
                     </a:p>
                   </a:txBody>
-                  <a:tcPr marT="91425" marB="91425" marR="91425" marL="91425">
+                  <a:tcPr marL="91425" marR="91425" marT="91425" marB="91425">
                     <a:solidFill>
                       <a:schemeClr val="dk1"/>
                     </a:solidFill>
@@ -8345,7 +8627,7 @@
                     <a:bodyPr/>
                     <a:lstStyle/>
                     <a:p>
-                      <a:pPr indent="0" lvl="0" marL="0" rtl="0" algn="ctr">
+                      <a:pPr marL="0" lvl="0" indent="0" algn="ctr" rtl="0">
                         <a:spcBef>
                           <a:spcPts val="0"/>
                         </a:spcBef>
@@ -8355,13 +8637,19 @@
                         <a:buNone/>
                       </a:pPr>
                       <a:r>
-                        <a:rPr lang="ko"/>
+                        <a:rPr lang="ko">
+                          <a:latin typeface="맑은 고딕" pitchFamily="50" charset="-127"/>
+                          <a:ea typeface="맑은 고딕" pitchFamily="50" charset="-127"/>
+                        </a:rPr>
                         <a:t>Window</a:t>
                       </a:r>
-                      <a:endParaRPr/>
+                      <a:endParaRPr>
+                        <a:latin typeface="맑은 고딕" pitchFamily="50" charset="-127"/>
+                        <a:ea typeface="맑은 고딕" pitchFamily="50" charset="-127"/>
+                      </a:endParaRPr>
                     </a:p>
                   </a:txBody>
-                  <a:tcPr marT="91425" marB="91425" marR="91425" marL="91425">
+                  <a:tcPr marL="91425" marR="91425" marT="91425" marB="91425">
                     <a:solidFill>
                       <a:schemeClr val="dk1"/>
                     </a:solidFill>
@@ -8374,7 +8662,7 @@
                     <a:bodyPr/>
                     <a:lstStyle/>
                     <a:p>
-                      <a:pPr indent="0" lvl="0" marL="0" rtl="0" algn="ctr">
+                      <a:pPr marL="0" lvl="0" indent="0" algn="ctr" rtl="0">
                         <a:spcBef>
                           <a:spcPts val="0"/>
                         </a:spcBef>
@@ -8384,20 +8672,26 @@
                         <a:buNone/>
                       </a:pPr>
                       <a:r>
-                        <a:rPr lang="ko"/>
+                        <a:rPr lang="ko">
+                          <a:latin typeface="맑은 고딕" pitchFamily="50" charset="-127"/>
+                          <a:ea typeface="맑은 고딕" pitchFamily="50" charset="-127"/>
+                        </a:rPr>
                         <a:t>무료</a:t>
                       </a:r>
-                      <a:endParaRPr/>
+                      <a:endParaRPr>
+                        <a:latin typeface="맑은 고딕" pitchFamily="50" charset="-127"/>
+                        <a:ea typeface="맑은 고딕" pitchFamily="50" charset="-127"/>
+                      </a:endParaRPr>
                     </a:p>
                   </a:txBody>
-                  <a:tcPr marT="91425" marB="91425" marR="91425" marL="91425"/>
+                  <a:tcPr marL="91425" marR="91425" marT="91425" marB="91425"/>
                 </a:tc>
                 <a:tc>
                   <a:txBody>
                     <a:bodyPr/>
                     <a:lstStyle/>
                     <a:p>
-                      <a:pPr indent="0" lvl="0" marL="0" rtl="0" algn="ctr">
+                      <a:pPr marL="0" lvl="0" indent="0" algn="ctr" rtl="0">
                         <a:spcBef>
                           <a:spcPts val="0"/>
                         </a:spcBef>
@@ -8407,20 +8701,26 @@
                         <a:buNone/>
                       </a:pPr>
                       <a:r>
-                        <a:rPr lang="ko"/>
+                        <a:rPr lang="ko">
+                          <a:latin typeface="맑은 고딕" pitchFamily="50" charset="-127"/>
+                          <a:ea typeface="맑은 고딕" pitchFamily="50" charset="-127"/>
+                        </a:rPr>
                         <a:t>비용</a:t>
                       </a:r>
-                      <a:endParaRPr/>
+                      <a:endParaRPr>
+                        <a:latin typeface="맑은 고딕" pitchFamily="50" charset="-127"/>
+                        <a:ea typeface="맑은 고딕" pitchFamily="50" charset="-127"/>
+                      </a:endParaRPr>
                     </a:p>
                   </a:txBody>
-                  <a:tcPr marT="91425" marB="91425" marR="91425" marL="91425"/>
+                  <a:tcPr marL="91425" marR="91425" marT="91425" marB="91425"/>
                 </a:tc>
                 <a:tc>
                   <a:txBody>
                     <a:bodyPr/>
                     <a:lstStyle/>
                     <a:p>
-                      <a:pPr indent="0" lvl="0" marL="0" rtl="0" algn="ctr">
+                      <a:pPr marL="0" lvl="0" indent="0" algn="ctr" rtl="0">
                         <a:spcBef>
                           <a:spcPts val="0"/>
                         </a:spcBef>
@@ -8430,13 +8730,19 @@
                         <a:buNone/>
                       </a:pPr>
                       <a:r>
-                        <a:rPr lang="ko"/>
+                        <a:rPr lang="ko">
+                          <a:latin typeface="맑은 고딕" pitchFamily="50" charset="-127"/>
+                          <a:ea typeface="맑은 고딕" pitchFamily="50" charset="-127"/>
+                        </a:rPr>
                         <a:t>유료</a:t>
                       </a:r>
-                      <a:endParaRPr/>
+                      <a:endParaRPr>
+                        <a:latin typeface="맑은 고딕" pitchFamily="50" charset="-127"/>
+                        <a:ea typeface="맑은 고딕" pitchFamily="50" charset="-127"/>
+                      </a:endParaRPr>
                     </a:p>
                   </a:txBody>
-                  <a:tcPr marT="91425" marB="91425" marR="91425" marL="91425"/>
+                  <a:tcPr marL="91425" marR="91425" marT="91425" marB="91425"/>
                 </a:tc>
               </a:tr>
               <a:tr h="381000">
@@ -8445,7 +8751,7 @@
                     <a:bodyPr/>
                     <a:lstStyle/>
                     <a:p>
-                      <a:pPr indent="0" lvl="0" marL="0" rtl="0" algn="ctr">
+                      <a:pPr marL="0" lvl="0" indent="0" algn="ctr" rtl="0">
                         <a:spcBef>
                           <a:spcPts val="0"/>
                         </a:spcBef>
@@ -8455,13 +8761,19 @@
                         <a:buNone/>
                       </a:pPr>
                       <a:r>
-                        <a:rPr lang="ko"/>
+                        <a:rPr lang="ko">
+                          <a:latin typeface="맑은 고딕" pitchFamily="50" charset="-127"/>
+                          <a:ea typeface="맑은 고딕" pitchFamily="50" charset="-127"/>
+                        </a:rPr>
                         <a:t> 높음</a:t>
                       </a:r>
-                      <a:endParaRPr/>
+                      <a:endParaRPr>
+                        <a:latin typeface="맑은 고딕" pitchFamily="50" charset="-127"/>
+                        <a:ea typeface="맑은 고딕" pitchFamily="50" charset="-127"/>
+                      </a:endParaRPr>
                     </a:p>
                     <a:p>
-                      <a:pPr indent="0" lvl="0" marL="0" rtl="0" algn="ctr">
+                      <a:pPr marL="0" lvl="0" indent="0" algn="ctr" rtl="0">
                         <a:spcBef>
                           <a:spcPts val="0"/>
                         </a:spcBef>
@@ -8471,20 +8783,26 @@
                         <a:buNone/>
                       </a:pPr>
                       <a:r>
-                        <a:rPr lang="ko"/>
+                        <a:rPr lang="ko">
+                          <a:latin typeface="맑은 고딕" pitchFamily="50" charset="-127"/>
+                          <a:ea typeface="맑은 고딕" pitchFamily="50" charset="-127"/>
+                        </a:rPr>
                         <a:t>(개발자로부터 수시 업데이트)</a:t>
                       </a:r>
-                      <a:endParaRPr/>
+                      <a:endParaRPr>
+                        <a:latin typeface="맑은 고딕" pitchFamily="50" charset="-127"/>
+                        <a:ea typeface="맑은 고딕" pitchFamily="50" charset="-127"/>
+                      </a:endParaRPr>
                     </a:p>
                   </a:txBody>
-                  <a:tcPr marT="91425" marB="91425" marR="91425" marL="91425"/>
+                  <a:tcPr marL="91425" marR="91425" marT="91425" marB="91425"/>
                 </a:tc>
                 <a:tc>
                   <a:txBody>
                     <a:bodyPr/>
                     <a:lstStyle/>
                     <a:p>
-                      <a:pPr indent="0" lvl="0" marL="0" rtl="0" algn="ctr">
+                      <a:pPr marL="0" lvl="0" indent="0" algn="ctr" rtl="0">
                         <a:spcBef>
                           <a:spcPts val="0"/>
                         </a:spcBef>
@@ -8494,20 +8812,26 @@
                         <a:buNone/>
                       </a:pPr>
                       <a:r>
-                        <a:rPr lang="ko"/>
+                        <a:rPr lang="ko">
+                          <a:latin typeface="맑은 고딕" pitchFamily="50" charset="-127"/>
+                          <a:ea typeface="맑은 고딕" pitchFamily="50" charset="-127"/>
+                        </a:rPr>
                         <a:t>안정성 및 신뢰도</a:t>
                       </a:r>
-                      <a:endParaRPr/>
+                      <a:endParaRPr>
+                        <a:latin typeface="맑은 고딕" pitchFamily="50" charset="-127"/>
+                        <a:ea typeface="맑은 고딕" pitchFamily="50" charset="-127"/>
+                      </a:endParaRPr>
                     </a:p>
                   </a:txBody>
-                  <a:tcPr marT="91425" marB="91425" marR="91425" marL="91425"/>
+                  <a:tcPr marL="91425" marR="91425" marT="91425" marB="91425"/>
                 </a:tc>
                 <a:tc>
                   <a:txBody>
                     <a:bodyPr/>
                     <a:lstStyle/>
                     <a:p>
-                      <a:pPr indent="0" lvl="0" marL="0" rtl="0" algn="ctr">
+                      <a:pPr marL="0" lvl="0" indent="0" algn="ctr" rtl="0">
                         <a:spcBef>
                           <a:spcPts val="0"/>
                         </a:spcBef>
@@ -8517,13 +8841,19 @@
                         <a:buNone/>
                       </a:pPr>
                       <a:r>
-                        <a:rPr lang="ko"/>
+                        <a:rPr lang="ko">
+                          <a:latin typeface="맑은 고딕" pitchFamily="50" charset="-127"/>
+                          <a:ea typeface="맑은 고딕" pitchFamily="50" charset="-127"/>
+                        </a:rPr>
                         <a:t>비교적 낮음</a:t>
                       </a:r>
-                      <a:endParaRPr/>
+                      <a:endParaRPr>
+                        <a:latin typeface="맑은 고딕" pitchFamily="50" charset="-127"/>
+                        <a:ea typeface="맑은 고딕" pitchFamily="50" charset="-127"/>
+                      </a:endParaRPr>
                     </a:p>
                   </a:txBody>
-                  <a:tcPr marT="91425" marB="91425" marR="91425" marL="91425"/>
+                  <a:tcPr marL="91425" marR="91425" marT="91425" marB="91425"/>
                 </a:tc>
               </a:tr>
               <a:tr h="381000">
@@ -8532,7 +8862,7 @@
                     <a:bodyPr/>
                     <a:lstStyle/>
                     <a:p>
-                      <a:pPr indent="0" lvl="0" marL="0" rtl="0" algn="ctr">
+                      <a:pPr marL="0" lvl="0" indent="0" algn="ctr" rtl="0">
                         <a:spcBef>
                           <a:spcPts val="0"/>
                         </a:spcBef>
@@ -8542,13 +8872,19 @@
                         <a:buNone/>
                       </a:pPr>
                       <a:r>
-                        <a:rPr lang="ko"/>
+                        <a:rPr lang="ko">
+                          <a:latin typeface="맑은 고딕" pitchFamily="50" charset="-127"/>
+                          <a:ea typeface="맑은 고딕" pitchFamily="50" charset="-127"/>
+                        </a:rPr>
                         <a:t>높음</a:t>
                       </a:r>
-                      <a:endParaRPr/>
+                      <a:endParaRPr>
+                        <a:latin typeface="맑은 고딕" pitchFamily="50" charset="-127"/>
+                        <a:ea typeface="맑은 고딕" pitchFamily="50" charset="-127"/>
+                      </a:endParaRPr>
                     </a:p>
                     <a:p>
-                      <a:pPr indent="0" lvl="0" marL="0" rtl="0" algn="ctr">
+                      <a:pPr marL="0" lvl="0" indent="0" algn="ctr" rtl="0">
                         <a:spcBef>
                           <a:spcPts val="0"/>
                         </a:spcBef>
@@ -8558,20 +8894,26 @@
                         <a:buNone/>
                       </a:pPr>
                       <a:r>
-                        <a:rPr lang="ko"/>
+                        <a:rPr lang="ko">
+                          <a:latin typeface="맑은 고딕" pitchFamily="50" charset="-127"/>
+                          <a:ea typeface="맑은 고딕" pitchFamily="50" charset="-127"/>
+                        </a:rPr>
                         <a:t>(바이러스 적고, 보안이슈 발생 시 빠른 대처 가능)</a:t>
                       </a:r>
-                      <a:endParaRPr/>
+                      <a:endParaRPr>
+                        <a:latin typeface="맑은 고딕" pitchFamily="50" charset="-127"/>
+                        <a:ea typeface="맑은 고딕" pitchFamily="50" charset="-127"/>
+                      </a:endParaRPr>
                     </a:p>
                   </a:txBody>
-                  <a:tcPr marT="91425" marB="91425" marR="91425" marL="91425"/>
+                  <a:tcPr marL="91425" marR="91425" marT="91425" marB="91425"/>
                 </a:tc>
                 <a:tc>
                   <a:txBody>
                     <a:bodyPr/>
                     <a:lstStyle/>
                     <a:p>
-                      <a:pPr indent="0" lvl="0" marL="0" rtl="0" algn="ctr">
+                      <a:pPr marL="0" lvl="0" indent="0" algn="ctr" rtl="0">
                         <a:spcBef>
                           <a:spcPts val="0"/>
                         </a:spcBef>
@@ -8581,20 +8923,26 @@
                         <a:buNone/>
                       </a:pPr>
                       <a:r>
-                        <a:rPr lang="ko"/>
+                        <a:rPr lang="ko">
+                          <a:latin typeface="맑은 고딕" pitchFamily="50" charset="-127"/>
+                          <a:ea typeface="맑은 고딕" pitchFamily="50" charset="-127"/>
+                        </a:rPr>
                         <a:t>보안성</a:t>
                       </a:r>
-                      <a:endParaRPr/>
+                      <a:endParaRPr>
+                        <a:latin typeface="맑은 고딕" pitchFamily="50" charset="-127"/>
+                        <a:ea typeface="맑은 고딕" pitchFamily="50" charset="-127"/>
+                      </a:endParaRPr>
                     </a:p>
                   </a:txBody>
-                  <a:tcPr marT="91425" marB="91425" marR="91425" marL="91425"/>
+                  <a:tcPr marL="91425" marR="91425" marT="91425" marB="91425"/>
                 </a:tc>
                 <a:tc>
                   <a:txBody>
                     <a:bodyPr/>
                     <a:lstStyle/>
                     <a:p>
-                      <a:pPr indent="0" lvl="0" marL="0" rtl="0" algn="ctr">
+                      <a:pPr marL="0" lvl="0" indent="0" algn="ctr" rtl="0">
                         <a:spcBef>
                           <a:spcPts val="0"/>
                         </a:spcBef>
@@ -8604,13 +8952,43 @@
                         <a:buNone/>
                       </a:pPr>
                       <a:r>
-                        <a:rPr lang="ko"/>
+                        <a:rPr lang="ko">
+                          <a:latin typeface="맑은 고딕" pitchFamily="50" charset="-127"/>
+                          <a:ea typeface="맑은 고딕" pitchFamily="50" charset="-127"/>
+                        </a:rPr>
                         <a:t>비교적 낮음</a:t>
                       </a:r>
-                      <a:endParaRPr/>
+                      <a:endParaRPr>
+                        <a:latin typeface="맑은 고딕" pitchFamily="50" charset="-127"/>
+                        <a:ea typeface="맑은 고딕" pitchFamily="50" charset="-127"/>
+                      </a:endParaRPr>
                     </a:p>
                     <a:p>
-                      <a:pPr indent="0" lvl="0" marL="0" rtl="0" algn="ctr">
+                      <a:pPr marL="0" lvl="0" indent="0" algn="ctr" rtl="0">
+                        <a:spcBef>
+                          <a:spcPts val="0"/>
+                        </a:spcBef>
+                        <a:spcAft>
+                          <a:spcPts val="0"/>
+                        </a:spcAft>
+                        <a:buNone/>
+                      </a:pPr>
+                      <a:endParaRPr>
+                        <a:latin typeface="맑은 고딕" pitchFamily="50" charset="-127"/>
+                        <a:ea typeface="맑은 고딕" pitchFamily="50" charset="-127"/>
+                      </a:endParaRPr>
+                    </a:p>
+                  </a:txBody>
+                  <a:tcPr marL="91425" marR="91425" marT="91425" marB="91425"/>
+                </a:tc>
+              </a:tr>
+              <a:tr h="381000">
+                <a:tc>
+                  <a:txBody>
+                    <a:bodyPr/>
+                    <a:lstStyle/>
+                    <a:p>
+                      <a:pPr marL="0" lvl="0" indent="0" algn="ctr" rtl="0">
                         <a:spcBef>
                           <a:spcPts val="0"/>
                         </a:spcBef>
@@ -8620,21 +8998,26 @@
                         <a:buNone/>
                       </a:pPr>
                       <a:r>
-                        <a:t/>
+                        <a:rPr lang="ko">
+                          <a:latin typeface="맑은 고딕" pitchFamily="50" charset="-127"/>
+                          <a:ea typeface="맑은 고딕" pitchFamily="50" charset="-127"/>
+                        </a:rPr>
+                        <a:t>다양한 무료 오픈소스 프로그램</a:t>
                       </a:r>
-                      <a:endParaRPr/>
+                      <a:endParaRPr>
+                        <a:latin typeface="맑은 고딕" pitchFamily="50" charset="-127"/>
+                        <a:ea typeface="맑은 고딕" pitchFamily="50" charset="-127"/>
+                      </a:endParaRPr>
                     </a:p>
                   </a:txBody>
-                  <a:tcPr marT="91425" marB="91425" marR="91425" marL="91425"/>
+                  <a:tcPr marL="91425" marR="91425" marT="91425" marB="91425"/>
                 </a:tc>
-              </a:tr>
-              <a:tr h="381000">
                 <a:tc>
                   <a:txBody>
                     <a:bodyPr/>
                     <a:lstStyle/>
                     <a:p>
-                      <a:pPr indent="0" lvl="0" marL="0" rtl="0" algn="ctr">
+                      <a:pPr marL="0" lvl="0" indent="0" algn="ctr" rtl="0">
                         <a:spcBef>
                           <a:spcPts val="0"/>
                         </a:spcBef>
@@ -8644,20 +9027,26 @@
                         <a:buNone/>
                       </a:pPr>
                       <a:r>
-                        <a:rPr lang="ko"/>
-                        <a:t>다양한 무료 오픈소스 프로그램</a:t>
+                        <a:rPr lang="ko">
+                          <a:latin typeface="맑은 고딕" pitchFamily="50" charset="-127"/>
+                          <a:ea typeface="맑은 고딕" pitchFamily="50" charset="-127"/>
+                        </a:rPr>
+                        <a:t>응용프로그램</a:t>
                       </a:r>
-                      <a:endParaRPr/>
+                      <a:endParaRPr>
+                        <a:latin typeface="맑은 고딕" pitchFamily="50" charset="-127"/>
+                        <a:ea typeface="맑은 고딕" pitchFamily="50" charset="-127"/>
+                      </a:endParaRPr>
                     </a:p>
                   </a:txBody>
-                  <a:tcPr marT="91425" marB="91425" marR="91425" marL="91425"/>
+                  <a:tcPr marL="91425" marR="91425" marT="91425" marB="91425"/>
                 </a:tc>
                 <a:tc>
                   <a:txBody>
                     <a:bodyPr/>
                     <a:lstStyle/>
                     <a:p>
-                      <a:pPr indent="0" lvl="0" marL="0" rtl="0" algn="ctr">
+                      <a:pPr marL="0" lvl="0" indent="0" algn="ctr" rtl="0">
                         <a:spcBef>
                           <a:spcPts val="0"/>
                         </a:spcBef>
@@ -8667,20 +9056,19 @@
                         <a:buNone/>
                       </a:pPr>
                       <a:r>
-                        <a:rPr lang="ko"/>
-                        <a:t>응용프로그램</a:t>
+                        <a:rPr lang="ko">
+                          <a:latin typeface="맑은 고딕" pitchFamily="50" charset="-127"/>
+                          <a:ea typeface="맑은 고딕" pitchFamily="50" charset="-127"/>
+                        </a:rPr>
+                        <a:t>소스코드없이 제공함</a:t>
                       </a:r>
-                      <a:endParaRPr/>
+                      <a:endParaRPr>
+                        <a:latin typeface="맑은 고딕" pitchFamily="50" charset="-127"/>
+                        <a:ea typeface="맑은 고딕" pitchFamily="50" charset="-127"/>
+                      </a:endParaRPr>
                     </a:p>
-                  </a:txBody>
-                  <a:tcPr marT="91425" marB="91425" marR="91425" marL="91425"/>
-                </a:tc>
-                <a:tc>
-                  <a:txBody>
-                    <a:bodyPr/>
-                    <a:lstStyle/>
                     <a:p>
-                      <a:pPr indent="0" lvl="0" marL="0" rtl="0" algn="ctr">
+                      <a:pPr marL="0" lvl="0" indent="0" algn="ctr" rtl="0">
                         <a:spcBef>
                           <a:spcPts val="0"/>
                         </a:spcBef>
@@ -8690,13 +9078,28 @@
                         <a:buNone/>
                       </a:pPr>
                       <a:r>
-                        <a:rPr lang="ko"/>
-                        <a:t>소스코드없이 제공함</a:t>
+                        <a:rPr lang="ko">
+                          <a:latin typeface="맑은 고딕" pitchFamily="50" charset="-127"/>
+                          <a:ea typeface="맑은 고딕" pitchFamily="50" charset="-127"/>
+                        </a:rPr>
+                        <a:t>수정, 개선 불가</a:t>
                       </a:r>
-                      <a:endParaRPr/>
+                      <a:endParaRPr>
+                        <a:latin typeface="맑은 고딕" pitchFamily="50" charset="-127"/>
+                        <a:ea typeface="맑은 고딕" pitchFamily="50" charset="-127"/>
+                      </a:endParaRPr>
                     </a:p>
+                  </a:txBody>
+                  <a:tcPr marL="91425" marR="91425" marT="91425" marB="91425"/>
+                </a:tc>
+              </a:tr>
+              <a:tr h="381000">
+                <a:tc>
+                  <a:txBody>
+                    <a:bodyPr/>
+                    <a:lstStyle/>
                     <a:p>
-                      <a:pPr indent="0" lvl="0" marL="0" rtl="0" algn="ctr">
+                      <a:pPr marL="0" lvl="0" indent="0" algn="ctr" rtl="0">
                         <a:spcBef>
                           <a:spcPts val="0"/>
                         </a:spcBef>
@@ -8706,22 +9109,26 @@
                         <a:buNone/>
                       </a:pPr>
                       <a:r>
-                        <a:rPr lang="ko"/>
-                        <a:t>수정, 개선 불가</a:t>
+                        <a:rPr lang="ko">
+                          <a:latin typeface="맑은 고딕" pitchFamily="50" charset="-127"/>
+                          <a:ea typeface="맑은 고딕" pitchFamily="50" charset="-127"/>
+                        </a:rPr>
+                        <a:t>텍스트입력방식</a:t>
                       </a:r>
-                      <a:endParaRPr/>
+                      <a:endParaRPr>
+                        <a:latin typeface="맑은 고딕" pitchFamily="50" charset="-127"/>
+                        <a:ea typeface="맑은 고딕" pitchFamily="50" charset="-127"/>
+                      </a:endParaRPr>
                     </a:p>
                   </a:txBody>
-                  <a:tcPr marT="91425" marB="91425" marR="91425" marL="91425"/>
+                  <a:tcPr marL="91425" marR="91425" marT="91425" marB="91425"/>
                 </a:tc>
-              </a:tr>
-              <a:tr h="381000">
                 <a:tc>
                   <a:txBody>
                     <a:bodyPr/>
                     <a:lstStyle/>
                     <a:p>
-                      <a:pPr indent="0" lvl="0" marL="0" rtl="0" algn="ctr">
+                      <a:pPr marL="0" lvl="0" indent="0" algn="ctr" rtl="0">
                         <a:spcBef>
                           <a:spcPts val="0"/>
                         </a:spcBef>
@@ -8731,20 +9138,26 @@
                         <a:buNone/>
                       </a:pPr>
                       <a:r>
-                        <a:rPr lang="ko"/>
-                        <a:t>텍스트입력방식</a:t>
+                        <a:rPr lang="ko">
+                          <a:latin typeface="맑은 고딕" pitchFamily="50" charset="-127"/>
+                          <a:ea typeface="맑은 고딕" pitchFamily="50" charset="-127"/>
+                        </a:rPr>
+                        <a:t>운영관리측면</a:t>
                       </a:r>
-                      <a:endParaRPr/>
+                      <a:endParaRPr>
+                        <a:latin typeface="맑은 고딕" pitchFamily="50" charset="-127"/>
+                        <a:ea typeface="맑은 고딕" pitchFamily="50" charset="-127"/>
+                      </a:endParaRPr>
                     </a:p>
                   </a:txBody>
-                  <a:tcPr marT="91425" marB="91425" marR="91425" marL="91425"/>
+                  <a:tcPr marL="91425" marR="91425" marT="91425" marB="91425"/>
                 </a:tc>
                 <a:tc>
                   <a:txBody>
                     <a:bodyPr/>
                     <a:lstStyle/>
                     <a:p>
-                      <a:pPr indent="0" lvl="0" marL="0" rtl="0" algn="ctr">
+                      <a:pPr marL="0" lvl="0" indent="0" algn="ctr" rtl="0">
                         <a:spcBef>
                           <a:spcPts val="0"/>
                         </a:spcBef>
@@ -8754,36 +9167,19 @@
                         <a:buNone/>
                       </a:pPr>
                       <a:r>
-                        <a:rPr lang="ko"/>
-                        <a:t>운영관리측면</a:t>
+                        <a:rPr lang="ko" dirty="0">
+                          <a:latin typeface="맑은 고딕" pitchFamily="50" charset="-127"/>
+                          <a:ea typeface="맑은 고딕" pitchFamily="50" charset="-127"/>
+                        </a:rPr>
+                        <a:t>편리 - gui방식</a:t>
                       </a:r>
-                      <a:endParaRPr/>
+                      <a:endParaRPr dirty="0">
+                        <a:latin typeface="맑은 고딕" pitchFamily="50" charset="-127"/>
+                        <a:ea typeface="맑은 고딕" pitchFamily="50" charset="-127"/>
+                      </a:endParaRPr>
                     </a:p>
                   </a:txBody>
-                  <a:tcPr marT="91425" marB="91425" marR="91425" marL="91425"/>
-                </a:tc>
-                <a:tc>
-                  <a:txBody>
-                    <a:bodyPr/>
-                    <a:lstStyle/>
-                    <a:p>
-                      <a:pPr indent="0" lvl="0" marL="0" rtl="0" algn="ctr">
-                        <a:spcBef>
-                          <a:spcPts val="0"/>
-                        </a:spcBef>
-                        <a:spcAft>
-                          <a:spcPts val="0"/>
-                        </a:spcAft>
-                        <a:buNone/>
-                      </a:pPr>
-                      <a:r>
-                        <a:rPr lang="ko"/>
-                        <a:t>편리 - gui방식</a:t>
-                      </a:r>
-                      <a:endParaRPr/>
-                    </a:p>
-                  </a:txBody>
-                  <a:tcPr marT="91425" marB="91425" marR="91425" marL="91425"/>
+                  <a:tcPr marL="91425" marR="91425" marT="91425" marB="91425"/>
                 </a:tc>
               </a:tr>
             </a:tbl>
@@ -8799,11 +9195,11 @@
 </file>
 
 <file path=ppt/slides/slide2.xml><?xml version="1.0" encoding="utf-8"?>
-<p:sld xmlns:a="http://schemas.openxmlformats.org/drawingml/2006/main" xmlns:r="http://schemas.openxmlformats.org/officeDocument/2006/relationships" xmlns:mc="http://schemas.openxmlformats.org/markup-compatibility/2006" xmlns:mv="urn:schemas-microsoft-com:mac:vml" xmlns:p="http://schemas.openxmlformats.org/presentationml/2006/main" xmlns:c="http://schemas.openxmlformats.org/drawingml/2006/chart" xmlns:dgm="http://schemas.openxmlformats.org/drawingml/2006/diagram" xmlns:o="urn:schemas-microsoft-com:office:office" xmlns:v="urn:schemas-microsoft-com:vml" xmlns:pvml="urn:schemas-microsoft-com:office:powerpoint" xmlns:com="http://schemas.openxmlformats.org/drawingml/2006/compatibility" xmlns:p14="http://schemas.microsoft.com/office/powerpoint/2010/main" xmlns:p15="http://schemas.microsoft.com/office/powerpoint/2012/main">
+<p:sld xmlns:a="http://schemas.openxmlformats.org/drawingml/2006/main" xmlns:r="http://schemas.openxmlformats.org/officeDocument/2006/relationships" xmlns:p="http://schemas.openxmlformats.org/presentationml/2006/main">
   <p:cSld>
     <p:spTree>
       <p:nvGrpSpPr>
-        <p:cNvPr id="71" name="Shape 71"/>
+        <p:cNvPr id="1" name="Shape 71"/>
         <p:cNvGrpSpPr/>
         <p:nvPr/>
       </p:nvGrpSpPr>
@@ -8818,7 +9214,9 @@
       <p:sp>
         <p:nvSpPr>
           <p:cNvPr id="72" name="Google Shape;72;p14"/>
-          <p:cNvSpPr txBox="1"/>
+          <p:cNvSpPr txBox="1">
+            <a:spLocks noGrp="1"/>
+          </p:cNvSpPr>
           <p:nvPr>
             <p:ph type="title"/>
           </p:nvPr>
@@ -8833,12 +9231,12 @@
           </a:prstGeom>
         </p:spPr>
         <p:txBody>
-          <a:bodyPr anchorCtr="0" anchor="t" bIns="91425" lIns="91425" spcFirstLastPara="1" rIns="91425" wrap="square" tIns="91425">
+          <a:bodyPr spcFirstLastPara="1" wrap="square" lIns="91425" tIns="91425" rIns="91425" bIns="91425" anchor="t" anchorCtr="0">
             <a:noAutofit/>
           </a:bodyPr>
           <a:lstStyle/>
           <a:p>
-            <a:pPr indent="0" lvl="0" marL="0" rtl="0" algn="l">
+            <a:pPr marL="0" lvl="0" indent="0" algn="l" rtl="0">
               <a:spcBef>
                 <a:spcPts val="0"/>
               </a:spcBef>
@@ -8858,9 +9256,11 @@
       <p:sp>
         <p:nvSpPr>
           <p:cNvPr id="73" name="Google Shape;73;p14"/>
-          <p:cNvSpPr txBox="1"/>
+          <p:cNvSpPr txBox="1">
+            <a:spLocks noGrp="1"/>
+          </p:cNvSpPr>
           <p:nvPr>
-            <p:ph idx="1" type="body"/>
+            <p:ph type="body" idx="1"/>
           </p:nvPr>
         </p:nvSpPr>
         <p:spPr>
@@ -8873,12 +9273,12 @@
           </a:prstGeom>
         </p:spPr>
         <p:txBody>
-          <a:bodyPr anchorCtr="0" anchor="t" bIns="91425" lIns="91425" spcFirstLastPara="1" rIns="91425" wrap="square" tIns="91425">
+          <a:bodyPr spcFirstLastPara="1" wrap="square" lIns="91425" tIns="91425" rIns="91425" bIns="91425" anchor="t" anchorCtr="0">
             <a:noAutofit/>
           </a:bodyPr>
           <a:lstStyle/>
           <a:p>
-            <a:pPr indent="-317500" lvl="0" marL="457200" rtl="0" algn="l">
+            <a:pPr marL="457200" lvl="0" indent="-317500" algn="l" rtl="0">
               <a:lnSpc>
                 <a:spcPct val="150000"/>
               </a:lnSpc>
@@ -8895,29 +9295,35 @@
               <a:buChar char="●"/>
             </a:pPr>
             <a:r>
-              <a:rPr b="1" lang="ko" sz="1400">
+              <a:rPr lang="ko" sz="1400" b="1" dirty="0">
                 <a:solidFill>
                   <a:srgbClr val="666666"/>
                 </a:solidFill>
+                <a:latin typeface="맑은 고딕" pitchFamily="50" charset="-127"/>
+                <a:ea typeface="맑은 고딕" pitchFamily="50" charset="-127"/>
               </a:rPr>
               <a:t>리눅스 커널</a:t>
             </a:r>
             <a:r>
-              <a:rPr lang="ko" sz="1400">
+              <a:rPr lang="ko" sz="1400" dirty="0">
                 <a:solidFill>
                   <a:srgbClr val="666666"/>
                 </a:solidFill>
+                <a:latin typeface="맑은 고딕" pitchFamily="50" charset="-127"/>
+                <a:ea typeface="맑은 고딕" pitchFamily="50" charset="-127"/>
               </a:rPr>
               <a:t>을 기반으로 하는 운영체제</a:t>
             </a:r>
-            <a:endParaRPr sz="1400">
+            <a:endParaRPr sz="1400" dirty="0">
               <a:solidFill>
                 <a:srgbClr val="666666"/>
               </a:solidFill>
+              <a:latin typeface="맑은 고딕" pitchFamily="50" charset="-127"/>
+              <a:ea typeface="맑은 고딕" pitchFamily="50" charset="-127"/>
             </a:endParaRPr>
           </a:p>
           <a:p>
-            <a:pPr indent="-317500" lvl="0" marL="457200" rtl="0" algn="l">
+            <a:pPr marL="457200" lvl="0" indent="-317500" algn="l" rtl="0">
               <a:lnSpc>
                 <a:spcPct val="150000"/>
               </a:lnSpc>
@@ -8934,37 +9340,45 @@
               <a:buChar char="●"/>
             </a:pPr>
             <a:r>
-              <a:rPr lang="ko" sz="1400">
+              <a:rPr lang="ko" sz="1400" dirty="0">
                 <a:solidFill>
                   <a:srgbClr val="666666"/>
                 </a:solidFill>
+                <a:latin typeface="맑은 고딕" pitchFamily="50" charset="-127"/>
+                <a:ea typeface="맑은 고딕" pitchFamily="50" charset="-127"/>
               </a:rPr>
               <a:t>1991년 헬싱키 대학생이었던 </a:t>
             </a:r>
             <a:r>
-              <a:rPr b="1" lang="ko" sz="1400">
+              <a:rPr lang="ko" sz="1400" b="1" dirty="0">
                 <a:solidFill>
                   <a:srgbClr val="666666"/>
                 </a:solidFill>
+                <a:latin typeface="맑은 고딕" pitchFamily="50" charset="-127"/>
+                <a:ea typeface="맑은 고딕" pitchFamily="50" charset="-127"/>
               </a:rPr>
               <a:t>리누스 토발즈</a:t>
             </a:r>
             <a:r>
-              <a:rPr lang="ko" sz="1400">
+              <a:rPr lang="ko" sz="1400" dirty="0">
                 <a:solidFill>
                   <a:srgbClr val="666666"/>
                 </a:solidFill>
+                <a:latin typeface="맑은 고딕" pitchFamily="50" charset="-127"/>
+                <a:ea typeface="맑은 고딕" pitchFamily="50" charset="-127"/>
               </a:rPr>
               <a:t>에 의해 만들어짐</a:t>
             </a:r>
-            <a:endParaRPr sz="1400">
+            <a:endParaRPr sz="1400" dirty="0">
               <a:solidFill>
                 <a:srgbClr val="666666"/>
               </a:solidFill>
+              <a:latin typeface="맑은 고딕" pitchFamily="50" charset="-127"/>
+              <a:ea typeface="맑은 고딕" pitchFamily="50" charset="-127"/>
             </a:endParaRPr>
           </a:p>
           <a:p>
-            <a:pPr indent="-317500" lvl="0" marL="457200" rtl="0" algn="l">
+            <a:pPr marL="457200" lvl="0" indent="-317500" algn="l" rtl="0">
               <a:lnSpc>
                 <a:spcPct val="150000"/>
               </a:lnSpc>
@@ -8981,37 +9395,45 @@
               <a:buChar char="●"/>
             </a:pPr>
             <a:r>
-              <a:rPr lang="ko" sz="1400">
+              <a:rPr lang="ko" sz="1400" dirty="0">
                 <a:solidFill>
                   <a:srgbClr val="666666"/>
                 </a:solidFill>
+                <a:latin typeface="맑은 고딕" pitchFamily="50" charset="-127"/>
+                <a:ea typeface="맑은 고딕" pitchFamily="50" charset="-127"/>
               </a:rPr>
               <a:t>대형컴퓨터에서 사용하는 유닉스를 개인pc에서도 사용할수있게 </a:t>
             </a:r>
             <a:r>
-              <a:rPr b="1" lang="ko" sz="1400">
+              <a:rPr lang="ko" sz="1400" b="1" dirty="0">
                 <a:solidFill>
                   <a:srgbClr val="666666"/>
                 </a:solidFill>
+                <a:latin typeface="맑은 고딕" pitchFamily="50" charset="-127"/>
+                <a:ea typeface="맑은 고딕" pitchFamily="50" charset="-127"/>
               </a:rPr>
               <a:t>공개 운영체제</a:t>
             </a:r>
             <a:r>
-              <a:rPr lang="ko" sz="1400">
+              <a:rPr lang="ko" sz="1400" dirty="0">
                 <a:solidFill>
                   <a:srgbClr val="666666"/>
                 </a:solidFill>
+                <a:latin typeface="맑은 고딕" pitchFamily="50" charset="-127"/>
+                <a:ea typeface="맑은 고딕" pitchFamily="50" charset="-127"/>
               </a:rPr>
               <a:t>로 개발된 것</a:t>
             </a:r>
-            <a:endParaRPr sz="1400">
+            <a:endParaRPr sz="1400" dirty="0">
               <a:solidFill>
                 <a:srgbClr val="666666"/>
               </a:solidFill>
+              <a:latin typeface="맑은 고딕" pitchFamily="50" charset="-127"/>
+              <a:ea typeface="맑은 고딕" pitchFamily="50" charset="-127"/>
             </a:endParaRPr>
           </a:p>
           <a:p>
-            <a:pPr indent="-317500" lvl="0" marL="457200" rtl="0" algn="l">
+            <a:pPr marL="457200" lvl="0" indent="-317500" algn="l" rtl="0">
               <a:lnSpc>
                 <a:spcPct val="150000"/>
               </a:lnSpc>
@@ -9028,37 +9450,45 @@
               <a:buChar char="●"/>
             </a:pPr>
             <a:r>
-              <a:rPr lang="ko" sz="1400">
+              <a:rPr lang="ko" sz="1400" dirty="0">
                 <a:solidFill>
                   <a:srgbClr val="666666"/>
                 </a:solidFill>
+                <a:latin typeface="맑은 고딕" pitchFamily="50" charset="-127"/>
+                <a:ea typeface="맑은 고딕" pitchFamily="50" charset="-127"/>
               </a:rPr>
               <a:t>리눅스의 발전은 1990년대 초 </a:t>
             </a:r>
             <a:r>
-              <a:rPr b="1" lang="ko" sz="1400">
+              <a:rPr lang="ko" sz="1400" b="1" dirty="0">
                 <a:solidFill>
                   <a:srgbClr val="666666"/>
                 </a:solidFill>
+                <a:latin typeface="맑은 고딕" pitchFamily="50" charset="-127"/>
+                <a:ea typeface="맑은 고딕" pitchFamily="50" charset="-127"/>
               </a:rPr>
               <a:t>GNU</a:t>
             </a:r>
             <a:r>
-              <a:rPr lang="ko" sz="1400">
+              <a:rPr lang="ko" sz="1400" dirty="0">
                 <a:solidFill>
                   <a:srgbClr val="666666"/>
                 </a:solidFill>
+                <a:latin typeface="맑은 고딕" pitchFamily="50" charset="-127"/>
+                <a:ea typeface="맑은 고딕" pitchFamily="50" charset="-127"/>
               </a:rPr>
               <a:t>와의 만남에서 큰 영향을 받음</a:t>
             </a:r>
-            <a:endParaRPr sz="1400">
+            <a:endParaRPr sz="1400" dirty="0">
               <a:solidFill>
                 <a:srgbClr val="666666"/>
               </a:solidFill>
+              <a:latin typeface="맑은 고딕" pitchFamily="50" charset="-127"/>
+              <a:ea typeface="맑은 고딕" pitchFamily="50" charset="-127"/>
             </a:endParaRPr>
           </a:p>
           <a:p>
-            <a:pPr indent="-317500" lvl="0" marL="457200" rtl="0" algn="l">
+            <a:pPr marL="457200" lvl="0" indent="-317500" algn="l" rtl="0">
               <a:lnSpc>
                 <a:spcPct val="150000"/>
               </a:lnSpc>
@@ -9075,37 +9505,45 @@
               <a:buChar char="●"/>
             </a:pPr>
             <a:r>
-              <a:rPr lang="ko" sz="1400">
+              <a:rPr lang="ko" sz="1400" dirty="0">
                 <a:solidFill>
                   <a:srgbClr val="666666"/>
                 </a:solidFill>
+                <a:latin typeface="맑은 고딕" pitchFamily="50" charset="-127"/>
+                <a:ea typeface="맑은 고딕" pitchFamily="50" charset="-127"/>
               </a:rPr>
               <a:t>1991년 11월 </a:t>
             </a:r>
             <a:r>
-              <a:rPr b="1" lang="ko" sz="1400">
+              <a:rPr lang="ko" sz="1400" b="1" dirty="0">
                 <a:solidFill>
                   <a:srgbClr val="666666"/>
                 </a:solidFill>
+                <a:latin typeface="맑은 고딕" pitchFamily="50" charset="-127"/>
+                <a:ea typeface="맑은 고딕" pitchFamily="50" charset="-127"/>
               </a:rPr>
               <a:t>버전 0.10</a:t>
             </a:r>
             <a:r>
-              <a:rPr lang="ko" sz="1400">
+              <a:rPr lang="ko" sz="1400" dirty="0">
                 <a:solidFill>
                   <a:srgbClr val="666666"/>
                 </a:solidFill>
+                <a:latin typeface="맑은 고딕" pitchFamily="50" charset="-127"/>
+                <a:ea typeface="맑은 고딕" pitchFamily="50" charset="-127"/>
               </a:rPr>
               <a:t>이 공개되면서 확대 보급되기 시작</a:t>
             </a:r>
-            <a:endParaRPr sz="1400">
+            <a:endParaRPr sz="1400" dirty="0">
               <a:solidFill>
                 <a:srgbClr val="666666"/>
               </a:solidFill>
+              <a:latin typeface="맑은 고딕" pitchFamily="50" charset="-127"/>
+              <a:ea typeface="맑은 고딕" pitchFamily="50" charset="-127"/>
             </a:endParaRPr>
           </a:p>
           <a:p>
-            <a:pPr indent="0" lvl="0" marL="457200" rtl="0" algn="l">
+            <a:pPr marL="457200" lvl="0" indent="0" algn="l" rtl="0">
               <a:spcBef>
                 <a:spcPts val="1600"/>
               </a:spcBef>
@@ -9114,17 +9552,16 @@
               </a:spcAft>
               <a:buNone/>
             </a:pPr>
-            <a:r>
-              <a:t/>
-            </a:r>
-            <a:endParaRPr sz="1400">
+            <a:endParaRPr sz="1400" dirty="0">
               <a:solidFill>
                 <a:srgbClr val="666666"/>
               </a:solidFill>
+              <a:latin typeface="맑은 고딕" pitchFamily="50" charset="-127"/>
+              <a:ea typeface="맑은 고딕" pitchFamily="50" charset="-127"/>
             </a:endParaRPr>
           </a:p>
           <a:p>
-            <a:pPr indent="0" lvl="0" marL="0" rtl="0" algn="l">
+            <a:pPr marL="0" lvl="0" indent="0" algn="l" rtl="0">
               <a:spcBef>
                 <a:spcPts val="1600"/>
               </a:spcBef>
@@ -9133,13 +9570,12 @@
               </a:spcAft>
               <a:buNone/>
             </a:pPr>
-            <a:r>
-              <a:t/>
-            </a:r>
-            <a:endParaRPr sz="1400">
+            <a:endParaRPr sz="1400" dirty="0">
               <a:solidFill>
                 <a:srgbClr val="666666"/>
               </a:solidFill>
+              <a:latin typeface="맑은 고딕" pitchFamily="50" charset="-127"/>
+              <a:ea typeface="맑은 고딕" pitchFamily="50" charset="-127"/>
             </a:endParaRPr>
           </a:p>
         </p:txBody>
@@ -9192,12 +9628,12 @@
           </a:ln>
         </p:spPr>
         <p:txBody>
-          <a:bodyPr anchorCtr="0" anchor="t" bIns="91425" lIns="91425" spcFirstLastPara="1" rIns="91425" wrap="square" tIns="91425">
+          <a:bodyPr spcFirstLastPara="1" wrap="square" lIns="91425" tIns="91425" rIns="91425" bIns="91425" anchor="t" anchorCtr="0">
             <a:noAutofit/>
           </a:bodyPr>
           <a:lstStyle/>
           <a:p>
-            <a:pPr indent="0" lvl="0" marL="0" rtl="0" algn="l">
+            <a:pPr marL="0" lvl="0" indent="0" algn="l" rtl="0">
               <a:spcBef>
                 <a:spcPts val="0"/>
               </a:spcBef>
@@ -9242,12 +9678,12 @@
           </a:ln>
         </p:spPr>
         <p:txBody>
-          <a:bodyPr anchorCtr="0" anchor="t" bIns="91425" lIns="91425" spcFirstLastPara="1" rIns="91425" wrap="square" tIns="91425">
+          <a:bodyPr spcFirstLastPara="1" wrap="square" lIns="91425" tIns="91425" rIns="91425" bIns="91425" anchor="t" anchorCtr="0">
             <a:noAutofit/>
           </a:bodyPr>
           <a:lstStyle/>
           <a:p>
-            <a:pPr indent="0" lvl="0" marL="0" rtl="0" algn="l">
+            <a:pPr marL="0" lvl="0" indent="0" algn="l" rtl="0">
               <a:spcBef>
                 <a:spcPts val="0"/>
               </a:spcBef>
@@ -9257,7 +9693,7 @@
               <a:buNone/>
             </a:pPr>
             <a:r>
-              <a:rPr i="1" lang="ko">
+              <a:rPr lang="ko" i="1" dirty="0">
                 <a:solidFill>
                   <a:srgbClr val="666666"/>
                 </a:solidFill>
@@ -9268,7 +9704,7 @@
               </a:rPr>
               <a:t>GNU는 리처드 스톨만의 주도하에 시작된 프리웨어 유닉스 프로젝트</a:t>
             </a:r>
-            <a:endParaRPr i="1">
+            <a:endParaRPr i="1" dirty="0">
               <a:latin typeface="Open Sans"/>
               <a:ea typeface="Open Sans"/>
               <a:cs typeface="Open Sans"/>
@@ -9282,15 +9718,22 @@
   <p:clrMapOvr>
     <a:masterClrMapping/>
   </p:clrMapOvr>
+  <p:timing>
+    <p:tnLst>
+      <p:par>
+        <p:cTn id="1" dur="indefinite" restart="never" nodeType="tmRoot"/>
+      </p:par>
+    </p:tnLst>
+  </p:timing>
 </p:sld>
 </file>
 
 <file path=ppt/slides/slide3.xml><?xml version="1.0" encoding="utf-8"?>
-<p:sld xmlns:a="http://schemas.openxmlformats.org/drawingml/2006/main" xmlns:r="http://schemas.openxmlformats.org/officeDocument/2006/relationships" xmlns:mc="http://schemas.openxmlformats.org/markup-compatibility/2006" xmlns:mv="urn:schemas-microsoft-com:mac:vml" xmlns:p="http://schemas.openxmlformats.org/presentationml/2006/main" xmlns:c="http://schemas.openxmlformats.org/drawingml/2006/chart" xmlns:dgm="http://schemas.openxmlformats.org/drawingml/2006/diagram" xmlns:o="urn:schemas-microsoft-com:office:office" xmlns:v="urn:schemas-microsoft-com:vml" xmlns:pvml="urn:schemas-microsoft-com:office:powerpoint" xmlns:com="http://schemas.openxmlformats.org/drawingml/2006/compatibility" xmlns:p14="http://schemas.microsoft.com/office/powerpoint/2010/main" xmlns:p15="http://schemas.microsoft.com/office/powerpoint/2012/main">
+<p:sld xmlns:a="http://schemas.openxmlformats.org/drawingml/2006/main" xmlns:r="http://schemas.openxmlformats.org/officeDocument/2006/relationships" xmlns:p="http://schemas.openxmlformats.org/presentationml/2006/main">
   <p:cSld>
     <p:spTree>
       <p:nvGrpSpPr>
-        <p:cNvPr id="80" name="Shape 80"/>
+        <p:cNvPr id="1" name="Shape 80"/>
         <p:cNvGrpSpPr/>
         <p:nvPr/>
       </p:nvGrpSpPr>
@@ -9305,7 +9748,9 @@
       <p:sp>
         <p:nvSpPr>
           <p:cNvPr id="81" name="Google Shape;81;p15"/>
-          <p:cNvSpPr txBox="1"/>
+          <p:cNvSpPr txBox="1">
+            <a:spLocks noGrp="1"/>
+          </p:cNvSpPr>
           <p:nvPr>
             <p:ph type="title"/>
           </p:nvPr>
@@ -9320,12 +9765,12 @@
           </a:prstGeom>
         </p:spPr>
         <p:txBody>
-          <a:bodyPr anchorCtr="0" anchor="t" bIns="91425" lIns="91425" spcFirstLastPara="1" rIns="91425" wrap="square" tIns="91425">
+          <a:bodyPr spcFirstLastPara="1" wrap="square" lIns="91425" tIns="91425" rIns="91425" bIns="91425" anchor="t" anchorCtr="0">
             <a:noAutofit/>
           </a:bodyPr>
           <a:lstStyle/>
           <a:p>
-            <a:pPr indent="0" lvl="0" marL="0" rtl="0" algn="l">
+            <a:pPr marL="0" lvl="0" indent="0" algn="l" rtl="0">
               <a:spcBef>
                 <a:spcPts val="0"/>
               </a:spcBef>
@@ -9345,9 +9790,11 @@
       <p:sp>
         <p:nvSpPr>
           <p:cNvPr id="82" name="Google Shape;82;p15"/>
-          <p:cNvSpPr txBox="1"/>
+          <p:cNvSpPr txBox="1">
+            <a:spLocks noGrp="1"/>
+          </p:cNvSpPr>
           <p:nvPr>
-            <p:ph idx="1" type="body"/>
+            <p:ph type="body" idx="1"/>
           </p:nvPr>
         </p:nvSpPr>
         <p:spPr>
@@ -9360,12 +9807,12 @@
           </a:prstGeom>
         </p:spPr>
         <p:txBody>
-          <a:bodyPr anchorCtr="0" anchor="t" bIns="91425" lIns="91425" spcFirstLastPara="1" rIns="91425" wrap="square" tIns="91425">
+          <a:bodyPr spcFirstLastPara="1" wrap="square" lIns="91425" tIns="91425" rIns="91425" bIns="91425" anchor="t" anchorCtr="0">
             <a:noAutofit/>
           </a:bodyPr>
           <a:lstStyle/>
           <a:p>
-            <a:pPr indent="0" lvl="0" marL="0" rtl="0" algn="l">
+            <a:pPr marL="0" lvl="0" indent="0" algn="l" rtl="0">
               <a:spcBef>
                 <a:spcPts val="0"/>
               </a:spcBef>
@@ -9375,21 +9822,25 @@
               <a:buNone/>
             </a:pPr>
             <a:r>
-              <a:rPr b="1" lang="ko" sz="1400">
+              <a:rPr lang="ko" sz="1400" b="1">
                 <a:solidFill>
                   <a:srgbClr val="434343"/>
                 </a:solidFill>
+                <a:latin typeface="맑은 고딕" pitchFamily="50" charset="-127"/>
+                <a:ea typeface="맑은 고딕" pitchFamily="50" charset="-127"/>
               </a:rPr>
               <a:t>전세계에 300개 이상의 배포판이 있고 대부분이 무료</a:t>
             </a:r>
-            <a:endParaRPr b="1" sz="1400">
+            <a:endParaRPr sz="1400" b="1">
               <a:solidFill>
                 <a:srgbClr val="434343"/>
               </a:solidFill>
+              <a:latin typeface="맑은 고딕" pitchFamily="50" charset="-127"/>
+              <a:ea typeface="맑은 고딕" pitchFamily="50" charset="-127"/>
             </a:endParaRPr>
           </a:p>
           <a:p>
-            <a:pPr indent="0" lvl="0" marL="457200" rtl="0" algn="l">
+            <a:pPr marL="457200" lvl="0" indent="0" algn="l" rtl="0">
               <a:spcBef>
                 <a:spcPts val="1600"/>
               </a:spcBef>
@@ -9398,17 +9849,16 @@
               </a:spcAft>
               <a:buNone/>
             </a:pPr>
-            <a:r>
-              <a:t/>
-            </a:r>
-            <a:endParaRPr b="1" sz="1400">
+            <a:endParaRPr sz="1400" b="1">
               <a:solidFill>
                 <a:srgbClr val="434343"/>
               </a:solidFill>
+              <a:latin typeface="맑은 고딕" pitchFamily="50" charset="-127"/>
+              <a:ea typeface="맑은 고딕" pitchFamily="50" charset="-127"/>
             </a:endParaRPr>
           </a:p>
           <a:p>
-            <a:pPr indent="0" lvl="0" marL="0" rtl="0" algn="l">
+            <a:pPr marL="0" lvl="0" indent="0" algn="l" rtl="0">
               <a:spcBef>
                 <a:spcPts val="1600"/>
               </a:spcBef>
@@ -9417,13 +9867,12 @@
               </a:spcAft>
               <a:buNone/>
             </a:pPr>
-            <a:r>
-              <a:t/>
-            </a:r>
-            <a:endParaRPr b="1" sz="1400">
+            <a:endParaRPr sz="1400" b="1">
               <a:solidFill>
                 <a:srgbClr val="434343"/>
               </a:solidFill>
+              <a:latin typeface="맑은 고딕" pitchFamily="50" charset="-127"/>
+              <a:ea typeface="맑은 고딕" pitchFamily="50" charset="-127"/>
             </a:endParaRPr>
           </a:p>
         </p:txBody>
@@ -9476,12 +9925,12 @@
           </a:ln>
         </p:spPr>
         <p:txBody>
-          <a:bodyPr anchorCtr="0" anchor="t" bIns="91425" lIns="91425" spcFirstLastPara="1" rIns="91425" wrap="square" tIns="91425">
+          <a:bodyPr spcFirstLastPara="1" wrap="square" lIns="91425" tIns="91425" rIns="91425" bIns="91425" anchor="t" anchorCtr="0">
             <a:noAutofit/>
           </a:bodyPr>
           <a:lstStyle/>
           <a:p>
-            <a:pPr indent="0" lvl="0" marL="0" rtl="0" algn="l">
+            <a:pPr marL="0" lvl="0" indent="0" algn="l" rtl="0">
               <a:spcBef>
                 <a:spcPts val="0"/>
               </a:spcBef>
@@ -9491,7 +9940,7 @@
               <a:buNone/>
             </a:pPr>
             <a:r>
-              <a:rPr b="1" lang="ko" sz="1300">
+              <a:rPr lang="ko" sz="1300" b="1">
                 <a:solidFill>
                   <a:srgbClr val="333333"/>
                 </a:solidFill>
@@ -9505,7 +9954,7 @@
               </a:rPr>
               <a:t>레드햇 엔터프라이즈 리눅스 </a:t>
             </a:r>
-            <a:endParaRPr b="1" sz="1300">
+            <a:endParaRPr sz="1300" b="1">
               <a:solidFill>
                 <a:srgbClr val="333333"/>
               </a:solidFill>
@@ -9519,7 +9968,7 @@
             </a:endParaRPr>
           </a:p>
           <a:p>
-            <a:pPr indent="0" lvl="0" marL="0" rtl="0" algn="l">
+            <a:pPr marL="0" lvl="0" indent="0" algn="l" rtl="0">
               <a:spcBef>
                 <a:spcPts val="0"/>
               </a:spcBef>
@@ -9529,7 +9978,7 @@
               <a:buNone/>
             </a:pPr>
             <a:r>
-              <a:rPr b="1" lang="ko" sz="1300">
+              <a:rPr lang="ko" sz="1300" b="1">
                 <a:solidFill>
                   <a:srgbClr val="333333"/>
                 </a:solidFill>
@@ -9543,7 +9992,7 @@
               </a:rPr>
               <a:t>Red Hat Enterprise Linux</a:t>
             </a:r>
-            <a:endParaRPr b="1" sz="1300">
+            <a:endParaRPr sz="1300" b="1">
               <a:solidFill>
                 <a:srgbClr val="333333"/>
               </a:solidFill>
@@ -9557,7 +10006,7 @@
             </a:endParaRPr>
           </a:p>
           <a:p>
-            <a:pPr indent="0" lvl="0" marL="0" rtl="0" algn="l">
+            <a:pPr marL="0" lvl="0" indent="0" algn="l" rtl="0">
               <a:spcBef>
                 <a:spcPts val="0"/>
               </a:spcBef>
@@ -9595,7 +10044,7 @@
             </a:endParaRPr>
           </a:p>
           <a:p>
-            <a:pPr indent="0" lvl="0" marL="0" rtl="0" algn="l">
+            <a:pPr marL="0" lvl="0" indent="0" algn="l" rtl="0">
               <a:spcBef>
                 <a:spcPts val="0"/>
               </a:spcBef>
@@ -9654,12 +10103,12 @@
           </a:ln>
         </p:spPr>
         <p:txBody>
-          <a:bodyPr anchorCtr="0" anchor="t" bIns="91425" lIns="91425" spcFirstLastPara="1" rIns="91425" wrap="square" tIns="91425">
+          <a:bodyPr spcFirstLastPara="1" wrap="square" lIns="91425" tIns="91425" rIns="91425" bIns="91425" anchor="t" anchorCtr="0">
             <a:noAutofit/>
           </a:bodyPr>
           <a:lstStyle/>
           <a:p>
-            <a:pPr indent="0" lvl="0" marL="0" rtl="0" algn="l">
+            <a:pPr marL="0" lvl="0" indent="0" algn="l" rtl="0">
               <a:spcBef>
                 <a:spcPts val="0"/>
               </a:spcBef>
@@ -9669,7 +10118,7 @@
               <a:buNone/>
             </a:pPr>
             <a:r>
-              <a:rPr b="1" lang="ko" sz="1300">
+              <a:rPr lang="ko" sz="1300" b="1">
                 <a:solidFill>
                   <a:srgbClr val="333333"/>
                 </a:solidFill>
@@ -9683,7 +10132,7 @@
               </a:rPr>
               <a:t>우분투Ubuntu</a:t>
             </a:r>
-            <a:endParaRPr b="1" sz="1300">
+            <a:endParaRPr sz="1300" b="1">
               <a:solidFill>
                 <a:srgbClr val="333333"/>
               </a:solidFill>
@@ -9697,7 +10146,7 @@
             </a:endParaRPr>
           </a:p>
           <a:p>
-            <a:pPr indent="0" lvl="0" marL="0" rtl="0" algn="l">
+            <a:pPr marL="0" lvl="0" indent="0" algn="l" rtl="0">
               <a:spcBef>
                 <a:spcPts val="0"/>
               </a:spcBef>
@@ -9758,15 +10207,22 @@
   <p:clrMapOvr>
     <a:masterClrMapping/>
   </p:clrMapOvr>
+  <p:timing>
+    <p:tnLst>
+      <p:par>
+        <p:cTn id="1" dur="indefinite" restart="never" nodeType="tmRoot"/>
+      </p:par>
+    </p:tnLst>
+  </p:timing>
 </p:sld>
 </file>
 
 <file path=ppt/slides/slide4.xml><?xml version="1.0" encoding="utf-8"?>
-<p:sld xmlns:a="http://schemas.openxmlformats.org/drawingml/2006/main" xmlns:r="http://schemas.openxmlformats.org/officeDocument/2006/relationships" xmlns:mc="http://schemas.openxmlformats.org/markup-compatibility/2006" xmlns:mv="urn:schemas-microsoft-com:mac:vml" xmlns:p="http://schemas.openxmlformats.org/presentationml/2006/main" xmlns:c="http://schemas.openxmlformats.org/drawingml/2006/chart" xmlns:dgm="http://schemas.openxmlformats.org/drawingml/2006/diagram" xmlns:o="urn:schemas-microsoft-com:office:office" xmlns:v="urn:schemas-microsoft-com:vml" xmlns:pvml="urn:schemas-microsoft-com:office:powerpoint" xmlns:com="http://schemas.openxmlformats.org/drawingml/2006/compatibility" xmlns:p14="http://schemas.microsoft.com/office/powerpoint/2010/main" xmlns:p15="http://schemas.microsoft.com/office/powerpoint/2012/main">
+<p:sld xmlns:a="http://schemas.openxmlformats.org/drawingml/2006/main" xmlns:r="http://schemas.openxmlformats.org/officeDocument/2006/relationships" xmlns:p="http://schemas.openxmlformats.org/presentationml/2006/main">
   <p:cSld>
     <p:spTree>
       <p:nvGrpSpPr>
-        <p:cNvPr id="90" name="Shape 90"/>
+        <p:cNvPr id="1" name="Shape 90"/>
         <p:cNvGrpSpPr/>
         <p:nvPr/>
       </p:nvGrpSpPr>
@@ -9781,7 +10237,9 @@
       <p:sp>
         <p:nvSpPr>
           <p:cNvPr id="91" name="Google Shape;91;p16"/>
-          <p:cNvSpPr txBox="1"/>
+          <p:cNvSpPr txBox="1">
+            <a:spLocks noGrp="1"/>
+          </p:cNvSpPr>
           <p:nvPr>
             <p:ph type="title"/>
           </p:nvPr>
@@ -9796,12 +10254,12 @@
           </a:prstGeom>
         </p:spPr>
         <p:txBody>
-          <a:bodyPr anchorCtr="0" anchor="t" bIns="91425" lIns="91425" spcFirstLastPara="1" rIns="91425" wrap="square" tIns="91425">
+          <a:bodyPr spcFirstLastPara="1" wrap="square" lIns="91425" tIns="91425" rIns="91425" bIns="91425" anchor="t" anchorCtr="0">
             <a:noAutofit/>
           </a:bodyPr>
           <a:lstStyle/>
           <a:p>
-            <a:pPr indent="0" lvl="0" marL="0" rtl="0" algn="l">
+            <a:pPr marL="0" lvl="0" indent="0" algn="l" rtl="0">
               <a:spcBef>
                 <a:spcPts val="0"/>
               </a:spcBef>
@@ -9821,9 +10279,11 @@
       <p:sp>
         <p:nvSpPr>
           <p:cNvPr id="92" name="Google Shape;92;p16"/>
-          <p:cNvSpPr txBox="1"/>
+          <p:cNvSpPr txBox="1">
+            <a:spLocks noGrp="1"/>
+          </p:cNvSpPr>
           <p:nvPr>
-            <p:ph idx="1" type="body"/>
+            <p:ph type="body" idx="1"/>
           </p:nvPr>
         </p:nvSpPr>
         <p:spPr>
@@ -9836,12 +10296,12 @@
           </a:prstGeom>
         </p:spPr>
         <p:txBody>
-          <a:bodyPr anchorCtr="0" anchor="t" bIns="91425" lIns="91425" spcFirstLastPara="1" rIns="91425" wrap="square" tIns="91425">
+          <a:bodyPr spcFirstLastPara="1" wrap="square" lIns="91425" tIns="91425" rIns="91425" bIns="91425" anchor="t" anchorCtr="0">
             <a:noAutofit/>
           </a:bodyPr>
           <a:lstStyle/>
           <a:p>
-            <a:pPr indent="0" lvl="0" marL="0" rtl="0" algn="l">
+            <a:pPr marL="0" lvl="0" indent="0" algn="l" rtl="0">
               <a:lnSpc>
                 <a:spcPct val="100000"/>
               </a:lnSpc>
@@ -9854,35 +10314,35 @@
               <a:buNone/>
             </a:pPr>
             <a:r>
-              <a:rPr lang="ko">
+              <a:rPr lang="ko" dirty="0">
                 <a:solidFill>
                   <a:srgbClr val="000000"/>
                 </a:solidFill>
                 <a:highlight>
                   <a:schemeClr val="dk1"/>
                 </a:highlight>
-                <a:latin typeface="Arial"/>
-                <a:ea typeface="Arial"/>
+                <a:latin typeface="맑은 고딕" pitchFamily="50" charset="-127"/>
+                <a:ea typeface="맑은 고딕" pitchFamily="50" charset="-127"/>
                 <a:cs typeface="Arial"/>
                 <a:sym typeface="Arial"/>
               </a:rPr>
               <a:t>장점</a:t>
             </a:r>
-            <a:endParaRPr sz="1400">
+            <a:endParaRPr sz="1400" dirty="0">
               <a:solidFill>
                 <a:srgbClr val="000000"/>
               </a:solidFill>
               <a:highlight>
                 <a:schemeClr val="dk1"/>
               </a:highlight>
-              <a:latin typeface="Arial"/>
-              <a:ea typeface="Arial"/>
+              <a:latin typeface="맑은 고딕" pitchFamily="50" charset="-127"/>
+              <a:ea typeface="맑은 고딕" pitchFamily="50" charset="-127"/>
               <a:cs typeface="Arial"/>
               <a:sym typeface="Arial"/>
             </a:endParaRPr>
           </a:p>
           <a:p>
-            <a:pPr indent="0" lvl="0" marL="914400" rtl="0" algn="l">
+            <a:pPr marL="914400" lvl="0" indent="0" algn="l" rtl="0">
               <a:lnSpc>
                 <a:spcPct val="100000"/>
               </a:lnSpc>
@@ -9895,35 +10355,35 @@
               <a:buNone/>
             </a:pPr>
             <a:r>
-              <a:rPr b="1" lang="ko" sz="1500">
+              <a:rPr lang="ko" sz="1500" b="1" dirty="0">
                 <a:solidFill>
                   <a:srgbClr val="434343"/>
                 </a:solidFill>
                 <a:highlight>
                   <a:srgbClr val="FFFFFF"/>
                 </a:highlight>
-                <a:latin typeface="Arial"/>
-                <a:ea typeface="Arial"/>
+                <a:latin typeface="맑은 고딕" pitchFamily="50" charset="-127"/>
+                <a:ea typeface="맑은 고딕" pitchFamily="50" charset="-127"/>
                 <a:cs typeface="Arial"/>
                 <a:sym typeface="Arial"/>
               </a:rPr>
               <a:t>다중 사용자 및 다중 처리 시스템</a:t>
             </a:r>
-            <a:endParaRPr b="1" sz="1500">
+            <a:endParaRPr sz="1500" b="1" dirty="0">
               <a:solidFill>
                 <a:srgbClr val="434343"/>
               </a:solidFill>
               <a:highlight>
                 <a:srgbClr val="FFFFFF"/>
               </a:highlight>
-              <a:latin typeface="Arial"/>
-              <a:ea typeface="Arial"/>
+              <a:latin typeface="맑은 고딕" pitchFamily="50" charset="-127"/>
+              <a:ea typeface="맑은 고딕" pitchFamily="50" charset="-127"/>
               <a:cs typeface="Arial"/>
               <a:sym typeface="Arial"/>
             </a:endParaRPr>
           </a:p>
           <a:p>
-            <a:pPr indent="0" lvl="0" marL="914400" rtl="0" algn="l">
+            <a:pPr marL="914400" lvl="0" indent="0" algn="l" rtl="0">
               <a:lnSpc>
                 <a:spcPct val="100000"/>
               </a:lnSpc>
@@ -9935,24 +10395,21 @@
               </a:spcAft>
               <a:buNone/>
             </a:pPr>
-            <a:r>
-              <a:t/>
-            </a:r>
-            <a:endParaRPr b="1" sz="1500">
+            <a:endParaRPr sz="1500" b="1" dirty="0">
               <a:solidFill>
                 <a:srgbClr val="434343"/>
               </a:solidFill>
               <a:highlight>
                 <a:srgbClr val="FFFFFF"/>
               </a:highlight>
-              <a:latin typeface="Arial"/>
-              <a:ea typeface="Arial"/>
+              <a:latin typeface="맑은 고딕" pitchFamily="50" charset="-127"/>
+              <a:ea typeface="맑은 고딕" pitchFamily="50" charset="-127"/>
               <a:cs typeface="Arial"/>
               <a:sym typeface="Arial"/>
             </a:endParaRPr>
           </a:p>
           <a:p>
-            <a:pPr indent="0" lvl="0" marL="914400" rtl="0" algn="l">
+            <a:pPr marL="914400" lvl="0" indent="0" algn="l" rtl="0">
               <a:lnSpc>
                 <a:spcPct val="100000"/>
               </a:lnSpc>
@@ -9965,35 +10422,35 @@
               <a:buNone/>
             </a:pPr>
             <a:r>
-              <a:rPr b="1" lang="ko" sz="1500">
+              <a:rPr lang="ko" sz="1500" b="1" dirty="0">
                 <a:solidFill>
                   <a:srgbClr val="434343"/>
                 </a:solidFill>
                 <a:highlight>
                   <a:srgbClr val="FFFFFF"/>
                 </a:highlight>
-                <a:latin typeface="Arial"/>
-                <a:ea typeface="Arial"/>
+                <a:latin typeface="맑은 고딕" pitchFamily="50" charset="-127"/>
+                <a:ea typeface="맑은 고딕" pitchFamily="50" charset="-127"/>
                 <a:cs typeface="Arial"/>
                 <a:sym typeface="Arial"/>
               </a:rPr>
               <a:t>완전한 무료 시스템 운영체제</a:t>
             </a:r>
-            <a:endParaRPr sz="1500">
+            <a:endParaRPr sz="1500" dirty="0">
               <a:solidFill>
                 <a:srgbClr val="434343"/>
               </a:solidFill>
               <a:highlight>
                 <a:srgbClr val="FFFFFF"/>
               </a:highlight>
-              <a:latin typeface="Arial"/>
-              <a:ea typeface="Arial"/>
+              <a:latin typeface="맑은 고딕" pitchFamily="50" charset="-127"/>
+              <a:ea typeface="맑은 고딕" pitchFamily="50" charset="-127"/>
               <a:cs typeface="Arial"/>
               <a:sym typeface="Arial"/>
             </a:endParaRPr>
           </a:p>
           <a:p>
-            <a:pPr indent="0" lvl="0" marL="0" rtl="0" algn="l">
+            <a:pPr marL="0" lvl="0" indent="0" algn="l" rtl="0">
               <a:lnSpc>
                 <a:spcPct val="100000"/>
               </a:lnSpc>
@@ -10005,24 +10462,21 @@
               </a:spcAft>
               <a:buNone/>
             </a:pPr>
-            <a:r>
-              <a:t/>
-            </a:r>
-            <a:endParaRPr sz="1500">
+            <a:endParaRPr sz="1500" dirty="0">
               <a:solidFill>
                 <a:srgbClr val="434343"/>
               </a:solidFill>
               <a:highlight>
                 <a:srgbClr val="FFFFFF"/>
               </a:highlight>
-              <a:latin typeface="Arial"/>
-              <a:ea typeface="Arial"/>
+              <a:latin typeface="맑은 고딕" pitchFamily="50" charset="-127"/>
+              <a:ea typeface="맑은 고딕" pitchFamily="50" charset="-127"/>
               <a:cs typeface="Arial"/>
               <a:sym typeface="Arial"/>
             </a:endParaRPr>
           </a:p>
           <a:p>
-            <a:pPr indent="0" lvl="0" marL="914400" rtl="0" algn="l">
+            <a:pPr marL="914400" lvl="0" indent="0" algn="l" rtl="0">
               <a:lnSpc>
                 <a:spcPct val="100000"/>
               </a:lnSpc>
@@ -10035,50 +10489,50 @@
               <a:buNone/>
             </a:pPr>
             <a:r>
-              <a:rPr b="1" lang="ko" sz="1500">
+              <a:rPr lang="ko" sz="1500" b="1" dirty="0">
                 <a:solidFill>
                   <a:srgbClr val="434343"/>
                 </a:solidFill>
                 <a:highlight>
                   <a:srgbClr val="FFFFFF"/>
                 </a:highlight>
-                <a:latin typeface="Arial"/>
-                <a:ea typeface="Arial"/>
+                <a:latin typeface="맑은 고딕" pitchFamily="50" charset="-127"/>
+                <a:ea typeface="맑은 고딕" pitchFamily="50" charset="-127"/>
                 <a:cs typeface="Arial"/>
                 <a:sym typeface="Arial"/>
               </a:rPr>
               <a:t>오픈 소스</a:t>
             </a:r>
             <a:r>
-              <a:rPr lang="ko" sz="1500">
+              <a:rPr lang="ko" sz="1500" dirty="0">
                 <a:solidFill>
                   <a:srgbClr val="434343"/>
                 </a:solidFill>
                 <a:highlight>
                   <a:srgbClr val="FFFFFF"/>
                 </a:highlight>
-                <a:latin typeface="Arial"/>
-                <a:ea typeface="Arial"/>
+                <a:latin typeface="맑은 고딕" pitchFamily="50" charset="-127"/>
+                <a:ea typeface="맑은 고딕" pitchFamily="50" charset="-127"/>
                 <a:cs typeface="Arial"/>
                 <a:sym typeface="Arial"/>
               </a:rPr>
               <a:t>의 특징으로 인해 계속해서 업데이트</a:t>
             </a:r>
-            <a:endParaRPr sz="1500">
+            <a:endParaRPr sz="1500" dirty="0">
               <a:solidFill>
                 <a:srgbClr val="434343"/>
               </a:solidFill>
               <a:highlight>
                 <a:srgbClr val="FFFFFF"/>
               </a:highlight>
-              <a:latin typeface="Arial"/>
-              <a:ea typeface="Arial"/>
+              <a:latin typeface="맑은 고딕" pitchFamily="50" charset="-127"/>
+              <a:ea typeface="맑은 고딕" pitchFamily="50" charset="-127"/>
               <a:cs typeface="Arial"/>
               <a:sym typeface="Arial"/>
             </a:endParaRPr>
           </a:p>
           <a:p>
-            <a:pPr indent="0" lvl="0" marL="0" rtl="0" algn="l">
+            <a:pPr marL="0" lvl="0" indent="0" algn="l" rtl="0">
               <a:lnSpc>
                 <a:spcPct val="100000"/>
               </a:lnSpc>
@@ -10090,24 +10544,21 @@
               </a:spcAft>
               <a:buNone/>
             </a:pPr>
-            <a:r>
-              <a:t/>
-            </a:r>
-            <a:endParaRPr sz="1500">
+            <a:endParaRPr sz="1500" dirty="0">
               <a:solidFill>
                 <a:srgbClr val="434343"/>
               </a:solidFill>
               <a:highlight>
                 <a:srgbClr val="FFFFFF"/>
               </a:highlight>
-              <a:latin typeface="Arial"/>
-              <a:ea typeface="Arial"/>
+              <a:latin typeface="맑은 고딕" pitchFamily="50" charset="-127"/>
+              <a:ea typeface="맑은 고딕" pitchFamily="50" charset="-127"/>
               <a:cs typeface="Arial"/>
               <a:sym typeface="Arial"/>
             </a:endParaRPr>
           </a:p>
           <a:p>
-            <a:pPr indent="0" lvl="0" marL="914400" rtl="0" algn="l">
+            <a:pPr marL="914400" lvl="0" indent="0" algn="l" rtl="0">
               <a:lnSpc>
                 <a:spcPct val="100000"/>
               </a:lnSpc>
@@ -10120,50 +10571,50 @@
               <a:buNone/>
             </a:pPr>
             <a:r>
-              <a:rPr lang="ko" sz="1500">
+              <a:rPr lang="ko" sz="1500" dirty="0">
                 <a:solidFill>
                   <a:srgbClr val="434343"/>
                 </a:solidFill>
                 <a:highlight>
                   <a:srgbClr val="FFFFFF"/>
                 </a:highlight>
-                <a:latin typeface="Arial"/>
-                <a:ea typeface="Arial"/>
+                <a:latin typeface="맑은 고딕" pitchFamily="50" charset="-127"/>
+                <a:ea typeface="맑은 고딕" pitchFamily="50" charset="-127"/>
                 <a:cs typeface="Arial"/>
                 <a:sym typeface="Arial"/>
               </a:rPr>
               <a:t>다양한 </a:t>
             </a:r>
             <a:r>
-              <a:rPr b="1" lang="ko" sz="1500">
+              <a:rPr lang="ko" sz="1500" b="1" dirty="0">
                 <a:solidFill>
                   <a:srgbClr val="434343"/>
                 </a:solidFill>
                 <a:highlight>
                   <a:srgbClr val="FFFFFF"/>
                 </a:highlight>
-                <a:latin typeface="Arial"/>
-                <a:ea typeface="Arial"/>
+                <a:latin typeface="맑은 고딕" pitchFamily="50" charset="-127"/>
+                <a:ea typeface="맑은 고딕" pitchFamily="50" charset="-127"/>
                 <a:cs typeface="Arial"/>
                 <a:sym typeface="Arial"/>
               </a:rPr>
               <a:t>배포판 </a:t>
             </a:r>
-            <a:endParaRPr b="1" sz="1500">
+            <a:endParaRPr sz="1500" b="1" dirty="0">
               <a:solidFill>
                 <a:srgbClr val="434343"/>
               </a:solidFill>
               <a:highlight>
                 <a:srgbClr val="FFFFFF"/>
               </a:highlight>
-              <a:latin typeface="Arial"/>
-              <a:ea typeface="Arial"/>
+              <a:latin typeface="맑은 고딕" pitchFamily="50" charset="-127"/>
+              <a:ea typeface="맑은 고딕" pitchFamily="50" charset="-127"/>
               <a:cs typeface="Arial"/>
               <a:sym typeface="Arial"/>
             </a:endParaRPr>
           </a:p>
           <a:p>
-            <a:pPr indent="0" lvl="0" marL="914400" rtl="0" algn="l">
+            <a:pPr marL="914400" lvl="0" indent="0" algn="l" rtl="0">
               <a:lnSpc>
                 <a:spcPct val="100000"/>
               </a:lnSpc>
@@ -10175,24 +10626,21 @@
               </a:spcAft>
               <a:buNone/>
             </a:pPr>
-            <a:r>
-              <a:t/>
-            </a:r>
-            <a:endParaRPr b="1" sz="1500">
+            <a:endParaRPr sz="1500" b="1" dirty="0">
               <a:solidFill>
                 <a:srgbClr val="434343"/>
               </a:solidFill>
               <a:highlight>
                 <a:srgbClr val="FFFFFF"/>
               </a:highlight>
-              <a:latin typeface="Arial"/>
-              <a:ea typeface="Arial"/>
+              <a:latin typeface="맑은 고딕" pitchFamily="50" charset="-127"/>
+              <a:ea typeface="맑은 고딕" pitchFamily="50" charset="-127"/>
               <a:cs typeface="Arial"/>
               <a:sym typeface="Arial"/>
             </a:endParaRPr>
           </a:p>
           <a:p>
-            <a:pPr indent="0" lvl="0" marL="914400" rtl="0" algn="l">
+            <a:pPr marL="914400" lvl="0" indent="0" algn="l" rtl="0">
               <a:lnSpc>
                 <a:spcPct val="100000"/>
               </a:lnSpc>
@@ -10205,35 +10653,35 @@
               <a:buNone/>
             </a:pPr>
             <a:r>
-              <a:rPr b="1" lang="ko" sz="1500">
+              <a:rPr lang="ko" sz="1500" b="1" dirty="0">
                 <a:solidFill>
                   <a:srgbClr val="434343"/>
                 </a:solidFill>
                 <a:highlight>
                   <a:srgbClr val="FFFFFF"/>
                 </a:highlight>
-                <a:latin typeface="Arial"/>
-                <a:ea typeface="Arial"/>
+                <a:latin typeface="맑은 고딕" pitchFamily="50" charset="-127"/>
+                <a:ea typeface="맑은 고딕" pitchFamily="50" charset="-127"/>
                 <a:cs typeface="Arial"/>
                 <a:sym typeface="Arial"/>
               </a:rPr>
               <a:t>바이러스 적고, 보안이슈 발생 시 빠른 대처 가능</a:t>
             </a:r>
-            <a:endParaRPr b="1" sz="1500">
+            <a:endParaRPr sz="1500" b="1" dirty="0">
               <a:solidFill>
                 <a:srgbClr val="434343"/>
               </a:solidFill>
               <a:highlight>
                 <a:srgbClr val="FFFFFF"/>
               </a:highlight>
-              <a:latin typeface="Arial"/>
-              <a:ea typeface="Arial"/>
+              <a:latin typeface="맑은 고딕" pitchFamily="50" charset="-127"/>
+              <a:ea typeface="맑은 고딕" pitchFamily="50" charset="-127"/>
               <a:cs typeface="Arial"/>
               <a:sym typeface="Arial"/>
             </a:endParaRPr>
           </a:p>
           <a:p>
-            <a:pPr indent="0" lvl="0" marL="0" rtl="0" algn="l">
+            <a:pPr marL="0" lvl="0" indent="0" algn="l" rtl="0">
               <a:lnSpc>
                 <a:spcPct val="100000"/>
               </a:lnSpc>
@@ -10245,24 +10693,21 @@
               </a:spcAft>
               <a:buNone/>
             </a:pPr>
-            <a:r>
-              <a:t/>
-            </a:r>
-            <a:endParaRPr b="1" sz="1500">
+            <a:endParaRPr sz="1500" b="1" dirty="0">
               <a:solidFill>
                 <a:srgbClr val="434343"/>
               </a:solidFill>
               <a:highlight>
                 <a:srgbClr val="FFFFFF"/>
               </a:highlight>
-              <a:latin typeface="Arial"/>
-              <a:ea typeface="Arial"/>
+              <a:latin typeface="맑은 고딕" pitchFamily="50" charset="-127"/>
+              <a:ea typeface="맑은 고딕" pitchFamily="50" charset="-127"/>
               <a:cs typeface="Arial"/>
               <a:sym typeface="Arial"/>
             </a:endParaRPr>
           </a:p>
           <a:p>
-            <a:pPr indent="0" lvl="0" marL="914400" rtl="0" algn="l">
+            <a:pPr marL="914400" lvl="0" indent="0" algn="l" rtl="0">
               <a:lnSpc>
                 <a:spcPct val="100000"/>
               </a:lnSpc>
@@ -10275,35 +10720,35 @@
               <a:buNone/>
             </a:pPr>
             <a:r>
-              <a:rPr b="1" lang="ko" sz="1500">
+              <a:rPr lang="ko" sz="1500" b="1" dirty="0">
                 <a:solidFill>
                   <a:srgbClr val="434343"/>
                 </a:solidFill>
                 <a:highlight>
                   <a:srgbClr val="FFFFFF"/>
                 </a:highlight>
-                <a:latin typeface="Arial"/>
-                <a:ea typeface="Arial"/>
+                <a:latin typeface="맑은 고딕" pitchFamily="50" charset="-127"/>
+                <a:ea typeface="맑은 고딕" pitchFamily="50" charset="-127"/>
                 <a:cs typeface="Arial"/>
                 <a:sym typeface="Arial"/>
               </a:rPr>
               <a:t>안정적, 장시간 운영에 적합 (디바이스, 서버용)</a:t>
             </a:r>
-            <a:endParaRPr b="1" sz="1500">
+            <a:endParaRPr sz="1500" b="1" dirty="0">
               <a:solidFill>
                 <a:srgbClr val="434343"/>
               </a:solidFill>
               <a:highlight>
                 <a:srgbClr val="FFFFFF"/>
               </a:highlight>
-              <a:latin typeface="Arial"/>
-              <a:ea typeface="Arial"/>
+              <a:latin typeface="맑은 고딕" pitchFamily="50" charset="-127"/>
+              <a:ea typeface="맑은 고딕" pitchFamily="50" charset="-127"/>
               <a:cs typeface="Arial"/>
               <a:sym typeface="Arial"/>
             </a:endParaRPr>
           </a:p>
           <a:p>
-            <a:pPr indent="0" lvl="0" marL="0" rtl="0" algn="l">
+            <a:pPr marL="0" lvl="0" indent="0" algn="l" rtl="0">
               <a:lnSpc>
                 <a:spcPct val="100000"/>
               </a:lnSpc>
@@ -10315,24 +10760,21 @@
               </a:spcAft>
               <a:buNone/>
             </a:pPr>
-            <a:r>
-              <a:t/>
-            </a:r>
-            <a:endParaRPr sz="1500">
+            <a:endParaRPr sz="1500" dirty="0">
               <a:solidFill>
                 <a:srgbClr val="434343"/>
               </a:solidFill>
               <a:highlight>
                 <a:srgbClr val="FFFFFF"/>
               </a:highlight>
-              <a:latin typeface="Arial"/>
-              <a:ea typeface="Arial"/>
+              <a:latin typeface="맑은 고딕" pitchFamily="50" charset="-127"/>
+              <a:ea typeface="맑은 고딕" pitchFamily="50" charset="-127"/>
               <a:cs typeface="Arial"/>
               <a:sym typeface="Arial"/>
             </a:endParaRPr>
           </a:p>
           <a:p>
-            <a:pPr indent="0" lvl="0" marL="914400" rtl="0" algn="l">
+            <a:pPr marL="914400" lvl="0" indent="0" algn="l" rtl="0">
               <a:lnSpc>
                 <a:spcPct val="100000"/>
               </a:lnSpc>
@@ -10345,28 +10787,30 @@
               <a:buNone/>
             </a:pPr>
             <a:r>
-              <a:rPr lang="ko" sz="1500">
+              <a:rPr lang="ko" sz="1500" dirty="0">
                 <a:solidFill>
                   <a:srgbClr val="434343"/>
                 </a:solidFill>
                 <a:highlight>
                   <a:srgbClr val="FFFFFF"/>
                 </a:highlight>
-                <a:latin typeface="Arial"/>
-                <a:ea typeface="Arial"/>
+                <a:latin typeface="맑은 고딕" pitchFamily="50" charset="-127"/>
+                <a:ea typeface="맑은 고딕" pitchFamily="50" charset="-127"/>
                 <a:cs typeface="Arial"/>
                 <a:sym typeface="Arial"/>
               </a:rPr>
               <a:t>비교적 낮은 사양에서도 잘 돌아감 (성능을 최대한 이끌어냄)</a:t>
             </a:r>
-            <a:endParaRPr sz="1500">
+            <a:endParaRPr sz="1500" dirty="0">
               <a:solidFill>
                 <a:srgbClr val="434343"/>
               </a:solidFill>
+              <a:latin typeface="맑은 고딕" pitchFamily="50" charset="-127"/>
+              <a:ea typeface="맑은 고딕" pitchFamily="50" charset="-127"/>
             </a:endParaRPr>
           </a:p>
           <a:p>
-            <a:pPr indent="0" lvl="0" marL="457200" rtl="0" algn="l">
+            <a:pPr marL="457200" lvl="0" indent="0" algn="l" rtl="0">
               <a:spcBef>
                 <a:spcPts val="0"/>
               </a:spcBef>
@@ -10375,13 +10819,12 @@
               </a:spcAft>
               <a:buNone/>
             </a:pPr>
-            <a:r>
-              <a:t/>
-            </a:r>
-            <a:endParaRPr>
+            <a:endParaRPr dirty="0">
               <a:solidFill>
                 <a:srgbClr val="000000"/>
               </a:solidFill>
+              <a:latin typeface="맑은 고딕" pitchFamily="50" charset="-127"/>
+              <a:ea typeface="맑은 고딕" pitchFamily="50" charset="-127"/>
             </a:endParaRPr>
           </a:p>
         </p:txBody>
@@ -10391,15 +10834,22 @@
   <p:clrMapOvr>
     <a:masterClrMapping/>
   </p:clrMapOvr>
+  <p:timing>
+    <p:tnLst>
+      <p:par>
+        <p:cTn id="1" dur="indefinite" restart="never" nodeType="tmRoot"/>
+      </p:par>
+    </p:tnLst>
+  </p:timing>
 </p:sld>
 </file>
 
 <file path=ppt/slides/slide5.xml><?xml version="1.0" encoding="utf-8"?>
-<p:sld xmlns:a="http://schemas.openxmlformats.org/drawingml/2006/main" xmlns:r="http://schemas.openxmlformats.org/officeDocument/2006/relationships" xmlns:mc="http://schemas.openxmlformats.org/markup-compatibility/2006" xmlns:mv="urn:schemas-microsoft-com:mac:vml" xmlns:p="http://schemas.openxmlformats.org/presentationml/2006/main" xmlns:c="http://schemas.openxmlformats.org/drawingml/2006/chart" xmlns:dgm="http://schemas.openxmlformats.org/drawingml/2006/diagram" xmlns:o="urn:schemas-microsoft-com:office:office" xmlns:v="urn:schemas-microsoft-com:vml" xmlns:pvml="urn:schemas-microsoft-com:office:powerpoint" xmlns:com="http://schemas.openxmlformats.org/drawingml/2006/compatibility" xmlns:p14="http://schemas.microsoft.com/office/powerpoint/2010/main" xmlns:p15="http://schemas.microsoft.com/office/powerpoint/2012/main">
+<p:sld xmlns:a="http://schemas.openxmlformats.org/drawingml/2006/main" xmlns:r="http://schemas.openxmlformats.org/officeDocument/2006/relationships" xmlns:p="http://schemas.openxmlformats.org/presentationml/2006/main">
   <p:cSld>
     <p:spTree>
       <p:nvGrpSpPr>
-        <p:cNvPr id="96" name="Shape 96"/>
+        <p:cNvPr id="1" name="Shape 96"/>
         <p:cNvGrpSpPr/>
         <p:nvPr/>
       </p:nvGrpSpPr>
@@ -10414,7 +10864,9 @@
       <p:sp>
         <p:nvSpPr>
           <p:cNvPr id="97" name="Google Shape;97;p17"/>
-          <p:cNvSpPr txBox="1"/>
+          <p:cNvSpPr txBox="1">
+            <a:spLocks noGrp="1"/>
+          </p:cNvSpPr>
           <p:nvPr>
             <p:ph type="title"/>
           </p:nvPr>
@@ -10429,12 +10881,12 @@
           </a:prstGeom>
         </p:spPr>
         <p:txBody>
-          <a:bodyPr anchorCtr="0" anchor="t" bIns="91425" lIns="91425" spcFirstLastPara="1" rIns="91425" wrap="square" tIns="91425">
+          <a:bodyPr spcFirstLastPara="1" wrap="square" lIns="91425" tIns="91425" rIns="91425" bIns="91425" anchor="t" anchorCtr="0">
             <a:noAutofit/>
           </a:bodyPr>
           <a:lstStyle/>
           <a:p>
-            <a:pPr indent="0" lvl="0" marL="0" rtl="0" algn="l">
+            <a:pPr marL="0" lvl="0" indent="0" algn="l" rtl="0">
               <a:spcBef>
                 <a:spcPts val="0"/>
               </a:spcBef>
@@ -10454,9 +10906,11 @@
       <p:sp>
         <p:nvSpPr>
           <p:cNvPr id="98" name="Google Shape;98;p17"/>
-          <p:cNvSpPr txBox="1"/>
+          <p:cNvSpPr txBox="1">
+            <a:spLocks noGrp="1"/>
+          </p:cNvSpPr>
           <p:nvPr>
-            <p:ph idx="1" type="body"/>
+            <p:ph type="body" idx="1"/>
           </p:nvPr>
         </p:nvSpPr>
         <p:spPr>
@@ -10469,12 +10923,12 @@
           </a:prstGeom>
         </p:spPr>
         <p:txBody>
-          <a:bodyPr anchorCtr="0" anchor="t" bIns="91425" lIns="91425" spcFirstLastPara="1" rIns="91425" wrap="square" tIns="91425">
+          <a:bodyPr spcFirstLastPara="1" wrap="square" lIns="91425" tIns="91425" rIns="91425" bIns="91425" anchor="t" anchorCtr="0">
             <a:noAutofit/>
           </a:bodyPr>
           <a:lstStyle/>
           <a:p>
-            <a:pPr indent="0" lvl="0" marL="0" rtl="0" algn="l">
+            <a:pPr marL="0" lvl="0" indent="0" algn="l" rtl="0">
               <a:spcBef>
                 <a:spcPts val="0"/>
               </a:spcBef>
@@ -10484,27 +10938,31 @@
               <a:buNone/>
             </a:pPr>
             <a:r>
-              <a:rPr lang="ko">
+              <a:rPr lang="ko" dirty="0">
                 <a:solidFill>
                   <a:srgbClr val="000000"/>
                 </a:solidFill>
                 <a:highlight>
                   <a:schemeClr val="dk1"/>
                 </a:highlight>
+                <a:latin typeface="맑은 고딕" pitchFamily="50" charset="-127"/>
+                <a:ea typeface="맑은 고딕" pitchFamily="50" charset="-127"/>
               </a:rPr>
               <a:t>단점</a:t>
             </a:r>
-            <a:endParaRPr>
+            <a:endParaRPr dirty="0">
               <a:solidFill>
                 <a:srgbClr val="000000"/>
               </a:solidFill>
               <a:highlight>
                 <a:schemeClr val="dk1"/>
               </a:highlight>
+              <a:latin typeface="맑은 고딕" pitchFamily="50" charset="-127"/>
+              <a:ea typeface="맑은 고딕" pitchFamily="50" charset="-127"/>
             </a:endParaRPr>
           </a:p>
           <a:p>
-            <a:pPr indent="457200" lvl="0" marL="457200" rtl="0" algn="l">
+            <a:pPr marL="457200" lvl="0" indent="457200" algn="l" rtl="0">
               <a:spcBef>
                 <a:spcPts val="0"/>
               </a:spcBef>
@@ -10514,35 +10972,35 @@
               <a:buNone/>
             </a:pPr>
             <a:r>
-              <a:rPr b="1" lang="ko">
+              <a:rPr lang="ko" b="1" dirty="0">
                 <a:solidFill>
                   <a:srgbClr val="434343"/>
                 </a:solidFill>
                 <a:highlight>
                   <a:srgbClr val="FFFFFF"/>
                 </a:highlight>
-                <a:latin typeface="Arial"/>
-                <a:ea typeface="Arial"/>
+                <a:latin typeface="맑은 고딕" pitchFamily="50" charset="-127"/>
+                <a:ea typeface="맑은 고딕" pitchFamily="50" charset="-127"/>
                 <a:cs typeface="Arial"/>
                 <a:sym typeface="Arial"/>
               </a:rPr>
               <a:t>커널과 여러 소프트웨어가 배포될 때 정리가 잘 되지 않음</a:t>
             </a:r>
-            <a:endParaRPr b="1">
+            <a:endParaRPr b="1" dirty="0">
               <a:solidFill>
                 <a:srgbClr val="434343"/>
               </a:solidFill>
               <a:highlight>
                 <a:srgbClr val="FFFFFF"/>
               </a:highlight>
-              <a:latin typeface="Arial"/>
-              <a:ea typeface="Arial"/>
+              <a:latin typeface="맑은 고딕" pitchFamily="50" charset="-127"/>
+              <a:ea typeface="맑은 고딕" pitchFamily="50" charset="-127"/>
               <a:cs typeface="Arial"/>
               <a:sym typeface="Arial"/>
             </a:endParaRPr>
           </a:p>
           <a:p>
-            <a:pPr indent="0" lvl="0" marL="0" rtl="0" algn="l">
+            <a:pPr marL="0" lvl="0" indent="0" algn="l" rtl="0">
               <a:spcBef>
                 <a:spcPts val="0"/>
               </a:spcBef>
@@ -10551,24 +11009,21 @@
               </a:spcAft>
               <a:buNone/>
             </a:pPr>
-            <a:r>
-              <a:t/>
-            </a:r>
-            <a:endParaRPr b="1">
+            <a:endParaRPr b="1" dirty="0">
               <a:solidFill>
                 <a:srgbClr val="434343"/>
               </a:solidFill>
               <a:highlight>
                 <a:srgbClr val="FFFFFF"/>
               </a:highlight>
-              <a:latin typeface="Arial"/>
-              <a:ea typeface="Arial"/>
+              <a:latin typeface="맑은 고딕" pitchFamily="50" charset="-127"/>
+              <a:ea typeface="맑은 고딕" pitchFamily="50" charset="-127"/>
               <a:cs typeface="Arial"/>
               <a:sym typeface="Arial"/>
             </a:endParaRPr>
           </a:p>
           <a:p>
-            <a:pPr indent="457200" lvl="0" marL="457200" rtl="0" algn="l">
+            <a:pPr marL="457200" lvl="0" indent="457200" algn="l" rtl="0">
               <a:spcBef>
                 <a:spcPts val="0"/>
               </a:spcBef>
@@ -10578,35 +11033,35 @@
               <a:buNone/>
             </a:pPr>
             <a:r>
-              <a:rPr b="1" lang="ko">
+              <a:rPr lang="ko" b="1" dirty="0">
                 <a:solidFill>
                   <a:srgbClr val="434343"/>
                 </a:solidFill>
                 <a:highlight>
                   <a:srgbClr val="FFFFFF"/>
                 </a:highlight>
-                <a:latin typeface="Arial"/>
-                <a:ea typeface="Arial"/>
+                <a:latin typeface="맑은 고딕" pitchFamily="50" charset="-127"/>
+                <a:ea typeface="맑은 고딕" pitchFamily="50" charset="-127"/>
                 <a:cs typeface="Arial"/>
                 <a:sym typeface="Arial"/>
               </a:rPr>
               <a:t>실시간 처리가 약함</a:t>
             </a:r>
-            <a:endParaRPr b="1">
+            <a:endParaRPr b="1" dirty="0">
               <a:solidFill>
                 <a:srgbClr val="434343"/>
               </a:solidFill>
               <a:highlight>
                 <a:srgbClr val="FFFFFF"/>
               </a:highlight>
-              <a:latin typeface="Arial"/>
-              <a:ea typeface="Arial"/>
+              <a:latin typeface="맑은 고딕" pitchFamily="50" charset="-127"/>
+              <a:ea typeface="맑은 고딕" pitchFamily="50" charset="-127"/>
               <a:cs typeface="Arial"/>
               <a:sym typeface="Arial"/>
             </a:endParaRPr>
           </a:p>
           <a:p>
-            <a:pPr indent="0" lvl="0" marL="0" rtl="0" algn="l">
+            <a:pPr marL="0" lvl="0" indent="0" algn="l" rtl="0">
               <a:spcBef>
                 <a:spcPts val="0"/>
               </a:spcBef>
@@ -10615,24 +11070,21 @@
               </a:spcAft>
               <a:buNone/>
             </a:pPr>
-            <a:r>
-              <a:t/>
-            </a:r>
-            <a:endParaRPr b="1">
+            <a:endParaRPr b="1" dirty="0">
               <a:solidFill>
                 <a:srgbClr val="434343"/>
               </a:solidFill>
               <a:highlight>
                 <a:srgbClr val="FFFFFF"/>
               </a:highlight>
-              <a:latin typeface="Arial"/>
-              <a:ea typeface="Arial"/>
+              <a:latin typeface="맑은 고딕" pitchFamily="50" charset="-127"/>
+              <a:ea typeface="맑은 고딕" pitchFamily="50" charset="-127"/>
               <a:cs typeface="Arial"/>
               <a:sym typeface="Arial"/>
             </a:endParaRPr>
           </a:p>
           <a:p>
-            <a:pPr indent="457200" lvl="0" marL="457200" rtl="0" algn="l">
+            <a:pPr marL="457200" lvl="0" indent="457200" algn="l" rtl="0">
               <a:spcBef>
                 <a:spcPts val="0"/>
               </a:spcBef>
@@ -10642,35 +11094,35 @@
               <a:buNone/>
             </a:pPr>
             <a:r>
-              <a:rPr b="1" lang="ko">
+              <a:rPr lang="ko" b="1" dirty="0">
                 <a:solidFill>
                   <a:srgbClr val="434343"/>
                 </a:solidFill>
                 <a:highlight>
                   <a:srgbClr val="FFFFFF"/>
                 </a:highlight>
-                <a:latin typeface="Arial"/>
-                <a:ea typeface="Arial"/>
+                <a:latin typeface="맑은 고딕" pitchFamily="50" charset="-127"/>
+                <a:ea typeface="맑은 고딕" pitchFamily="50" charset="-127"/>
                 <a:cs typeface="Arial"/>
                 <a:sym typeface="Arial"/>
               </a:rPr>
               <a:t>윈도우 전용 프로그램 </a:t>
             </a:r>
-            <a:endParaRPr b="1">
+            <a:endParaRPr b="1" dirty="0">
               <a:solidFill>
                 <a:srgbClr val="434343"/>
               </a:solidFill>
               <a:highlight>
                 <a:srgbClr val="FFFFFF"/>
               </a:highlight>
-              <a:latin typeface="Arial"/>
-              <a:ea typeface="Arial"/>
+              <a:latin typeface="맑은 고딕" pitchFamily="50" charset="-127"/>
+              <a:ea typeface="맑은 고딕" pitchFamily="50" charset="-127"/>
               <a:cs typeface="Arial"/>
               <a:sym typeface="Arial"/>
             </a:endParaRPr>
           </a:p>
           <a:p>
-            <a:pPr indent="457200" lvl="0" marL="457200" rtl="0" algn="l">
+            <a:pPr marL="457200" lvl="0" indent="457200" algn="l" rtl="0">
               <a:spcBef>
                 <a:spcPts val="0"/>
               </a:spcBef>
@@ -10680,35 +11132,35 @@
               <a:buNone/>
             </a:pPr>
             <a:r>
-              <a:rPr b="1" lang="ko">
+              <a:rPr lang="ko" b="1" dirty="0">
                 <a:solidFill>
                   <a:srgbClr val="434343"/>
                 </a:solidFill>
                 <a:highlight>
                   <a:srgbClr val="FFFFFF"/>
                 </a:highlight>
-                <a:latin typeface="Arial"/>
-                <a:ea typeface="Arial"/>
+                <a:latin typeface="맑은 고딕" pitchFamily="50" charset="-127"/>
+                <a:ea typeface="맑은 고딕" pitchFamily="50" charset="-127"/>
                 <a:cs typeface="Arial"/>
                 <a:sym typeface="Arial"/>
               </a:rPr>
               <a:t>(공인인증서, 카카오톡 메신저 pc버전, 일부 게임 등)</a:t>
             </a:r>
-            <a:endParaRPr b="1">
+            <a:endParaRPr b="1" dirty="0">
               <a:solidFill>
                 <a:srgbClr val="434343"/>
               </a:solidFill>
               <a:highlight>
                 <a:srgbClr val="FFFFFF"/>
               </a:highlight>
-              <a:latin typeface="Arial"/>
-              <a:ea typeface="Arial"/>
+              <a:latin typeface="맑은 고딕" pitchFamily="50" charset="-127"/>
+              <a:ea typeface="맑은 고딕" pitchFamily="50" charset="-127"/>
               <a:cs typeface="Arial"/>
               <a:sym typeface="Arial"/>
             </a:endParaRPr>
           </a:p>
           <a:p>
-            <a:pPr indent="0" lvl="0" marL="0" rtl="0" algn="l">
+            <a:pPr marL="0" lvl="0" indent="0" algn="l" rtl="0">
               <a:spcBef>
                 <a:spcPts val="0"/>
               </a:spcBef>
@@ -10717,24 +11169,21 @@
               </a:spcAft>
               <a:buNone/>
             </a:pPr>
-            <a:r>
-              <a:t/>
-            </a:r>
-            <a:endParaRPr b="1">
+            <a:endParaRPr b="1" dirty="0">
               <a:solidFill>
                 <a:srgbClr val="434343"/>
               </a:solidFill>
               <a:highlight>
                 <a:srgbClr val="FFFFFF"/>
               </a:highlight>
-              <a:latin typeface="Arial"/>
-              <a:ea typeface="Arial"/>
+              <a:latin typeface="맑은 고딕" pitchFamily="50" charset="-127"/>
+              <a:ea typeface="맑은 고딕" pitchFamily="50" charset="-127"/>
               <a:cs typeface="Arial"/>
               <a:sym typeface="Arial"/>
             </a:endParaRPr>
           </a:p>
           <a:p>
-            <a:pPr indent="457200" lvl="0" marL="457200" rtl="0" algn="l">
+            <a:pPr marL="457200" lvl="0" indent="457200" algn="l" rtl="0">
               <a:spcBef>
                 <a:spcPts val="0"/>
               </a:spcBef>
@@ -10744,29 +11193,29 @@
               <a:buNone/>
             </a:pPr>
             <a:r>
-              <a:rPr b="1" lang="ko">
+              <a:rPr lang="ko" b="1" dirty="0">
                 <a:solidFill>
                   <a:srgbClr val="434343"/>
                 </a:solidFill>
                 <a:highlight>
                   <a:srgbClr val="FFFFFF"/>
                 </a:highlight>
-                <a:latin typeface="Arial"/>
-                <a:ea typeface="Arial"/>
+                <a:latin typeface="맑은 고딕" pitchFamily="50" charset="-127"/>
+                <a:ea typeface="맑은 고딕" pitchFamily="50" charset="-127"/>
                 <a:cs typeface="Arial"/>
                 <a:sym typeface="Arial"/>
               </a:rPr>
               <a:t>텍스트 입력방식, 어렵고 적응하는데 오래 걸림</a:t>
             </a:r>
-            <a:endParaRPr b="1">
+            <a:endParaRPr b="1" dirty="0">
               <a:solidFill>
                 <a:srgbClr val="434343"/>
               </a:solidFill>
               <a:highlight>
                 <a:srgbClr val="FFFFFF"/>
               </a:highlight>
-              <a:latin typeface="Arial"/>
-              <a:ea typeface="Arial"/>
+              <a:latin typeface="맑은 고딕" pitchFamily="50" charset="-127"/>
+              <a:ea typeface="맑은 고딕" pitchFamily="50" charset="-127"/>
               <a:cs typeface="Arial"/>
               <a:sym typeface="Arial"/>
             </a:endParaRPr>
@@ -10778,15 +11227,22 @@
   <p:clrMapOvr>
     <a:masterClrMapping/>
   </p:clrMapOvr>
+  <p:timing>
+    <p:tnLst>
+      <p:par>
+        <p:cTn id="1" dur="indefinite" restart="never" nodeType="tmRoot"/>
+      </p:par>
+    </p:tnLst>
+  </p:timing>
 </p:sld>
 </file>
 
 <file path=ppt/slides/slide6.xml><?xml version="1.0" encoding="utf-8"?>
-<p:sld xmlns:a="http://schemas.openxmlformats.org/drawingml/2006/main" xmlns:r="http://schemas.openxmlformats.org/officeDocument/2006/relationships" xmlns:mc="http://schemas.openxmlformats.org/markup-compatibility/2006" xmlns:mv="urn:schemas-microsoft-com:mac:vml" xmlns:p="http://schemas.openxmlformats.org/presentationml/2006/main" xmlns:c="http://schemas.openxmlformats.org/drawingml/2006/chart" xmlns:dgm="http://schemas.openxmlformats.org/drawingml/2006/diagram" xmlns:o="urn:schemas-microsoft-com:office:office" xmlns:v="urn:schemas-microsoft-com:vml" xmlns:pvml="urn:schemas-microsoft-com:office:powerpoint" xmlns:com="http://schemas.openxmlformats.org/drawingml/2006/compatibility" xmlns:p14="http://schemas.microsoft.com/office/powerpoint/2010/main" xmlns:p15="http://schemas.microsoft.com/office/powerpoint/2012/main">
+<p:sld xmlns:a="http://schemas.openxmlformats.org/drawingml/2006/main" xmlns:r="http://schemas.openxmlformats.org/officeDocument/2006/relationships" xmlns:p="http://schemas.openxmlformats.org/presentationml/2006/main">
   <p:cSld>
     <p:spTree>
       <p:nvGrpSpPr>
-        <p:cNvPr id="102" name="Shape 102"/>
+        <p:cNvPr id="1" name="Shape 102"/>
         <p:cNvGrpSpPr/>
         <p:nvPr/>
       </p:nvGrpSpPr>
@@ -10801,7 +11257,9 @@
       <p:sp>
         <p:nvSpPr>
           <p:cNvPr id="103" name="Google Shape;103;p18"/>
-          <p:cNvSpPr txBox="1"/>
+          <p:cNvSpPr txBox="1">
+            <a:spLocks noGrp="1"/>
+          </p:cNvSpPr>
           <p:nvPr>
             <p:ph type="title"/>
           </p:nvPr>
@@ -10816,12 +11274,12 @@
           </a:prstGeom>
         </p:spPr>
         <p:txBody>
-          <a:bodyPr anchorCtr="0" anchor="t" bIns="91425" lIns="91425" spcFirstLastPara="1" rIns="91425" wrap="square" tIns="91425">
+          <a:bodyPr spcFirstLastPara="1" wrap="square" lIns="91425" tIns="91425" rIns="91425" bIns="91425" anchor="t" anchorCtr="0">
             <a:noAutofit/>
           </a:bodyPr>
           <a:lstStyle/>
           <a:p>
-            <a:pPr indent="0" lvl="0" marL="0" rtl="0" algn="l">
+            <a:pPr marL="0" lvl="0" indent="0" algn="l" rtl="0">
               <a:spcBef>
                 <a:spcPts val="0"/>
               </a:spcBef>
@@ -10841,9 +11299,11 @@
       <p:sp>
         <p:nvSpPr>
           <p:cNvPr id="104" name="Google Shape;104;p18"/>
-          <p:cNvSpPr txBox="1"/>
+          <p:cNvSpPr txBox="1">
+            <a:spLocks noGrp="1"/>
+          </p:cNvSpPr>
           <p:nvPr>
-            <p:ph idx="1" type="body"/>
+            <p:ph type="body" idx="1"/>
           </p:nvPr>
         </p:nvSpPr>
         <p:spPr>
@@ -10856,12 +11316,12 @@
           </a:prstGeom>
         </p:spPr>
         <p:txBody>
-          <a:bodyPr anchorCtr="0" anchor="t" bIns="91425" lIns="91425" spcFirstLastPara="1" rIns="91425" wrap="square" tIns="91425">
+          <a:bodyPr spcFirstLastPara="1" wrap="square" lIns="91425" tIns="91425" rIns="91425" bIns="91425" anchor="t" anchorCtr="0">
             <a:noAutofit/>
           </a:bodyPr>
           <a:lstStyle/>
           <a:p>
-            <a:pPr indent="-342900" lvl="0" marL="457200" rtl="0" algn="l">
+            <a:pPr marL="457200" lvl="0" indent="-342900" algn="l" rtl="0">
               <a:spcBef>
                 <a:spcPts val="0"/>
               </a:spcBef>
@@ -10872,13 +11332,19 @@
               <a:buChar char="●"/>
             </a:pPr>
             <a:r>
-              <a:rPr lang="ko"/>
+              <a:rPr lang="ko" dirty="0">
+                <a:latin typeface="맑은 고딕" pitchFamily="50" charset="-127"/>
+                <a:ea typeface="맑은 고딕" pitchFamily="50" charset="-127"/>
+              </a:rPr>
               <a:t>1985년, 미국 마이크로소프트가 개발한 GUI환경 운영체제</a:t>
             </a:r>
-            <a:endParaRPr/>
-          </a:p>
-          <a:p>
-            <a:pPr indent="-342900" lvl="0" marL="457200" rtl="0" algn="l">
+            <a:endParaRPr dirty="0">
+              <a:latin typeface="맑은 고딕" pitchFamily="50" charset="-127"/>
+              <a:ea typeface="맑은 고딕" pitchFamily="50" charset="-127"/>
+            </a:endParaRPr>
+          </a:p>
+          <a:p>
+            <a:pPr marL="457200" lvl="0" indent="-342900" algn="l" rtl="0">
               <a:spcBef>
                 <a:spcPts val="0"/>
               </a:spcBef>
@@ -10889,13 +11355,19 @@
               <a:buChar char="●"/>
             </a:pPr>
             <a:r>
-              <a:rPr lang="ko"/>
+              <a:rPr lang="ko" dirty="0">
+                <a:latin typeface="맑은 고딕" pitchFamily="50" charset="-127"/>
+                <a:ea typeface="맑은 고딕" pitchFamily="50" charset="-127"/>
+              </a:rPr>
               <a:t>현재 전 세계 90%의 개인용 컴퓨터에서 쓰고 있음</a:t>
             </a:r>
-            <a:endParaRPr/>
-          </a:p>
-          <a:p>
-            <a:pPr indent="0" lvl="0" marL="457200" rtl="0" algn="l">
+            <a:endParaRPr dirty="0">
+              <a:latin typeface="맑은 고딕" pitchFamily="50" charset="-127"/>
+              <a:ea typeface="맑은 고딕" pitchFamily="50" charset="-127"/>
+            </a:endParaRPr>
+          </a:p>
+          <a:p>
+            <a:pPr marL="457200" lvl="0" indent="0" algn="l" rtl="0">
               <a:spcBef>
                 <a:spcPts val="1600"/>
               </a:spcBef>
@@ -10904,10 +11376,10 @@
               </a:spcAft>
               <a:buNone/>
             </a:pPr>
-            <a:r>
-              <a:t/>
-            </a:r>
-            <a:endParaRPr/>
+            <a:endParaRPr dirty="0">
+              <a:latin typeface="맑은 고딕" pitchFamily="50" charset="-127"/>
+              <a:ea typeface="맑은 고딕" pitchFamily="50" charset="-127"/>
+            </a:endParaRPr>
           </a:p>
         </p:txBody>
       </p:sp>
@@ -10921,7 +11393,7 @@
           <a:blip r:embed="rId3">
             <a:alphaModFix/>
           </a:blip>
-          <a:srcRect b="0" l="0" r="0" t="0"/>
+          <a:srcRect/>
           <a:stretch/>
         </p:blipFill>
         <p:spPr>
@@ -10943,15 +11415,22 @@
   <p:clrMapOvr>
     <a:masterClrMapping/>
   </p:clrMapOvr>
+  <p:timing>
+    <p:tnLst>
+      <p:par>
+        <p:cTn id="1" dur="indefinite" restart="never" nodeType="tmRoot"/>
+      </p:par>
+    </p:tnLst>
+  </p:timing>
 </p:sld>
 </file>
 
 <file path=ppt/slides/slide7.xml><?xml version="1.0" encoding="utf-8"?>
-<p:sld xmlns:a="http://schemas.openxmlformats.org/drawingml/2006/main" xmlns:r="http://schemas.openxmlformats.org/officeDocument/2006/relationships" xmlns:mc="http://schemas.openxmlformats.org/markup-compatibility/2006" xmlns:mv="urn:schemas-microsoft-com:mac:vml" xmlns:p="http://schemas.openxmlformats.org/presentationml/2006/main" xmlns:c="http://schemas.openxmlformats.org/drawingml/2006/chart" xmlns:dgm="http://schemas.openxmlformats.org/drawingml/2006/diagram" xmlns:o="urn:schemas-microsoft-com:office:office" xmlns:v="urn:schemas-microsoft-com:vml" xmlns:pvml="urn:schemas-microsoft-com:office:powerpoint" xmlns:com="http://schemas.openxmlformats.org/drawingml/2006/compatibility" xmlns:p14="http://schemas.microsoft.com/office/powerpoint/2010/main" xmlns:p15="http://schemas.microsoft.com/office/powerpoint/2012/main">
+<p:sld xmlns:a="http://schemas.openxmlformats.org/drawingml/2006/main" xmlns:r="http://schemas.openxmlformats.org/officeDocument/2006/relationships" xmlns:p="http://schemas.openxmlformats.org/presentationml/2006/main">
   <p:cSld>
     <p:spTree>
       <p:nvGrpSpPr>
-        <p:cNvPr id="109" name="Shape 109"/>
+        <p:cNvPr id="1" name="Shape 109"/>
         <p:cNvGrpSpPr/>
         <p:nvPr/>
       </p:nvGrpSpPr>
@@ -10966,27 +11445,29 @@
       <p:sp>
         <p:nvSpPr>
           <p:cNvPr id="110" name="Google Shape;110;p19"/>
-          <p:cNvSpPr txBox="1"/>
+          <p:cNvSpPr txBox="1">
+            <a:spLocks noGrp="1"/>
+          </p:cNvSpPr>
           <p:nvPr>
             <p:ph type="title"/>
           </p:nvPr>
         </p:nvSpPr>
         <p:spPr>
           <a:xfrm>
-            <a:off x="311700" y="445025"/>
-            <a:ext cx="1881600" cy="707400"/>
+            <a:off x="311699" y="445025"/>
+            <a:ext cx="2615745" cy="707400"/>
           </a:xfrm>
           <a:prstGeom prst="rect">
             <a:avLst/>
           </a:prstGeom>
         </p:spPr>
         <p:txBody>
-          <a:bodyPr anchorCtr="0" anchor="t" bIns="91425" lIns="91425" spcFirstLastPara="1" rIns="91425" wrap="square" tIns="91425">
+          <a:bodyPr spcFirstLastPara="1" wrap="square" lIns="91425" tIns="91425" rIns="91425" bIns="91425" anchor="t" anchorCtr="0">
             <a:noAutofit/>
           </a:bodyPr>
           <a:lstStyle/>
           <a:p>
-            <a:pPr indent="0" lvl="0" marL="0" rtl="0" algn="l">
+            <a:pPr marL="0" lvl="0" indent="0" algn="l" rtl="0">
               <a:spcBef>
                 <a:spcPts val="0"/>
               </a:spcBef>
@@ -10996,10 +11477,10 @@
               <a:buNone/>
             </a:pPr>
             <a:r>
-              <a:rPr lang="ko"/>
+              <a:rPr lang="ko" dirty="0"/>
               <a:t>Window</a:t>
             </a:r>
-            <a:endParaRPr/>
+            <a:endParaRPr dirty="0"/>
           </a:p>
         </p:txBody>
       </p:sp>
@@ -11041,7 +11522,7 @@
           <a:blip r:embed="rId4">
             <a:alphaModFix/>
           </a:blip>
-          <a:srcRect b="2343" l="12406" r="11899" t="0"/>
+          <a:srcRect l="12406" r="11899" b="2343"/>
           <a:stretch/>
         </p:blipFill>
         <p:spPr>
@@ -11061,9 +11542,11 @@
       <p:sp>
         <p:nvSpPr>
           <p:cNvPr id="113" name="Google Shape;113;p19"/>
-          <p:cNvSpPr txBox="1"/>
+          <p:cNvSpPr txBox="1">
+            <a:spLocks noGrp="1"/>
+          </p:cNvSpPr>
           <p:nvPr>
-            <p:ph idx="1" type="body"/>
+            <p:ph type="body" idx="1"/>
           </p:nvPr>
         </p:nvSpPr>
         <p:spPr>
@@ -11076,12 +11559,12 @@
           </a:prstGeom>
         </p:spPr>
         <p:txBody>
-          <a:bodyPr anchorCtr="0" anchor="t" bIns="91425" lIns="91425" spcFirstLastPara="1" rIns="91425" wrap="square" tIns="91425">
+          <a:bodyPr spcFirstLastPara="1" wrap="square" lIns="91425" tIns="91425" rIns="91425" bIns="91425" anchor="t" anchorCtr="0">
             <a:noAutofit/>
           </a:bodyPr>
           <a:lstStyle/>
           <a:p>
-            <a:pPr indent="0" lvl="0" marL="0" rtl="0" algn="l">
+            <a:pPr marL="0" lvl="0" indent="0" algn="l" rtl="0">
               <a:lnSpc>
                 <a:spcPct val="100000"/>
               </a:lnSpc>
@@ -11094,25 +11577,39 @@
               <a:buNone/>
             </a:pPr>
             <a:r>
-              <a:rPr b="1" lang="ko" sz="2400"/>
+              <a:rPr lang="ko" sz="2400" b="1" dirty="0">
+                <a:latin typeface="맑은 고딕" pitchFamily="50" charset="-127"/>
+                <a:ea typeface="맑은 고딕" pitchFamily="50" charset="-127"/>
+              </a:rPr>
               <a:t>“</a:t>
             </a:r>
             <a:r>
-              <a:rPr b="1" lang="ko" sz="2100"/>
+              <a:rPr lang="ko" sz="2100" b="1" dirty="0">
+                <a:latin typeface="맑은 고딕" pitchFamily="50" charset="-127"/>
+                <a:ea typeface="맑은 고딕" pitchFamily="50" charset="-127"/>
+              </a:rPr>
               <a:t>윈도우 95</a:t>
             </a:r>
             <a:r>
-              <a:rPr b="1" lang="ko" sz="2400"/>
+              <a:rPr lang="ko" sz="2400" b="1" dirty="0">
+                <a:latin typeface="맑은 고딕" pitchFamily="50" charset="-127"/>
+                <a:ea typeface="맑은 고딕" pitchFamily="50" charset="-127"/>
+              </a:rPr>
               <a:t>”  </a:t>
             </a:r>
             <a:r>
-              <a:rPr lang="ko"/>
+              <a:rPr lang="ko" dirty="0">
+                <a:latin typeface="맑은 고딕" pitchFamily="50" charset="-127"/>
+                <a:ea typeface="맑은 고딕" pitchFamily="50" charset="-127"/>
+              </a:rPr>
               <a:t>1995.8  </a:t>
             </a:r>
-            <a:endParaRPr b="1" i="1">
+            <a:endParaRPr b="1" i="1" dirty="0">
               <a:highlight>
                 <a:srgbClr val="FFF2CC"/>
               </a:highlight>
+              <a:latin typeface="맑은 고딕" pitchFamily="50" charset="-127"/>
+              <a:ea typeface="맑은 고딕" pitchFamily="50" charset="-127"/>
             </a:endParaRPr>
           </a:p>
         </p:txBody>
@@ -11137,12 +11634,12 @@
           </a:ln>
         </p:spPr>
         <p:txBody>
-          <a:bodyPr anchorCtr="0" anchor="t" bIns="91425" lIns="91425" spcFirstLastPara="1" rIns="91425" wrap="square" tIns="91425">
+          <a:bodyPr spcFirstLastPara="1" wrap="square" lIns="91425" tIns="91425" rIns="91425" bIns="91425" anchor="t" anchorCtr="0">
             <a:noAutofit/>
           </a:bodyPr>
           <a:lstStyle/>
           <a:p>
-            <a:pPr indent="0" lvl="0" marL="0" rtl="0" algn="l">
+            <a:pPr marL="0" lvl="0" indent="0" algn="l" rtl="0">
               <a:spcBef>
                 <a:spcPts val="0"/>
               </a:spcBef>
@@ -11152,7 +11649,7 @@
               <a:buNone/>
             </a:pPr>
             <a:r>
-              <a:rPr b="1" i="1" lang="ko" sz="1800">
+              <a:rPr lang="ko" sz="1800" b="1" i="1">
                 <a:solidFill>
                   <a:schemeClr val="dk2"/>
                 </a:solidFill>
@@ -11175,15 +11672,22 @@
   <p:clrMapOvr>
     <a:masterClrMapping/>
   </p:clrMapOvr>
+  <p:timing>
+    <p:tnLst>
+      <p:par>
+        <p:cTn id="1" dur="indefinite" restart="never" nodeType="tmRoot"/>
+      </p:par>
+    </p:tnLst>
+  </p:timing>
 </p:sld>
 </file>
 
 <file path=ppt/slides/slide8.xml><?xml version="1.0" encoding="utf-8"?>
-<p:sld xmlns:a="http://schemas.openxmlformats.org/drawingml/2006/main" xmlns:r="http://schemas.openxmlformats.org/officeDocument/2006/relationships" xmlns:mc="http://schemas.openxmlformats.org/markup-compatibility/2006" xmlns:mv="urn:schemas-microsoft-com:mac:vml" xmlns:p="http://schemas.openxmlformats.org/presentationml/2006/main" xmlns:c="http://schemas.openxmlformats.org/drawingml/2006/chart" xmlns:dgm="http://schemas.openxmlformats.org/drawingml/2006/diagram" xmlns:o="urn:schemas-microsoft-com:office:office" xmlns:v="urn:schemas-microsoft-com:vml" xmlns:pvml="urn:schemas-microsoft-com:office:powerpoint" xmlns:com="http://schemas.openxmlformats.org/drawingml/2006/compatibility" xmlns:p14="http://schemas.microsoft.com/office/powerpoint/2010/main" xmlns:p15="http://schemas.microsoft.com/office/powerpoint/2012/main">
+<p:sld xmlns:a="http://schemas.openxmlformats.org/drawingml/2006/main" xmlns:r="http://schemas.openxmlformats.org/officeDocument/2006/relationships" xmlns:p="http://schemas.openxmlformats.org/presentationml/2006/main">
   <p:cSld>
     <p:spTree>
       <p:nvGrpSpPr>
-        <p:cNvPr id="118" name="Shape 118"/>
+        <p:cNvPr id="1" name="Shape 118"/>
         <p:cNvGrpSpPr/>
         <p:nvPr/>
       </p:nvGrpSpPr>
@@ -11198,7 +11702,9 @@
       <p:sp>
         <p:nvSpPr>
           <p:cNvPr id="119" name="Google Shape;119;p20"/>
-          <p:cNvSpPr txBox="1"/>
+          <p:cNvSpPr txBox="1">
+            <a:spLocks noGrp="1"/>
+          </p:cNvSpPr>
           <p:nvPr>
             <p:ph type="title"/>
           </p:nvPr>
@@ -11213,12 +11719,12 @@
           </a:prstGeom>
         </p:spPr>
         <p:txBody>
-          <a:bodyPr anchorCtr="0" anchor="t" bIns="91425" lIns="91425" spcFirstLastPara="1" rIns="91425" wrap="square" tIns="91425">
+          <a:bodyPr spcFirstLastPara="1" wrap="square" lIns="91425" tIns="91425" rIns="91425" bIns="91425" anchor="t" anchorCtr="0">
             <a:noAutofit/>
           </a:bodyPr>
           <a:lstStyle/>
           <a:p>
-            <a:pPr indent="0" lvl="0" marL="0" rtl="0" algn="l">
+            <a:pPr marL="0" lvl="0" indent="0" algn="l" rtl="0">
               <a:spcBef>
                 <a:spcPts val="0"/>
               </a:spcBef>
@@ -11266,9 +11772,11 @@
       <p:sp>
         <p:nvSpPr>
           <p:cNvPr id="121" name="Google Shape;121;p20"/>
-          <p:cNvSpPr txBox="1"/>
+          <p:cNvSpPr txBox="1">
+            <a:spLocks noGrp="1"/>
+          </p:cNvSpPr>
           <p:nvPr>
-            <p:ph idx="1" type="body"/>
+            <p:ph type="body" idx="1"/>
           </p:nvPr>
         </p:nvSpPr>
         <p:spPr>
@@ -11281,12 +11789,12 @@
           </a:prstGeom>
         </p:spPr>
         <p:txBody>
-          <a:bodyPr anchorCtr="0" anchor="t" bIns="91425" lIns="91425" spcFirstLastPara="1" rIns="91425" wrap="square" tIns="91425">
+          <a:bodyPr spcFirstLastPara="1" wrap="square" lIns="91425" tIns="91425" rIns="91425" bIns="91425" anchor="t" anchorCtr="0">
             <a:noAutofit/>
           </a:bodyPr>
           <a:lstStyle/>
           <a:p>
-            <a:pPr indent="0" lvl="0" marL="0" rtl="0" algn="l">
+            <a:pPr marL="0" lvl="0" indent="0" algn="l" rtl="0">
               <a:spcBef>
                 <a:spcPts val="0"/>
               </a:spcBef>
@@ -11296,21 +11804,26 @@
               <a:buNone/>
             </a:pPr>
             <a:r>
-              <a:rPr b="1" lang="ko" sz="2400"/>
+              <a:rPr lang="ko" sz="2400" b="1" dirty="0">
+                <a:latin typeface="맑은 고딕" pitchFamily="50" charset="-127"/>
+                <a:ea typeface="맑은 고딕" pitchFamily="50" charset="-127"/>
+              </a:rPr>
               <a:t>“윈도우 Xp”  </a:t>
             </a:r>
             <a:r>
-              <a:rPr lang="ko"/>
-              <a:t>2001.10</a:t>
+              <a:rPr lang="ko" dirty="0">
+                <a:latin typeface="맑은 고딕" pitchFamily="50" charset="-127"/>
+                <a:ea typeface="맑은 고딕" pitchFamily="50" charset="-127"/>
+              </a:rPr>
+              <a:t>2001.10   </a:t>
             </a:r>
-            <a:r>
-              <a:rPr lang="ko"/>
-              <a:t>   </a:t>
-            </a:r>
-            <a:endParaRPr/>
-          </a:p>
-          <a:p>
-            <a:pPr indent="0" lvl="0" marL="0" rtl="0" algn="l">
+            <a:endParaRPr dirty="0">
+              <a:latin typeface="맑은 고딕" pitchFamily="50" charset="-127"/>
+              <a:ea typeface="맑은 고딕" pitchFamily="50" charset="-127"/>
+            </a:endParaRPr>
+          </a:p>
+          <a:p>
+            <a:pPr marL="0" lvl="0" indent="0" algn="l" rtl="0">
               <a:spcBef>
                 <a:spcPts val="1600"/>
               </a:spcBef>
@@ -11320,17 +11833,21 @@
               <a:buNone/>
             </a:pPr>
             <a:r>
-              <a:rPr b="1" i="1" lang="ko">
+              <a:rPr lang="ko" b="1" i="1" dirty="0">
                 <a:highlight>
                   <a:srgbClr val="FFF2CC"/>
                 </a:highlight>
+                <a:latin typeface="맑은 고딕" pitchFamily="50" charset="-127"/>
+                <a:ea typeface="맑은 고딕" pitchFamily="50" charset="-127"/>
               </a:rPr>
               <a:t>오랜기간 쓰인 성공한 OS</a:t>
             </a:r>
-            <a:endParaRPr b="1" i="1">
+            <a:endParaRPr b="1" i="1" dirty="0">
               <a:highlight>
                 <a:srgbClr val="FFF2CC"/>
               </a:highlight>
+              <a:latin typeface="맑은 고딕" pitchFamily="50" charset="-127"/>
+              <a:ea typeface="맑은 고딕" pitchFamily="50" charset="-127"/>
             </a:endParaRPr>
           </a:p>
         </p:txBody>
@@ -11396,15 +11913,22 @@
   <p:clrMapOvr>
     <a:masterClrMapping/>
   </p:clrMapOvr>
+  <p:timing>
+    <p:tnLst>
+      <p:par>
+        <p:cTn id="1" dur="indefinite" restart="never" nodeType="tmRoot"/>
+      </p:par>
+    </p:tnLst>
+  </p:timing>
 </p:sld>
 </file>
 
 <file path=ppt/slides/slide9.xml><?xml version="1.0" encoding="utf-8"?>
-<p:sld xmlns:a="http://schemas.openxmlformats.org/drawingml/2006/main" xmlns:r="http://schemas.openxmlformats.org/officeDocument/2006/relationships" xmlns:mc="http://schemas.openxmlformats.org/markup-compatibility/2006" xmlns:mv="urn:schemas-microsoft-com:mac:vml" xmlns:p="http://schemas.openxmlformats.org/presentationml/2006/main" xmlns:c="http://schemas.openxmlformats.org/drawingml/2006/chart" xmlns:dgm="http://schemas.openxmlformats.org/drawingml/2006/diagram" xmlns:o="urn:schemas-microsoft-com:office:office" xmlns:v="urn:schemas-microsoft-com:vml" xmlns:pvml="urn:schemas-microsoft-com:office:powerpoint" xmlns:com="http://schemas.openxmlformats.org/drawingml/2006/compatibility" xmlns:p14="http://schemas.microsoft.com/office/powerpoint/2010/main" xmlns:p15="http://schemas.microsoft.com/office/powerpoint/2012/main">
+<p:sld xmlns:a="http://schemas.openxmlformats.org/drawingml/2006/main" xmlns:r="http://schemas.openxmlformats.org/officeDocument/2006/relationships" xmlns:p="http://schemas.openxmlformats.org/presentationml/2006/main">
   <p:cSld>
     <p:spTree>
       <p:nvGrpSpPr>
-        <p:cNvPr id="127" name="Shape 127"/>
+        <p:cNvPr id="1" name="Shape 127"/>
         <p:cNvGrpSpPr/>
         <p:nvPr/>
       </p:nvGrpSpPr>
@@ -11419,7 +11943,9 @@
       <p:sp>
         <p:nvSpPr>
           <p:cNvPr id="128" name="Google Shape;128;p21"/>
-          <p:cNvSpPr txBox="1"/>
+          <p:cNvSpPr txBox="1">
+            <a:spLocks noGrp="1"/>
+          </p:cNvSpPr>
           <p:nvPr>
             <p:ph type="title"/>
           </p:nvPr>
@@ -11434,12 +11960,12 @@
           </a:prstGeom>
         </p:spPr>
         <p:txBody>
-          <a:bodyPr anchorCtr="0" anchor="t" bIns="91425" lIns="91425" spcFirstLastPara="1" rIns="91425" wrap="square" tIns="91425">
+          <a:bodyPr spcFirstLastPara="1" wrap="square" lIns="91425" tIns="91425" rIns="91425" bIns="91425" anchor="t" anchorCtr="0">
             <a:noAutofit/>
           </a:bodyPr>
           <a:lstStyle/>
           <a:p>
-            <a:pPr indent="0" lvl="0" marL="0" rtl="0" algn="l">
+            <a:pPr marL="0" lvl="0" indent="0" algn="l" rtl="0">
               <a:spcBef>
                 <a:spcPts val="0"/>
               </a:spcBef>
@@ -11459,9 +11985,11 @@
       <p:sp>
         <p:nvSpPr>
           <p:cNvPr id="129" name="Google Shape;129;p21"/>
-          <p:cNvSpPr txBox="1"/>
+          <p:cNvSpPr txBox="1">
+            <a:spLocks noGrp="1"/>
+          </p:cNvSpPr>
           <p:nvPr>
-            <p:ph idx="1" type="body"/>
+            <p:ph type="body" idx="1"/>
           </p:nvPr>
         </p:nvSpPr>
         <p:spPr>
@@ -11474,12 +12002,12 @@
           </a:prstGeom>
         </p:spPr>
         <p:txBody>
-          <a:bodyPr anchorCtr="0" anchor="t" bIns="91425" lIns="91425" spcFirstLastPara="1" rIns="91425" wrap="square" tIns="91425">
+          <a:bodyPr spcFirstLastPara="1" wrap="square" lIns="91425" tIns="91425" rIns="91425" bIns="91425" anchor="t" anchorCtr="0">
             <a:noAutofit/>
           </a:bodyPr>
           <a:lstStyle/>
           <a:p>
-            <a:pPr indent="0" lvl="0" marL="0" rtl="0" algn="l">
+            <a:pPr marL="0" lvl="0" indent="0" algn="l" rtl="0">
               <a:spcBef>
                 <a:spcPts val="0"/>
               </a:spcBef>
@@ -11489,31 +12017,33 @@
               <a:buNone/>
             </a:pPr>
             <a:r>
-              <a:rPr b="1" lang="ko" sz="1500">
+              <a:rPr lang="ko" sz="1500" b="1" dirty="0">
                 <a:solidFill>
                   <a:srgbClr val="666666"/>
                 </a:solidFill>
                 <a:highlight>
                   <a:schemeClr val="dk1"/>
                 </a:highlight>
-                <a:latin typeface="Arial"/>
-                <a:ea typeface="Arial"/>
+                <a:latin typeface="맑은 고딕" pitchFamily="50" charset="-127"/>
+                <a:ea typeface="맑은 고딕" pitchFamily="50" charset="-127"/>
                 <a:cs typeface="Arial"/>
                 <a:sym typeface="Arial"/>
               </a:rPr>
               <a:t>장점</a:t>
             </a:r>
-            <a:endParaRPr b="1" sz="1500">
+            <a:endParaRPr sz="1500" b="1" dirty="0">
               <a:solidFill>
                 <a:srgbClr val="666666"/>
               </a:solidFill>
               <a:highlight>
                 <a:schemeClr val="dk1"/>
               </a:highlight>
+              <a:latin typeface="맑은 고딕" pitchFamily="50" charset="-127"/>
+              <a:ea typeface="맑은 고딕" pitchFamily="50" charset="-127"/>
             </a:endParaRPr>
           </a:p>
           <a:p>
-            <a:pPr indent="0" lvl="0" marL="457200" rtl="0" algn="l">
+            <a:pPr marL="457200" lvl="0" indent="0" algn="l" rtl="0">
               <a:spcBef>
                 <a:spcPts val="0"/>
               </a:spcBef>
@@ -11523,27 +12053,31 @@
               <a:buNone/>
             </a:pPr>
             <a:r>
-              <a:rPr b="1" lang="ko" sz="1500">
+              <a:rPr lang="ko" sz="1500" b="1" dirty="0">
                 <a:solidFill>
                   <a:srgbClr val="666666"/>
                 </a:solidFill>
                 <a:highlight>
                   <a:srgbClr val="FFFFFF"/>
                 </a:highlight>
+                <a:latin typeface="맑은 고딕" pitchFamily="50" charset="-127"/>
+                <a:ea typeface="맑은 고딕" pitchFamily="50" charset="-127"/>
               </a:rPr>
               <a:t>1. 한번에 여러 프로그램을 열어 놓고 수행 가능</a:t>
             </a:r>
-            <a:endParaRPr b="1" sz="1500">
+            <a:endParaRPr sz="1500" b="1" dirty="0">
               <a:solidFill>
                 <a:srgbClr val="666666"/>
               </a:solidFill>
               <a:highlight>
                 <a:srgbClr val="FFFFFF"/>
               </a:highlight>
+              <a:latin typeface="맑은 고딕" pitchFamily="50" charset="-127"/>
+              <a:ea typeface="맑은 고딕" pitchFamily="50" charset="-127"/>
             </a:endParaRPr>
           </a:p>
           <a:p>
-            <a:pPr indent="0" lvl="0" marL="457200" rtl="0" algn="l">
+            <a:pPr marL="457200" lvl="0" indent="0" algn="l" rtl="0">
               <a:spcBef>
                 <a:spcPts val="0"/>
               </a:spcBef>
@@ -11552,20 +12086,19 @@
               </a:spcAft>
               <a:buNone/>
             </a:pPr>
-            <a:r>
-              <a:t/>
-            </a:r>
-            <a:endParaRPr b="1" sz="1500">
+            <a:endParaRPr sz="1500" b="1" dirty="0">
               <a:solidFill>
                 <a:srgbClr val="666666"/>
               </a:solidFill>
               <a:highlight>
                 <a:srgbClr val="FFFFFF"/>
               </a:highlight>
+              <a:latin typeface="맑은 고딕" pitchFamily="50" charset="-127"/>
+              <a:ea typeface="맑은 고딕" pitchFamily="50" charset="-127"/>
             </a:endParaRPr>
           </a:p>
           <a:p>
-            <a:pPr indent="0" lvl="0" marL="457200" rtl="0" algn="l">
+            <a:pPr marL="457200" lvl="0" indent="0" algn="l" rtl="0">
               <a:spcBef>
                 <a:spcPts val="0"/>
               </a:spcBef>
@@ -11575,27 +12108,31 @@
               <a:buNone/>
             </a:pPr>
             <a:r>
-              <a:rPr b="1" lang="ko" sz="1500">
+              <a:rPr lang="ko" sz="1500" b="1" dirty="0">
                 <a:solidFill>
                   <a:srgbClr val="666666"/>
                 </a:solidFill>
                 <a:highlight>
                   <a:srgbClr val="FFFFFF"/>
                 </a:highlight>
+                <a:latin typeface="맑은 고딕" pitchFamily="50" charset="-127"/>
+                <a:ea typeface="맑은 고딕" pitchFamily="50" charset="-127"/>
               </a:rPr>
               <a:t>2. 대부분이 그림형태인 아이콘으로 이루어지는 GUI환경을 제공</a:t>
             </a:r>
-            <a:endParaRPr b="1" sz="1500">
+            <a:endParaRPr sz="1500" b="1" dirty="0">
               <a:solidFill>
                 <a:srgbClr val="666666"/>
               </a:solidFill>
               <a:highlight>
                 <a:srgbClr val="FFFFFF"/>
               </a:highlight>
+              <a:latin typeface="맑은 고딕" pitchFamily="50" charset="-127"/>
+              <a:ea typeface="맑은 고딕" pitchFamily="50" charset="-127"/>
             </a:endParaRPr>
           </a:p>
           <a:p>
-            <a:pPr indent="0" lvl="0" marL="457200" rtl="0" algn="l">
+            <a:pPr marL="457200" lvl="0" indent="0" algn="l" rtl="0">
               <a:spcBef>
                 <a:spcPts val="0"/>
               </a:spcBef>
@@ -11604,20 +12141,19 @@
               </a:spcAft>
               <a:buNone/>
             </a:pPr>
-            <a:r>
-              <a:t/>
-            </a:r>
-            <a:endParaRPr b="1" sz="1500">
+            <a:endParaRPr sz="1500" b="1" dirty="0">
               <a:solidFill>
                 <a:srgbClr val="666666"/>
               </a:solidFill>
               <a:highlight>
                 <a:srgbClr val="FFFFFF"/>
               </a:highlight>
+              <a:latin typeface="맑은 고딕" pitchFamily="50" charset="-127"/>
+              <a:ea typeface="맑은 고딕" pitchFamily="50" charset="-127"/>
             </a:endParaRPr>
           </a:p>
           <a:p>
-            <a:pPr indent="0" lvl="0" marL="457200" rtl="0" algn="l">
+            <a:pPr marL="457200" lvl="0" indent="0" algn="l" rtl="0">
               <a:spcBef>
                 <a:spcPts val="0"/>
               </a:spcBef>
@@ -11627,27 +12163,31 @@
               <a:buNone/>
             </a:pPr>
             <a:r>
-              <a:rPr b="1" lang="ko" sz="1500">
+              <a:rPr lang="ko" sz="1500" b="1" dirty="0">
                 <a:solidFill>
                   <a:srgbClr val="666666"/>
                 </a:solidFill>
                 <a:highlight>
                   <a:srgbClr val="FFFFFF"/>
                 </a:highlight>
+                <a:latin typeface="맑은 고딕" pitchFamily="50" charset="-127"/>
+                <a:ea typeface="맑은 고딕" pitchFamily="50" charset="-127"/>
               </a:rPr>
               <a:t>3. 명령의 입력이 아닌 사용자의 행동(클릭)으로 여러 기능들이 수행됨</a:t>
             </a:r>
-            <a:endParaRPr b="1" sz="1500">
+            <a:endParaRPr sz="1500" b="1" dirty="0">
               <a:solidFill>
                 <a:srgbClr val="666666"/>
               </a:solidFill>
               <a:highlight>
                 <a:srgbClr val="FFFFFF"/>
               </a:highlight>
+              <a:latin typeface="맑은 고딕" pitchFamily="50" charset="-127"/>
+              <a:ea typeface="맑은 고딕" pitchFamily="50" charset="-127"/>
             </a:endParaRPr>
           </a:p>
           <a:p>
-            <a:pPr indent="0" lvl="0" marL="457200" rtl="0" algn="l">
+            <a:pPr marL="457200" lvl="0" indent="0" algn="l" rtl="0">
               <a:spcBef>
                 <a:spcPts val="0"/>
               </a:spcBef>
@@ -11656,20 +12196,19 @@
               </a:spcAft>
               <a:buNone/>
             </a:pPr>
-            <a:r>
-              <a:t/>
-            </a:r>
-            <a:endParaRPr b="1" sz="1500">
+            <a:endParaRPr sz="1500" b="1" dirty="0">
               <a:solidFill>
                 <a:srgbClr val="666666"/>
               </a:solidFill>
               <a:highlight>
                 <a:srgbClr val="FFFFFF"/>
               </a:highlight>
+              <a:latin typeface="맑은 고딕" pitchFamily="50" charset="-127"/>
+              <a:ea typeface="맑은 고딕" pitchFamily="50" charset="-127"/>
             </a:endParaRPr>
           </a:p>
           <a:p>
-            <a:pPr indent="0" lvl="0" marL="457200" rtl="0" algn="l">
+            <a:pPr marL="457200" lvl="0" indent="0" algn="l" rtl="0">
               <a:spcBef>
                 <a:spcPts val="0"/>
               </a:spcBef>
@@ -11679,27 +12218,31 @@
               <a:buNone/>
             </a:pPr>
             <a:r>
-              <a:rPr b="1" lang="ko" sz="1500">
+              <a:rPr lang="ko" sz="1500" b="1" dirty="0">
                 <a:solidFill>
                   <a:srgbClr val="666666"/>
                 </a:solidFill>
                 <a:highlight>
                   <a:srgbClr val="FFFFFF"/>
                 </a:highlight>
+                <a:latin typeface="맑은 고딕" pitchFamily="50" charset="-127"/>
+                <a:ea typeface="맑은 고딕" pitchFamily="50" charset="-127"/>
               </a:rPr>
               <a:t>4. 많은 애플리케이션 보유</a:t>
             </a:r>
-            <a:endParaRPr b="1" sz="1500">
+            <a:endParaRPr sz="1500" b="1" dirty="0">
               <a:solidFill>
                 <a:srgbClr val="666666"/>
               </a:solidFill>
               <a:highlight>
                 <a:srgbClr val="FFFFFF"/>
               </a:highlight>
+              <a:latin typeface="맑은 고딕" pitchFamily="50" charset="-127"/>
+              <a:ea typeface="맑은 고딕" pitchFamily="50" charset="-127"/>
             </a:endParaRPr>
           </a:p>
           <a:p>
-            <a:pPr indent="0" lvl="0" marL="457200" rtl="0" algn="l">
+            <a:pPr marL="457200" lvl="0" indent="0" algn="l" rtl="0">
               <a:spcBef>
                 <a:spcPts val="0"/>
               </a:spcBef>
@@ -11708,20 +12251,19 @@
               </a:spcAft>
               <a:buNone/>
             </a:pPr>
-            <a:r>
-              <a:t/>
-            </a:r>
-            <a:endParaRPr b="1" sz="1500">
+            <a:endParaRPr sz="1500" b="1" dirty="0">
               <a:solidFill>
                 <a:srgbClr val="666666"/>
               </a:solidFill>
               <a:highlight>
                 <a:srgbClr val="FFFFFF"/>
               </a:highlight>
+              <a:latin typeface="맑은 고딕" pitchFamily="50" charset="-127"/>
+              <a:ea typeface="맑은 고딕" pitchFamily="50" charset="-127"/>
             </a:endParaRPr>
           </a:p>
           <a:p>
-            <a:pPr indent="0" lvl="0" marL="457200" rtl="0" algn="l">
+            <a:pPr marL="457200" lvl="0" indent="0" algn="l" rtl="0">
               <a:spcBef>
                 <a:spcPts val="0"/>
               </a:spcBef>
@@ -11731,27 +12273,31 @@
               <a:buNone/>
             </a:pPr>
             <a:r>
-              <a:rPr b="1" lang="ko" sz="1500">
+              <a:rPr lang="ko" sz="1500" b="1" dirty="0">
                 <a:solidFill>
                   <a:srgbClr val="666666"/>
                 </a:solidFill>
                 <a:highlight>
                   <a:srgbClr val="FFFFFF"/>
                 </a:highlight>
+                <a:latin typeface="맑은 고딕" pitchFamily="50" charset="-127"/>
+                <a:ea typeface="맑은 고딕" pitchFamily="50" charset="-127"/>
               </a:rPr>
               <a:t>5. 메모리 제한이 적음</a:t>
             </a:r>
-            <a:endParaRPr b="1" sz="1500">
+            <a:endParaRPr sz="1500" b="1" dirty="0">
               <a:solidFill>
                 <a:srgbClr val="666666"/>
               </a:solidFill>
               <a:highlight>
                 <a:srgbClr val="FFFFFF"/>
               </a:highlight>
+              <a:latin typeface="맑은 고딕" pitchFamily="50" charset="-127"/>
+              <a:ea typeface="맑은 고딕" pitchFamily="50" charset="-127"/>
             </a:endParaRPr>
           </a:p>
           <a:p>
-            <a:pPr indent="0" lvl="0" marL="457200" rtl="0" algn="l">
+            <a:pPr marL="457200" lvl="0" indent="0" algn="l" rtl="0">
               <a:spcBef>
                 <a:spcPts val="0"/>
               </a:spcBef>
@@ -11760,20 +12306,19 @@
               </a:spcAft>
               <a:buNone/>
             </a:pPr>
-            <a:r>
-              <a:t/>
-            </a:r>
-            <a:endParaRPr b="1" sz="1500">
+            <a:endParaRPr sz="1500" b="1" dirty="0">
               <a:solidFill>
                 <a:srgbClr val="666666"/>
               </a:solidFill>
               <a:highlight>
                 <a:srgbClr val="FFFFFF"/>
               </a:highlight>
+              <a:latin typeface="맑은 고딕" pitchFamily="50" charset="-127"/>
+              <a:ea typeface="맑은 고딕" pitchFamily="50" charset="-127"/>
             </a:endParaRPr>
           </a:p>
           <a:p>
-            <a:pPr indent="0" lvl="0" marL="457200" rtl="0" algn="l">
+            <a:pPr marL="457200" lvl="0" indent="0" algn="l" rtl="0">
               <a:spcBef>
                 <a:spcPts val="0"/>
               </a:spcBef>
@@ -11783,23 +12328,27 @@
               <a:buNone/>
             </a:pPr>
             <a:r>
-              <a:rPr b="1" lang="ko" sz="1500">
+              <a:rPr lang="ko" sz="1500" b="1" dirty="0">
                 <a:solidFill>
                   <a:srgbClr val="666666"/>
                 </a:solidFill>
                 <a:highlight>
                   <a:srgbClr val="FFFFFF"/>
                 </a:highlight>
+                <a:latin typeface="맑은 고딕" pitchFamily="50" charset="-127"/>
+                <a:ea typeface="맑은 고딕" pitchFamily="50" charset="-127"/>
               </a:rPr>
               <a:t>6. 도움말 기능이 풍부해 별도의 메뉴얼이 필요없음</a:t>
             </a:r>
-            <a:endParaRPr b="1" sz="1500">
+            <a:endParaRPr sz="1500" b="1" dirty="0">
               <a:solidFill>
                 <a:srgbClr val="666666"/>
               </a:solidFill>
               <a:highlight>
                 <a:srgbClr val="FFFFFF"/>
               </a:highlight>
+              <a:latin typeface="맑은 고딕" pitchFamily="50" charset="-127"/>
+              <a:ea typeface="맑은 고딕" pitchFamily="50" charset="-127"/>
             </a:endParaRPr>
           </a:p>
         </p:txBody>
@@ -11824,12 +12373,12 @@
           </a:ln>
         </p:spPr>
         <p:txBody>
-          <a:bodyPr anchorCtr="0" anchor="t" bIns="91425" lIns="91425" spcFirstLastPara="1" rIns="91425" wrap="square" tIns="91425">
+          <a:bodyPr spcFirstLastPara="1" wrap="square" lIns="91425" tIns="91425" rIns="91425" bIns="91425" anchor="t" anchorCtr="0">
             <a:noAutofit/>
           </a:bodyPr>
           <a:lstStyle/>
           <a:p>
-            <a:pPr indent="0" lvl="0" marL="0" rtl="0" algn="l">
+            <a:pPr marL="0" lvl="0" indent="0" algn="l" rtl="0">
               <a:spcBef>
                 <a:spcPts val="0"/>
               </a:spcBef>
@@ -11867,11 +12416,18 @@
   <p:clrMapOvr>
     <a:masterClrMapping/>
   </p:clrMapOvr>
+  <p:timing>
+    <p:tnLst>
+      <p:par>
+        <p:cTn id="1" dur="indefinite" restart="never" nodeType="tmRoot"/>
+      </p:par>
+    </p:tnLst>
+  </p:timing>
 </p:sld>
 </file>
 
 <file path=ppt/theme/theme1.xml><?xml version="1.0" encoding="utf-8"?>
-<a:theme xmlns:a="http://schemas.openxmlformats.org/drawingml/2006/main" xmlns:r="http://schemas.openxmlformats.org/officeDocument/2006/relationships" name="Tropic">
+<a:theme xmlns:a="http://schemas.openxmlformats.org/drawingml/2006/main" name="Tropic">
   <a:themeElements>
     <a:clrScheme name="Tropic">
       <a:dk1>
@@ -12146,11 +12702,13 @@
       </a:bgFillStyleLst>
     </a:fmtScheme>
   </a:themeElements>
+  <a:objectDefaults/>
+  <a:extraClrSchemeLst/>
 </a:theme>
 </file>
 
 <file path=ppt/theme/theme2.xml><?xml version="1.0" encoding="utf-8"?>
-<a:theme xmlns:a="http://schemas.openxmlformats.org/drawingml/2006/main" xmlns:r="http://schemas.openxmlformats.org/officeDocument/2006/relationships">
+<a:theme xmlns:a="http://schemas.openxmlformats.org/drawingml/2006/main">
   <a:themeElements>
     <a:clrScheme name="Default">
       <a:dk1>
@@ -12425,5 +12983,7 @@
       </a:bgFillStyleLst>
     </a:fmtScheme>
   </a:themeElements>
+  <a:objectDefaults/>
+  <a:extraClrSchemeLst/>
 </a:theme>
 </file>